--- a/ppt/Presentation.pptx
+++ b/ppt/Presentation.pptx
@@ -5,14 +5,15 @@
     <p:sldMasterId id="2147483660" r:id="rId1"/>
   </p:sldMasterIdLst>
   <p:notesMasterIdLst>
-    <p:notesMasterId r:id="rId7"/>
+    <p:notesMasterId r:id="rId8"/>
   </p:notesMasterIdLst>
   <p:sldIdLst>
     <p:sldId id="256" r:id="rId2"/>
     <p:sldId id="259" r:id="rId3"/>
     <p:sldId id="260" r:id="rId4"/>
-    <p:sldId id="257" r:id="rId5"/>
-    <p:sldId id="261" r:id="rId6"/>
+    <p:sldId id="262" r:id="rId5"/>
+    <p:sldId id="257" r:id="rId6"/>
+    <p:sldId id="261" r:id="rId7"/>
   </p:sldIdLst>
   <p:sldSz cx="9906000" cy="6858000" type="A4"/>
   <p:notesSz cx="6858000" cy="9144000"/>
@@ -111,7 +112,16 @@
       </a:defRPr>
     </a:lvl9pPr>
   </p:defaultTextStyle>
+  <p:extLst>
+    <p:ext uri="{EFAFB233-063F-42B5-8137-9DF3F51BA10A}">
+      <p15:sldGuideLst xmlns:p15="http://schemas.microsoft.com/office/powerpoint/2012/main"/>
+    </p:ext>
+  </p:extLst>
 </p:presentation>
+</file>
+
+<file path=ppt/revisionInfo.xml><?xml version="1.0" encoding="utf-8"?>
+<p1510:revInfo xmlns:a="http://schemas.openxmlformats.org/drawingml/2006/main" xmlns:r="http://schemas.openxmlformats.org/officeDocument/2006/relationships" xmlns:p1510="http://schemas.microsoft.com/office/powerpoint/2015/10/main"/>
 </file>
 
 <file path=ppt/notesMasters/notesMaster1.xml><?xml version="1.0" encoding="utf-8"?>
@@ -196,7 +206,7 @@
           <a:p>
             <a:fld id="{4FDE70D7-0AB7-4E11-8116-CCC73F5E7693}" type="datetimeFigureOut">
               <a:rPr lang="en-US" smtClean="0"/>
-              <a:t>10/20/2017</a:t>
+              <a:t>10/24/2017</a:t>
             </a:fld>
             <a:endParaRPr lang="en-US"/>
           </a:p>
@@ -594,7 +604,7 @@
           <a:p>
             <a:fld id="{5070667B-8CBE-4DAB-9654-3E33F49025B8}" type="datetimeFigureOut">
               <a:rPr lang="en-US" smtClean="0"/>
-              <a:t>10/20/2017</a:t>
+              <a:t>10/24/2017</a:t>
             </a:fld>
             <a:endParaRPr lang="en-US"/>
           </a:p>
@@ -764,7 +774,7 @@
           <a:p>
             <a:fld id="{5070667B-8CBE-4DAB-9654-3E33F49025B8}" type="datetimeFigureOut">
               <a:rPr lang="en-US" smtClean="0"/>
-              <a:t>10/20/2017</a:t>
+              <a:t>10/24/2017</a:t>
             </a:fld>
             <a:endParaRPr lang="en-US"/>
           </a:p>
@@ -944,7 +954,7 @@
           <a:p>
             <a:fld id="{5070667B-8CBE-4DAB-9654-3E33F49025B8}" type="datetimeFigureOut">
               <a:rPr lang="en-US" smtClean="0"/>
-              <a:t>10/20/2017</a:t>
+              <a:t>10/24/2017</a:t>
             </a:fld>
             <a:endParaRPr lang="en-US"/>
           </a:p>
@@ -1114,7 +1124,7 @@
           <a:p>
             <a:fld id="{5070667B-8CBE-4DAB-9654-3E33F49025B8}" type="datetimeFigureOut">
               <a:rPr lang="en-US" smtClean="0"/>
-              <a:t>10/20/2017</a:t>
+              <a:t>10/24/2017</a:t>
             </a:fld>
             <a:endParaRPr lang="en-US"/>
           </a:p>
@@ -1358,7 +1368,7 @@
           <a:p>
             <a:fld id="{5070667B-8CBE-4DAB-9654-3E33F49025B8}" type="datetimeFigureOut">
               <a:rPr lang="en-US" smtClean="0"/>
-              <a:t>10/20/2017</a:t>
+              <a:t>10/24/2017</a:t>
             </a:fld>
             <a:endParaRPr lang="en-US"/>
           </a:p>
@@ -1590,7 +1600,7 @@
           <a:p>
             <a:fld id="{5070667B-8CBE-4DAB-9654-3E33F49025B8}" type="datetimeFigureOut">
               <a:rPr lang="en-US" smtClean="0"/>
-              <a:t>10/20/2017</a:t>
+              <a:t>10/24/2017</a:t>
             </a:fld>
             <a:endParaRPr lang="en-US"/>
           </a:p>
@@ -1957,7 +1967,7 @@
           <a:p>
             <a:fld id="{5070667B-8CBE-4DAB-9654-3E33F49025B8}" type="datetimeFigureOut">
               <a:rPr lang="en-US" smtClean="0"/>
-              <a:t>10/20/2017</a:t>
+              <a:t>10/24/2017</a:t>
             </a:fld>
             <a:endParaRPr lang="en-US"/>
           </a:p>
@@ -2075,7 +2085,7 @@
           <a:p>
             <a:fld id="{5070667B-8CBE-4DAB-9654-3E33F49025B8}" type="datetimeFigureOut">
               <a:rPr lang="en-US" smtClean="0"/>
-              <a:t>10/20/2017</a:t>
+              <a:t>10/24/2017</a:t>
             </a:fld>
             <a:endParaRPr lang="en-US"/>
           </a:p>
@@ -2170,7 +2180,7 @@
           <a:p>
             <a:fld id="{5070667B-8CBE-4DAB-9654-3E33F49025B8}" type="datetimeFigureOut">
               <a:rPr lang="en-US" smtClean="0"/>
-              <a:t>10/20/2017</a:t>
+              <a:t>10/24/2017</a:t>
             </a:fld>
             <a:endParaRPr lang="en-US"/>
           </a:p>
@@ -2447,7 +2457,7 @@
           <a:p>
             <a:fld id="{5070667B-8CBE-4DAB-9654-3E33F49025B8}" type="datetimeFigureOut">
               <a:rPr lang="en-US" smtClean="0"/>
-              <a:t>10/20/2017</a:t>
+              <a:t>10/24/2017</a:t>
             </a:fld>
             <a:endParaRPr lang="en-US"/>
           </a:p>
@@ -2704,7 +2714,7 @@
           <a:p>
             <a:fld id="{5070667B-8CBE-4DAB-9654-3E33F49025B8}" type="datetimeFigureOut">
               <a:rPr lang="en-US" smtClean="0"/>
-              <a:t>10/20/2017</a:t>
+              <a:t>10/24/2017</a:t>
             </a:fld>
             <a:endParaRPr lang="en-US"/>
           </a:p>
@@ -2917,7 +2927,7 @@
           <a:p>
             <a:fld id="{5070667B-8CBE-4DAB-9654-3E33F49025B8}" type="datetimeFigureOut">
               <a:rPr lang="en-US" smtClean="0"/>
-              <a:t>10/20/2017</a:t>
+              <a:t>10/24/2017</a:t>
             </a:fld>
             <a:endParaRPr lang="en-US"/>
           </a:p>
@@ -3382,6 +3392,47 @@
               <a:t>Application of Network Based Co-Expression Expression Patterns to Differential Expression of Genes in Tumorigenic Prostate Epithelial Cells</a:t>
             </a:r>
           </a:p>
+          <a:p>
+            <a:r>
+              <a:rPr lang="en-US" dirty="0">
+                <a:latin typeface="Arial" panose="020B0604020202020204" pitchFamily="34" charset="0"/>
+                <a:cs typeface="Arial" panose="020B0604020202020204" pitchFamily="34" charset="0"/>
+              </a:rPr>
+              <a:t>A Comparison of </a:t>
+            </a:r>
+            <a:r>
+              <a:rPr lang="en-US" i="1" dirty="0" err="1">
+                <a:latin typeface="Arial" panose="020B0604020202020204" pitchFamily="34" charset="0"/>
+                <a:cs typeface="Arial" panose="020B0604020202020204" pitchFamily="34" charset="0"/>
+              </a:rPr>
+              <a:t>limma</a:t>
+            </a:r>
+            <a:r>
+              <a:rPr lang="en-US" i="1" dirty="0">
+                <a:latin typeface="Arial" panose="020B0604020202020204" pitchFamily="34" charset="0"/>
+                <a:cs typeface="Arial" panose="020B0604020202020204" pitchFamily="34" charset="0"/>
+              </a:rPr>
+              <a:t> </a:t>
+            </a:r>
+            <a:r>
+              <a:rPr lang="en-US" dirty="0">
+                <a:latin typeface="Arial" panose="020B0604020202020204" pitchFamily="34" charset="0"/>
+                <a:cs typeface="Arial" panose="020B0604020202020204" pitchFamily="34" charset="0"/>
+              </a:rPr>
+              <a:t>and </a:t>
+            </a:r>
+            <a:r>
+              <a:rPr lang="en-US" i="1" dirty="0">
+                <a:latin typeface="Arial" panose="020B0604020202020204" pitchFamily="34" charset="0"/>
+                <a:cs typeface="Arial" panose="020B0604020202020204" pitchFamily="34" charset="0"/>
+              </a:rPr>
+              <a:t>NACEP</a:t>
+            </a:r>
+            <a:endParaRPr lang="en-US" dirty="0">
+              <a:latin typeface="Arial" panose="020B0604020202020204" pitchFamily="34" charset="0"/>
+              <a:cs typeface="Arial" panose="020B0604020202020204" pitchFamily="34" charset="0"/>
+            </a:endParaRPr>
+          </a:p>
         </p:txBody>
       </p:sp>
     </p:spTree>
@@ -3480,6 +3531,27 @@
               </a:rPr>
               <a:t>limma</a:t>
             </a:r>
+            <a:endParaRPr lang="en-US" i="1" dirty="0">
+              <a:latin typeface="Arial" panose="020B0604020202020204" pitchFamily="34" charset="0"/>
+              <a:cs typeface="Arial" panose="020B0604020202020204" pitchFamily="34" charset="0"/>
+            </a:endParaRPr>
+          </a:p>
+          <a:p>
+            <a:pPr lvl="1"/>
+            <a:r>
+              <a:rPr lang="en-US" dirty="0">
+                <a:latin typeface="Arial" panose="020B0604020202020204" pitchFamily="34" charset="0"/>
+                <a:cs typeface="Arial" panose="020B0604020202020204" pitchFamily="34" charset="0"/>
+              </a:rPr>
+              <a:t>Linear model for microarray and </a:t>
+            </a:r>
+            <a:r>
+              <a:rPr lang="en-US" dirty="0" err="1">
+                <a:latin typeface="Arial" panose="020B0604020202020204" pitchFamily="34" charset="0"/>
+                <a:cs typeface="Arial" panose="020B0604020202020204" pitchFamily="34" charset="0"/>
+              </a:rPr>
+              <a:t>RNAseq</a:t>
+            </a:r>
             <a:endParaRPr lang="en-US" dirty="0">
               <a:latin typeface="Arial" panose="020B0604020202020204" pitchFamily="34" charset="0"/>
               <a:cs typeface="Arial" panose="020B0604020202020204" pitchFamily="34" charset="0"/>
@@ -3501,6 +3573,164 @@
 </file>
 
 <file path=ppt/slides/slide3.xml><?xml version="1.0" encoding="utf-8"?>
+<p:sld xmlns:a="http://schemas.openxmlformats.org/drawingml/2006/main" xmlns:r="http://schemas.openxmlformats.org/officeDocument/2006/relationships" xmlns:p="http://schemas.openxmlformats.org/presentationml/2006/main">
+  <p:cSld>
+    <p:spTree>
+      <p:nvGrpSpPr>
+        <p:cNvPr id="1" name=""/>
+        <p:cNvGrpSpPr/>
+        <p:nvPr/>
+      </p:nvGrpSpPr>
+      <p:grpSpPr>
+        <a:xfrm>
+          <a:off x="0" y="0"/>
+          <a:ext cx="0" cy="0"/>
+          <a:chOff x="0" y="0"/>
+          <a:chExt cx="0" cy="0"/>
+        </a:xfrm>
+      </p:grpSpPr>
+      <p:sp>
+        <p:nvSpPr>
+          <p:cNvPr id="2" name="Title 1">
+            <a:extLst>
+              <a:ext uri="{FF2B5EF4-FFF2-40B4-BE49-F238E27FC236}">
+                <a16:creationId xmlns:a16="http://schemas.microsoft.com/office/drawing/2014/main" id="{A19F8918-942B-46A7-987B-8E6322997A24}"/>
+              </a:ext>
+            </a:extLst>
+          </p:cNvPr>
+          <p:cNvSpPr>
+            <a:spLocks noGrp="1"/>
+          </p:cNvSpPr>
+          <p:nvPr>
+            <p:ph type="title"/>
+          </p:nvPr>
+        </p:nvSpPr>
+        <p:spPr/>
+        <p:txBody>
+          <a:bodyPr/>
+          <a:lstStyle/>
+          <a:p>
+            <a:pPr algn="ctr"/>
+            <a:r>
+              <a:rPr lang="en-US" dirty="0">
+                <a:latin typeface="Arial" panose="020B0604020202020204" pitchFamily="34" charset="0"/>
+                <a:cs typeface="Arial" panose="020B0604020202020204" pitchFamily="34" charset="0"/>
+              </a:rPr>
+              <a:t>Linear Models for Microarray and </a:t>
+            </a:r>
+            <a:r>
+              <a:rPr lang="en-US" dirty="0" err="1">
+                <a:latin typeface="Arial" panose="020B0604020202020204" pitchFamily="34" charset="0"/>
+                <a:cs typeface="Arial" panose="020B0604020202020204" pitchFamily="34" charset="0"/>
+              </a:rPr>
+              <a:t>RNAseq</a:t>
+            </a:r>
+            <a:endParaRPr lang="en-US" dirty="0">
+              <a:latin typeface="Arial" panose="020B0604020202020204" pitchFamily="34" charset="0"/>
+              <a:cs typeface="Arial" panose="020B0604020202020204" pitchFamily="34" charset="0"/>
+            </a:endParaRPr>
+          </a:p>
+        </p:txBody>
+      </p:sp>
+      <p:pic>
+        <p:nvPicPr>
+          <p:cNvPr id="1026" name="Picture 2">
+            <a:extLst>
+              <a:ext uri="{FF2B5EF4-FFF2-40B4-BE49-F238E27FC236}">
+                <a16:creationId xmlns:a16="http://schemas.microsoft.com/office/drawing/2014/main" id="{09C4BE47-4DBA-4357-A50A-06DF2ACB62CC}"/>
+              </a:ext>
+            </a:extLst>
+          </p:cNvPr>
+          <p:cNvPicPr>
+            <a:picLocks noChangeAspect="1" noChangeArrowheads="1"/>
+          </p:cNvPicPr>
+          <p:nvPr/>
+        </p:nvPicPr>
+        <p:blipFill>
+          <a:blip r:embed="rId2">
+            <a:extLst>
+              <a:ext uri="{28A0092B-C50C-407E-A947-70E740481C1C}">
+                <a14:useLocalDpi xmlns:a14="http://schemas.microsoft.com/office/drawing/2010/main" val="0"/>
+              </a:ext>
+            </a:extLst>
+          </a:blip>
+          <a:stretch>
+            <a:fillRect/>
+          </a:stretch>
+        </p:blipFill>
+        <p:spPr bwMode="auto">
+          <a:xfrm>
+            <a:off x="1316218" y="1690688"/>
+            <a:ext cx="7273563" cy="4767202"/>
+          </a:xfrm>
+          <a:prstGeom prst="rect">
+            <a:avLst/>
+          </a:prstGeom>
+          <a:noFill/>
+          <a:extLst>
+            <a:ext uri="{909E8E84-426E-40DD-AFC4-6F175D3DCCD1}">
+              <a14:hiddenFill xmlns:a14="http://schemas.microsoft.com/office/drawing/2010/main">
+                <a:solidFill>
+                  <a:srgbClr val="FFFFFF"/>
+                </a:solidFill>
+              </a14:hiddenFill>
+            </a:ext>
+          </a:extLst>
+        </p:spPr>
+      </p:pic>
+      <p:sp>
+        <p:nvSpPr>
+          <p:cNvPr id="4" name="TextBox 3">
+            <a:extLst>
+              <a:ext uri="{FF2B5EF4-FFF2-40B4-BE49-F238E27FC236}">
+                <a16:creationId xmlns:a16="http://schemas.microsoft.com/office/drawing/2014/main" id="{2E25847E-8CD1-494C-9535-65958977E438}"/>
+              </a:ext>
+            </a:extLst>
+          </p:cNvPr>
+          <p:cNvSpPr txBox="1"/>
+          <p:nvPr/>
+        </p:nvSpPr>
+        <p:spPr>
+          <a:xfrm>
+            <a:off x="4536831" y="6457890"/>
+            <a:ext cx="5369169" cy="400110"/>
+          </a:xfrm>
+          <a:prstGeom prst="rect">
+            <a:avLst/>
+          </a:prstGeom>
+          <a:noFill/>
+        </p:spPr>
+        <p:txBody>
+          <a:bodyPr wrap="square" rtlCol="0">
+            <a:spAutoFit/>
+          </a:bodyPr>
+          <a:lstStyle/>
+          <a:p>
+            <a:pPr algn="r"/>
+            <a:r>
+              <a:rPr lang="en-US" sz="2000" i="1" dirty="0">
+                <a:latin typeface="Arial" panose="020B0604020202020204" pitchFamily="34" charset="0"/>
+                <a:cs typeface="Arial" panose="020B0604020202020204" pitchFamily="34" charset="0"/>
+              </a:rPr>
+              <a:t>Ritchie et al., Nucleic Acids Research (2015)</a:t>
+            </a:r>
+          </a:p>
+        </p:txBody>
+      </p:sp>
+    </p:spTree>
+    <p:extLst>
+      <p:ext uri="{BB962C8B-B14F-4D97-AF65-F5344CB8AC3E}">
+        <p14:creationId xmlns:p14="http://schemas.microsoft.com/office/powerpoint/2010/main" val="1663791478"/>
+      </p:ext>
+    </p:extLst>
+  </p:cSld>
+  <p:clrMapOvr>
+    <a:masterClrMapping/>
+  </p:clrMapOvr>
+</p:sld>
+</file>
+
+<file path=ppt/slides/slide4.xml><?xml version="1.0" encoding="utf-8"?>
 <p:sld xmlns:a="http://schemas.openxmlformats.org/drawingml/2006/main" xmlns:r="http://schemas.openxmlformats.org/officeDocument/2006/relationships" xmlns:p="http://schemas.openxmlformats.org/presentationml/2006/main">
   <p:cSld>
     <p:spTree>
@@ -3624,6 +3854,7 @@
           </a:bodyPr>
           <a:lstStyle/>
           <a:p>
+            <a:pPr algn="r"/>
             <a:r>
               <a:rPr lang="en-US" sz="2000" i="1" dirty="0">
                 <a:latin typeface="Arial" panose="020B0604020202020204" pitchFamily="34" charset="0"/>
@@ -3637,7 +3868,7 @@
     </p:spTree>
     <p:extLst>
       <p:ext uri="{BB962C8B-B14F-4D97-AF65-F5344CB8AC3E}">
-        <p14:creationId xmlns:p14="http://schemas.microsoft.com/office/powerpoint/2010/main" val="1663791478"/>
+        <p14:creationId xmlns:p14="http://schemas.microsoft.com/office/powerpoint/2010/main" val="834946923"/>
       </p:ext>
     </p:extLst>
   </p:cSld>
@@ -3647,7 +3878,7 @@
 </p:sld>
 </file>
 
-<file path=ppt/slides/slide4.xml><?xml version="1.0" encoding="utf-8"?>
+<file path=ppt/slides/slide5.xml><?xml version="1.0" encoding="utf-8"?>
 <p:sld xmlns:a="http://schemas.openxmlformats.org/drawingml/2006/main" xmlns:r="http://schemas.openxmlformats.org/officeDocument/2006/relationships" xmlns:p="http://schemas.openxmlformats.org/presentationml/2006/main">
   <p:cSld>
     <p:spTree>
@@ -5405,7 +5636,7 @@
 </p:sld>
 </file>
 
-<file path=ppt/slides/slide5.xml><?xml version="1.0" encoding="utf-8"?>
+<file path=ppt/slides/slide6.xml><?xml version="1.0" encoding="utf-8"?>
 <p:sld xmlns:a="http://schemas.openxmlformats.org/drawingml/2006/main" xmlns:r="http://schemas.openxmlformats.org/officeDocument/2006/relationships" xmlns:p="http://schemas.openxmlformats.org/presentationml/2006/main">
   <p:cSld>
     <p:spTree>

--- a/ppt/Presentation.pptx
+++ b/ppt/Presentation.pptx
@@ -5,15 +5,23 @@
     <p:sldMasterId id="2147483660" r:id="rId1"/>
   </p:sldMasterIdLst>
   <p:notesMasterIdLst>
-    <p:notesMasterId r:id="rId8"/>
+    <p:notesMasterId r:id="rId16"/>
   </p:notesMasterIdLst>
   <p:sldIdLst>
     <p:sldId id="256" r:id="rId2"/>
-    <p:sldId id="259" r:id="rId3"/>
-    <p:sldId id="260" r:id="rId4"/>
-    <p:sldId id="262" r:id="rId5"/>
-    <p:sldId id="257" r:id="rId6"/>
-    <p:sldId id="261" r:id="rId7"/>
+    <p:sldId id="262" r:id="rId3"/>
+    <p:sldId id="263" r:id="rId4"/>
+    <p:sldId id="264" r:id="rId5"/>
+    <p:sldId id="265" r:id="rId6"/>
+    <p:sldId id="266" r:id="rId7"/>
+    <p:sldId id="267" r:id="rId8"/>
+    <p:sldId id="268" r:id="rId9"/>
+    <p:sldId id="269" r:id="rId10"/>
+    <p:sldId id="270" r:id="rId11"/>
+    <p:sldId id="257" r:id="rId12"/>
+    <p:sldId id="271" r:id="rId13"/>
+    <p:sldId id="272" r:id="rId14"/>
+    <p:sldId id="261" r:id="rId15"/>
   </p:sldIdLst>
   <p:sldSz cx="9906000" cy="6858000" type="A4"/>
   <p:notesSz cx="6858000" cy="9144000"/>
@@ -124,6 +132,3417 @@
 <p1510:revInfo xmlns:a="http://schemas.openxmlformats.org/drawingml/2006/main" xmlns:r="http://schemas.openxmlformats.org/officeDocument/2006/relationships" xmlns:p1510="http://schemas.microsoft.com/office/powerpoint/2015/10/main"/>
 </file>
 
+<file path=ppt/diagrams/colors1.xml><?xml version="1.0" encoding="utf-8"?>
+<dgm:colorsDef xmlns:dgm="http://schemas.openxmlformats.org/drawingml/2006/diagram" xmlns:a="http://schemas.openxmlformats.org/drawingml/2006/main" uniqueId="urn:microsoft.com/office/officeart/2005/8/colors/colorful1">
+  <dgm:title val=""/>
+  <dgm:desc val=""/>
+  <dgm:catLst>
+    <dgm:cat type="colorful" pri="10100"/>
+  </dgm:catLst>
+  <dgm:styleLbl name="node0">
+    <dgm:fillClrLst meth="repeat">
+      <a:schemeClr val="accent1"/>
+    </dgm:fillClrLst>
+    <dgm:linClrLst meth="repeat">
+      <a:schemeClr val="lt1"/>
+    </dgm:linClrLst>
+    <dgm:effectClrLst/>
+    <dgm:txLinClrLst/>
+    <dgm:txFillClrLst/>
+    <dgm:txEffectClrLst/>
+  </dgm:styleLbl>
+  <dgm:styleLbl name="node1">
+    <dgm:fillClrLst meth="repeat">
+      <a:schemeClr val="accent2"/>
+      <a:schemeClr val="accent3"/>
+      <a:schemeClr val="accent4"/>
+      <a:schemeClr val="accent5"/>
+      <a:schemeClr val="accent6"/>
+    </dgm:fillClrLst>
+    <dgm:linClrLst meth="repeat">
+      <a:schemeClr val="lt1"/>
+    </dgm:linClrLst>
+    <dgm:effectClrLst/>
+    <dgm:txLinClrLst/>
+    <dgm:txFillClrLst/>
+    <dgm:txEffectClrLst/>
+  </dgm:styleLbl>
+  <dgm:styleLbl name="alignNode1">
+    <dgm:fillClrLst meth="repeat">
+      <a:schemeClr val="accent2"/>
+      <a:schemeClr val="accent3"/>
+      <a:schemeClr val="accent4"/>
+      <a:schemeClr val="accent5"/>
+      <a:schemeClr val="accent6"/>
+    </dgm:fillClrLst>
+    <dgm:linClrLst meth="repeat">
+      <a:schemeClr val="accent2"/>
+      <a:schemeClr val="accent3"/>
+      <a:schemeClr val="accent4"/>
+      <a:schemeClr val="accent5"/>
+      <a:schemeClr val="accent6"/>
+    </dgm:linClrLst>
+    <dgm:effectClrLst/>
+    <dgm:txLinClrLst/>
+    <dgm:txFillClrLst/>
+    <dgm:txEffectClrLst/>
+  </dgm:styleLbl>
+  <dgm:styleLbl name="lnNode1">
+    <dgm:fillClrLst meth="repeat">
+      <a:schemeClr val="accent2"/>
+      <a:schemeClr val="accent3"/>
+      <a:schemeClr val="accent4"/>
+      <a:schemeClr val="accent5"/>
+      <a:schemeClr val="accent6"/>
+    </dgm:fillClrLst>
+    <dgm:linClrLst meth="repeat">
+      <a:schemeClr val="lt1"/>
+    </dgm:linClrLst>
+    <dgm:effectClrLst/>
+    <dgm:txLinClrLst/>
+    <dgm:txFillClrLst/>
+    <dgm:txEffectClrLst/>
+  </dgm:styleLbl>
+  <dgm:styleLbl name="vennNode1">
+    <dgm:fillClrLst meth="repeat">
+      <a:schemeClr val="accent2">
+        <a:alpha val="50000"/>
+      </a:schemeClr>
+      <a:schemeClr val="accent3">
+        <a:alpha val="50000"/>
+      </a:schemeClr>
+      <a:schemeClr val="accent4">
+        <a:alpha val="50000"/>
+      </a:schemeClr>
+      <a:schemeClr val="accent5">
+        <a:alpha val="50000"/>
+      </a:schemeClr>
+      <a:schemeClr val="accent6">
+        <a:alpha val="50000"/>
+      </a:schemeClr>
+    </dgm:fillClrLst>
+    <dgm:linClrLst meth="repeat">
+      <a:schemeClr val="lt1"/>
+    </dgm:linClrLst>
+    <dgm:effectClrLst/>
+    <dgm:txLinClrLst/>
+    <dgm:txFillClrLst/>
+    <dgm:txEffectClrLst/>
+  </dgm:styleLbl>
+  <dgm:styleLbl name="node2">
+    <dgm:fillClrLst>
+      <a:schemeClr val="accent2"/>
+    </dgm:fillClrLst>
+    <dgm:linClrLst meth="repeat">
+      <a:schemeClr val="lt1"/>
+    </dgm:linClrLst>
+    <dgm:effectClrLst/>
+    <dgm:txLinClrLst/>
+    <dgm:txFillClrLst/>
+    <dgm:txEffectClrLst/>
+  </dgm:styleLbl>
+  <dgm:styleLbl name="node3">
+    <dgm:fillClrLst>
+      <a:schemeClr val="accent3"/>
+    </dgm:fillClrLst>
+    <dgm:linClrLst meth="repeat">
+      <a:schemeClr val="lt1"/>
+    </dgm:linClrLst>
+    <dgm:effectClrLst/>
+    <dgm:txLinClrLst/>
+    <dgm:txFillClrLst/>
+    <dgm:txEffectClrLst/>
+  </dgm:styleLbl>
+  <dgm:styleLbl name="node4">
+    <dgm:fillClrLst>
+      <a:schemeClr val="accent4"/>
+    </dgm:fillClrLst>
+    <dgm:linClrLst meth="repeat">
+      <a:schemeClr val="lt1"/>
+    </dgm:linClrLst>
+    <dgm:effectClrLst/>
+    <dgm:txLinClrLst/>
+    <dgm:txFillClrLst/>
+    <dgm:txEffectClrLst/>
+  </dgm:styleLbl>
+  <dgm:styleLbl name="fgImgPlace1">
+    <dgm:fillClrLst meth="repeat">
+      <a:schemeClr val="accent2">
+        <a:tint val="50000"/>
+      </a:schemeClr>
+      <a:schemeClr val="accent3">
+        <a:tint val="50000"/>
+      </a:schemeClr>
+      <a:schemeClr val="accent4">
+        <a:tint val="50000"/>
+      </a:schemeClr>
+      <a:schemeClr val="accent5">
+        <a:tint val="50000"/>
+      </a:schemeClr>
+      <a:schemeClr val="accent6">
+        <a:tint val="50000"/>
+      </a:schemeClr>
+    </dgm:fillClrLst>
+    <dgm:linClrLst meth="repeat">
+      <a:schemeClr val="lt1"/>
+    </dgm:linClrLst>
+    <dgm:effectClrLst/>
+    <dgm:txLinClrLst/>
+    <dgm:txFillClrLst meth="repeat">
+      <a:schemeClr val="lt1"/>
+    </dgm:txFillClrLst>
+    <dgm:txEffectClrLst/>
+  </dgm:styleLbl>
+  <dgm:styleLbl name="alignImgPlace1">
+    <dgm:fillClrLst>
+      <a:schemeClr val="accent1">
+        <a:tint val="50000"/>
+      </a:schemeClr>
+      <a:schemeClr val="accent2">
+        <a:tint val="20000"/>
+      </a:schemeClr>
+    </dgm:fillClrLst>
+    <dgm:linClrLst meth="repeat">
+      <a:schemeClr val="lt1"/>
+    </dgm:linClrLst>
+    <dgm:effectClrLst/>
+    <dgm:txLinClrLst/>
+    <dgm:txFillClrLst meth="repeat">
+      <a:schemeClr val="lt1"/>
+    </dgm:txFillClrLst>
+    <dgm:txEffectClrLst/>
+  </dgm:styleLbl>
+  <dgm:styleLbl name="bgImgPlace1">
+    <dgm:fillClrLst>
+      <a:schemeClr val="accent1">
+        <a:tint val="50000"/>
+      </a:schemeClr>
+      <a:schemeClr val="accent2">
+        <a:tint val="20000"/>
+      </a:schemeClr>
+    </dgm:fillClrLst>
+    <dgm:linClrLst meth="repeat">
+      <a:schemeClr val="lt1"/>
+    </dgm:linClrLst>
+    <dgm:effectClrLst/>
+    <dgm:txLinClrLst/>
+    <dgm:txFillClrLst meth="repeat">
+      <a:schemeClr val="lt1"/>
+    </dgm:txFillClrLst>
+    <dgm:txEffectClrLst/>
+  </dgm:styleLbl>
+  <dgm:styleLbl name="sibTrans2D1">
+    <dgm:fillClrLst meth="repeat">
+      <a:schemeClr val="accent2"/>
+      <a:schemeClr val="accent3"/>
+      <a:schemeClr val="accent4"/>
+      <a:schemeClr val="accent5"/>
+      <a:schemeClr val="accent6"/>
+    </dgm:fillClrLst>
+    <dgm:linClrLst meth="cycle">
+      <a:schemeClr val="lt1"/>
+    </dgm:linClrLst>
+    <dgm:effectClrLst/>
+    <dgm:txLinClrLst/>
+    <dgm:txFillClrLst/>
+    <dgm:txEffectClrLst/>
+  </dgm:styleLbl>
+  <dgm:styleLbl name="fgSibTrans2D1">
+    <dgm:fillClrLst meth="repeat">
+      <a:schemeClr val="accent2"/>
+      <a:schemeClr val="accent3"/>
+      <a:schemeClr val="accent4"/>
+      <a:schemeClr val="accent5"/>
+      <a:schemeClr val="accent6"/>
+    </dgm:fillClrLst>
+    <dgm:linClrLst meth="cycle">
+      <a:schemeClr val="lt1"/>
+    </dgm:linClrLst>
+    <dgm:effectClrLst/>
+    <dgm:txLinClrLst/>
+    <dgm:txFillClrLst meth="repeat">
+      <a:schemeClr val="lt1"/>
+    </dgm:txFillClrLst>
+    <dgm:txEffectClrLst/>
+  </dgm:styleLbl>
+  <dgm:styleLbl name="bgSibTrans2D1">
+    <dgm:fillClrLst meth="repeat">
+      <a:schemeClr val="accent2"/>
+      <a:schemeClr val="accent3"/>
+      <a:schemeClr val="accent4"/>
+      <a:schemeClr val="accent5"/>
+      <a:schemeClr val="accent6"/>
+    </dgm:fillClrLst>
+    <dgm:linClrLst meth="cycle">
+      <a:schemeClr val="lt1"/>
+    </dgm:linClrLst>
+    <dgm:effectClrLst/>
+    <dgm:txLinClrLst/>
+    <dgm:txFillClrLst meth="repeat">
+      <a:schemeClr val="lt1"/>
+    </dgm:txFillClrLst>
+    <dgm:txEffectClrLst/>
+  </dgm:styleLbl>
+  <dgm:styleLbl name="sibTrans1D1">
+    <dgm:fillClrLst meth="repeat">
+      <a:schemeClr val="accent2"/>
+      <a:schemeClr val="accent3"/>
+      <a:schemeClr val="accent4"/>
+      <a:schemeClr val="accent5"/>
+      <a:schemeClr val="accent6"/>
+    </dgm:fillClrLst>
+    <dgm:linClrLst meth="repeat">
+      <a:schemeClr val="accent2"/>
+      <a:schemeClr val="accent3"/>
+      <a:schemeClr val="accent4"/>
+      <a:schemeClr val="accent5"/>
+      <a:schemeClr val="accent6"/>
+    </dgm:linClrLst>
+    <dgm:effectClrLst/>
+    <dgm:txLinClrLst/>
+    <dgm:txFillClrLst meth="repeat">
+      <a:schemeClr val="tx1"/>
+    </dgm:txFillClrLst>
+    <dgm:txEffectClrLst/>
+  </dgm:styleLbl>
+  <dgm:styleLbl name="callout">
+    <dgm:fillClrLst meth="repeat">
+      <a:schemeClr val="accent2"/>
+    </dgm:fillClrLst>
+    <dgm:linClrLst meth="repeat">
+      <a:schemeClr val="accent2">
+        <a:tint val="50000"/>
+      </a:schemeClr>
+    </dgm:linClrLst>
+    <dgm:effectClrLst/>
+    <dgm:txLinClrLst/>
+    <dgm:txFillClrLst meth="repeat">
+      <a:schemeClr val="tx1"/>
+    </dgm:txFillClrLst>
+    <dgm:txEffectClrLst/>
+  </dgm:styleLbl>
+  <dgm:styleLbl name="asst0">
+    <dgm:fillClrLst meth="repeat">
+      <a:schemeClr val="accent1"/>
+    </dgm:fillClrLst>
+    <dgm:linClrLst meth="repeat">
+      <a:schemeClr val="lt1"/>
+    </dgm:linClrLst>
+    <dgm:effectClrLst/>
+    <dgm:txLinClrLst/>
+    <dgm:txFillClrLst/>
+    <dgm:txEffectClrLst/>
+  </dgm:styleLbl>
+  <dgm:styleLbl name="asst1">
+    <dgm:fillClrLst meth="repeat">
+      <a:schemeClr val="accent2"/>
+    </dgm:fillClrLst>
+    <dgm:linClrLst meth="repeat">
+      <a:schemeClr val="lt1"/>
+    </dgm:linClrLst>
+    <dgm:effectClrLst/>
+    <dgm:txLinClrLst/>
+    <dgm:txFillClrLst/>
+    <dgm:txEffectClrLst/>
+  </dgm:styleLbl>
+  <dgm:styleLbl name="asst2">
+    <dgm:fillClrLst>
+      <a:schemeClr val="accent3"/>
+    </dgm:fillClrLst>
+    <dgm:linClrLst meth="repeat">
+      <a:schemeClr val="lt1"/>
+    </dgm:linClrLst>
+    <dgm:effectClrLst/>
+    <dgm:txLinClrLst/>
+    <dgm:txFillClrLst/>
+    <dgm:txEffectClrLst/>
+  </dgm:styleLbl>
+  <dgm:styleLbl name="asst3">
+    <dgm:fillClrLst>
+      <a:schemeClr val="accent4"/>
+    </dgm:fillClrLst>
+    <dgm:linClrLst meth="repeat">
+      <a:schemeClr val="lt1"/>
+    </dgm:linClrLst>
+    <dgm:effectClrLst/>
+    <dgm:txLinClrLst/>
+    <dgm:txFillClrLst/>
+    <dgm:txEffectClrLst/>
+  </dgm:styleLbl>
+  <dgm:styleLbl name="asst4">
+    <dgm:fillClrLst>
+      <a:schemeClr val="accent5"/>
+    </dgm:fillClrLst>
+    <dgm:linClrLst meth="repeat">
+      <a:schemeClr val="lt1"/>
+    </dgm:linClrLst>
+    <dgm:effectClrLst/>
+    <dgm:txLinClrLst/>
+    <dgm:txFillClrLst/>
+    <dgm:txEffectClrLst/>
+  </dgm:styleLbl>
+  <dgm:styleLbl name="parChTrans2D1">
+    <dgm:fillClrLst meth="repeat">
+      <a:schemeClr val="accent2"/>
+    </dgm:fillClrLst>
+    <dgm:linClrLst meth="repeat">
+      <a:schemeClr val="lt1"/>
+    </dgm:linClrLst>
+    <dgm:effectClrLst/>
+    <dgm:txLinClrLst/>
+    <dgm:txFillClrLst meth="repeat">
+      <a:schemeClr val="lt1"/>
+    </dgm:txFillClrLst>
+    <dgm:txEffectClrLst/>
+  </dgm:styleLbl>
+  <dgm:styleLbl name="parChTrans2D2">
+    <dgm:fillClrLst meth="repeat">
+      <a:schemeClr val="accent3"/>
+    </dgm:fillClrLst>
+    <dgm:linClrLst meth="repeat">
+      <a:schemeClr val="lt1"/>
+    </dgm:linClrLst>
+    <dgm:effectClrLst/>
+    <dgm:txLinClrLst/>
+    <dgm:txFillClrLst/>
+    <dgm:txEffectClrLst/>
+  </dgm:styleLbl>
+  <dgm:styleLbl name="parChTrans2D3">
+    <dgm:fillClrLst meth="repeat">
+      <a:schemeClr val="accent4"/>
+    </dgm:fillClrLst>
+    <dgm:linClrLst meth="repeat">
+      <a:schemeClr val="lt1"/>
+    </dgm:linClrLst>
+    <dgm:effectClrLst/>
+    <dgm:txLinClrLst/>
+    <dgm:txFillClrLst/>
+    <dgm:txEffectClrLst/>
+  </dgm:styleLbl>
+  <dgm:styleLbl name="parChTrans2D4">
+    <dgm:fillClrLst meth="repeat">
+      <a:schemeClr val="accent5"/>
+    </dgm:fillClrLst>
+    <dgm:linClrLst meth="repeat">
+      <a:schemeClr val="lt1"/>
+    </dgm:linClrLst>
+    <dgm:effectClrLst/>
+    <dgm:txLinClrLst/>
+    <dgm:txFillClrLst meth="repeat">
+      <a:schemeClr val="lt1"/>
+    </dgm:txFillClrLst>
+    <dgm:txEffectClrLst/>
+  </dgm:styleLbl>
+  <dgm:styleLbl name="parChTrans1D1">
+    <dgm:fillClrLst meth="repeat">
+      <a:schemeClr val="accent2"/>
+    </dgm:fillClrLst>
+    <dgm:linClrLst meth="repeat">
+      <a:schemeClr val="accent1"/>
+    </dgm:linClrLst>
+    <dgm:effectClrLst/>
+    <dgm:txLinClrLst/>
+    <dgm:txFillClrLst meth="repeat">
+      <a:schemeClr val="tx1"/>
+    </dgm:txFillClrLst>
+    <dgm:txEffectClrLst/>
+  </dgm:styleLbl>
+  <dgm:styleLbl name="parChTrans1D2">
+    <dgm:fillClrLst meth="repeat">
+      <a:schemeClr val="accent3">
+        <a:tint val="90000"/>
+      </a:schemeClr>
+    </dgm:fillClrLst>
+    <dgm:linClrLst meth="repeat">
+      <a:schemeClr val="accent2"/>
+    </dgm:linClrLst>
+    <dgm:effectClrLst/>
+    <dgm:txLinClrLst/>
+    <dgm:txFillClrLst meth="repeat">
+      <a:schemeClr val="tx1"/>
+    </dgm:txFillClrLst>
+    <dgm:txEffectClrLst/>
+  </dgm:styleLbl>
+  <dgm:styleLbl name="parChTrans1D3">
+    <dgm:fillClrLst meth="repeat">
+      <a:schemeClr val="accent4">
+        <a:tint val="70000"/>
+      </a:schemeClr>
+    </dgm:fillClrLst>
+    <dgm:linClrLst meth="repeat">
+      <a:schemeClr val="accent3"/>
+    </dgm:linClrLst>
+    <dgm:effectClrLst/>
+    <dgm:txLinClrLst/>
+    <dgm:txFillClrLst meth="repeat">
+      <a:schemeClr val="tx1"/>
+    </dgm:txFillClrLst>
+    <dgm:txEffectClrLst/>
+  </dgm:styleLbl>
+  <dgm:styleLbl name="parChTrans1D4">
+    <dgm:fillClrLst meth="repeat">
+      <a:schemeClr val="accent5">
+        <a:tint val="50000"/>
+      </a:schemeClr>
+    </dgm:fillClrLst>
+    <dgm:linClrLst meth="repeat">
+      <a:schemeClr val="accent4"/>
+    </dgm:linClrLst>
+    <dgm:effectClrLst/>
+    <dgm:txLinClrLst/>
+    <dgm:txFillClrLst meth="repeat">
+      <a:schemeClr val="tx1"/>
+    </dgm:txFillClrLst>
+    <dgm:txEffectClrLst/>
+  </dgm:styleLbl>
+  <dgm:styleLbl name="fgAcc1">
+    <dgm:fillClrLst meth="repeat">
+      <a:schemeClr val="lt1">
+        <a:alpha val="90000"/>
+      </a:schemeClr>
+    </dgm:fillClrLst>
+    <dgm:linClrLst meth="repeat">
+      <a:schemeClr val="accent2"/>
+      <a:schemeClr val="accent3"/>
+      <a:schemeClr val="accent4"/>
+      <a:schemeClr val="accent5"/>
+      <a:schemeClr val="accent6"/>
+    </dgm:linClrLst>
+    <dgm:effectClrLst/>
+    <dgm:txLinClrLst/>
+    <dgm:txFillClrLst meth="repeat">
+      <a:schemeClr val="dk1"/>
+    </dgm:txFillClrLst>
+    <dgm:txEffectClrLst/>
+  </dgm:styleLbl>
+  <dgm:styleLbl name="conFgAcc1">
+    <dgm:fillClrLst meth="repeat">
+      <a:schemeClr val="lt1">
+        <a:alpha val="90000"/>
+      </a:schemeClr>
+    </dgm:fillClrLst>
+    <dgm:linClrLst meth="repeat">
+      <a:schemeClr val="accent2"/>
+      <a:schemeClr val="accent3"/>
+      <a:schemeClr val="accent4"/>
+      <a:schemeClr val="accent5"/>
+      <a:schemeClr val="accent6"/>
+    </dgm:linClrLst>
+    <dgm:effectClrLst/>
+    <dgm:txLinClrLst/>
+    <dgm:txFillClrLst meth="repeat">
+      <a:schemeClr val="dk1"/>
+    </dgm:txFillClrLst>
+    <dgm:txEffectClrLst/>
+  </dgm:styleLbl>
+  <dgm:styleLbl name="alignAcc1">
+    <dgm:fillClrLst meth="repeat">
+      <a:schemeClr val="lt1">
+        <a:alpha val="90000"/>
+      </a:schemeClr>
+    </dgm:fillClrLst>
+    <dgm:linClrLst meth="repeat">
+      <a:schemeClr val="accent2"/>
+      <a:schemeClr val="accent3"/>
+      <a:schemeClr val="accent4"/>
+      <a:schemeClr val="accent5"/>
+      <a:schemeClr val="accent6"/>
+    </dgm:linClrLst>
+    <dgm:effectClrLst/>
+    <dgm:txLinClrLst/>
+    <dgm:txFillClrLst meth="repeat">
+      <a:schemeClr val="dk1"/>
+    </dgm:txFillClrLst>
+    <dgm:txEffectClrLst/>
+  </dgm:styleLbl>
+  <dgm:styleLbl name="trAlignAcc1">
+    <dgm:fillClrLst meth="repeat">
+      <a:schemeClr val="lt1">
+        <a:alpha val="40000"/>
+      </a:schemeClr>
+    </dgm:fillClrLst>
+    <dgm:linClrLst meth="repeat">
+      <a:schemeClr val="accent1"/>
+    </dgm:linClrLst>
+    <dgm:effectClrLst/>
+    <dgm:txLinClrLst/>
+    <dgm:txFillClrLst meth="repeat">
+      <a:schemeClr val="dk1"/>
+    </dgm:txFillClrLst>
+    <dgm:txEffectClrLst/>
+  </dgm:styleLbl>
+  <dgm:styleLbl name="bgAcc1">
+    <dgm:fillClrLst meth="repeat">
+      <a:schemeClr val="lt1">
+        <a:alpha val="90000"/>
+      </a:schemeClr>
+    </dgm:fillClrLst>
+    <dgm:linClrLst meth="repeat">
+      <a:schemeClr val="accent2"/>
+      <a:schemeClr val="accent3"/>
+      <a:schemeClr val="accent4"/>
+      <a:schemeClr val="accent5"/>
+      <a:schemeClr val="accent6"/>
+    </dgm:linClrLst>
+    <dgm:effectClrLst/>
+    <dgm:txLinClrLst/>
+    <dgm:txFillClrLst meth="repeat">
+      <a:schemeClr val="dk1"/>
+    </dgm:txFillClrLst>
+    <dgm:txEffectClrLst/>
+  </dgm:styleLbl>
+  <dgm:styleLbl name="solidFgAcc1">
+    <dgm:fillClrLst meth="repeat">
+      <a:schemeClr val="lt1"/>
+    </dgm:fillClrLst>
+    <dgm:linClrLst meth="repeat">
+      <a:schemeClr val="accent2"/>
+      <a:schemeClr val="accent3"/>
+      <a:schemeClr val="accent4"/>
+      <a:schemeClr val="accent5"/>
+      <a:schemeClr val="accent6"/>
+    </dgm:linClrLst>
+    <dgm:effectClrLst/>
+    <dgm:txLinClrLst/>
+    <dgm:txFillClrLst meth="repeat">
+      <a:schemeClr val="dk1"/>
+    </dgm:txFillClrLst>
+    <dgm:txEffectClrLst/>
+  </dgm:styleLbl>
+  <dgm:styleLbl name="solidAlignAcc1">
+    <dgm:fillClrLst meth="repeat">
+      <a:schemeClr val="lt1"/>
+    </dgm:fillClrLst>
+    <dgm:linClrLst meth="repeat">
+      <a:schemeClr val="accent2"/>
+      <a:schemeClr val="accent3"/>
+      <a:schemeClr val="accent4"/>
+      <a:schemeClr val="accent5"/>
+      <a:schemeClr val="accent6"/>
+    </dgm:linClrLst>
+    <dgm:effectClrLst/>
+    <dgm:txLinClrLst/>
+    <dgm:txFillClrLst meth="repeat">
+      <a:schemeClr val="dk1"/>
+    </dgm:txFillClrLst>
+    <dgm:txEffectClrLst/>
+  </dgm:styleLbl>
+  <dgm:styleLbl name="solidBgAcc1">
+    <dgm:fillClrLst meth="repeat">
+      <a:schemeClr val="lt1"/>
+    </dgm:fillClrLst>
+    <dgm:linClrLst meth="repeat">
+      <a:schemeClr val="accent2"/>
+      <a:schemeClr val="accent3"/>
+      <a:schemeClr val="accent4"/>
+      <a:schemeClr val="accent5"/>
+      <a:schemeClr val="accent6"/>
+    </dgm:linClrLst>
+    <dgm:effectClrLst/>
+    <dgm:txLinClrLst/>
+    <dgm:txFillClrLst meth="repeat">
+      <a:schemeClr val="dk1"/>
+    </dgm:txFillClrLst>
+    <dgm:txEffectClrLst/>
+  </dgm:styleLbl>
+  <dgm:styleLbl name="fgAccFollowNode1">
+    <dgm:fillClrLst meth="repeat">
+      <a:schemeClr val="accent2">
+        <a:tint val="40000"/>
+        <a:alpha val="90000"/>
+      </a:schemeClr>
+      <a:schemeClr val="accent3">
+        <a:tint val="40000"/>
+        <a:alpha val="90000"/>
+      </a:schemeClr>
+      <a:schemeClr val="accent4">
+        <a:tint val="40000"/>
+        <a:alpha val="90000"/>
+      </a:schemeClr>
+      <a:schemeClr val="accent5">
+        <a:tint val="40000"/>
+        <a:alpha val="90000"/>
+      </a:schemeClr>
+      <a:schemeClr val="accent6">
+        <a:tint val="40000"/>
+        <a:alpha val="90000"/>
+      </a:schemeClr>
+    </dgm:fillClrLst>
+    <dgm:linClrLst meth="repeat">
+      <a:schemeClr val="accent2">
+        <a:tint val="40000"/>
+        <a:alpha val="90000"/>
+      </a:schemeClr>
+      <a:schemeClr val="accent3">
+        <a:tint val="40000"/>
+        <a:alpha val="90000"/>
+      </a:schemeClr>
+      <a:schemeClr val="accent4">
+        <a:tint val="40000"/>
+        <a:alpha val="90000"/>
+      </a:schemeClr>
+      <a:schemeClr val="accent5">
+        <a:tint val="40000"/>
+        <a:alpha val="90000"/>
+      </a:schemeClr>
+      <a:schemeClr val="accent6">
+        <a:tint val="40000"/>
+        <a:alpha val="90000"/>
+      </a:schemeClr>
+    </dgm:linClrLst>
+    <dgm:effectClrLst/>
+    <dgm:txLinClrLst/>
+    <dgm:txFillClrLst meth="repeat">
+      <a:schemeClr val="dk1"/>
+    </dgm:txFillClrLst>
+    <dgm:txEffectClrLst/>
+  </dgm:styleLbl>
+  <dgm:styleLbl name="alignAccFollowNode1">
+    <dgm:fillClrLst meth="repeat">
+      <a:schemeClr val="accent2">
+        <a:tint val="40000"/>
+        <a:alpha val="90000"/>
+      </a:schemeClr>
+      <a:schemeClr val="accent3">
+        <a:tint val="40000"/>
+        <a:alpha val="90000"/>
+      </a:schemeClr>
+      <a:schemeClr val="accent4">
+        <a:tint val="40000"/>
+        <a:alpha val="90000"/>
+      </a:schemeClr>
+      <a:schemeClr val="accent5">
+        <a:tint val="40000"/>
+        <a:alpha val="90000"/>
+      </a:schemeClr>
+      <a:schemeClr val="accent6">
+        <a:tint val="40000"/>
+        <a:alpha val="90000"/>
+      </a:schemeClr>
+    </dgm:fillClrLst>
+    <dgm:linClrLst meth="repeat">
+      <a:schemeClr val="accent2">
+        <a:tint val="40000"/>
+        <a:alpha val="90000"/>
+      </a:schemeClr>
+      <a:schemeClr val="accent3">
+        <a:tint val="40000"/>
+        <a:alpha val="90000"/>
+      </a:schemeClr>
+      <a:schemeClr val="accent4">
+        <a:tint val="40000"/>
+        <a:alpha val="90000"/>
+      </a:schemeClr>
+      <a:schemeClr val="accent5">
+        <a:tint val="40000"/>
+        <a:alpha val="90000"/>
+      </a:schemeClr>
+      <a:schemeClr val="accent6">
+        <a:tint val="40000"/>
+        <a:alpha val="90000"/>
+      </a:schemeClr>
+    </dgm:linClrLst>
+    <dgm:effectClrLst/>
+    <dgm:txLinClrLst/>
+    <dgm:txFillClrLst meth="repeat">
+      <a:schemeClr val="dk1"/>
+    </dgm:txFillClrLst>
+    <dgm:txEffectClrLst/>
+  </dgm:styleLbl>
+  <dgm:styleLbl name="bgAccFollowNode1">
+    <dgm:fillClrLst meth="repeat">
+      <a:schemeClr val="accent2">
+        <a:tint val="40000"/>
+        <a:alpha val="90000"/>
+      </a:schemeClr>
+      <a:schemeClr val="accent3">
+        <a:tint val="40000"/>
+        <a:alpha val="90000"/>
+      </a:schemeClr>
+      <a:schemeClr val="accent4">
+        <a:tint val="40000"/>
+        <a:alpha val="90000"/>
+      </a:schemeClr>
+      <a:schemeClr val="accent5">
+        <a:tint val="40000"/>
+        <a:alpha val="90000"/>
+      </a:schemeClr>
+      <a:schemeClr val="accent6">
+        <a:tint val="40000"/>
+        <a:alpha val="90000"/>
+      </a:schemeClr>
+    </dgm:fillClrLst>
+    <dgm:linClrLst meth="repeat">
+      <a:schemeClr val="accent2">
+        <a:tint val="40000"/>
+        <a:alpha val="90000"/>
+      </a:schemeClr>
+      <a:schemeClr val="accent3">
+        <a:tint val="40000"/>
+        <a:alpha val="90000"/>
+      </a:schemeClr>
+      <a:schemeClr val="accent4">
+        <a:tint val="40000"/>
+        <a:alpha val="90000"/>
+      </a:schemeClr>
+      <a:schemeClr val="accent5">
+        <a:tint val="40000"/>
+        <a:alpha val="90000"/>
+      </a:schemeClr>
+      <a:schemeClr val="accent6">
+        <a:tint val="40000"/>
+        <a:alpha val="90000"/>
+      </a:schemeClr>
+    </dgm:linClrLst>
+    <dgm:effectClrLst/>
+    <dgm:txLinClrLst/>
+    <dgm:txFillClrLst meth="repeat">
+      <a:schemeClr val="dk1"/>
+    </dgm:txFillClrLst>
+    <dgm:txEffectClrLst/>
+  </dgm:styleLbl>
+  <dgm:styleLbl name="fgAcc0">
+    <dgm:fillClrLst meth="repeat">
+      <a:schemeClr val="lt1">
+        <a:alpha val="90000"/>
+      </a:schemeClr>
+    </dgm:fillClrLst>
+    <dgm:linClrLst>
+      <a:schemeClr val="accent1"/>
+    </dgm:linClrLst>
+    <dgm:effectClrLst/>
+    <dgm:txLinClrLst/>
+    <dgm:txFillClrLst meth="repeat">
+      <a:schemeClr val="dk1"/>
+    </dgm:txFillClrLst>
+    <dgm:txEffectClrLst/>
+  </dgm:styleLbl>
+  <dgm:styleLbl name="fgAcc2">
+    <dgm:fillClrLst meth="repeat">
+      <a:schemeClr val="lt1">
+        <a:alpha val="90000"/>
+      </a:schemeClr>
+    </dgm:fillClrLst>
+    <dgm:linClrLst>
+      <a:schemeClr val="accent2"/>
+    </dgm:linClrLst>
+    <dgm:effectClrLst/>
+    <dgm:txLinClrLst/>
+    <dgm:txFillClrLst meth="repeat">
+      <a:schemeClr val="dk1"/>
+    </dgm:txFillClrLst>
+    <dgm:txEffectClrLst/>
+  </dgm:styleLbl>
+  <dgm:styleLbl name="fgAcc3">
+    <dgm:fillClrLst meth="repeat">
+      <a:schemeClr val="lt1">
+        <a:alpha val="90000"/>
+      </a:schemeClr>
+    </dgm:fillClrLst>
+    <dgm:linClrLst>
+      <a:schemeClr val="accent3"/>
+    </dgm:linClrLst>
+    <dgm:effectClrLst/>
+    <dgm:txLinClrLst/>
+    <dgm:txFillClrLst meth="repeat">
+      <a:schemeClr val="dk1"/>
+    </dgm:txFillClrLst>
+    <dgm:txEffectClrLst/>
+  </dgm:styleLbl>
+  <dgm:styleLbl name="fgAcc4">
+    <dgm:fillClrLst meth="repeat">
+      <a:schemeClr val="lt1">
+        <a:alpha val="90000"/>
+      </a:schemeClr>
+    </dgm:fillClrLst>
+    <dgm:linClrLst>
+      <a:schemeClr val="accent4"/>
+    </dgm:linClrLst>
+    <dgm:effectClrLst/>
+    <dgm:txLinClrLst/>
+    <dgm:txFillClrLst meth="repeat">
+      <a:schemeClr val="dk1"/>
+    </dgm:txFillClrLst>
+    <dgm:txEffectClrLst/>
+  </dgm:styleLbl>
+  <dgm:styleLbl name="bgShp">
+    <dgm:fillClrLst meth="repeat">
+      <a:schemeClr val="accent2">
+        <a:tint val="40000"/>
+      </a:schemeClr>
+    </dgm:fillClrLst>
+    <dgm:linClrLst meth="repeat">
+      <a:schemeClr val="dk1"/>
+    </dgm:linClrLst>
+    <dgm:effectClrLst/>
+    <dgm:txLinClrLst/>
+    <dgm:txFillClrLst meth="repeat">
+      <a:schemeClr val="dk1"/>
+    </dgm:txFillClrLst>
+    <dgm:txEffectClrLst/>
+  </dgm:styleLbl>
+  <dgm:styleLbl name="dkBgShp">
+    <dgm:fillClrLst meth="repeat">
+      <a:schemeClr val="accent2">
+        <a:shade val="90000"/>
+      </a:schemeClr>
+    </dgm:fillClrLst>
+    <dgm:linClrLst meth="repeat">
+      <a:schemeClr val="dk1"/>
+    </dgm:linClrLst>
+    <dgm:effectClrLst/>
+    <dgm:txLinClrLst/>
+    <dgm:txFillClrLst meth="repeat">
+      <a:schemeClr val="lt1"/>
+    </dgm:txFillClrLst>
+    <dgm:txEffectClrLst/>
+  </dgm:styleLbl>
+  <dgm:styleLbl name="trBgShp">
+    <dgm:fillClrLst meth="repeat">
+      <a:schemeClr val="accent1">
+        <a:tint val="50000"/>
+        <a:alpha val="40000"/>
+      </a:schemeClr>
+    </dgm:fillClrLst>
+    <dgm:linClrLst meth="repeat">
+      <a:schemeClr val="accent2"/>
+    </dgm:linClrLst>
+    <dgm:effectClrLst/>
+    <dgm:txLinClrLst/>
+    <dgm:txFillClrLst meth="repeat">
+      <a:schemeClr val="lt1"/>
+    </dgm:txFillClrLst>
+    <dgm:txEffectClrLst/>
+  </dgm:styleLbl>
+  <dgm:styleLbl name="fgShp">
+    <dgm:fillClrLst meth="repeat">
+      <a:schemeClr val="accent2">
+        <a:tint val="40000"/>
+      </a:schemeClr>
+    </dgm:fillClrLst>
+    <dgm:linClrLst meth="repeat">
+      <a:schemeClr val="lt1"/>
+    </dgm:linClrLst>
+    <dgm:effectClrLst/>
+    <dgm:txLinClrLst/>
+    <dgm:txFillClrLst meth="repeat">
+      <a:schemeClr val="dk1"/>
+    </dgm:txFillClrLst>
+    <dgm:txEffectClrLst/>
+  </dgm:styleLbl>
+  <dgm:styleLbl name="revTx">
+    <dgm:fillClrLst meth="repeat">
+      <a:schemeClr val="lt1">
+        <a:alpha val="0"/>
+      </a:schemeClr>
+    </dgm:fillClrLst>
+    <dgm:linClrLst meth="repeat">
+      <a:schemeClr val="dk1">
+        <a:alpha val="0"/>
+      </a:schemeClr>
+    </dgm:linClrLst>
+    <dgm:effectClrLst/>
+    <dgm:txLinClrLst/>
+    <dgm:txFillClrLst meth="repeat">
+      <a:schemeClr val="tx1"/>
+    </dgm:txFillClrLst>
+    <dgm:txEffectClrLst/>
+  </dgm:styleLbl>
+</dgm:colorsDef>
+</file>
+
+<file path=ppt/diagrams/data1.xml><?xml version="1.0" encoding="utf-8"?>
+<dgm:dataModel xmlns:dgm="http://schemas.openxmlformats.org/drawingml/2006/diagram" xmlns:a="http://schemas.openxmlformats.org/drawingml/2006/main">
+  <dgm:ptLst>
+    <dgm:pt modelId="{6E58BA19-B540-411E-AC33-CD932E134C5B}" type="doc">
+      <dgm:prSet loTypeId="urn:microsoft.com/office/officeart/2005/8/layout/process2" loCatId="process" qsTypeId="urn:microsoft.com/office/officeart/2005/8/quickstyle/simple5" qsCatId="simple" csTypeId="urn:microsoft.com/office/officeart/2005/8/colors/colorful1" csCatId="colorful" phldr="1"/>
+      <dgm:spPr/>
+    </dgm:pt>
+    <dgm:pt modelId="{1FD75F31-E4D9-47B0-9302-E2855F30AA57}">
+      <dgm:prSet phldrT="[Text]" custT="1"/>
+      <dgm:spPr/>
+      <dgm:t>
+        <a:bodyPr/>
+        <a:lstStyle/>
+        <a:p>
+          <a:r>
+            <a:rPr lang="en-US" sz="2000" dirty="0">
+              <a:latin typeface="Arial" panose="020B0604020202020204" pitchFamily="34" charset="0"/>
+              <a:cs typeface="Arial" panose="020B0604020202020204" pitchFamily="34" charset="0"/>
+            </a:rPr>
+            <a:t>Data Gathering</a:t>
+          </a:r>
+        </a:p>
+      </dgm:t>
+    </dgm:pt>
+    <dgm:pt modelId="{10930A30-9007-4C9F-8CC8-54DC0B20DB77}" type="parTrans" cxnId="{4A871B42-3031-4010-97F7-82CE6EACCF6E}">
+      <dgm:prSet/>
+      <dgm:spPr/>
+      <dgm:t>
+        <a:bodyPr/>
+        <a:lstStyle/>
+        <a:p>
+          <a:endParaRPr lang="en-US"/>
+        </a:p>
+      </dgm:t>
+    </dgm:pt>
+    <dgm:pt modelId="{9A0034EB-B2A5-427B-A892-F4F02BA736F0}" type="sibTrans" cxnId="{4A871B42-3031-4010-97F7-82CE6EACCF6E}">
+      <dgm:prSet/>
+      <dgm:spPr/>
+      <dgm:t>
+        <a:bodyPr/>
+        <a:lstStyle/>
+        <a:p>
+          <a:endParaRPr lang="en-US"/>
+        </a:p>
+      </dgm:t>
+    </dgm:pt>
+    <dgm:pt modelId="{0C468F90-B312-4D65-B8B5-4ECEE63EF28D}">
+      <dgm:prSet phldrT="[Text]" custT="1"/>
+      <dgm:spPr/>
+      <dgm:t>
+        <a:bodyPr/>
+        <a:lstStyle/>
+        <a:p>
+          <a:r>
+            <a:rPr lang="en-US" sz="2000" dirty="0">
+              <a:latin typeface="Arial" panose="020B0604020202020204" pitchFamily="34" charset="0"/>
+              <a:cs typeface="Arial" panose="020B0604020202020204" pitchFamily="34" charset="0"/>
+            </a:rPr>
+            <a:t>Initial Data Analysis</a:t>
+          </a:r>
+        </a:p>
+      </dgm:t>
+    </dgm:pt>
+    <dgm:pt modelId="{D46599A1-8EEB-482A-80DB-C4BBE3A1ACCA}" type="parTrans" cxnId="{8CFCC3D0-2713-4EBA-9BD9-8D1E36BE8202}">
+      <dgm:prSet/>
+      <dgm:spPr/>
+      <dgm:t>
+        <a:bodyPr/>
+        <a:lstStyle/>
+        <a:p>
+          <a:endParaRPr lang="en-US"/>
+        </a:p>
+      </dgm:t>
+    </dgm:pt>
+    <dgm:pt modelId="{0A12DEAF-7841-4AE5-8534-789098E82AEE}" type="sibTrans" cxnId="{8CFCC3D0-2713-4EBA-9BD9-8D1E36BE8202}">
+      <dgm:prSet/>
+      <dgm:spPr/>
+      <dgm:t>
+        <a:bodyPr/>
+        <a:lstStyle/>
+        <a:p>
+          <a:endParaRPr lang="en-US"/>
+        </a:p>
+      </dgm:t>
+    </dgm:pt>
+    <dgm:pt modelId="{70475D53-AD23-49D6-889B-96A1DEF19842}">
+      <dgm:prSet phldrT="[Text]" custT="1"/>
+      <dgm:spPr/>
+      <dgm:t>
+        <a:bodyPr/>
+        <a:lstStyle/>
+        <a:p>
+          <a:r>
+            <a:rPr lang="en-US" sz="2000" dirty="0">
+              <a:latin typeface="Arial" panose="020B0604020202020204" pitchFamily="34" charset="0"/>
+              <a:cs typeface="Arial" panose="020B0604020202020204" pitchFamily="34" charset="0"/>
+            </a:rPr>
+            <a:t>Data Cleaning</a:t>
+          </a:r>
+        </a:p>
+      </dgm:t>
+    </dgm:pt>
+    <dgm:pt modelId="{6C0361EE-104B-4139-B674-21F3A6E5D563}" type="parTrans" cxnId="{879E43E9-0B3A-42D0-8F0D-5D4AA0F0EA6D}">
+      <dgm:prSet/>
+      <dgm:spPr/>
+      <dgm:t>
+        <a:bodyPr/>
+        <a:lstStyle/>
+        <a:p>
+          <a:endParaRPr lang="en-US"/>
+        </a:p>
+      </dgm:t>
+    </dgm:pt>
+    <dgm:pt modelId="{EC6851F0-8416-499A-A371-D602B0D86E2D}" type="sibTrans" cxnId="{879E43E9-0B3A-42D0-8F0D-5D4AA0F0EA6D}">
+      <dgm:prSet/>
+      <dgm:spPr/>
+      <dgm:t>
+        <a:bodyPr/>
+        <a:lstStyle/>
+        <a:p>
+          <a:endParaRPr lang="en-US"/>
+        </a:p>
+      </dgm:t>
+    </dgm:pt>
+    <dgm:pt modelId="{67098D92-178F-4E0C-B056-4F0FDC1DE8EA}">
+      <dgm:prSet phldrT="[Text]" custT="1"/>
+      <dgm:spPr/>
+      <dgm:t>
+        <a:bodyPr/>
+        <a:lstStyle/>
+        <a:p>
+          <a:r>
+            <a:rPr lang="en-US" sz="2000" dirty="0">
+              <a:latin typeface="Arial" panose="020B0604020202020204" pitchFamily="34" charset="0"/>
+              <a:cs typeface="Arial" panose="020B0604020202020204" pitchFamily="34" charset="0"/>
+            </a:rPr>
+            <a:t>NACEP</a:t>
+          </a:r>
+        </a:p>
+      </dgm:t>
+    </dgm:pt>
+    <dgm:pt modelId="{ADFAF1EB-35B3-4192-BE53-C069DE57FB42}" type="parTrans" cxnId="{1BFA0A0A-BC53-4F61-9F84-0BFC7C79AF8B}">
+      <dgm:prSet/>
+      <dgm:spPr/>
+      <dgm:t>
+        <a:bodyPr/>
+        <a:lstStyle/>
+        <a:p>
+          <a:endParaRPr lang="en-US"/>
+        </a:p>
+      </dgm:t>
+    </dgm:pt>
+    <dgm:pt modelId="{D383C432-3467-4627-B0E4-318C817871C1}" type="sibTrans" cxnId="{1BFA0A0A-BC53-4F61-9F84-0BFC7C79AF8B}">
+      <dgm:prSet/>
+      <dgm:spPr/>
+      <dgm:t>
+        <a:bodyPr/>
+        <a:lstStyle/>
+        <a:p>
+          <a:endParaRPr lang="en-US"/>
+        </a:p>
+      </dgm:t>
+    </dgm:pt>
+    <dgm:pt modelId="{E86C2286-08A6-4AA6-BD19-4C2D04694BF6}">
+      <dgm:prSet phldrT="[Text]" custT="1"/>
+      <dgm:spPr/>
+      <dgm:t>
+        <a:bodyPr/>
+        <a:lstStyle/>
+        <a:p>
+          <a:r>
+            <a:rPr lang="en-US" sz="2000" dirty="0">
+              <a:latin typeface="Arial" panose="020B0604020202020204" pitchFamily="34" charset="0"/>
+              <a:cs typeface="Arial" panose="020B0604020202020204" pitchFamily="34" charset="0"/>
+            </a:rPr>
+            <a:t>DEX Analysis and Annotations</a:t>
+          </a:r>
+        </a:p>
+      </dgm:t>
+    </dgm:pt>
+    <dgm:pt modelId="{901701AD-E234-4516-8352-BE5258E73417}" type="parTrans" cxnId="{87CECA36-87B0-43C0-BCAA-E3BF848C699E}">
+      <dgm:prSet/>
+      <dgm:spPr/>
+      <dgm:t>
+        <a:bodyPr/>
+        <a:lstStyle/>
+        <a:p>
+          <a:endParaRPr lang="en-US"/>
+        </a:p>
+      </dgm:t>
+    </dgm:pt>
+    <dgm:pt modelId="{900910F8-2735-450F-85D7-9974AE38CF7C}" type="sibTrans" cxnId="{87CECA36-87B0-43C0-BCAA-E3BF848C699E}">
+      <dgm:prSet/>
+      <dgm:spPr/>
+      <dgm:t>
+        <a:bodyPr/>
+        <a:lstStyle/>
+        <a:p>
+          <a:endParaRPr lang="en-US"/>
+        </a:p>
+      </dgm:t>
+    </dgm:pt>
+    <dgm:pt modelId="{AFA17CFB-75A0-4F21-98D0-7BEE029F4D1B}" type="pres">
+      <dgm:prSet presAssocID="{6E58BA19-B540-411E-AC33-CD932E134C5B}" presName="linearFlow" presStyleCnt="0">
+        <dgm:presLayoutVars>
+          <dgm:resizeHandles val="exact"/>
+        </dgm:presLayoutVars>
+      </dgm:prSet>
+      <dgm:spPr/>
+    </dgm:pt>
+    <dgm:pt modelId="{076E41D8-B631-4079-9DE2-112C566F7EAB}" type="pres">
+      <dgm:prSet presAssocID="{1FD75F31-E4D9-47B0-9302-E2855F30AA57}" presName="node" presStyleLbl="node1" presStyleIdx="0" presStyleCnt="5">
+        <dgm:presLayoutVars>
+          <dgm:bulletEnabled val="1"/>
+        </dgm:presLayoutVars>
+      </dgm:prSet>
+      <dgm:spPr/>
+    </dgm:pt>
+    <dgm:pt modelId="{66828BF9-0493-4520-AF59-D8F03A252A79}" type="pres">
+      <dgm:prSet presAssocID="{9A0034EB-B2A5-427B-A892-F4F02BA736F0}" presName="sibTrans" presStyleLbl="sibTrans2D1" presStyleIdx="0" presStyleCnt="4"/>
+      <dgm:spPr/>
+    </dgm:pt>
+    <dgm:pt modelId="{85EC4AAC-FF82-4075-8361-C4644078237C}" type="pres">
+      <dgm:prSet presAssocID="{9A0034EB-B2A5-427B-A892-F4F02BA736F0}" presName="connectorText" presStyleLbl="sibTrans2D1" presStyleIdx="0" presStyleCnt="4"/>
+      <dgm:spPr/>
+    </dgm:pt>
+    <dgm:pt modelId="{972A1AFC-AD8B-4FA9-8994-19C39A34770D}" type="pres">
+      <dgm:prSet presAssocID="{0C468F90-B312-4D65-B8B5-4ECEE63EF28D}" presName="node" presStyleLbl="node1" presStyleIdx="1" presStyleCnt="5">
+        <dgm:presLayoutVars>
+          <dgm:bulletEnabled val="1"/>
+        </dgm:presLayoutVars>
+      </dgm:prSet>
+      <dgm:spPr/>
+    </dgm:pt>
+    <dgm:pt modelId="{7E229864-378E-4ECC-9126-FFDD9C180FA0}" type="pres">
+      <dgm:prSet presAssocID="{0A12DEAF-7841-4AE5-8534-789098E82AEE}" presName="sibTrans" presStyleLbl="sibTrans2D1" presStyleIdx="1" presStyleCnt="4"/>
+      <dgm:spPr/>
+    </dgm:pt>
+    <dgm:pt modelId="{BC8E4500-7F02-4557-A1F1-D43A2D36FBE2}" type="pres">
+      <dgm:prSet presAssocID="{0A12DEAF-7841-4AE5-8534-789098E82AEE}" presName="connectorText" presStyleLbl="sibTrans2D1" presStyleIdx="1" presStyleCnt="4"/>
+      <dgm:spPr/>
+    </dgm:pt>
+    <dgm:pt modelId="{D4295F70-7493-42E9-AE01-42AE7145FAF6}" type="pres">
+      <dgm:prSet presAssocID="{70475D53-AD23-49D6-889B-96A1DEF19842}" presName="node" presStyleLbl="node1" presStyleIdx="2" presStyleCnt="5">
+        <dgm:presLayoutVars>
+          <dgm:bulletEnabled val="1"/>
+        </dgm:presLayoutVars>
+      </dgm:prSet>
+      <dgm:spPr/>
+    </dgm:pt>
+    <dgm:pt modelId="{ACEB2DC2-6E7B-44A6-BFE5-1B4553FEB317}" type="pres">
+      <dgm:prSet presAssocID="{EC6851F0-8416-499A-A371-D602B0D86E2D}" presName="sibTrans" presStyleLbl="sibTrans2D1" presStyleIdx="2" presStyleCnt="4"/>
+      <dgm:spPr/>
+    </dgm:pt>
+    <dgm:pt modelId="{576FA46E-9C48-47EE-8F28-9DF2B91D8372}" type="pres">
+      <dgm:prSet presAssocID="{EC6851F0-8416-499A-A371-D602B0D86E2D}" presName="connectorText" presStyleLbl="sibTrans2D1" presStyleIdx="2" presStyleCnt="4"/>
+      <dgm:spPr/>
+    </dgm:pt>
+    <dgm:pt modelId="{1204B6A2-73F1-47F1-B79A-D42211B1722C}" type="pres">
+      <dgm:prSet presAssocID="{67098D92-178F-4E0C-B056-4F0FDC1DE8EA}" presName="node" presStyleLbl="node1" presStyleIdx="3" presStyleCnt="5">
+        <dgm:presLayoutVars>
+          <dgm:bulletEnabled val="1"/>
+        </dgm:presLayoutVars>
+      </dgm:prSet>
+      <dgm:spPr/>
+    </dgm:pt>
+    <dgm:pt modelId="{BB329D11-6628-4626-849B-43F02A241B9C}" type="pres">
+      <dgm:prSet presAssocID="{D383C432-3467-4627-B0E4-318C817871C1}" presName="sibTrans" presStyleLbl="sibTrans2D1" presStyleIdx="3" presStyleCnt="4"/>
+      <dgm:spPr/>
+    </dgm:pt>
+    <dgm:pt modelId="{3EF13814-AB9A-4D66-B373-028BABCF6D58}" type="pres">
+      <dgm:prSet presAssocID="{D383C432-3467-4627-B0E4-318C817871C1}" presName="connectorText" presStyleLbl="sibTrans2D1" presStyleIdx="3" presStyleCnt="4"/>
+      <dgm:spPr/>
+    </dgm:pt>
+    <dgm:pt modelId="{226364B4-B179-4DEA-BCD6-276467FA5B3B}" type="pres">
+      <dgm:prSet presAssocID="{E86C2286-08A6-4AA6-BD19-4C2D04694BF6}" presName="node" presStyleLbl="node1" presStyleIdx="4" presStyleCnt="5">
+        <dgm:presLayoutVars>
+          <dgm:bulletEnabled val="1"/>
+        </dgm:presLayoutVars>
+      </dgm:prSet>
+      <dgm:spPr/>
+    </dgm:pt>
+  </dgm:ptLst>
+  <dgm:cxnLst>
+    <dgm:cxn modelId="{1BFA0A0A-BC53-4F61-9F84-0BFC7C79AF8B}" srcId="{6E58BA19-B540-411E-AC33-CD932E134C5B}" destId="{67098D92-178F-4E0C-B056-4F0FDC1DE8EA}" srcOrd="3" destOrd="0" parTransId="{ADFAF1EB-35B3-4192-BE53-C069DE57FB42}" sibTransId="{D383C432-3467-4627-B0E4-318C817871C1}"/>
+    <dgm:cxn modelId="{3BBB610A-888E-4488-AA95-18C2B56BEE00}" type="presOf" srcId="{D383C432-3467-4627-B0E4-318C817871C1}" destId="{BB329D11-6628-4626-849B-43F02A241B9C}" srcOrd="0" destOrd="0" presId="urn:microsoft.com/office/officeart/2005/8/layout/process2"/>
+    <dgm:cxn modelId="{621E6F34-DB03-4468-BD65-8A6F6892A221}" type="presOf" srcId="{EC6851F0-8416-499A-A371-D602B0D86E2D}" destId="{ACEB2DC2-6E7B-44A6-BFE5-1B4553FEB317}" srcOrd="0" destOrd="0" presId="urn:microsoft.com/office/officeart/2005/8/layout/process2"/>
+    <dgm:cxn modelId="{87CECA36-87B0-43C0-BCAA-E3BF848C699E}" srcId="{6E58BA19-B540-411E-AC33-CD932E134C5B}" destId="{E86C2286-08A6-4AA6-BD19-4C2D04694BF6}" srcOrd="4" destOrd="0" parTransId="{901701AD-E234-4516-8352-BE5258E73417}" sibTransId="{900910F8-2735-450F-85D7-9974AE38CF7C}"/>
+    <dgm:cxn modelId="{0D2E133D-EB0A-47F5-A8BE-14FBF25984FC}" type="presOf" srcId="{67098D92-178F-4E0C-B056-4F0FDC1DE8EA}" destId="{1204B6A2-73F1-47F1-B79A-D42211B1722C}" srcOrd="0" destOrd="0" presId="urn:microsoft.com/office/officeart/2005/8/layout/process2"/>
+    <dgm:cxn modelId="{33B3545F-6928-4B1C-8F9F-CFC1E5E2D2ED}" type="presOf" srcId="{0C468F90-B312-4D65-B8B5-4ECEE63EF28D}" destId="{972A1AFC-AD8B-4FA9-8994-19C39A34770D}" srcOrd="0" destOrd="0" presId="urn:microsoft.com/office/officeart/2005/8/layout/process2"/>
+    <dgm:cxn modelId="{4A871B42-3031-4010-97F7-82CE6EACCF6E}" srcId="{6E58BA19-B540-411E-AC33-CD932E134C5B}" destId="{1FD75F31-E4D9-47B0-9302-E2855F30AA57}" srcOrd="0" destOrd="0" parTransId="{10930A30-9007-4C9F-8CC8-54DC0B20DB77}" sibTransId="{9A0034EB-B2A5-427B-A892-F4F02BA736F0}"/>
+    <dgm:cxn modelId="{E867A946-49AB-4625-8DF5-864E57003B83}" type="presOf" srcId="{70475D53-AD23-49D6-889B-96A1DEF19842}" destId="{D4295F70-7493-42E9-AE01-42AE7145FAF6}" srcOrd="0" destOrd="0" presId="urn:microsoft.com/office/officeart/2005/8/layout/process2"/>
+    <dgm:cxn modelId="{0543C395-4CFD-4590-98CA-ADC22BA9FAB8}" type="presOf" srcId="{1FD75F31-E4D9-47B0-9302-E2855F30AA57}" destId="{076E41D8-B631-4079-9DE2-112C566F7EAB}" srcOrd="0" destOrd="0" presId="urn:microsoft.com/office/officeart/2005/8/layout/process2"/>
+    <dgm:cxn modelId="{58CC44A0-5445-4A83-B812-4BBA398B0AC8}" type="presOf" srcId="{0A12DEAF-7841-4AE5-8534-789098E82AEE}" destId="{BC8E4500-7F02-4557-A1F1-D43A2D36FBE2}" srcOrd="1" destOrd="0" presId="urn:microsoft.com/office/officeart/2005/8/layout/process2"/>
+    <dgm:cxn modelId="{424AC8AA-E6C7-4934-B7F2-B050FA2EF197}" type="presOf" srcId="{EC6851F0-8416-499A-A371-D602B0D86E2D}" destId="{576FA46E-9C48-47EE-8F28-9DF2B91D8372}" srcOrd="1" destOrd="0" presId="urn:microsoft.com/office/officeart/2005/8/layout/process2"/>
+    <dgm:cxn modelId="{981175AE-F263-4153-ADF3-7D7BD1114602}" type="presOf" srcId="{0A12DEAF-7841-4AE5-8534-789098E82AEE}" destId="{7E229864-378E-4ECC-9126-FFDD9C180FA0}" srcOrd="0" destOrd="0" presId="urn:microsoft.com/office/officeart/2005/8/layout/process2"/>
+    <dgm:cxn modelId="{E7FB36B8-08FD-4E4D-8AF2-F4C62188DEA0}" type="presOf" srcId="{9A0034EB-B2A5-427B-A892-F4F02BA736F0}" destId="{66828BF9-0493-4520-AF59-D8F03A252A79}" srcOrd="0" destOrd="0" presId="urn:microsoft.com/office/officeart/2005/8/layout/process2"/>
+    <dgm:cxn modelId="{BB92F4C5-2CAC-45B8-B983-B9DD667BAAE7}" type="presOf" srcId="{E86C2286-08A6-4AA6-BD19-4C2D04694BF6}" destId="{226364B4-B179-4DEA-BCD6-276467FA5B3B}" srcOrd="0" destOrd="0" presId="urn:microsoft.com/office/officeart/2005/8/layout/process2"/>
+    <dgm:cxn modelId="{8CFCC3D0-2713-4EBA-9BD9-8D1E36BE8202}" srcId="{6E58BA19-B540-411E-AC33-CD932E134C5B}" destId="{0C468F90-B312-4D65-B8B5-4ECEE63EF28D}" srcOrd="1" destOrd="0" parTransId="{D46599A1-8EEB-482A-80DB-C4BBE3A1ACCA}" sibTransId="{0A12DEAF-7841-4AE5-8534-789098E82AEE}"/>
+    <dgm:cxn modelId="{5B98B4DA-17E0-4D7D-83CB-456CEB37C080}" type="presOf" srcId="{9A0034EB-B2A5-427B-A892-F4F02BA736F0}" destId="{85EC4AAC-FF82-4075-8361-C4644078237C}" srcOrd="1" destOrd="0" presId="urn:microsoft.com/office/officeart/2005/8/layout/process2"/>
+    <dgm:cxn modelId="{E49EC8E8-A309-4FDB-813E-52C8E81502AF}" type="presOf" srcId="{6E58BA19-B540-411E-AC33-CD932E134C5B}" destId="{AFA17CFB-75A0-4F21-98D0-7BEE029F4D1B}" srcOrd="0" destOrd="0" presId="urn:microsoft.com/office/officeart/2005/8/layout/process2"/>
+    <dgm:cxn modelId="{879E43E9-0B3A-42D0-8F0D-5D4AA0F0EA6D}" srcId="{6E58BA19-B540-411E-AC33-CD932E134C5B}" destId="{70475D53-AD23-49D6-889B-96A1DEF19842}" srcOrd="2" destOrd="0" parTransId="{6C0361EE-104B-4139-B674-21F3A6E5D563}" sibTransId="{EC6851F0-8416-499A-A371-D602B0D86E2D}"/>
+    <dgm:cxn modelId="{D63B87FF-4C9A-43CE-8895-22B43EC58925}" type="presOf" srcId="{D383C432-3467-4627-B0E4-318C817871C1}" destId="{3EF13814-AB9A-4D66-B373-028BABCF6D58}" srcOrd="1" destOrd="0" presId="urn:microsoft.com/office/officeart/2005/8/layout/process2"/>
+    <dgm:cxn modelId="{C0FBC736-1B98-4B31-B7B7-BBCCA61253E6}" type="presParOf" srcId="{AFA17CFB-75A0-4F21-98D0-7BEE029F4D1B}" destId="{076E41D8-B631-4079-9DE2-112C566F7EAB}" srcOrd="0" destOrd="0" presId="urn:microsoft.com/office/officeart/2005/8/layout/process2"/>
+    <dgm:cxn modelId="{4DBD4FAA-DC09-408A-A951-3CFA298D4627}" type="presParOf" srcId="{AFA17CFB-75A0-4F21-98D0-7BEE029F4D1B}" destId="{66828BF9-0493-4520-AF59-D8F03A252A79}" srcOrd="1" destOrd="0" presId="urn:microsoft.com/office/officeart/2005/8/layout/process2"/>
+    <dgm:cxn modelId="{1D322752-5551-4878-A647-94BEE25015E5}" type="presParOf" srcId="{66828BF9-0493-4520-AF59-D8F03A252A79}" destId="{85EC4AAC-FF82-4075-8361-C4644078237C}" srcOrd="0" destOrd="0" presId="urn:microsoft.com/office/officeart/2005/8/layout/process2"/>
+    <dgm:cxn modelId="{2511088E-EB2E-43ED-9A7A-82C7E919D10C}" type="presParOf" srcId="{AFA17CFB-75A0-4F21-98D0-7BEE029F4D1B}" destId="{972A1AFC-AD8B-4FA9-8994-19C39A34770D}" srcOrd="2" destOrd="0" presId="urn:microsoft.com/office/officeart/2005/8/layout/process2"/>
+    <dgm:cxn modelId="{1B8533B3-BB7C-4189-B510-4F92A17950DF}" type="presParOf" srcId="{AFA17CFB-75A0-4F21-98D0-7BEE029F4D1B}" destId="{7E229864-378E-4ECC-9126-FFDD9C180FA0}" srcOrd="3" destOrd="0" presId="urn:microsoft.com/office/officeart/2005/8/layout/process2"/>
+    <dgm:cxn modelId="{3BCBDED0-948C-4659-8C4B-987BBA6E7568}" type="presParOf" srcId="{7E229864-378E-4ECC-9126-FFDD9C180FA0}" destId="{BC8E4500-7F02-4557-A1F1-D43A2D36FBE2}" srcOrd="0" destOrd="0" presId="urn:microsoft.com/office/officeart/2005/8/layout/process2"/>
+    <dgm:cxn modelId="{B3DB5CA7-47C2-4A42-9D3B-875355499BBE}" type="presParOf" srcId="{AFA17CFB-75A0-4F21-98D0-7BEE029F4D1B}" destId="{D4295F70-7493-42E9-AE01-42AE7145FAF6}" srcOrd="4" destOrd="0" presId="urn:microsoft.com/office/officeart/2005/8/layout/process2"/>
+    <dgm:cxn modelId="{49D24785-7DC7-4D4A-AD5A-B023999F902A}" type="presParOf" srcId="{AFA17CFB-75A0-4F21-98D0-7BEE029F4D1B}" destId="{ACEB2DC2-6E7B-44A6-BFE5-1B4553FEB317}" srcOrd="5" destOrd="0" presId="urn:microsoft.com/office/officeart/2005/8/layout/process2"/>
+    <dgm:cxn modelId="{3CB95428-8A66-4790-8765-F82CD9E8FAB7}" type="presParOf" srcId="{ACEB2DC2-6E7B-44A6-BFE5-1B4553FEB317}" destId="{576FA46E-9C48-47EE-8F28-9DF2B91D8372}" srcOrd="0" destOrd="0" presId="urn:microsoft.com/office/officeart/2005/8/layout/process2"/>
+    <dgm:cxn modelId="{5D59D856-4FEE-4900-B591-BED8F569EBB8}" type="presParOf" srcId="{AFA17CFB-75A0-4F21-98D0-7BEE029F4D1B}" destId="{1204B6A2-73F1-47F1-B79A-D42211B1722C}" srcOrd="6" destOrd="0" presId="urn:microsoft.com/office/officeart/2005/8/layout/process2"/>
+    <dgm:cxn modelId="{3E993057-958B-463D-B2DD-B2CAD347BFF3}" type="presParOf" srcId="{AFA17CFB-75A0-4F21-98D0-7BEE029F4D1B}" destId="{BB329D11-6628-4626-849B-43F02A241B9C}" srcOrd="7" destOrd="0" presId="urn:microsoft.com/office/officeart/2005/8/layout/process2"/>
+    <dgm:cxn modelId="{FD8303FE-DAA7-4A4F-A329-A2D4FD368E3D}" type="presParOf" srcId="{BB329D11-6628-4626-849B-43F02A241B9C}" destId="{3EF13814-AB9A-4D66-B373-028BABCF6D58}" srcOrd="0" destOrd="0" presId="urn:microsoft.com/office/officeart/2005/8/layout/process2"/>
+    <dgm:cxn modelId="{769828E2-89A4-4FC3-A3EB-3092B8A3927D}" type="presParOf" srcId="{AFA17CFB-75A0-4F21-98D0-7BEE029F4D1B}" destId="{226364B4-B179-4DEA-BCD6-276467FA5B3B}" srcOrd="8" destOrd="0" presId="urn:microsoft.com/office/officeart/2005/8/layout/process2"/>
+  </dgm:cxnLst>
+  <dgm:bg/>
+  <dgm:whole/>
+  <dgm:extLst>
+    <a:ext uri="http://schemas.microsoft.com/office/drawing/2008/diagram">
+      <dsp:dataModelExt xmlns:dsp="http://schemas.microsoft.com/office/drawing/2008/diagram" relId="rId7" minVer="http://schemas.openxmlformats.org/drawingml/2006/diagram"/>
+    </a:ext>
+  </dgm:extLst>
+</dgm:dataModel>
+</file>
+
+<file path=ppt/diagrams/drawing1.xml><?xml version="1.0" encoding="utf-8"?>
+<dsp:drawing xmlns:dgm="http://schemas.openxmlformats.org/drawingml/2006/diagram" xmlns:dsp="http://schemas.microsoft.com/office/drawing/2008/diagram" xmlns:a="http://schemas.openxmlformats.org/drawingml/2006/main">
+  <dsp:spTree>
+    <dsp:nvGrpSpPr>
+      <dsp:cNvPr id="0" name=""/>
+      <dsp:cNvGrpSpPr/>
+    </dsp:nvGrpSpPr>
+    <dsp:grpSpPr/>
+    <dsp:sp modelId="{076E41D8-B631-4079-9DE2-112C566F7EAB}">
+      <dsp:nvSpPr>
+        <dsp:cNvPr id="0" name=""/>
+        <dsp:cNvSpPr/>
+      </dsp:nvSpPr>
+      <dsp:spPr>
+        <a:xfrm>
+          <a:off x="652462" y="805"/>
+          <a:ext cx="2083907" cy="941879"/>
+        </a:xfrm>
+        <a:prstGeom prst="roundRect">
+          <a:avLst>
+            <a:gd name="adj" fmla="val 10000"/>
+          </a:avLst>
+        </a:prstGeom>
+        <a:gradFill rotWithShape="0">
+          <a:gsLst>
+            <a:gs pos="0">
+              <a:schemeClr val="accent2">
+                <a:hueOff val="0"/>
+                <a:satOff val="0"/>
+                <a:lumOff val="0"/>
+                <a:alphaOff val="0"/>
+                <a:satMod val="103000"/>
+                <a:lumMod val="102000"/>
+                <a:tint val="94000"/>
+              </a:schemeClr>
+            </a:gs>
+            <a:gs pos="50000">
+              <a:schemeClr val="accent2">
+                <a:hueOff val="0"/>
+                <a:satOff val="0"/>
+                <a:lumOff val="0"/>
+                <a:alphaOff val="0"/>
+                <a:satMod val="110000"/>
+                <a:lumMod val="100000"/>
+                <a:shade val="100000"/>
+              </a:schemeClr>
+            </a:gs>
+            <a:gs pos="100000">
+              <a:schemeClr val="accent2">
+                <a:hueOff val="0"/>
+                <a:satOff val="0"/>
+                <a:lumOff val="0"/>
+                <a:alphaOff val="0"/>
+                <a:lumMod val="99000"/>
+                <a:satMod val="120000"/>
+                <a:shade val="78000"/>
+              </a:schemeClr>
+            </a:gs>
+          </a:gsLst>
+          <a:lin ang="5400000" scaled="0"/>
+        </a:gradFill>
+        <a:ln>
+          <a:noFill/>
+        </a:ln>
+        <a:effectLst>
+          <a:outerShdw blurRad="57150" dist="19050" dir="5400000" algn="ctr" rotWithShape="0">
+            <a:srgbClr val="000000">
+              <a:alpha val="63000"/>
+            </a:srgbClr>
+          </a:outerShdw>
+        </a:effectLst>
+      </dsp:spPr>
+      <dsp:style>
+        <a:lnRef idx="0">
+          <a:scrgbClr r="0" g="0" b="0"/>
+        </a:lnRef>
+        <a:fillRef idx="3">
+          <a:scrgbClr r="0" g="0" b="0"/>
+        </a:fillRef>
+        <a:effectRef idx="3">
+          <a:scrgbClr r="0" g="0" b="0"/>
+        </a:effectRef>
+        <a:fontRef idx="minor">
+          <a:schemeClr val="lt1"/>
+        </a:fontRef>
+      </dsp:style>
+      <dsp:txBody>
+        <a:bodyPr spcFirstLastPara="0" vert="horz" wrap="square" lIns="76200" tIns="76200" rIns="76200" bIns="76200" numCol="1" spcCol="1270" anchor="ctr" anchorCtr="0">
+          <a:noAutofit/>
+        </a:bodyPr>
+        <a:lstStyle/>
+        <a:p>
+          <a:pPr marL="0" lvl="0" indent="0" algn="ctr" defTabSz="889000">
+            <a:lnSpc>
+              <a:spcPct val="90000"/>
+            </a:lnSpc>
+            <a:spcBef>
+              <a:spcPct val="0"/>
+            </a:spcBef>
+            <a:spcAft>
+              <a:spcPct val="35000"/>
+            </a:spcAft>
+            <a:buNone/>
+          </a:pPr>
+          <a:r>
+            <a:rPr lang="en-US" sz="2000" kern="1200" dirty="0">
+              <a:latin typeface="Arial" panose="020B0604020202020204" pitchFamily="34" charset="0"/>
+              <a:cs typeface="Arial" panose="020B0604020202020204" pitchFamily="34" charset="0"/>
+            </a:rPr>
+            <a:t>Data Gathering</a:t>
+          </a:r>
+        </a:p>
+      </dsp:txBody>
+      <dsp:txXfrm>
+        <a:off x="680049" y="28392"/>
+        <a:ext cx="2028733" cy="886705"/>
+      </dsp:txXfrm>
+    </dsp:sp>
+    <dsp:sp modelId="{66828BF9-0493-4520-AF59-D8F03A252A79}">
+      <dsp:nvSpPr>
+        <dsp:cNvPr id="0" name=""/>
+        <dsp:cNvSpPr/>
+      </dsp:nvSpPr>
+      <dsp:spPr>
+        <a:xfrm rot="5400000">
+          <a:off x="1517814" y="966231"/>
+          <a:ext cx="353204" cy="423845"/>
+        </a:xfrm>
+        <a:prstGeom prst="rightArrow">
+          <a:avLst>
+            <a:gd name="adj1" fmla="val 60000"/>
+            <a:gd name="adj2" fmla="val 50000"/>
+          </a:avLst>
+        </a:prstGeom>
+        <a:gradFill rotWithShape="0">
+          <a:gsLst>
+            <a:gs pos="0">
+              <a:schemeClr val="accent2">
+                <a:hueOff val="0"/>
+                <a:satOff val="0"/>
+                <a:lumOff val="0"/>
+                <a:alphaOff val="0"/>
+                <a:satMod val="103000"/>
+                <a:lumMod val="102000"/>
+                <a:tint val="94000"/>
+              </a:schemeClr>
+            </a:gs>
+            <a:gs pos="50000">
+              <a:schemeClr val="accent2">
+                <a:hueOff val="0"/>
+                <a:satOff val="0"/>
+                <a:lumOff val="0"/>
+                <a:alphaOff val="0"/>
+                <a:satMod val="110000"/>
+                <a:lumMod val="100000"/>
+                <a:shade val="100000"/>
+              </a:schemeClr>
+            </a:gs>
+            <a:gs pos="100000">
+              <a:schemeClr val="accent2">
+                <a:hueOff val="0"/>
+                <a:satOff val="0"/>
+                <a:lumOff val="0"/>
+                <a:alphaOff val="0"/>
+                <a:lumMod val="99000"/>
+                <a:satMod val="120000"/>
+                <a:shade val="78000"/>
+              </a:schemeClr>
+            </a:gs>
+          </a:gsLst>
+          <a:lin ang="5400000" scaled="0"/>
+        </a:gradFill>
+        <a:ln>
+          <a:noFill/>
+        </a:ln>
+        <a:effectLst>
+          <a:outerShdw blurRad="57150" dist="19050" dir="5400000" algn="ctr" rotWithShape="0">
+            <a:srgbClr val="000000">
+              <a:alpha val="63000"/>
+            </a:srgbClr>
+          </a:outerShdw>
+        </a:effectLst>
+      </dsp:spPr>
+      <dsp:style>
+        <a:lnRef idx="0">
+          <a:scrgbClr r="0" g="0" b="0"/>
+        </a:lnRef>
+        <a:fillRef idx="3">
+          <a:scrgbClr r="0" g="0" b="0"/>
+        </a:fillRef>
+        <a:effectRef idx="3">
+          <a:scrgbClr r="0" g="0" b="0"/>
+        </a:effectRef>
+        <a:fontRef idx="minor">
+          <a:schemeClr val="lt1"/>
+        </a:fontRef>
+      </dsp:style>
+      <dsp:txBody>
+        <a:bodyPr spcFirstLastPara="0" vert="horz" wrap="square" lIns="0" tIns="0" rIns="0" bIns="0" numCol="1" spcCol="1270" anchor="ctr" anchorCtr="0">
+          <a:noAutofit/>
+        </a:bodyPr>
+        <a:lstStyle/>
+        <a:p>
+          <a:pPr marL="0" lvl="0" indent="0" algn="ctr" defTabSz="755650">
+            <a:lnSpc>
+              <a:spcPct val="90000"/>
+            </a:lnSpc>
+            <a:spcBef>
+              <a:spcPct val="0"/>
+            </a:spcBef>
+            <a:spcAft>
+              <a:spcPct val="35000"/>
+            </a:spcAft>
+            <a:buNone/>
+          </a:pPr>
+          <a:endParaRPr lang="en-US" sz="1700" kern="1200"/>
+        </a:p>
+      </dsp:txBody>
+      <dsp:txXfrm rot="-5400000">
+        <a:off x="1567263" y="1001552"/>
+        <a:ext cx="254307" cy="247243"/>
+      </dsp:txXfrm>
+    </dsp:sp>
+    <dsp:sp modelId="{972A1AFC-AD8B-4FA9-8994-19C39A34770D}">
+      <dsp:nvSpPr>
+        <dsp:cNvPr id="0" name=""/>
+        <dsp:cNvSpPr/>
+      </dsp:nvSpPr>
+      <dsp:spPr>
+        <a:xfrm>
+          <a:off x="652462" y="1413623"/>
+          <a:ext cx="2083907" cy="941879"/>
+        </a:xfrm>
+        <a:prstGeom prst="roundRect">
+          <a:avLst>
+            <a:gd name="adj" fmla="val 10000"/>
+          </a:avLst>
+        </a:prstGeom>
+        <a:gradFill rotWithShape="0">
+          <a:gsLst>
+            <a:gs pos="0">
+              <a:schemeClr val="accent3">
+                <a:hueOff val="0"/>
+                <a:satOff val="0"/>
+                <a:lumOff val="0"/>
+                <a:alphaOff val="0"/>
+                <a:satMod val="103000"/>
+                <a:lumMod val="102000"/>
+                <a:tint val="94000"/>
+              </a:schemeClr>
+            </a:gs>
+            <a:gs pos="50000">
+              <a:schemeClr val="accent3">
+                <a:hueOff val="0"/>
+                <a:satOff val="0"/>
+                <a:lumOff val="0"/>
+                <a:alphaOff val="0"/>
+                <a:satMod val="110000"/>
+                <a:lumMod val="100000"/>
+                <a:shade val="100000"/>
+              </a:schemeClr>
+            </a:gs>
+            <a:gs pos="100000">
+              <a:schemeClr val="accent3">
+                <a:hueOff val="0"/>
+                <a:satOff val="0"/>
+                <a:lumOff val="0"/>
+                <a:alphaOff val="0"/>
+                <a:lumMod val="99000"/>
+                <a:satMod val="120000"/>
+                <a:shade val="78000"/>
+              </a:schemeClr>
+            </a:gs>
+          </a:gsLst>
+          <a:lin ang="5400000" scaled="0"/>
+        </a:gradFill>
+        <a:ln>
+          <a:noFill/>
+        </a:ln>
+        <a:effectLst>
+          <a:outerShdw blurRad="57150" dist="19050" dir="5400000" algn="ctr" rotWithShape="0">
+            <a:srgbClr val="000000">
+              <a:alpha val="63000"/>
+            </a:srgbClr>
+          </a:outerShdw>
+        </a:effectLst>
+      </dsp:spPr>
+      <dsp:style>
+        <a:lnRef idx="0">
+          <a:scrgbClr r="0" g="0" b="0"/>
+        </a:lnRef>
+        <a:fillRef idx="3">
+          <a:scrgbClr r="0" g="0" b="0"/>
+        </a:fillRef>
+        <a:effectRef idx="3">
+          <a:scrgbClr r="0" g="0" b="0"/>
+        </a:effectRef>
+        <a:fontRef idx="minor">
+          <a:schemeClr val="lt1"/>
+        </a:fontRef>
+      </dsp:style>
+      <dsp:txBody>
+        <a:bodyPr spcFirstLastPara="0" vert="horz" wrap="square" lIns="76200" tIns="76200" rIns="76200" bIns="76200" numCol="1" spcCol="1270" anchor="ctr" anchorCtr="0">
+          <a:noAutofit/>
+        </a:bodyPr>
+        <a:lstStyle/>
+        <a:p>
+          <a:pPr marL="0" lvl="0" indent="0" algn="ctr" defTabSz="889000">
+            <a:lnSpc>
+              <a:spcPct val="90000"/>
+            </a:lnSpc>
+            <a:spcBef>
+              <a:spcPct val="0"/>
+            </a:spcBef>
+            <a:spcAft>
+              <a:spcPct val="35000"/>
+            </a:spcAft>
+            <a:buNone/>
+          </a:pPr>
+          <a:r>
+            <a:rPr lang="en-US" sz="2000" kern="1200" dirty="0">
+              <a:latin typeface="Arial" panose="020B0604020202020204" pitchFamily="34" charset="0"/>
+              <a:cs typeface="Arial" panose="020B0604020202020204" pitchFamily="34" charset="0"/>
+            </a:rPr>
+            <a:t>Initial Data Analysis</a:t>
+          </a:r>
+        </a:p>
+      </dsp:txBody>
+      <dsp:txXfrm>
+        <a:off x="680049" y="1441210"/>
+        <a:ext cx="2028733" cy="886705"/>
+      </dsp:txXfrm>
+    </dsp:sp>
+    <dsp:sp modelId="{7E229864-378E-4ECC-9126-FFDD9C180FA0}">
+      <dsp:nvSpPr>
+        <dsp:cNvPr id="0" name=""/>
+        <dsp:cNvSpPr/>
+      </dsp:nvSpPr>
+      <dsp:spPr>
+        <a:xfrm rot="5400000">
+          <a:off x="1517814" y="2379049"/>
+          <a:ext cx="353204" cy="423845"/>
+        </a:xfrm>
+        <a:prstGeom prst="rightArrow">
+          <a:avLst>
+            <a:gd name="adj1" fmla="val 60000"/>
+            <a:gd name="adj2" fmla="val 50000"/>
+          </a:avLst>
+        </a:prstGeom>
+        <a:gradFill rotWithShape="0">
+          <a:gsLst>
+            <a:gs pos="0">
+              <a:schemeClr val="accent3">
+                <a:hueOff val="0"/>
+                <a:satOff val="0"/>
+                <a:lumOff val="0"/>
+                <a:alphaOff val="0"/>
+                <a:satMod val="103000"/>
+                <a:lumMod val="102000"/>
+                <a:tint val="94000"/>
+              </a:schemeClr>
+            </a:gs>
+            <a:gs pos="50000">
+              <a:schemeClr val="accent3">
+                <a:hueOff val="0"/>
+                <a:satOff val="0"/>
+                <a:lumOff val="0"/>
+                <a:alphaOff val="0"/>
+                <a:satMod val="110000"/>
+                <a:lumMod val="100000"/>
+                <a:shade val="100000"/>
+              </a:schemeClr>
+            </a:gs>
+            <a:gs pos="100000">
+              <a:schemeClr val="accent3">
+                <a:hueOff val="0"/>
+                <a:satOff val="0"/>
+                <a:lumOff val="0"/>
+                <a:alphaOff val="0"/>
+                <a:lumMod val="99000"/>
+                <a:satMod val="120000"/>
+                <a:shade val="78000"/>
+              </a:schemeClr>
+            </a:gs>
+          </a:gsLst>
+          <a:lin ang="5400000" scaled="0"/>
+        </a:gradFill>
+        <a:ln>
+          <a:noFill/>
+        </a:ln>
+        <a:effectLst>
+          <a:outerShdw blurRad="57150" dist="19050" dir="5400000" algn="ctr" rotWithShape="0">
+            <a:srgbClr val="000000">
+              <a:alpha val="63000"/>
+            </a:srgbClr>
+          </a:outerShdw>
+        </a:effectLst>
+      </dsp:spPr>
+      <dsp:style>
+        <a:lnRef idx="0">
+          <a:scrgbClr r="0" g="0" b="0"/>
+        </a:lnRef>
+        <a:fillRef idx="3">
+          <a:scrgbClr r="0" g="0" b="0"/>
+        </a:fillRef>
+        <a:effectRef idx="3">
+          <a:scrgbClr r="0" g="0" b="0"/>
+        </a:effectRef>
+        <a:fontRef idx="minor">
+          <a:schemeClr val="lt1"/>
+        </a:fontRef>
+      </dsp:style>
+      <dsp:txBody>
+        <a:bodyPr spcFirstLastPara="0" vert="horz" wrap="square" lIns="0" tIns="0" rIns="0" bIns="0" numCol="1" spcCol="1270" anchor="ctr" anchorCtr="0">
+          <a:noAutofit/>
+        </a:bodyPr>
+        <a:lstStyle/>
+        <a:p>
+          <a:pPr marL="0" lvl="0" indent="0" algn="ctr" defTabSz="755650">
+            <a:lnSpc>
+              <a:spcPct val="90000"/>
+            </a:lnSpc>
+            <a:spcBef>
+              <a:spcPct val="0"/>
+            </a:spcBef>
+            <a:spcAft>
+              <a:spcPct val="35000"/>
+            </a:spcAft>
+            <a:buNone/>
+          </a:pPr>
+          <a:endParaRPr lang="en-US" sz="1700" kern="1200"/>
+        </a:p>
+      </dsp:txBody>
+      <dsp:txXfrm rot="-5400000">
+        <a:off x="1567263" y="2414370"/>
+        <a:ext cx="254307" cy="247243"/>
+      </dsp:txXfrm>
+    </dsp:sp>
+    <dsp:sp modelId="{D4295F70-7493-42E9-AE01-42AE7145FAF6}">
+      <dsp:nvSpPr>
+        <dsp:cNvPr id="0" name=""/>
+        <dsp:cNvSpPr/>
+      </dsp:nvSpPr>
+      <dsp:spPr>
+        <a:xfrm>
+          <a:off x="652462" y="2826442"/>
+          <a:ext cx="2083907" cy="941879"/>
+        </a:xfrm>
+        <a:prstGeom prst="roundRect">
+          <a:avLst>
+            <a:gd name="adj" fmla="val 10000"/>
+          </a:avLst>
+        </a:prstGeom>
+        <a:gradFill rotWithShape="0">
+          <a:gsLst>
+            <a:gs pos="0">
+              <a:schemeClr val="accent4">
+                <a:hueOff val="0"/>
+                <a:satOff val="0"/>
+                <a:lumOff val="0"/>
+                <a:alphaOff val="0"/>
+                <a:satMod val="103000"/>
+                <a:lumMod val="102000"/>
+                <a:tint val="94000"/>
+              </a:schemeClr>
+            </a:gs>
+            <a:gs pos="50000">
+              <a:schemeClr val="accent4">
+                <a:hueOff val="0"/>
+                <a:satOff val="0"/>
+                <a:lumOff val="0"/>
+                <a:alphaOff val="0"/>
+                <a:satMod val="110000"/>
+                <a:lumMod val="100000"/>
+                <a:shade val="100000"/>
+              </a:schemeClr>
+            </a:gs>
+            <a:gs pos="100000">
+              <a:schemeClr val="accent4">
+                <a:hueOff val="0"/>
+                <a:satOff val="0"/>
+                <a:lumOff val="0"/>
+                <a:alphaOff val="0"/>
+                <a:lumMod val="99000"/>
+                <a:satMod val="120000"/>
+                <a:shade val="78000"/>
+              </a:schemeClr>
+            </a:gs>
+          </a:gsLst>
+          <a:lin ang="5400000" scaled="0"/>
+        </a:gradFill>
+        <a:ln>
+          <a:noFill/>
+        </a:ln>
+        <a:effectLst>
+          <a:outerShdw blurRad="57150" dist="19050" dir="5400000" algn="ctr" rotWithShape="0">
+            <a:srgbClr val="000000">
+              <a:alpha val="63000"/>
+            </a:srgbClr>
+          </a:outerShdw>
+        </a:effectLst>
+      </dsp:spPr>
+      <dsp:style>
+        <a:lnRef idx="0">
+          <a:scrgbClr r="0" g="0" b="0"/>
+        </a:lnRef>
+        <a:fillRef idx="3">
+          <a:scrgbClr r="0" g="0" b="0"/>
+        </a:fillRef>
+        <a:effectRef idx="3">
+          <a:scrgbClr r="0" g="0" b="0"/>
+        </a:effectRef>
+        <a:fontRef idx="minor">
+          <a:schemeClr val="lt1"/>
+        </a:fontRef>
+      </dsp:style>
+      <dsp:txBody>
+        <a:bodyPr spcFirstLastPara="0" vert="horz" wrap="square" lIns="76200" tIns="76200" rIns="76200" bIns="76200" numCol="1" spcCol="1270" anchor="ctr" anchorCtr="0">
+          <a:noAutofit/>
+        </a:bodyPr>
+        <a:lstStyle/>
+        <a:p>
+          <a:pPr marL="0" lvl="0" indent="0" algn="ctr" defTabSz="889000">
+            <a:lnSpc>
+              <a:spcPct val="90000"/>
+            </a:lnSpc>
+            <a:spcBef>
+              <a:spcPct val="0"/>
+            </a:spcBef>
+            <a:spcAft>
+              <a:spcPct val="35000"/>
+            </a:spcAft>
+            <a:buNone/>
+          </a:pPr>
+          <a:r>
+            <a:rPr lang="en-US" sz="2000" kern="1200" dirty="0">
+              <a:latin typeface="Arial" panose="020B0604020202020204" pitchFamily="34" charset="0"/>
+              <a:cs typeface="Arial" panose="020B0604020202020204" pitchFamily="34" charset="0"/>
+            </a:rPr>
+            <a:t>Data Cleaning</a:t>
+          </a:r>
+        </a:p>
+      </dsp:txBody>
+      <dsp:txXfrm>
+        <a:off x="680049" y="2854029"/>
+        <a:ext cx="2028733" cy="886705"/>
+      </dsp:txXfrm>
+    </dsp:sp>
+    <dsp:sp modelId="{ACEB2DC2-6E7B-44A6-BFE5-1B4553FEB317}">
+      <dsp:nvSpPr>
+        <dsp:cNvPr id="0" name=""/>
+        <dsp:cNvSpPr/>
+      </dsp:nvSpPr>
+      <dsp:spPr>
+        <a:xfrm rot="5400000">
+          <a:off x="1517814" y="3791868"/>
+          <a:ext cx="353204" cy="423845"/>
+        </a:xfrm>
+        <a:prstGeom prst="rightArrow">
+          <a:avLst>
+            <a:gd name="adj1" fmla="val 60000"/>
+            <a:gd name="adj2" fmla="val 50000"/>
+          </a:avLst>
+        </a:prstGeom>
+        <a:gradFill rotWithShape="0">
+          <a:gsLst>
+            <a:gs pos="0">
+              <a:schemeClr val="accent4">
+                <a:hueOff val="0"/>
+                <a:satOff val="0"/>
+                <a:lumOff val="0"/>
+                <a:alphaOff val="0"/>
+                <a:satMod val="103000"/>
+                <a:lumMod val="102000"/>
+                <a:tint val="94000"/>
+              </a:schemeClr>
+            </a:gs>
+            <a:gs pos="50000">
+              <a:schemeClr val="accent4">
+                <a:hueOff val="0"/>
+                <a:satOff val="0"/>
+                <a:lumOff val="0"/>
+                <a:alphaOff val="0"/>
+                <a:satMod val="110000"/>
+                <a:lumMod val="100000"/>
+                <a:shade val="100000"/>
+              </a:schemeClr>
+            </a:gs>
+            <a:gs pos="100000">
+              <a:schemeClr val="accent4">
+                <a:hueOff val="0"/>
+                <a:satOff val="0"/>
+                <a:lumOff val="0"/>
+                <a:alphaOff val="0"/>
+                <a:lumMod val="99000"/>
+                <a:satMod val="120000"/>
+                <a:shade val="78000"/>
+              </a:schemeClr>
+            </a:gs>
+          </a:gsLst>
+          <a:lin ang="5400000" scaled="0"/>
+        </a:gradFill>
+        <a:ln>
+          <a:noFill/>
+        </a:ln>
+        <a:effectLst>
+          <a:outerShdw blurRad="57150" dist="19050" dir="5400000" algn="ctr" rotWithShape="0">
+            <a:srgbClr val="000000">
+              <a:alpha val="63000"/>
+            </a:srgbClr>
+          </a:outerShdw>
+        </a:effectLst>
+      </dsp:spPr>
+      <dsp:style>
+        <a:lnRef idx="0">
+          <a:scrgbClr r="0" g="0" b="0"/>
+        </a:lnRef>
+        <a:fillRef idx="3">
+          <a:scrgbClr r="0" g="0" b="0"/>
+        </a:fillRef>
+        <a:effectRef idx="3">
+          <a:scrgbClr r="0" g="0" b="0"/>
+        </a:effectRef>
+        <a:fontRef idx="minor">
+          <a:schemeClr val="lt1"/>
+        </a:fontRef>
+      </dsp:style>
+      <dsp:txBody>
+        <a:bodyPr spcFirstLastPara="0" vert="horz" wrap="square" lIns="0" tIns="0" rIns="0" bIns="0" numCol="1" spcCol="1270" anchor="ctr" anchorCtr="0">
+          <a:noAutofit/>
+        </a:bodyPr>
+        <a:lstStyle/>
+        <a:p>
+          <a:pPr marL="0" lvl="0" indent="0" algn="ctr" defTabSz="755650">
+            <a:lnSpc>
+              <a:spcPct val="90000"/>
+            </a:lnSpc>
+            <a:spcBef>
+              <a:spcPct val="0"/>
+            </a:spcBef>
+            <a:spcAft>
+              <a:spcPct val="35000"/>
+            </a:spcAft>
+            <a:buNone/>
+          </a:pPr>
+          <a:endParaRPr lang="en-US" sz="1700" kern="1200"/>
+        </a:p>
+      </dsp:txBody>
+      <dsp:txXfrm rot="-5400000">
+        <a:off x="1567263" y="3827189"/>
+        <a:ext cx="254307" cy="247243"/>
+      </dsp:txXfrm>
+    </dsp:sp>
+    <dsp:sp modelId="{1204B6A2-73F1-47F1-B79A-D42211B1722C}">
+      <dsp:nvSpPr>
+        <dsp:cNvPr id="0" name=""/>
+        <dsp:cNvSpPr/>
+      </dsp:nvSpPr>
+      <dsp:spPr>
+        <a:xfrm>
+          <a:off x="652462" y="4239261"/>
+          <a:ext cx="2083907" cy="941879"/>
+        </a:xfrm>
+        <a:prstGeom prst="roundRect">
+          <a:avLst>
+            <a:gd name="adj" fmla="val 10000"/>
+          </a:avLst>
+        </a:prstGeom>
+        <a:gradFill rotWithShape="0">
+          <a:gsLst>
+            <a:gs pos="0">
+              <a:schemeClr val="accent5">
+                <a:hueOff val="0"/>
+                <a:satOff val="0"/>
+                <a:lumOff val="0"/>
+                <a:alphaOff val="0"/>
+                <a:satMod val="103000"/>
+                <a:lumMod val="102000"/>
+                <a:tint val="94000"/>
+              </a:schemeClr>
+            </a:gs>
+            <a:gs pos="50000">
+              <a:schemeClr val="accent5">
+                <a:hueOff val="0"/>
+                <a:satOff val="0"/>
+                <a:lumOff val="0"/>
+                <a:alphaOff val="0"/>
+                <a:satMod val="110000"/>
+                <a:lumMod val="100000"/>
+                <a:shade val="100000"/>
+              </a:schemeClr>
+            </a:gs>
+            <a:gs pos="100000">
+              <a:schemeClr val="accent5">
+                <a:hueOff val="0"/>
+                <a:satOff val="0"/>
+                <a:lumOff val="0"/>
+                <a:alphaOff val="0"/>
+                <a:lumMod val="99000"/>
+                <a:satMod val="120000"/>
+                <a:shade val="78000"/>
+              </a:schemeClr>
+            </a:gs>
+          </a:gsLst>
+          <a:lin ang="5400000" scaled="0"/>
+        </a:gradFill>
+        <a:ln>
+          <a:noFill/>
+        </a:ln>
+        <a:effectLst>
+          <a:outerShdw blurRad="57150" dist="19050" dir="5400000" algn="ctr" rotWithShape="0">
+            <a:srgbClr val="000000">
+              <a:alpha val="63000"/>
+            </a:srgbClr>
+          </a:outerShdw>
+        </a:effectLst>
+      </dsp:spPr>
+      <dsp:style>
+        <a:lnRef idx="0">
+          <a:scrgbClr r="0" g="0" b="0"/>
+        </a:lnRef>
+        <a:fillRef idx="3">
+          <a:scrgbClr r="0" g="0" b="0"/>
+        </a:fillRef>
+        <a:effectRef idx="3">
+          <a:scrgbClr r="0" g="0" b="0"/>
+        </a:effectRef>
+        <a:fontRef idx="minor">
+          <a:schemeClr val="lt1"/>
+        </a:fontRef>
+      </dsp:style>
+      <dsp:txBody>
+        <a:bodyPr spcFirstLastPara="0" vert="horz" wrap="square" lIns="76200" tIns="76200" rIns="76200" bIns="76200" numCol="1" spcCol="1270" anchor="ctr" anchorCtr="0">
+          <a:noAutofit/>
+        </a:bodyPr>
+        <a:lstStyle/>
+        <a:p>
+          <a:pPr marL="0" lvl="0" indent="0" algn="ctr" defTabSz="889000">
+            <a:lnSpc>
+              <a:spcPct val="90000"/>
+            </a:lnSpc>
+            <a:spcBef>
+              <a:spcPct val="0"/>
+            </a:spcBef>
+            <a:spcAft>
+              <a:spcPct val="35000"/>
+            </a:spcAft>
+            <a:buNone/>
+          </a:pPr>
+          <a:r>
+            <a:rPr lang="en-US" sz="2000" kern="1200" dirty="0">
+              <a:latin typeface="Arial" panose="020B0604020202020204" pitchFamily="34" charset="0"/>
+              <a:cs typeface="Arial" panose="020B0604020202020204" pitchFamily="34" charset="0"/>
+            </a:rPr>
+            <a:t>NACEP</a:t>
+          </a:r>
+        </a:p>
+      </dsp:txBody>
+      <dsp:txXfrm>
+        <a:off x="680049" y="4266848"/>
+        <a:ext cx="2028733" cy="886705"/>
+      </dsp:txXfrm>
+    </dsp:sp>
+    <dsp:sp modelId="{BB329D11-6628-4626-849B-43F02A241B9C}">
+      <dsp:nvSpPr>
+        <dsp:cNvPr id="0" name=""/>
+        <dsp:cNvSpPr/>
+      </dsp:nvSpPr>
+      <dsp:spPr>
+        <a:xfrm rot="5400000">
+          <a:off x="1517814" y="5204687"/>
+          <a:ext cx="353204" cy="423845"/>
+        </a:xfrm>
+        <a:prstGeom prst="rightArrow">
+          <a:avLst>
+            <a:gd name="adj1" fmla="val 60000"/>
+            <a:gd name="adj2" fmla="val 50000"/>
+          </a:avLst>
+        </a:prstGeom>
+        <a:gradFill rotWithShape="0">
+          <a:gsLst>
+            <a:gs pos="0">
+              <a:schemeClr val="accent5">
+                <a:hueOff val="0"/>
+                <a:satOff val="0"/>
+                <a:lumOff val="0"/>
+                <a:alphaOff val="0"/>
+                <a:satMod val="103000"/>
+                <a:lumMod val="102000"/>
+                <a:tint val="94000"/>
+              </a:schemeClr>
+            </a:gs>
+            <a:gs pos="50000">
+              <a:schemeClr val="accent5">
+                <a:hueOff val="0"/>
+                <a:satOff val="0"/>
+                <a:lumOff val="0"/>
+                <a:alphaOff val="0"/>
+                <a:satMod val="110000"/>
+                <a:lumMod val="100000"/>
+                <a:shade val="100000"/>
+              </a:schemeClr>
+            </a:gs>
+            <a:gs pos="100000">
+              <a:schemeClr val="accent5">
+                <a:hueOff val="0"/>
+                <a:satOff val="0"/>
+                <a:lumOff val="0"/>
+                <a:alphaOff val="0"/>
+                <a:lumMod val="99000"/>
+                <a:satMod val="120000"/>
+                <a:shade val="78000"/>
+              </a:schemeClr>
+            </a:gs>
+          </a:gsLst>
+          <a:lin ang="5400000" scaled="0"/>
+        </a:gradFill>
+        <a:ln>
+          <a:noFill/>
+        </a:ln>
+        <a:effectLst>
+          <a:outerShdw blurRad="57150" dist="19050" dir="5400000" algn="ctr" rotWithShape="0">
+            <a:srgbClr val="000000">
+              <a:alpha val="63000"/>
+            </a:srgbClr>
+          </a:outerShdw>
+        </a:effectLst>
+      </dsp:spPr>
+      <dsp:style>
+        <a:lnRef idx="0">
+          <a:scrgbClr r="0" g="0" b="0"/>
+        </a:lnRef>
+        <a:fillRef idx="3">
+          <a:scrgbClr r="0" g="0" b="0"/>
+        </a:fillRef>
+        <a:effectRef idx="3">
+          <a:scrgbClr r="0" g="0" b="0"/>
+        </a:effectRef>
+        <a:fontRef idx="minor">
+          <a:schemeClr val="lt1"/>
+        </a:fontRef>
+      </dsp:style>
+      <dsp:txBody>
+        <a:bodyPr spcFirstLastPara="0" vert="horz" wrap="square" lIns="0" tIns="0" rIns="0" bIns="0" numCol="1" spcCol="1270" anchor="ctr" anchorCtr="0">
+          <a:noAutofit/>
+        </a:bodyPr>
+        <a:lstStyle/>
+        <a:p>
+          <a:pPr marL="0" lvl="0" indent="0" algn="ctr" defTabSz="755650">
+            <a:lnSpc>
+              <a:spcPct val="90000"/>
+            </a:lnSpc>
+            <a:spcBef>
+              <a:spcPct val="0"/>
+            </a:spcBef>
+            <a:spcAft>
+              <a:spcPct val="35000"/>
+            </a:spcAft>
+            <a:buNone/>
+          </a:pPr>
+          <a:endParaRPr lang="en-US" sz="1700" kern="1200"/>
+        </a:p>
+      </dsp:txBody>
+      <dsp:txXfrm rot="-5400000">
+        <a:off x="1567263" y="5240008"/>
+        <a:ext cx="254307" cy="247243"/>
+      </dsp:txXfrm>
+    </dsp:sp>
+    <dsp:sp modelId="{226364B4-B179-4DEA-BCD6-276467FA5B3B}">
+      <dsp:nvSpPr>
+        <dsp:cNvPr id="0" name=""/>
+        <dsp:cNvSpPr/>
+      </dsp:nvSpPr>
+      <dsp:spPr>
+        <a:xfrm>
+          <a:off x="652462" y="5652079"/>
+          <a:ext cx="2083907" cy="941879"/>
+        </a:xfrm>
+        <a:prstGeom prst="roundRect">
+          <a:avLst>
+            <a:gd name="adj" fmla="val 10000"/>
+          </a:avLst>
+        </a:prstGeom>
+        <a:gradFill rotWithShape="0">
+          <a:gsLst>
+            <a:gs pos="0">
+              <a:schemeClr val="accent6">
+                <a:hueOff val="0"/>
+                <a:satOff val="0"/>
+                <a:lumOff val="0"/>
+                <a:alphaOff val="0"/>
+                <a:satMod val="103000"/>
+                <a:lumMod val="102000"/>
+                <a:tint val="94000"/>
+              </a:schemeClr>
+            </a:gs>
+            <a:gs pos="50000">
+              <a:schemeClr val="accent6">
+                <a:hueOff val="0"/>
+                <a:satOff val="0"/>
+                <a:lumOff val="0"/>
+                <a:alphaOff val="0"/>
+                <a:satMod val="110000"/>
+                <a:lumMod val="100000"/>
+                <a:shade val="100000"/>
+              </a:schemeClr>
+            </a:gs>
+            <a:gs pos="100000">
+              <a:schemeClr val="accent6">
+                <a:hueOff val="0"/>
+                <a:satOff val="0"/>
+                <a:lumOff val="0"/>
+                <a:alphaOff val="0"/>
+                <a:lumMod val="99000"/>
+                <a:satMod val="120000"/>
+                <a:shade val="78000"/>
+              </a:schemeClr>
+            </a:gs>
+          </a:gsLst>
+          <a:lin ang="5400000" scaled="0"/>
+        </a:gradFill>
+        <a:ln>
+          <a:noFill/>
+        </a:ln>
+        <a:effectLst>
+          <a:outerShdw blurRad="57150" dist="19050" dir="5400000" algn="ctr" rotWithShape="0">
+            <a:srgbClr val="000000">
+              <a:alpha val="63000"/>
+            </a:srgbClr>
+          </a:outerShdw>
+        </a:effectLst>
+      </dsp:spPr>
+      <dsp:style>
+        <a:lnRef idx="0">
+          <a:scrgbClr r="0" g="0" b="0"/>
+        </a:lnRef>
+        <a:fillRef idx="3">
+          <a:scrgbClr r="0" g="0" b="0"/>
+        </a:fillRef>
+        <a:effectRef idx="3">
+          <a:scrgbClr r="0" g="0" b="0"/>
+        </a:effectRef>
+        <a:fontRef idx="minor">
+          <a:schemeClr val="lt1"/>
+        </a:fontRef>
+      </dsp:style>
+      <dsp:txBody>
+        <a:bodyPr spcFirstLastPara="0" vert="horz" wrap="square" lIns="76200" tIns="76200" rIns="76200" bIns="76200" numCol="1" spcCol="1270" anchor="ctr" anchorCtr="0">
+          <a:noAutofit/>
+        </a:bodyPr>
+        <a:lstStyle/>
+        <a:p>
+          <a:pPr marL="0" lvl="0" indent="0" algn="ctr" defTabSz="889000">
+            <a:lnSpc>
+              <a:spcPct val="90000"/>
+            </a:lnSpc>
+            <a:spcBef>
+              <a:spcPct val="0"/>
+            </a:spcBef>
+            <a:spcAft>
+              <a:spcPct val="35000"/>
+            </a:spcAft>
+            <a:buNone/>
+          </a:pPr>
+          <a:r>
+            <a:rPr lang="en-US" sz="2000" kern="1200" dirty="0">
+              <a:latin typeface="Arial" panose="020B0604020202020204" pitchFamily="34" charset="0"/>
+              <a:cs typeface="Arial" panose="020B0604020202020204" pitchFamily="34" charset="0"/>
+            </a:rPr>
+            <a:t>DEX Analysis and Annotations</a:t>
+          </a:r>
+        </a:p>
+      </dsp:txBody>
+      <dsp:txXfrm>
+        <a:off x="680049" y="5679666"/>
+        <a:ext cx="2028733" cy="886705"/>
+      </dsp:txXfrm>
+    </dsp:sp>
+  </dsp:spTree>
+</dsp:drawing>
+</file>
+
+<file path=ppt/diagrams/layout1.xml><?xml version="1.0" encoding="utf-8"?>
+<dgm:layoutDef xmlns:dgm="http://schemas.openxmlformats.org/drawingml/2006/diagram" xmlns:a="http://schemas.openxmlformats.org/drawingml/2006/main" uniqueId="urn:microsoft.com/office/officeart/2005/8/layout/process2">
+  <dgm:title val=""/>
+  <dgm:desc val=""/>
+  <dgm:catLst>
+    <dgm:cat type="process" pri="13000"/>
+  </dgm:catLst>
+  <dgm:sampData useDef="1">
+    <dgm:dataModel>
+      <dgm:ptLst/>
+      <dgm:bg/>
+      <dgm:whole/>
+    </dgm:dataModel>
+  </dgm:sampData>
+  <dgm:styleData>
+    <dgm:dataModel>
+      <dgm:ptLst>
+        <dgm:pt modelId="0" type="doc"/>
+        <dgm:pt modelId="1"/>
+        <dgm:pt modelId="2"/>
+      </dgm:ptLst>
+      <dgm:cxnLst>
+        <dgm:cxn modelId="3" srcId="0" destId="1" srcOrd="0" destOrd="0"/>
+        <dgm:cxn modelId="4" srcId="0" destId="2" srcOrd="1" destOrd="0"/>
+      </dgm:cxnLst>
+      <dgm:bg/>
+      <dgm:whole/>
+    </dgm:dataModel>
+  </dgm:styleData>
+  <dgm:clrData>
+    <dgm:dataModel>
+      <dgm:ptLst>
+        <dgm:pt modelId="0" type="doc"/>
+        <dgm:pt modelId="1"/>
+        <dgm:pt modelId="2"/>
+        <dgm:pt modelId="3"/>
+        <dgm:pt modelId="4"/>
+      </dgm:ptLst>
+      <dgm:cxnLst>
+        <dgm:cxn modelId="5" srcId="0" destId="1" srcOrd="0" destOrd="0"/>
+        <dgm:cxn modelId="6" srcId="0" destId="2" srcOrd="1" destOrd="0"/>
+        <dgm:cxn modelId="7" srcId="0" destId="3" srcOrd="2" destOrd="0"/>
+        <dgm:cxn modelId="8" srcId="0" destId="4" srcOrd="3" destOrd="0"/>
+      </dgm:cxnLst>
+      <dgm:bg/>
+      <dgm:whole/>
+    </dgm:dataModel>
+  </dgm:clrData>
+  <dgm:layoutNode name="linearFlow">
+    <dgm:varLst>
+      <dgm:resizeHandles val="exact"/>
+    </dgm:varLst>
+    <dgm:alg type="lin">
+      <dgm:param type="linDir" val="fromT"/>
+    </dgm:alg>
+    <dgm:shape xmlns:r="http://schemas.openxmlformats.org/officeDocument/2006/relationships" r:blip="">
+      <dgm:adjLst/>
+    </dgm:shape>
+    <dgm:presOf/>
+    <dgm:constrLst>
+      <dgm:constr type="h" for="ch" ptType="node" refType="h"/>
+      <dgm:constr type="h" for="ch" ptType="sibTrans" refType="h" refFor="ch" refPtType="node" fact="0.5"/>
+      <dgm:constr type="w" for="ch" ptType="node" op="equ"/>
+      <dgm:constr type="primFontSz" for="ch" ptType="node" op="equ" val="65"/>
+      <dgm:constr type="primFontSz" for="des" forName="connectorText" op="equ" val="55"/>
+      <dgm:constr type="primFontSz" for="des" forName="connectorText" refType="primFontSz" refFor="ch" refPtType="node" op="lte" fact="0.8"/>
+    </dgm:constrLst>
+    <dgm:ruleLst/>
+    <dgm:forEach name="nodesForEach" axis="ch" ptType="node">
+      <dgm:layoutNode name="node">
+        <dgm:varLst>
+          <dgm:bulletEnabled val="1"/>
+        </dgm:varLst>
+        <dgm:choose name="Name0">
+          <dgm:if name="Name1" axis="root des" ptType="all node" func="maxDepth" op="gt" val="1">
+            <dgm:alg type="tx">
+              <dgm:param type="parTxLTRAlign" val="l"/>
+              <dgm:param type="parTxRTLAlign" val="r"/>
+              <dgm:param type="txAnchorVertCh" val="mid"/>
+            </dgm:alg>
+          </dgm:if>
+          <dgm:else name="Name2">
+            <dgm:alg type="tx"/>
+          </dgm:else>
+        </dgm:choose>
+        <dgm:shape xmlns:r="http://schemas.openxmlformats.org/officeDocument/2006/relationships" type="roundRect" r:blip="">
+          <dgm:adjLst>
+            <dgm:adj idx="1" val="0.1"/>
+          </dgm:adjLst>
+        </dgm:shape>
+        <dgm:presOf axis="desOrSelf" ptType="node"/>
+        <dgm:constrLst>
+          <dgm:constr type="w" refType="h" fact="1.8"/>
+          <dgm:constr type="tMarg" refType="primFontSz" fact="0.3"/>
+          <dgm:constr type="bMarg" refType="primFontSz" fact="0.3"/>
+          <dgm:constr type="lMarg" refType="primFontSz" fact="0.3"/>
+          <dgm:constr type="rMarg" refType="primFontSz" fact="0.3"/>
+        </dgm:constrLst>
+        <dgm:ruleLst>
+          <dgm:rule type="primFontSz" val="18" fact="NaN" max="NaN"/>
+          <dgm:rule type="w" val="NaN" fact="4" max="NaN"/>
+          <dgm:rule type="primFontSz" val="5" fact="NaN" max="NaN"/>
+        </dgm:ruleLst>
+      </dgm:layoutNode>
+      <dgm:forEach name="sibTransForEach" axis="followSib" ptType="sibTrans" cnt="1">
+        <dgm:layoutNode name="sibTrans">
+          <dgm:alg type="conn">
+            <dgm:param type="begPts" val="auto"/>
+            <dgm:param type="endPts" val="auto"/>
+          </dgm:alg>
+          <dgm:shape xmlns:r="http://schemas.openxmlformats.org/officeDocument/2006/relationships" type="conn" r:blip="">
+            <dgm:adjLst/>
+          </dgm:shape>
+          <dgm:presOf axis="self"/>
+          <dgm:constrLst>
+            <dgm:constr type="w" refType="h" fact="0.9"/>
+            <dgm:constr type="connDist"/>
+            <dgm:constr type="wArH" refType="w" fact="0.5"/>
+            <dgm:constr type="hArH" refType="w"/>
+            <dgm:constr type="stemThick" refType="w" fact="0.6"/>
+            <dgm:constr type="begPad" refType="connDist" fact="0.125"/>
+            <dgm:constr type="endPad" refType="connDist" fact="0.125"/>
+          </dgm:constrLst>
+          <dgm:ruleLst/>
+          <dgm:layoutNode name="connectorText">
+            <dgm:alg type="tx">
+              <dgm:param type="autoTxRot" val="upr"/>
+            </dgm:alg>
+            <dgm:shape xmlns:r="http://schemas.openxmlformats.org/officeDocument/2006/relationships" type="conn" r:blip="" hideGeom="1">
+              <dgm:adjLst/>
+            </dgm:shape>
+            <dgm:presOf axis="self"/>
+            <dgm:constrLst>
+              <dgm:constr type="lMarg"/>
+              <dgm:constr type="rMarg"/>
+              <dgm:constr type="tMarg"/>
+              <dgm:constr type="bMarg"/>
+            </dgm:constrLst>
+            <dgm:ruleLst>
+              <dgm:rule type="primFontSz" val="5" fact="NaN" max="NaN"/>
+            </dgm:ruleLst>
+          </dgm:layoutNode>
+        </dgm:layoutNode>
+      </dgm:forEach>
+    </dgm:forEach>
+  </dgm:layoutNode>
+</dgm:layoutDef>
+</file>
+
+<file path=ppt/diagrams/quickStyle1.xml><?xml version="1.0" encoding="utf-8"?>
+<dgm:styleDef xmlns:dgm="http://schemas.openxmlformats.org/drawingml/2006/diagram" xmlns:a="http://schemas.openxmlformats.org/drawingml/2006/main" uniqueId="urn:microsoft.com/office/officeart/2005/8/quickstyle/simple5">
+  <dgm:title val=""/>
+  <dgm:desc val=""/>
+  <dgm:catLst>
+    <dgm:cat type="simple" pri="10500"/>
+  </dgm:catLst>
+  <dgm:scene3d>
+    <a:camera prst="orthographicFront"/>
+    <a:lightRig rig="threePt" dir="t"/>
+  </dgm:scene3d>
+  <dgm:styleLbl name="node0">
+    <dgm:scene3d>
+      <a:camera prst="orthographicFront"/>
+      <a:lightRig rig="threePt" dir="t"/>
+    </dgm:scene3d>
+    <dgm:sp3d/>
+    <dgm:txPr/>
+    <dgm:style>
+      <a:lnRef idx="0">
+        <a:scrgbClr r="0" g="0" b="0"/>
+      </a:lnRef>
+      <a:fillRef idx="3">
+        <a:scrgbClr r="0" g="0" b="0"/>
+      </a:fillRef>
+      <a:effectRef idx="3">
+        <a:scrgbClr r="0" g="0" b="0"/>
+      </a:effectRef>
+      <a:fontRef idx="minor">
+        <a:schemeClr val="lt1"/>
+      </a:fontRef>
+    </dgm:style>
+  </dgm:styleLbl>
+  <dgm:styleLbl name="lnNode1">
+    <dgm:scene3d>
+      <a:camera prst="orthographicFront"/>
+      <a:lightRig rig="threePt" dir="t"/>
+    </dgm:scene3d>
+    <dgm:sp3d/>
+    <dgm:txPr/>
+    <dgm:style>
+      <a:lnRef idx="0">
+        <a:scrgbClr r="0" g="0" b="0"/>
+      </a:lnRef>
+      <a:fillRef idx="3">
+        <a:scrgbClr r="0" g="0" b="0"/>
+      </a:fillRef>
+      <a:effectRef idx="3">
+        <a:scrgbClr r="0" g="0" b="0"/>
+      </a:effectRef>
+      <a:fontRef idx="minor">
+        <a:schemeClr val="lt1"/>
+      </a:fontRef>
+    </dgm:style>
+  </dgm:styleLbl>
+  <dgm:styleLbl name="vennNode1">
+    <dgm:scene3d>
+      <a:camera prst="orthographicFront"/>
+      <a:lightRig rig="threePt" dir="t"/>
+    </dgm:scene3d>
+    <dgm:sp3d/>
+    <dgm:txPr/>
+    <dgm:style>
+      <a:lnRef idx="0">
+        <a:scrgbClr r="0" g="0" b="0"/>
+      </a:lnRef>
+      <a:fillRef idx="3">
+        <a:scrgbClr r="0" g="0" b="0"/>
+      </a:fillRef>
+      <a:effectRef idx="3">
+        <a:scrgbClr r="0" g="0" b="0"/>
+      </a:effectRef>
+      <a:fontRef idx="minor">
+        <a:schemeClr val="tx1"/>
+      </a:fontRef>
+    </dgm:style>
+  </dgm:styleLbl>
+  <dgm:styleLbl name="alignNode1">
+    <dgm:scene3d>
+      <a:camera prst="orthographicFront"/>
+      <a:lightRig rig="threePt" dir="t"/>
+    </dgm:scene3d>
+    <dgm:sp3d/>
+    <dgm:txPr/>
+    <dgm:style>
+      <a:lnRef idx="1">
+        <a:scrgbClr r="0" g="0" b="0"/>
+      </a:lnRef>
+      <a:fillRef idx="3">
+        <a:scrgbClr r="0" g="0" b="0"/>
+      </a:fillRef>
+      <a:effectRef idx="3">
+        <a:scrgbClr r="0" g="0" b="0"/>
+      </a:effectRef>
+      <a:fontRef idx="minor">
+        <a:schemeClr val="lt1"/>
+      </a:fontRef>
+    </dgm:style>
+  </dgm:styleLbl>
+  <dgm:styleLbl name="node1">
+    <dgm:scene3d>
+      <a:camera prst="orthographicFront"/>
+      <a:lightRig rig="threePt" dir="t"/>
+    </dgm:scene3d>
+    <dgm:sp3d/>
+    <dgm:txPr/>
+    <dgm:style>
+      <a:lnRef idx="0">
+        <a:scrgbClr r="0" g="0" b="0"/>
+      </a:lnRef>
+      <a:fillRef idx="3">
+        <a:scrgbClr r="0" g="0" b="0"/>
+      </a:fillRef>
+      <a:effectRef idx="3">
+        <a:scrgbClr r="0" g="0" b="0"/>
+      </a:effectRef>
+      <a:fontRef idx="minor">
+        <a:schemeClr val="lt1"/>
+      </a:fontRef>
+    </dgm:style>
+  </dgm:styleLbl>
+  <dgm:styleLbl name="node2">
+    <dgm:scene3d>
+      <a:camera prst="orthographicFront"/>
+      <a:lightRig rig="threePt" dir="t"/>
+    </dgm:scene3d>
+    <dgm:sp3d/>
+    <dgm:txPr/>
+    <dgm:style>
+      <a:lnRef idx="0">
+        <a:scrgbClr r="0" g="0" b="0"/>
+      </a:lnRef>
+      <a:fillRef idx="3">
+        <a:scrgbClr r="0" g="0" b="0"/>
+      </a:fillRef>
+      <a:effectRef idx="3">
+        <a:scrgbClr r="0" g="0" b="0"/>
+      </a:effectRef>
+      <a:fontRef idx="minor">
+        <a:schemeClr val="lt1"/>
+      </a:fontRef>
+    </dgm:style>
+  </dgm:styleLbl>
+  <dgm:styleLbl name="node3">
+    <dgm:scene3d>
+      <a:camera prst="orthographicFront"/>
+      <a:lightRig rig="threePt" dir="t"/>
+    </dgm:scene3d>
+    <dgm:sp3d/>
+    <dgm:txPr/>
+    <dgm:style>
+      <a:lnRef idx="0">
+        <a:scrgbClr r="0" g="0" b="0"/>
+      </a:lnRef>
+      <a:fillRef idx="3">
+        <a:scrgbClr r="0" g="0" b="0"/>
+      </a:fillRef>
+      <a:effectRef idx="3">
+        <a:scrgbClr r="0" g="0" b="0"/>
+      </a:effectRef>
+      <a:fontRef idx="minor">
+        <a:schemeClr val="lt1"/>
+      </a:fontRef>
+    </dgm:style>
+  </dgm:styleLbl>
+  <dgm:styleLbl name="node4">
+    <dgm:scene3d>
+      <a:camera prst="orthographicFront"/>
+      <a:lightRig rig="threePt" dir="t"/>
+    </dgm:scene3d>
+    <dgm:sp3d/>
+    <dgm:txPr/>
+    <dgm:style>
+      <a:lnRef idx="0">
+        <a:scrgbClr r="0" g="0" b="0"/>
+      </a:lnRef>
+      <a:fillRef idx="3">
+        <a:scrgbClr r="0" g="0" b="0"/>
+      </a:fillRef>
+      <a:effectRef idx="3">
+        <a:scrgbClr r="0" g="0" b="0"/>
+      </a:effectRef>
+      <a:fontRef idx="minor">
+        <a:schemeClr val="lt1"/>
+      </a:fontRef>
+    </dgm:style>
+  </dgm:styleLbl>
+  <dgm:styleLbl name="fgImgPlace1">
+    <dgm:scene3d>
+      <a:camera prst="orthographicFront"/>
+      <a:lightRig rig="threePt" dir="t"/>
+    </dgm:scene3d>
+    <dgm:sp3d/>
+    <dgm:txPr/>
+    <dgm:style>
+      <a:lnRef idx="0">
+        <a:scrgbClr r="0" g="0" b="0"/>
+      </a:lnRef>
+      <a:fillRef idx="1">
+        <a:scrgbClr r="0" g="0" b="0"/>
+      </a:fillRef>
+      <a:effectRef idx="3">
+        <a:scrgbClr r="0" g="0" b="0"/>
+      </a:effectRef>
+      <a:fontRef idx="minor"/>
+    </dgm:style>
+  </dgm:styleLbl>
+  <dgm:styleLbl name="alignImgPlace1">
+    <dgm:scene3d>
+      <a:camera prst="orthographicFront"/>
+      <a:lightRig rig="threePt" dir="t"/>
+    </dgm:scene3d>
+    <dgm:sp3d/>
+    <dgm:txPr/>
+    <dgm:style>
+      <a:lnRef idx="0">
+        <a:scrgbClr r="0" g="0" b="0"/>
+      </a:lnRef>
+      <a:fillRef idx="1">
+        <a:scrgbClr r="0" g="0" b="0"/>
+      </a:fillRef>
+      <a:effectRef idx="3">
+        <a:scrgbClr r="0" g="0" b="0"/>
+      </a:effectRef>
+      <a:fontRef idx="minor"/>
+    </dgm:style>
+  </dgm:styleLbl>
+  <dgm:styleLbl name="bgImgPlace1">
+    <dgm:scene3d>
+      <a:camera prst="orthographicFront"/>
+      <a:lightRig rig="threePt" dir="t"/>
+    </dgm:scene3d>
+    <dgm:sp3d/>
+    <dgm:txPr/>
+    <dgm:style>
+      <a:lnRef idx="0">
+        <a:scrgbClr r="0" g="0" b="0"/>
+      </a:lnRef>
+      <a:fillRef idx="1">
+        <a:scrgbClr r="0" g="0" b="0"/>
+      </a:fillRef>
+      <a:effectRef idx="3">
+        <a:scrgbClr r="0" g="0" b="0"/>
+      </a:effectRef>
+      <a:fontRef idx="minor"/>
+    </dgm:style>
+  </dgm:styleLbl>
+  <dgm:styleLbl name="sibTrans2D1">
+    <dgm:scene3d>
+      <a:camera prst="orthographicFront"/>
+      <a:lightRig rig="threePt" dir="t"/>
+    </dgm:scene3d>
+    <dgm:sp3d/>
+    <dgm:txPr/>
+    <dgm:style>
+      <a:lnRef idx="0">
+        <a:scrgbClr r="0" g="0" b="0"/>
+      </a:lnRef>
+      <a:fillRef idx="3">
+        <a:scrgbClr r="0" g="0" b="0"/>
+      </a:fillRef>
+      <a:effectRef idx="3">
+        <a:scrgbClr r="0" g="0" b="0"/>
+      </a:effectRef>
+      <a:fontRef idx="minor">
+        <a:schemeClr val="lt1"/>
+      </a:fontRef>
+    </dgm:style>
+  </dgm:styleLbl>
+  <dgm:styleLbl name="fgSibTrans2D1">
+    <dgm:scene3d>
+      <a:camera prst="orthographicFront"/>
+      <a:lightRig rig="threePt" dir="t"/>
+    </dgm:scene3d>
+    <dgm:sp3d/>
+    <dgm:txPr/>
+    <dgm:style>
+      <a:lnRef idx="0">
+        <a:scrgbClr r="0" g="0" b="0"/>
+      </a:lnRef>
+      <a:fillRef idx="3">
+        <a:scrgbClr r="0" g="0" b="0"/>
+      </a:fillRef>
+      <a:effectRef idx="3">
+        <a:scrgbClr r="0" g="0" b="0"/>
+      </a:effectRef>
+      <a:fontRef idx="minor">
+        <a:schemeClr val="lt1"/>
+      </a:fontRef>
+    </dgm:style>
+  </dgm:styleLbl>
+  <dgm:styleLbl name="bgSibTrans2D1">
+    <dgm:scene3d>
+      <a:camera prst="orthographicFront"/>
+      <a:lightRig rig="threePt" dir="t"/>
+    </dgm:scene3d>
+    <dgm:sp3d/>
+    <dgm:txPr/>
+    <dgm:style>
+      <a:lnRef idx="0">
+        <a:scrgbClr r="0" g="0" b="0"/>
+      </a:lnRef>
+      <a:fillRef idx="3">
+        <a:scrgbClr r="0" g="0" b="0"/>
+      </a:fillRef>
+      <a:effectRef idx="3">
+        <a:scrgbClr r="0" g="0" b="0"/>
+      </a:effectRef>
+      <a:fontRef idx="minor">
+        <a:schemeClr val="lt1"/>
+      </a:fontRef>
+    </dgm:style>
+  </dgm:styleLbl>
+  <dgm:styleLbl name="sibTrans1D1">
+    <dgm:scene3d>
+      <a:camera prst="orthographicFront"/>
+      <a:lightRig rig="threePt" dir="t"/>
+    </dgm:scene3d>
+    <dgm:sp3d/>
+    <dgm:txPr/>
+    <dgm:style>
+      <a:lnRef idx="1">
+        <a:scrgbClr r="0" g="0" b="0"/>
+      </a:lnRef>
+      <a:fillRef idx="0">
+        <a:scrgbClr r="0" g="0" b="0"/>
+      </a:fillRef>
+      <a:effectRef idx="0">
+        <a:scrgbClr r="0" g="0" b="0"/>
+      </a:effectRef>
+      <a:fontRef idx="minor"/>
+    </dgm:style>
+  </dgm:styleLbl>
+  <dgm:styleLbl name="callout">
+    <dgm:scene3d>
+      <a:camera prst="orthographicFront"/>
+      <a:lightRig rig="threePt" dir="t"/>
+    </dgm:scene3d>
+    <dgm:sp3d/>
+    <dgm:txPr/>
+    <dgm:style>
+      <a:lnRef idx="1">
+        <a:scrgbClr r="0" g="0" b="0"/>
+      </a:lnRef>
+      <a:fillRef idx="0">
+        <a:scrgbClr r="0" g="0" b="0"/>
+      </a:fillRef>
+      <a:effectRef idx="1">
+        <a:scrgbClr r="0" g="0" b="0"/>
+      </a:effectRef>
+      <a:fontRef idx="minor"/>
+    </dgm:style>
+  </dgm:styleLbl>
+  <dgm:styleLbl name="asst0">
+    <dgm:scene3d>
+      <a:camera prst="orthographicFront"/>
+      <a:lightRig rig="threePt" dir="t"/>
+    </dgm:scene3d>
+    <dgm:sp3d/>
+    <dgm:txPr/>
+    <dgm:style>
+      <a:lnRef idx="0">
+        <a:scrgbClr r="0" g="0" b="0"/>
+      </a:lnRef>
+      <a:fillRef idx="3">
+        <a:scrgbClr r="0" g="0" b="0"/>
+      </a:fillRef>
+      <a:effectRef idx="3">
+        <a:scrgbClr r="0" g="0" b="0"/>
+      </a:effectRef>
+      <a:fontRef idx="minor">
+        <a:schemeClr val="lt1"/>
+      </a:fontRef>
+    </dgm:style>
+  </dgm:styleLbl>
+  <dgm:styleLbl name="asst1">
+    <dgm:scene3d>
+      <a:camera prst="orthographicFront"/>
+      <a:lightRig rig="threePt" dir="t"/>
+    </dgm:scene3d>
+    <dgm:sp3d/>
+    <dgm:txPr/>
+    <dgm:style>
+      <a:lnRef idx="0">
+        <a:scrgbClr r="0" g="0" b="0"/>
+      </a:lnRef>
+      <a:fillRef idx="3">
+        <a:scrgbClr r="0" g="0" b="0"/>
+      </a:fillRef>
+      <a:effectRef idx="3">
+        <a:scrgbClr r="0" g="0" b="0"/>
+      </a:effectRef>
+      <a:fontRef idx="minor">
+        <a:schemeClr val="lt1"/>
+      </a:fontRef>
+    </dgm:style>
+  </dgm:styleLbl>
+  <dgm:styleLbl name="asst2">
+    <dgm:scene3d>
+      <a:camera prst="orthographicFront"/>
+      <a:lightRig rig="threePt" dir="t"/>
+    </dgm:scene3d>
+    <dgm:sp3d/>
+    <dgm:txPr/>
+    <dgm:style>
+      <a:lnRef idx="0">
+        <a:scrgbClr r="0" g="0" b="0"/>
+      </a:lnRef>
+      <a:fillRef idx="3">
+        <a:scrgbClr r="0" g="0" b="0"/>
+      </a:fillRef>
+      <a:effectRef idx="3">
+        <a:scrgbClr r="0" g="0" b="0"/>
+      </a:effectRef>
+      <a:fontRef idx="minor">
+        <a:schemeClr val="lt1"/>
+      </a:fontRef>
+    </dgm:style>
+  </dgm:styleLbl>
+  <dgm:styleLbl name="asst3">
+    <dgm:scene3d>
+      <a:camera prst="orthographicFront"/>
+      <a:lightRig rig="threePt" dir="t"/>
+    </dgm:scene3d>
+    <dgm:sp3d/>
+    <dgm:txPr/>
+    <dgm:style>
+      <a:lnRef idx="0">
+        <a:scrgbClr r="0" g="0" b="0"/>
+      </a:lnRef>
+      <a:fillRef idx="3">
+        <a:scrgbClr r="0" g="0" b="0"/>
+      </a:fillRef>
+      <a:effectRef idx="3">
+        <a:scrgbClr r="0" g="0" b="0"/>
+      </a:effectRef>
+      <a:fontRef idx="minor">
+        <a:schemeClr val="lt1"/>
+      </a:fontRef>
+    </dgm:style>
+  </dgm:styleLbl>
+  <dgm:styleLbl name="asst4">
+    <dgm:scene3d>
+      <a:camera prst="orthographicFront"/>
+      <a:lightRig rig="threePt" dir="t"/>
+    </dgm:scene3d>
+    <dgm:sp3d/>
+    <dgm:txPr/>
+    <dgm:style>
+      <a:lnRef idx="0">
+        <a:scrgbClr r="0" g="0" b="0"/>
+      </a:lnRef>
+      <a:fillRef idx="3">
+        <a:scrgbClr r="0" g="0" b="0"/>
+      </a:fillRef>
+      <a:effectRef idx="3">
+        <a:scrgbClr r="0" g="0" b="0"/>
+      </a:effectRef>
+      <a:fontRef idx="minor">
+        <a:schemeClr val="lt1"/>
+      </a:fontRef>
+    </dgm:style>
+  </dgm:styleLbl>
+  <dgm:styleLbl name="parChTrans2D1">
+    <dgm:scene3d>
+      <a:camera prst="orthographicFront"/>
+      <a:lightRig rig="threePt" dir="t"/>
+    </dgm:scene3d>
+    <dgm:sp3d/>
+    <dgm:txPr/>
+    <dgm:style>
+      <a:lnRef idx="0">
+        <a:scrgbClr r="0" g="0" b="0"/>
+      </a:lnRef>
+      <a:fillRef idx="3">
+        <a:scrgbClr r="0" g="0" b="0"/>
+      </a:fillRef>
+      <a:effectRef idx="3">
+        <a:scrgbClr r="0" g="0" b="0"/>
+      </a:effectRef>
+      <a:fontRef idx="minor">
+        <a:schemeClr val="lt1"/>
+      </a:fontRef>
+    </dgm:style>
+  </dgm:styleLbl>
+  <dgm:styleLbl name="parChTrans2D2">
+    <dgm:scene3d>
+      <a:camera prst="orthographicFront"/>
+      <a:lightRig rig="threePt" dir="t"/>
+    </dgm:scene3d>
+    <dgm:sp3d/>
+    <dgm:txPr/>
+    <dgm:style>
+      <a:lnRef idx="0">
+        <a:scrgbClr r="0" g="0" b="0"/>
+      </a:lnRef>
+      <a:fillRef idx="3">
+        <a:scrgbClr r="0" g="0" b="0"/>
+      </a:fillRef>
+      <a:effectRef idx="3">
+        <a:scrgbClr r="0" g="0" b="0"/>
+      </a:effectRef>
+      <a:fontRef idx="minor">
+        <a:schemeClr val="lt1"/>
+      </a:fontRef>
+    </dgm:style>
+  </dgm:styleLbl>
+  <dgm:styleLbl name="parChTrans2D3">
+    <dgm:scene3d>
+      <a:camera prst="orthographicFront"/>
+      <a:lightRig rig="threePt" dir="t"/>
+    </dgm:scene3d>
+    <dgm:sp3d/>
+    <dgm:txPr/>
+    <dgm:style>
+      <a:lnRef idx="0">
+        <a:scrgbClr r="0" g="0" b="0"/>
+      </a:lnRef>
+      <a:fillRef idx="3">
+        <a:scrgbClr r="0" g="0" b="0"/>
+      </a:fillRef>
+      <a:effectRef idx="3">
+        <a:scrgbClr r="0" g="0" b="0"/>
+      </a:effectRef>
+      <a:fontRef idx="minor">
+        <a:schemeClr val="lt1"/>
+      </a:fontRef>
+    </dgm:style>
+  </dgm:styleLbl>
+  <dgm:styleLbl name="parChTrans2D4">
+    <dgm:scene3d>
+      <a:camera prst="orthographicFront"/>
+      <a:lightRig rig="threePt" dir="t"/>
+    </dgm:scene3d>
+    <dgm:sp3d/>
+    <dgm:txPr/>
+    <dgm:style>
+      <a:lnRef idx="0">
+        <a:scrgbClr r="0" g="0" b="0"/>
+      </a:lnRef>
+      <a:fillRef idx="3">
+        <a:scrgbClr r="0" g="0" b="0"/>
+      </a:fillRef>
+      <a:effectRef idx="3">
+        <a:scrgbClr r="0" g="0" b="0"/>
+      </a:effectRef>
+      <a:fontRef idx="minor">
+        <a:schemeClr val="lt1"/>
+      </a:fontRef>
+    </dgm:style>
+  </dgm:styleLbl>
+  <dgm:styleLbl name="parChTrans1D1">
+    <dgm:scene3d>
+      <a:camera prst="orthographicFront"/>
+      <a:lightRig rig="threePt" dir="t"/>
+    </dgm:scene3d>
+    <dgm:sp3d/>
+    <dgm:txPr/>
+    <dgm:style>
+      <a:lnRef idx="2">
+        <a:scrgbClr r="0" g="0" b="0"/>
+      </a:lnRef>
+      <a:fillRef idx="0">
+        <a:scrgbClr r="0" g="0" b="0"/>
+      </a:fillRef>
+      <a:effectRef idx="0">
+        <a:scrgbClr r="0" g="0" b="0"/>
+      </a:effectRef>
+      <a:fontRef idx="minor"/>
+    </dgm:style>
+  </dgm:styleLbl>
+  <dgm:styleLbl name="parChTrans1D2">
+    <dgm:scene3d>
+      <a:camera prst="orthographicFront"/>
+      <a:lightRig rig="threePt" dir="t"/>
+    </dgm:scene3d>
+    <dgm:sp3d/>
+    <dgm:txPr/>
+    <dgm:style>
+      <a:lnRef idx="2">
+        <a:scrgbClr r="0" g="0" b="0"/>
+      </a:lnRef>
+      <a:fillRef idx="0">
+        <a:scrgbClr r="0" g="0" b="0"/>
+      </a:fillRef>
+      <a:effectRef idx="0">
+        <a:scrgbClr r="0" g="0" b="0"/>
+      </a:effectRef>
+      <a:fontRef idx="minor"/>
+    </dgm:style>
+  </dgm:styleLbl>
+  <dgm:styleLbl name="parChTrans1D3">
+    <dgm:scene3d>
+      <a:camera prst="orthographicFront"/>
+      <a:lightRig rig="threePt" dir="t"/>
+    </dgm:scene3d>
+    <dgm:sp3d/>
+    <dgm:txPr/>
+    <dgm:style>
+      <a:lnRef idx="2">
+        <a:scrgbClr r="0" g="0" b="0"/>
+      </a:lnRef>
+      <a:fillRef idx="0">
+        <a:scrgbClr r="0" g="0" b="0"/>
+      </a:fillRef>
+      <a:effectRef idx="0">
+        <a:scrgbClr r="0" g="0" b="0"/>
+      </a:effectRef>
+      <a:fontRef idx="minor"/>
+    </dgm:style>
+  </dgm:styleLbl>
+  <dgm:styleLbl name="parChTrans1D4">
+    <dgm:scene3d>
+      <a:camera prst="orthographicFront"/>
+      <a:lightRig rig="threePt" dir="t"/>
+    </dgm:scene3d>
+    <dgm:sp3d/>
+    <dgm:txPr/>
+    <dgm:style>
+      <a:lnRef idx="2">
+        <a:scrgbClr r="0" g="0" b="0"/>
+      </a:lnRef>
+      <a:fillRef idx="0">
+        <a:scrgbClr r="0" g="0" b="0"/>
+      </a:fillRef>
+      <a:effectRef idx="0">
+        <a:scrgbClr r="0" g="0" b="0"/>
+      </a:effectRef>
+      <a:fontRef idx="minor"/>
+    </dgm:style>
+  </dgm:styleLbl>
+  <dgm:styleLbl name="fgAcc1">
+    <dgm:scene3d>
+      <a:camera prst="orthographicFront"/>
+      <a:lightRig rig="threePt" dir="t"/>
+    </dgm:scene3d>
+    <dgm:sp3d/>
+    <dgm:txPr/>
+    <dgm:style>
+      <a:lnRef idx="1">
+        <a:scrgbClr r="0" g="0" b="0"/>
+      </a:lnRef>
+      <a:fillRef idx="1">
+        <a:scrgbClr r="0" g="0" b="0"/>
+      </a:fillRef>
+      <a:effectRef idx="2">
+        <a:scrgbClr r="0" g="0" b="0"/>
+      </a:effectRef>
+      <a:fontRef idx="minor"/>
+    </dgm:style>
+  </dgm:styleLbl>
+  <dgm:styleLbl name="conFgAcc1">
+    <dgm:scene3d>
+      <a:camera prst="orthographicFront"/>
+      <a:lightRig rig="threePt" dir="t"/>
+    </dgm:scene3d>
+    <dgm:sp3d/>
+    <dgm:txPr/>
+    <dgm:style>
+      <a:lnRef idx="1">
+        <a:scrgbClr r="0" g="0" b="0"/>
+      </a:lnRef>
+      <a:fillRef idx="1">
+        <a:scrgbClr r="0" g="0" b="0"/>
+      </a:fillRef>
+      <a:effectRef idx="2">
+        <a:scrgbClr r="0" g="0" b="0"/>
+      </a:effectRef>
+      <a:fontRef idx="minor"/>
+    </dgm:style>
+  </dgm:styleLbl>
+  <dgm:styleLbl name="alignAcc1">
+    <dgm:scene3d>
+      <a:camera prst="orthographicFront"/>
+      <a:lightRig rig="threePt" dir="t"/>
+    </dgm:scene3d>
+    <dgm:sp3d/>
+    <dgm:txPr/>
+    <dgm:style>
+      <a:lnRef idx="1">
+        <a:scrgbClr r="0" g="0" b="0"/>
+      </a:lnRef>
+      <a:fillRef idx="1">
+        <a:scrgbClr r="0" g="0" b="0"/>
+      </a:fillRef>
+      <a:effectRef idx="2">
+        <a:scrgbClr r="0" g="0" b="0"/>
+      </a:effectRef>
+      <a:fontRef idx="minor"/>
+    </dgm:style>
+  </dgm:styleLbl>
+  <dgm:styleLbl name="trAlignAcc1">
+    <dgm:scene3d>
+      <a:camera prst="orthographicFront"/>
+      <a:lightRig rig="threePt" dir="t"/>
+    </dgm:scene3d>
+    <dgm:sp3d/>
+    <dgm:txPr/>
+    <dgm:style>
+      <a:lnRef idx="1">
+        <a:scrgbClr r="0" g="0" b="0"/>
+      </a:lnRef>
+      <a:fillRef idx="1">
+        <a:scrgbClr r="0" g="0" b="0"/>
+      </a:fillRef>
+      <a:effectRef idx="0">
+        <a:scrgbClr r="0" g="0" b="0"/>
+      </a:effectRef>
+      <a:fontRef idx="minor"/>
+    </dgm:style>
+  </dgm:styleLbl>
+  <dgm:styleLbl name="bgAcc1">
+    <dgm:scene3d>
+      <a:camera prst="orthographicFront"/>
+      <a:lightRig rig="threePt" dir="t"/>
+    </dgm:scene3d>
+    <dgm:sp3d/>
+    <dgm:txPr/>
+    <dgm:style>
+      <a:lnRef idx="1">
+        <a:scrgbClr r="0" g="0" b="0"/>
+      </a:lnRef>
+      <a:fillRef idx="1">
+        <a:scrgbClr r="0" g="0" b="0"/>
+      </a:fillRef>
+      <a:effectRef idx="2">
+        <a:scrgbClr r="0" g="0" b="0"/>
+      </a:effectRef>
+      <a:fontRef idx="minor"/>
+    </dgm:style>
+  </dgm:styleLbl>
+  <dgm:styleLbl name="solidFgAcc1">
+    <dgm:scene3d>
+      <a:camera prst="orthographicFront"/>
+      <a:lightRig rig="threePt" dir="t"/>
+    </dgm:scene3d>
+    <dgm:sp3d/>
+    <dgm:txPr/>
+    <dgm:style>
+      <a:lnRef idx="1">
+        <a:scrgbClr r="0" g="0" b="0"/>
+      </a:lnRef>
+      <a:fillRef idx="1">
+        <a:scrgbClr r="0" g="0" b="0"/>
+      </a:fillRef>
+      <a:effectRef idx="2">
+        <a:scrgbClr r="0" g="0" b="0"/>
+      </a:effectRef>
+      <a:fontRef idx="minor"/>
+    </dgm:style>
+  </dgm:styleLbl>
+  <dgm:styleLbl name="solidAlignAcc1">
+    <dgm:scene3d>
+      <a:camera prst="orthographicFront"/>
+      <a:lightRig rig="threePt" dir="t"/>
+    </dgm:scene3d>
+    <dgm:sp3d/>
+    <dgm:txPr/>
+    <dgm:style>
+      <a:lnRef idx="1">
+        <a:scrgbClr r="0" g="0" b="0"/>
+      </a:lnRef>
+      <a:fillRef idx="1">
+        <a:scrgbClr r="0" g="0" b="0"/>
+      </a:fillRef>
+      <a:effectRef idx="3">
+        <a:scrgbClr r="0" g="0" b="0"/>
+      </a:effectRef>
+      <a:fontRef idx="minor"/>
+    </dgm:style>
+  </dgm:styleLbl>
+  <dgm:styleLbl name="solidBgAcc1">
+    <dgm:scene3d>
+      <a:camera prst="orthographicFront"/>
+      <a:lightRig rig="threePt" dir="t"/>
+    </dgm:scene3d>
+    <dgm:sp3d/>
+    <dgm:txPr/>
+    <dgm:style>
+      <a:lnRef idx="1">
+        <a:scrgbClr r="0" g="0" b="0"/>
+      </a:lnRef>
+      <a:fillRef idx="1">
+        <a:scrgbClr r="0" g="0" b="0"/>
+      </a:fillRef>
+      <a:effectRef idx="3">
+        <a:scrgbClr r="0" g="0" b="0"/>
+      </a:effectRef>
+      <a:fontRef idx="minor"/>
+    </dgm:style>
+  </dgm:styleLbl>
+  <dgm:styleLbl name="fgAccFollowNode1">
+    <dgm:scene3d>
+      <a:camera prst="orthographicFront"/>
+      <a:lightRig rig="threePt" dir="t"/>
+    </dgm:scene3d>
+    <dgm:sp3d/>
+    <dgm:txPr/>
+    <dgm:style>
+      <a:lnRef idx="1">
+        <a:scrgbClr r="0" g="0" b="0"/>
+      </a:lnRef>
+      <a:fillRef idx="1">
+        <a:scrgbClr r="0" g="0" b="0"/>
+      </a:fillRef>
+      <a:effectRef idx="2">
+        <a:scrgbClr r="0" g="0" b="0"/>
+      </a:effectRef>
+      <a:fontRef idx="minor"/>
+    </dgm:style>
+  </dgm:styleLbl>
+  <dgm:styleLbl name="alignAccFollowNode1">
+    <dgm:scene3d>
+      <a:camera prst="orthographicFront"/>
+      <a:lightRig rig="threePt" dir="t"/>
+    </dgm:scene3d>
+    <dgm:sp3d/>
+    <dgm:txPr/>
+    <dgm:style>
+      <a:lnRef idx="1">
+        <a:scrgbClr r="0" g="0" b="0"/>
+      </a:lnRef>
+      <a:fillRef idx="1">
+        <a:scrgbClr r="0" g="0" b="0"/>
+      </a:fillRef>
+      <a:effectRef idx="2">
+        <a:scrgbClr r="0" g="0" b="0"/>
+      </a:effectRef>
+      <a:fontRef idx="minor"/>
+    </dgm:style>
+  </dgm:styleLbl>
+  <dgm:styleLbl name="bgAccFollowNode1">
+    <dgm:scene3d>
+      <a:camera prst="orthographicFront"/>
+      <a:lightRig rig="threePt" dir="t"/>
+    </dgm:scene3d>
+    <dgm:sp3d/>
+    <dgm:txPr/>
+    <dgm:style>
+      <a:lnRef idx="1">
+        <a:scrgbClr r="0" g="0" b="0"/>
+      </a:lnRef>
+      <a:fillRef idx="1">
+        <a:scrgbClr r="0" g="0" b="0"/>
+      </a:fillRef>
+      <a:effectRef idx="2">
+        <a:scrgbClr r="0" g="0" b="0"/>
+      </a:effectRef>
+      <a:fontRef idx="minor"/>
+    </dgm:style>
+  </dgm:styleLbl>
+  <dgm:styleLbl name="fgAcc0">
+    <dgm:scene3d>
+      <a:camera prst="orthographicFront"/>
+      <a:lightRig rig="threePt" dir="t"/>
+    </dgm:scene3d>
+    <dgm:sp3d/>
+    <dgm:txPr/>
+    <dgm:style>
+      <a:lnRef idx="1">
+        <a:scrgbClr r="0" g="0" b="0"/>
+      </a:lnRef>
+      <a:fillRef idx="1">
+        <a:scrgbClr r="0" g="0" b="0"/>
+      </a:fillRef>
+      <a:effectRef idx="2">
+        <a:scrgbClr r="0" g="0" b="0"/>
+      </a:effectRef>
+      <a:fontRef idx="minor"/>
+    </dgm:style>
+  </dgm:styleLbl>
+  <dgm:styleLbl name="fgAcc2">
+    <dgm:scene3d>
+      <a:camera prst="orthographicFront"/>
+      <a:lightRig rig="threePt" dir="t"/>
+    </dgm:scene3d>
+    <dgm:sp3d/>
+    <dgm:txPr/>
+    <dgm:style>
+      <a:lnRef idx="1">
+        <a:scrgbClr r="0" g="0" b="0"/>
+      </a:lnRef>
+      <a:fillRef idx="1">
+        <a:scrgbClr r="0" g="0" b="0"/>
+      </a:fillRef>
+      <a:effectRef idx="2">
+        <a:scrgbClr r="0" g="0" b="0"/>
+      </a:effectRef>
+      <a:fontRef idx="minor"/>
+    </dgm:style>
+  </dgm:styleLbl>
+  <dgm:styleLbl name="fgAcc3">
+    <dgm:scene3d>
+      <a:camera prst="orthographicFront"/>
+      <a:lightRig rig="threePt" dir="t"/>
+    </dgm:scene3d>
+    <dgm:sp3d/>
+    <dgm:txPr/>
+    <dgm:style>
+      <a:lnRef idx="1">
+        <a:scrgbClr r="0" g="0" b="0"/>
+      </a:lnRef>
+      <a:fillRef idx="1">
+        <a:scrgbClr r="0" g="0" b="0"/>
+      </a:fillRef>
+      <a:effectRef idx="2">
+        <a:scrgbClr r="0" g="0" b="0"/>
+      </a:effectRef>
+      <a:fontRef idx="minor"/>
+    </dgm:style>
+  </dgm:styleLbl>
+  <dgm:styleLbl name="fgAcc4">
+    <dgm:scene3d>
+      <a:camera prst="orthographicFront"/>
+      <a:lightRig rig="threePt" dir="t"/>
+    </dgm:scene3d>
+    <dgm:sp3d/>
+    <dgm:txPr/>
+    <dgm:style>
+      <a:lnRef idx="1">
+        <a:scrgbClr r="0" g="0" b="0"/>
+      </a:lnRef>
+      <a:fillRef idx="1">
+        <a:scrgbClr r="0" g="0" b="0"/>
+      </a:fillRef>
+      <a:effectRef idx="2">
+        <a:scrgbClr r="0" g="0" b="0"/>
+      </a:effectRef>
+      <a:fontRef idx="minor"/>
+    </dgm:style>
+  </dgm:styleLbl>
+  <dgm:styleLbl name="bgShp">
+    <dgm:scene3d>
+      <a:camera prst="orthographicFront"/>
+      <a:lightRig rig="threePt" dir="t"/>
+    </dgm:scene3d>
+    <dgm:sp3d/>
+    <dgm:txPr/>
+    <dgm:style>
+      <a:lnRef idx="0">
+        <a:scrgbClr r="0" g="0" b="0"/>
+      </a:lnRef>
+      <a:fillRef idx="1">
+        <a:scrgbClr r="0" g="0" b="0"/>
+      </a:fillRef>
+      <a:effectRef idx="2">
+        <a:scrgbClr r="0" g="0" b="0"/>
+      </a:effectRef>
+      <a:fontRef idx="minor"/>
+    </dgm:style>
+  </dgm:styleLbl>
+  <dgm:styleLbl name="dkBgShp">
+    <dgm:scene3d>
+      <a:camera prst="orthographicFront"/>
+      <a:lightRig rig="threePt" dir="t"/>
+    </dgm:scene3d>
+    <dgm:sp3d/>
+    <dgm:txPr/>
+    <dgm:style>
+      <a:lnRef idx="0">
+        <a:scrgbClr r="0" g="0" b="0"/>
+      </a:lnRef>
+      <a:fillRef idx="1">
+        <a:scrgbClr r="0" g="0" b="0"/>
+      </a:fillRef>
+      <a:effectRef idx="3">
+        <a:scrgbClr r="0" g="0" b="0"/>
+      </a:effectRef>
+      <a:fontRef idx="minor"/>
+    </dgm:style>
+  </dgm:styleLbl>
+  <dgm:styleLbl name="trBgShp">
+    <dgm:scene3d>
+      <a:camera prst="orthographicFront"/>
+      <a:lightRig rig="threePt" dir="t"/>
+    </dgm:scene3d>
+    <dgm:sp3d/>
+    <dgm:txPr/>
+    <dgm:style>
+      <a:lnRef idx="0">
+        <a:scrgbClr r="0" g="0" b="0"/>
+      </a:lnRef>
+      <a:fillRef idx="1">
+        <a:scrgbClr r="0" g="0" b="0"/>
+      </a:fillRef>
+      <a:effectRef idx="0">
+        <a:scrgbClr r="0" g="0" b="0"/>
+      </a:effectRef>
+      <a:fontRef idx="minor"/>
+    </dgm:style>
+  </dgm:styleLbl>
+  <dgm:styleLbl name="fgShp">
+    <dgm:scene3d>
+      <a:camera prst="orthographicFront"/>
+      <a:lightRig rig="threePt" dir="t"/>
+    </dgm:scene3d>
+    <dgm:sp3d/>
+    <dgm:txPr/>
+    <dgm:style>
+      <a:lnRef idx="0">
+        <a:scrgbClr r="0" g="0" b="0"/>
+      </a:lnRef>
+      <a:fillRef idx="3">
+        <a:scrgbClr r="0" g="0" b="0"/>
+      </a:fillRef>
+      <a:effectRef idx="3">
+        <a:scrgbClr r="0" g="0" b="0"/>
+      </a:effectRef>
+      <a:fontRef idx="minor"/>
+    </dgm:style>
+  </dgm:styleLbl>
+  <dgm:styleLbl name="revTx">
+    <dgm:scene3d>
+      <a:camera prst="orthographicFront"/>
+      <a:lightRig rig="threePt" dir="t"/>
+    </dgm:scene3d>
+    <dgm:sp3d/>
+    <dgm:txPr/>
+    <dgm:style>
+      <a:lnRef idx="0">
+        <a:scrgbClr r="0" g="0" b="0"/>
+      </a:lnRef>
+      <a:fillRef idx="0">
+        <a:scrgbClr r="0" g="0" b="0"/>
+      </a:fillRef>
+      <a:effectRef idx="0">
+        <a:scrgbClr r="0" g="0" b="0"/>
+      </a:effectRef>
+      <a:fontRef idx="minor"/>
+    </dgm:style>
+  </dgm:styleLbl>
+</dgm:styleDef>
+</file>
+
 <file path=ppt/notesMasters/notesMaster1.xml><?xml version="1.0" encoding="utf-8"?>
 <p:notesMaster xmlns:a="http://schemas.openxmlformats.org/drawingml/2006/main" xmlns:r="http://schemas.openxmlformats.org/officeDocument/2006/relationships" xmlns:p="http://schemas.openxmlformats.org/presentationml/2006/main">
   <p:cSld>
@@ -206,7 +3625,7 @@
           <a:p>
             <a:fld id="{4FDE70D7-0AB7-4E11-8116-CCC73F5E7693}" type="datetimeFigureOut">
               <a:rPr lang="en-US" smtClean="0"/>
-              <a:t>10/24/2017</a:t>
+              <a:t>11/17/2017</a:t>
             </a:fld>
             <a:endParaRPr lang="en-US"/>
           </a:p>
@@ -604,7 +4023,7 @@
           <a:p>
             <a:fld id="{5070667B-8CBE-4DAB-9654-3E33F49025B8}" type="datetimeFigureOut">
               <a:rPr lang="en-US" smtClean="0"/>
-              <a:t>10/24/2017</a:t>
+              <a:t>11/17/2017</a:t>
             </a:fld>
             <a:endParaRPr lang="en-US"/>
           </a:p>
@@ -774,7 +4193,7 @@
           <a:p>
             <a:fld id="{5070667B-8CBE-4DAB-9654-3E33F49025B8}" type="datetimeFigureOut">
               <a:rPr lang="en-US" smtClean="0"/>
-              <a:t>10/24/2017</a:t>
+              <a:t>11/17/2017</a:t>
             </a:fld>
             <a:endParaRPr lang="en-US"/>
           </a:p>
@@ -954,7 +4373,7 @@
           <a:p>
             <a:fld id="{5070667B-8CBE-4DAB-9654-3E33F49025B8}" type="datetimeFigureOut">
               <a:rPr lang="en-US" smtClean="0"/>
-              <a:t>10/24/2017</a:t>
+              <a:t>11/17/2017</a:t>
             </a:fld>
             <a:endParaRPr lang="en-US"/>
           </a:p>
@@ -1124,7 +4543,7 @@
           <a:p>
             <a:fld id="{5070667B-8CBE-4DAB-9654-3E33F49025B8}" type="datetimeFigureOut">
               <a:rPr lang="en-US" smtClean="0"/>
-              <a:t>10/24/2017</a:t>
+              <a:t>11/17/2017</a:t>
             </a:fld>
             <a:endParaRPr lang="en-US"/>
           </a:p>
@@ -1368,7 +4787,7 @@
           <a:p>
             <a:fld id="{5070667B-8CBE-4DAB-9654-3E33F49025B8}" type="datetimeFigureOut">
               <a:rPr lang="en-US" smtClean="0"/>
-              <a:t>10/24/2017</a:t>
+              <a:t>11/17/2017</a:t>
             </a:fld>
             <a:endParaRPr lang="en-US"/>
           </a:p>
@@ -1600,7 +5019,7 @@
           <a:p>
             <a:fld id="{5070667B-8CBE-4DAB-9654-3E33F49025B8}" type="datetimeFigureOut">
               <a:rPr lang="en-US" smtClean="0"/>
-              <a:t>10/24/2017</a:t>
+              <a:t>11/17/2017</a:t>
             </a:fld>
             <a:endParaRPr lang="en-US"/>
           </a:p>
@@ -1967,7 +5386,7 @@
           <a:p>
             <a:fld id="{5070667B-8CBE-4DAB-9654-3E33F49025B8}" type="datetimeFigureOut">
               <a:rPr lang="en-US" smtClean="0"/>
-              <a:t>10/24/2017</a:t>
+              <a:t>11/17/2017</a:t>
             </a:fld>
             <a:endParaRPr lang="en-US"/>
           </a:p>
@@ -2085,7 +5504,7 @@
           <a:p>
             <a:fld id="{5070667B-8CBE-4DAB-9654-3E33F49025B8}" type="datetimeFigureOut">
               <a:rPr lang="en-US" smtClean="0"/>
-              <a:t>10/24/2017</a:t>
+              <a:t>11/17/2017</a:t>
             </a:fld>
             <a:endParaRPr lang="en-US"/>
           </a:p>
@@ -2180,7 +5599,7 @@
           <a:p>
             <a:fld id="{5070667B-8CBE-4DAB-9654-3E33F49025B8}" type="datetimeFigureOut">
               <a:rPr lang="en-US" smtClean="0"/>
-              <a:t>10/24/2017</a:t>
+              <a:t>11/17/2017</a:t>
             </a:fld>
             <a:endParaRPr lang="en-US"/>
           </a:p>
@@ -2457,7 +5876,7 @@
           <a:p>
             <a:fld id="{5070667B-8CBE-4DAB-9654-3E33F49025B8}" type="datetimeFigureOut">
               <a:rPr lang="en-US" smtClean="0"/>
-              <a:t>10/24/2017</a:t>
+              <a:t>11/17/2017</a:t>
             </a:fld>
             <a:endParaRPr lang="en-US"/>
           </a:p>
@@ -2714,7 +6133,7 @@
           <a:p>
             <a:fld id="{5070667B-8CBE-4DAB-9654-3E33F49025B8}" type="datetimeFigureOut">
               <a:rPr lang="en-US" smtClean="0"/>
-              <a:t>10/24/2017</a:t>
+              <a:t>11/17/2017</a:t>
             </a:fld>
             <a:endParaRPr lang="en-US"/>
           </a:p>
@@ -2927,7 +6346,7 @@
           <a:p>
             <a:fld id="{5070667B-8CBE-4DAB-9654-3E33F49025B8}" type="datetimeFigureOut">
               <a:rPr lang="en-US" smtClean="0"/>
-              <a:t>10/24/2017</a:t>
+              <a:t>11/17/2017</a:t>
             </a:fld>
             <a:endParaRPr lang="en-US"/>
           </a:p>
@@ -3392,47 +6811,6 @@
               <a:t>Application of Network Based Co-Expression Expression Patterns to Differential Expression of Genes in Tumorigenic Prostate Epithelial Cells</a:t>
             </a:r>
           </a:p>
-          <a:p>
-            <a:r>
-              <a:rPr lang="en-US" dirty="0">
-                <a:latin typeface="Arial" panose="020B0604020202020204" pitchFamily="34" charset="0"/>
-                <a:cs typeface="Arial" panose="020B0604020202020204" pitchFamily="34" charset="0"/>
-              </a:rPr>
-              <a:t>A Comparison of </a:t>
-            </a:r>
-            <a:r>
-              <a:rPr lang="en-US" i="1" dirty="0" err="1">
-                <a:latin typeface="Arial" panose="020B0604020202020204" pitchFamily="34" charset="0"/>
-                <a:cs typeface="Arial" panose="020B0604020202020204" pitchFamily="34" charset="0"/>
-              </a:rPr>
-              <a:t>limma</a:t>
-            </a:r>
-            <a:r>
-              <a:rPr lang="en-US" i="1" dirty="0">
-                <a:latin typeface="Arial" panose="020B0604020202020204" pitchFamily="34" charset="0"/>
-                <a:cs typeface="Arial" panose="020B0604020202020204" pitchFamily="34" charset="0"/>
-              </a:rPr>
-              <a:t> </a:t>
-            </a:r>
-            <a:r>
-              <a:rPr lang="en-US" dirty="0">
-                <a:latin typeface="Arial" panose="020B0604020202020204" pitchFamily="34" charset="0"/>
-                <a:cs typeface="Arial" panose="020B0604020202020204" pitchFamily="34" charset="0"/>
-              </a:rPr>
-              <a:t>and </a:t>
-            </a:r>
-            <a:r>
-              <a:rPr lang="en-US" i="1" dirty="0">
-                <a:latin typeface="Arial" panose="020B0604020202020204" pitchFamily="34" charset="0"/>
-                <a:cs typeface="Arial" panose="020B0604020202020204" pitchFamily="34" charset="0"/>
-              </a:rPr>
-              <a:t>NACEP</a:t>
-            </a:r>
-            <a:endParaRPr lang="en-US" dirty="0">
-              <a:latin typeface="Arial" panose="020B0604020202020204" pitchFamily="34" charset="0"/>
-              <a:cs typeface="Arial" panose="020B0604020202020204" pitchFamily="34" charset="0"/>
-            </a:endParaRPr>
-          </a:p>
         </p:txBody>
       </p:sp>
     </p:spTree>
@@ -3448,7 +6826,7 @@
 </p:sld>
 </file>
 
-<file path=ppt/slides/slide2.xml><?xml version="1.0" encoding="utf-8"?>
+<file path=ppt/slides/slide10.xml><?xml version="1.0" encoding="utf-8"?>
 <p:sld xmlns:a="http://schemas.openxmlformats.org/drawingml/2006/main" xmlns:r="http://schemas.openxmlformats.org/officeDocument/2006/relationships" xmlns:p="http://schemas.openxmlformats.org/presentationml/2006/main">
   <p:cSld>
     <p:spTree>
@@ -3465,225 +6843,41 @@
           <a:chExt cx="0" cy="0"/>
         </a:xfrm>
       </p:grpSpPr>
-      <p:sp>
-        <p:nvSpPr>
-          <p:cNvPr id="2" name="Title 1">
+      <p:pic>
+        <p:nvPicPr>
+          <p:cNvPr id="2" name="Picture 1">
             <a:extLst>
               <a:ext uri="{FF2B5EF4-FFF2-40B4-BE49-F238E27FC236}">
-                <a16:creationId xmlns:a16="http://schemas.microsoft.com/office/drawing/2014/main" id="{B5BB357D-05E5-45A1-BF05-A126E9148168}"/>
-              </a:ext>
-            </a:extLst>
-          </p:cNvPr>
-          <p:cNvSpPr>
-            <a:spLocks noGrp="1"/>
-          </p:cNvSpPr>
-          <p:nvPr>
-            <p:ph type="title"/>
-          </p:nvPr>
-        </p:nvSpPr>
-        <p:spPr/>
-        <p:txBody>
-          <a:bodyPr/>
-          <a:lstStyle/>
-          <a:p>
-            <a:r>
-              <a:rPr lang="en-US" dirty="0">
-                <a:latin typeface="Arial" panose="020B0604020202020204" pitchFamily="34" charset="0"/>
-                <a:cs typeface="Arial" panose="020B0604020202020204" pitchFamily="34" charset="0"/>
-              </a:rPr>
-              <a:t>Overview of Original Analysis</a:t>
-            </a:r>
-          </a:p>
-        </p:txBody>
-      </p:sp>
-      <p:sp>
-        <p:nvSpPr>
-          <p:cNvPr id="3" name="Content Placeholder 2">
-            <a:extLst>
-              <a:ext uri="{FF2B5EF4-FFF2-40B4-BE49-F238E27FC236}">
-                <a16:creationId xmlns:a16="http://schemas.microsoft.com/office/drawing/2014/main" id="{A7FEE774-68AC-438C-A356-6F6EB3F8E471}"/>
-              </a:ext>
-            </a:extLst>
-          </p:cNvPr>
-          <p:cNvSpPr>
-            <a:spLocks noGrp="1"/>
-          </p:cNvSpPr>
-          <p:nvPr>
-            <p:ph idx="1"/>
-          </p:nvPr>
-        </p:nvSpPr>
-        <p:spPr/>
-        <p:txBody>
-          <a:bodyPr/>
-          <a:lstStyle/>
-          <a:p>
-            <a:r>
-              <a:rPr lang="en-US" dirty="0">
-                <a:latin typeface="Arial" panose="020B0604020202020204" pitchFamily="34" charset="0"/>
-                <a:cs typeface="Arial" panose="020B0604020202020204" pitchFamily="34" charset="0"/>
-              </a:rPr>
-              <a:t>Differential expression analysis with </a:t>
-            </a:r>
-            <a:r>
-              <a:rPr lang="en-US" i="1" dirty="0" err="1">
-                <a:latin typeface="Arial" panose="020B0604020202020204" pitchFamily="34" charset="0"/>
-                <a:cs typeface="Arial" panose="020B0604020202020204" pitchFamily="34" charset="0"/>
-              </a:rPr>
-              <a:t>limma</a:t>
-            </a:r>
-            <a:endParaRPr lang="en-US" i="1" dirty="0">
-              <a:latin typeface="Arial" panose="020B0604020202020204" pitchFamily="34" charset="0"/>
-              <a:cs typeface="Arial" panose="020B0604020202020204" pitchFamily="34" charset="0"/>
-            </a:endParaRPr>
-          </a:p>
-          <a:p>
-            <a:pPr lvl="1"/>
-            <a:r>
-              <a:rPr lang="en-US" dirty="0">
-                <a:latin typeface="Arial" panose="020B0604020202020204" pitchFamily="34" charset="0"/>
-                <a:cs typeface="Arial" panose="020B0604020202020204" pitchFamily="34" charset="0"/>
-              </a:rPr>
-              <a:t>Linear model for microarray and </a:t>
-            </a:r>
-            <a:r>
-              <a:rPr lang="en-US" dirty="0" err="1">
-                <a:latin typeface="Arial" panose="020B0604020202020204" pitchFamily="34" charset="0"/>
-                <a:cs typeface="Arial" panose="020B0604020202020204" pitchFamily="34" charset="0"/>
-              </a:rPr>
-              <a:t>RNAseq</a:t>
-            </a:r>
-            <a:endParaRPr lang="en-US" dirty="0">
-              <a:latin typeface="Arial" panose="020B0604020202020204" pitchFamily="34" charset="0"/>
-              <a:cs typeface="Arial" panose="020B0604020202020204" pitchFamily="34" charset="0"/>
-            </a:endParaRPr>
-          </a:p>
-        </p:txBody>
-      </p:sp>
-    </p:spTree>
-    <p:extLst>
-      <p:ext uri="{BB962C8B-B14F-4D97-AF65-F5344CB8AC3E}">
-        <p14:creationId xmlns:p14="http://schemas.microsoft.com/office/powerpoint/2010/main" val="3862550823"/>
-      </p:ext>
-    </p:extLst>
-  </p:cSld>
-  <p:clrMapOvr>
-    <a:masterClrMapping/>
-  </p:clrMapOvr>
-</p:sld>
-</file>
-
-<file path=ppt/slides/slide3.xml><?xml version="1.0" encoding="utf-8"?>
-<p:sld xmlns:a="http://schemas.openxmlformats.org/drawingml/2006/main" xmlns:r="http://schemas.openxmlformats.org/officeDocument/2006/relationships" xmlns:p="http://schemas.openxmlformats.org/presentationml/2006/main">
-  <p:cSld>
-    <p:spTree>
-      <p:nvGrpSpPr>
-        <p:cNvPr id="1" name=""/>
-        <p:cNvGrpSpPr/>
-        <p:nvPr/>
-      </p:nvGrpSpPr>
-      <p:grpSpPr>
-        <a:xfrm>
-          <a:off x="0" y="0"/>
-          <a:ext cx="0" cy="0"/>
-          <a:chOff x="0" y="0"/>
-          <a:chExt cx="0" cy="0"/>
-        </a:xfrm>
-      </p:grpSpPr>
-      <p:sp>
-        <p:nvSpPr>
-          <p:cNvPr id="2" name="Title 1">
-            <a:extLst>
-              <a:ext uri="{FF2B5EF4-FFF2-40B4-BE49-F238E27FC236}">
-                <a16:creationId xmlns:a16="http://schemas.microsoft.com/office/drawing/2014/main" id="{A19F8918-942B-46A7-987B-8E6322997A24}"/>
-              </a:ext>
-            </a:extLst>
-          </p:cNvPr>
-          <p:cNvSpPr>
-            <a:spLocks noGrp="1"/>
-          </p:cNvSpPr>
-          <p:nvPr>
-            <p:ph type="title"/>
-          </p:nvPr>
-        </p:nvSpPr>
-        <p:spPr/>
-        <p:txBody>
-          <a:bodyPr/>
-          <a:lstStyle/>
-          <a:p>
-            <a:pPr algn="ctr"/>
-            <a:r>
-              <a:rPr lang="en-US" dirty="0">
-                <a:latin typeface="Arial" panose="020B0604020202020204" pitchFamily="34" charset="0"/>
-                <a:cs typeface="Arial" panose="020B0604020202020204" pitchFamily="34" charset="0"/>
-              </a:rPr>
-              <a:t>Linear Models for Microarray and </a:t>
-            </a:r>
-            <a:r>
-              <a:rPr lang="en-US" dirty="0" err="1">
-                <a:latin typeface="Arial" panose="020B0604020202020204" pitchFamily="34" charset="0"/>
-                <a:cs typeface="Arial" panose="020B0604020202020204" pitchFamily="34" charset="0"/>
-              </a:rPr>
-              <a:t>RNAseq</a:t>
-            </a:r>
-            <a:endParaRPr lang="en-US" dirty="0">
-              <a:latin typeface="Arial" panose="020B0604020202020204" pitchFamily="34" charset="0"/>
-              <a:cs typeface="Arial" panose="020B0604020202020204" pitchFamily="34" charset="0"/>
-            </a:endParaRPr>
-          </a:p>
-        </p:txBody>
-      </p:sp>
-      <p:pic>
-        <p:nvPicPr>
-          <p:cNvPr id="1026" name="Picture 2">
-            <a:extLst>
-              <a:ext uri="{FF2B5EF4-FFF2-40B4-BE49-F238E27FC236}">
-                <a16:creationId xmlns:a16="http://schemas.microsoft.com/office/drawing/2014/main" id="{09C4BE47-4DBA-4357-A50A-06DF2ACB62CC}"/>
+                <a16:creationId xmlns:a16="http://schemas.microsoft.com/office/drawing/2014/main" id="{845E20F8-B137-4AD5-95CB-3C928F8C2129}"/>
               </a:ext>
             </a:extLst>
           </p:cNvPr>
           <p:cNvPicPr>
-            <a:picLocks noChangeAspect="1" noChangeArrowheads="1"/>
+            <a:picLocks noChangeAspect="1"/>
           </p:cNvPicPr>
           <p:nvPr/>
         </p:nvPicPr>
-        <p:blipFill>
-          <a:blip r:embed="rId2">
-            <a:extLst>
-              <a:ext uri="{28A0092B-C50C-407E-A947-70E740481C1C}">
-                <a14:useLocalDpi xmlns:a14="http://schemas.microsoft.com/office/drawing/2010/main" val="0"/>
-              </a:ext>
-            </a:extLst>
-          </a:blip>
-          <a:stretch>
-            <a:fillRect/>
-          </a:stretch>
+        <p:blipFill rotWithShape="1">
+          <a:blip r:embed="rId2"/>
+          <a:srcRect t="35455" b="25260"/>
+          <a:stretch/>
         </p:blipFill>
-        <p:spPr bwMode="auto">
+        <p:spPr>
           <a:xfrm>
-            <a:off x="1316218" y="1690688"/>
-            <a:ext cx="7273563" cy="4767202"/>
+            <a:off x="642633" y="387927"/>
+            <a:ext cx="8620733" cy="1905000"/>
           </a:xfrm>
           <a:prstGeom prst="rect">
             <a:avLst/>
           </a:prstGeom>
-          <a:noFill/>
-          <a:extLst>
-            <a:ext uri="{909E8E84-426E-40DD-AFC4-6F175D3DCCD1}">
-              <a14:hiddenFill xmlns:a14="http://schemas.microsoft.com/office/drawing/2010/main">
-                <a:solidFill>
-                  <a:srgbClr val="FFFFFF"/>
-                </a:solidFill>
-              </a14:hiddenFill>
-            </a:ext>
-          </a:extLst>
         </p:spPr>
       </p:pic>
       <p:sp>
         <p:nvSpPr>
-          <p:cNvPr id="4" name="TextBox 3">
+          <p:cNvPr id="3" name="TextBox 2">
             <a:extLst>
               <a:ext uri="{FF2B5EF4-FFF2-40B4-BE49-F238E27FC236}">
-                <a16:creationId xmlns:a16="http://schemas.microsoft.com/office/drawing/2014/main" id="{2E25847E-8CD1-494C-9535-65958977E438}"/>
+                <a16:creationId xmlns:a16="http://schemas.microsoft.com/office/drawing/2014/main" id="{C513885E-B857-4C8F-8271-6D1C626F2F2B}"/>
               </a:ext>
             </a:extLst>
           </p:cNvPr>
@@ -3692,8 +6886,8 @@
         </p:nvSpPr>
         <p:spPr>
           <a:xfrm>
-            <a:off x="4536831" y="6457890"/>
-            <a:ext cx="5369169" cy="400110"/>
+            <a:off x="642632" y="2486891"/>
+            <a:ext cx="8620733" cy="3170099"/>
           </a:xfrm>
           <a:prstGeom prst="rect">
             <a:avLst/>
@@ -3706,13 +6900,160 @@
           </a:bodyPr>
           <a:lstStyle/>
           <a:p>
-            <a:pPr algn="r"/>
-            <a:r>
-              <a:rPr lang="en-US" sz="2000" i="1" dirty="0">
+            <a:pPr marL="285750" indent="-285750">
+              <a:buFont typeface="Arial" panose="020B0604020202020204" pitchFamily="34" charset="0"/>
+              <a:buChar char="•"/>
+            </a:pPr>
+            <a:r>
+              <a:rPr lang="en-US" sz="2000" dirty="0">
                 <a:latin typeface="Arial" panose="020B0604020202020204" pitchFamily="34" charset="0"/>
                 <a:cs typeface="Arial" panose="020B0604020202020204" pitchFamily="34" charset="0"/>
               </a:rPr>
-              <a:t>Ritchie et al., Nucleic Acids Research (2015)</a:t>
+              <a:t>Control samples: Immortalized Prostate Epithelial Stem Cells</a:t>
+            </a:r>
+          </a:p>
+          <a:p>
+            <a:pPr marL="742950" lvl="1" indent="-285750">
+              <a:buFont typeface="Arial" panose="020B0604020202020204" pitchFamily="34" charset="0"/>
+              <a:buChar char="•"/>
+            </a:pPr>
+            <a:r>
+              <a:rPr lang="en-US" sz="2000" dirty="0" err="1">
+                <a:latin typeface="Arial" panose="020B0604020202020204" pitchFamily="34" charset="0"/>
+                <a:cs typeface="Arial" panose="020B0604020202020204" pitchFamily="34" charset="0"/>
+              </a:rPr>
+              <a:t>iPrEC</a:t>
+            </a:r>
+            <a:endParaRPr lang="en-US" sz="2000" dirty="0">
+              <a:latin typeface="Arial" panose="020B0604020202020204" pitchFamily="34" charset="0"/>
+              <a:cs typeface="Arial" panose="020B0604020202020204" pitchFamily="34" charset="0"/>
+            </a:endParaRPr>
+          </a:p>
+          <a:p>
+            <a:pPr marL="742950" lvl="1" indent="-285750">
+              <a:buFont typeface="Arial" panose="020B0604020202020204" pitchFamily="34" charset="0"/>
+              <a:buChar char="•"/>
+            </a:pPr>
+            <a:r>
+              <a:rPr lang="en-US" sz="2000" dirty="0">
+                <a:latin typeface="Arial" panose="020B0604020202020204" pitchFamily="34" charset="0"/>
+                <a:cs typeface="Arial" panose="020B0604020202020204" pitchFamily="34" charset="0"/>
+              </a:rPr>
+              <a:t>Generated from primary clinical </a:t>
+            </a:r>
+            <a:r>
+              <a:rPr lang="en-US" sz="2000" dirty="0" err="1">
+                <a:latin typeface="Arial" panose="020B0604020202020204" pitchFamily="34" charset="0"/>
+                <a:cs typeface="Arial" panose="020B0604020202020204" pitchFamily="34" charset="0"/>
+              </a:rPr>
+              <a:t>prostectomies</a:t>
+            </a:r>
+            <a:endParaRPr lang="en-US" sz="2000" dirty="0">
+              <a:latin typeface="Arial" panose="020B0604020202020204" pitchFamily="34" charset="0"/>
+              <a:cs typeface="Arial" panose="020B0604020202020204" pitchFamily="34" charset="0"/>
+            </a:endParaRPr>
+          </a:p>
+          <a:p>
+            <a:pPr marL="742950" lvl="1" indent="-285750">
+              <a:buFont typeface="Arial" panose="020B0604020202020204" pitchFamily="34" charset="0"/>
+              <a:buChar char="•"/>
+            </a:pPr>
+            <a:r>
+              <a:rPr lang="en-US" sz="2000" dirty="0">
+                <a:latin typeface="Arial" panose="020B0604020202020204" pitchFamily="34" charset="0"/>
+                <a:cs typeface="Arial" panose="020B0604020202020204" pitchFamily="34" charset="0"/>
+              </a:rPr>
+              <a:t>Express only basal epithelial cell markers</a:t>
+            </a:r>
+          </a:p>
+          <a:p>
+            <a:pPr marL="285750" indent="-285750">
+              <a:buFont typeface="Arial" panose="020B0604020202020204" pitchFamily="34" charset="0"/>
+              <a:buChar char="•"/>
+            </a:pPr>
+            <a:r>
+              <a:rPr lang="en-US" sz="2000" dirty="0">
+                <a:latin typeface="Arial" panose="020B0604020202020204" pitchFamily="34" charset="0"/>
+                <a:cs typeface="Arial" panose="020B0604020202020204" pitchFamily="34" charset="0"/>
+              </a:rPr>
+              <a:t>Disease samples: Tumorigenic Prostate Epithelial Stem Cells</a:t>
+            </a:r>
+          </a:p>
+          <a:p>
+            <a:pPr marL="742950" lvl="1" indent="-285750">
+              <a:buFont typeface="Arial" panose="020B0604020202020204" pitchFamily="34" charset="0"/>
+              <a:buChar char="•"/>
+            </a:pPr>
+            <a:r>
+              <a:rPr lang="en-US" sz="2000" dirty="0">
+                <a:latin typeface="Arial" panose="020B0604020202020204" pitchFamily="34" charset="0"/>
+                <a:cs typeface="Arial" panose="020B0604020202020204" pitchFamily="34" charset="0"/>
+              </a:rPr>
+              <a:t>EMP</a:t>
+            </a:r>
+          </a:p>
+          <a:p>
+            <a:pPr marL="742950" lvl="1" indent="-285750">
+              <a:buFont typeface="Arial" panose="020B0604020202020204" pitchFamily="34" charset="0"/>
+              <a:buChar char="•"/>
+            </a:pPr>
+            <a:r>
+              <a:rPr lang="en-US" sz="2000" dirty="0">
+                <a:latin typeface="Arial" panose="020B0604020202020204" pitchFamily="34" charset="0"/>
+                <a:cs typeface="Arial" panose="020B0604020202020204" pitchFamily="34" charset="0"/>
+              </a:rPr>
+              <a:t>Overexpression of Erg, </a:t>
+            </a:r>
+            <a:r>
+              <a:rPr lang="en-US" sz="2000" dirty="0" err="1">
+                <a:latin typeface="Arial" panose="020B0604020202020204" pitchFamily="34" charset="0"/>
+                <a:cs typeface="Arial" panose="020B0604020202020204" pitchFamily="34" charset="0"/>
+              </a:rPr>
+              <a:t>Myc</a:t>
+            </a:r>
+            <a:r>
+              <a:rPr lang="en-US" sz="2000" dirty="0">
+                <a:latin typeface="Arial" panose="020B0604020202020204" pitchFamily="34" charset="0"/>
+                <a:cs typeface="Arial" panose="020B0604020202020204" pitchFamily="34" charset="0"/>
+              </a:rPr>
+              <a:t>, </a:t>
+            </a:r>
+            <a:r>
+              <a:rPr lang="en-US" sz="2000" dirty="0" err="1">
+                <a:latin typeface="Arial" panose="020B0604020202020204" pitchFamily="34" charset="0"/>
+                <a:cs typeface="Arial" panose="020B0604020202020204" pitchFamily="34" charset="0"/>
+              </a:rPr>
+              <a:t>shPten</a:t>
+            </a:r>
+            <a:endParaRPr lang="en-US" sz="2000" dirty="0">
+              <a:latin typeface="Arial" panose="020B0604020202020204" pitchFamily="34" charset="0"/>
+              <a:cs typeface="Arial" panose="020B0604020202020204" pitchFamily="34" charset="0"/>
+            </a:endParaRPr>
+          </a:p>
+          <a:p>
+            <a:pPr marL="285750" indent="-285750">
+              <a:buFont typeface="Arial" panose="020B0604020202020204" pitchFamily="34" charset="0"/>
+              <a:buChar char="•"/>
+            </a:pPr>
+            <a:r>
+              <a:rPr lang="en-US" sz="2000" dirty="0">
+                <a:latin typeface="Arial" panose="020B0604020202020204" pitchFamily="34" charset="0"/>
+                <a:cs typeface="Arial" panose="020B0604020202020204" pitchFamily="34" charset="0"/>
+              </a:rPr>
+              <a:t>25,702 initial genes with 6 time periods, 3 replicates per time period</a:t>
+            </a:r>
+          </a:p>
+          <a:p>
+            <a:pPr marL="285750" indent="-285750">
+              <a:buFont typeface="Arial" panose="020B0604020202020204" pitchFamily="34" charset="0"/>
+              <a:buChar char="•"/>
+            </a:pPr>
+            <a:r>
+              <a:rPr lang="en-US" sz="2000" b="1" dirty="0">
+                <a:latin typeface="Arial" panose="020B0604020202020204" pitchFamily="34" charset="0"/>
+                <a:cs typeface="Arial" panose="020B0604020202020204" pitchFamily="34" charset="0"/>
+              </a:rPr>
+              <a:t>Datasets downloaded from NCBI Gene Expression Omnibus as read count matrices and converted to TPM</a:t>
             </a:r>
           </a:p>
         </p:txBody>
@@ -3720,7 +7061,7 @@
     </p:spTree>
     <p:extLst>
       <p:ext uri="{BB962C8B-B14F-4D97-AF65-F5344CB8AC3E}">
-        <p14:creationId xmlns:p14="http://schemas.microsoft.com/office/powerpoint/2010/main" val="1663791478"/>
+        <p14:creationId xmlns:p14="http://schemas.microsoft.com/office/powerpoint/2010/main" val="47406232"/>
       </p:ext>
     </p:extLst>
   </p:cSld>
@@ -3730,155 +7071,7 @@
 </p:sld>
 </file>
 
-<file path=ppt/slides/slide4.xml><?xml version="1.0" encoding="utf-8"?>
-<p:sld xmlns:a="http://schemas.openxmlformats.org/drawingml/2006/main" xmlns:r="http://schemas.openxmlformats.org/officeDocument/2006/relationships" xmlns:p="http://schemas.openxmlformats.org/presentationml/2006/main">
-  <p:cSld>
-    <p:spTree>
-      <p:nvGrpSpPr>
-        <p:cNvPr id="1" name=""/>
-        <p:cNvGrpSpPr/>
-        <p:nvPr/>
-      </p:nvGrpSpPr>
-      <p:grpSpPr>
-        <a:xfrm>
-          <a:off x="0" y="0"/>
-          <a:ext cx="0" cy="0"/>
-          <a:chOff x="0" y="0"/>
-          <a:chExt cx="0" cy="0"/>
-        </a:xfrm>
-      </p:grpSpPr>
-      <p:sp>
-        <p:nvSpPr>
-          <p:cNvPr id="2" name="Title 1">
-            <a:extLst>
-              <a:ext uri="{FF2B5EF4-FFF2-40B4-BE49-F238E27FC236}">
-                <a16:creationId xmlns:a16="http://schemas.microsoft.com/office/drawing/2014/main" id="{A19F8918-942B-46A7-987B-8E6322997A24}"/>
-              </a:ext>
-            </a:extLst>
-          </p:cNvPr>
-          <p:cNvSpPr>
-            <a:spLocks noGrp="1"/>
-          </p:cNvSpPr>
-          <p:nvPr>
-            <p:ph type="title"/>
-          </p:nvPr>
-        </p:nvSpPr>
-        <p:spPr/>
-        <p:txBody>
-          <a:bodyPr/>
-          <a:lstStyle/>
-          <a:p>
-            <a:pPr algn="ctr"/>
-            <a:r>
-              <a:rPr lang="en-US" dirty="0">
-                <a:latin typeface="Arial" panose="020B0604020202020204" pitchFamily="34" charset="0"/>
-                <a:cs typeface="Arial" panose="020B0604020202020204" pitchFamily="34" charset="0"/>
-              </a:rPr>
-              <a:t>Network Based Co-Expression Patterns (NACEP)</a:t>
-            </a:r>
-          </a:p>
-        </p:txBody>
-      </p:sp>
-      <p:pic>
-        <p:nvPicPr>
-          <p:cNvPr id="1026" name="Picture 2" descr="Figure 1: Flow-chart of NACEP in a temporal expression data comparison analysis">
-            <a:extLst>
-              <a:ext uri="{FF2B5EF4-FFF2-40B4-BE49-F238E27FC236}">
-                <a16:creationId xmlns:a16="http://schemas.microsoft.com/office/drawing/2014/main" id="{09C4BE47-4DBA-4357-A50A-06DF2ACB62CC}"/>
-              </a:ext>
-            </a:extLst>
-          </p:cNvPr>
-          <p:cNvPicPr>
-            <a:picLocks noChangeAspect="1" noChangeArrowheads="1"/>
-          </p:cNvPicPr>
-          <p:nvPr/>
-        </p:nvPicPr>
-        <p:blipFill>
-          <a:blip r:embed="rId2">
-            <a:extLst>
-              <a:ext uri="{28A0092B-C50C-407E-A947-70E740481C1C}">
-                <a14:useLocalDpi xmlns:a14="http://schemas.microsoft.com/office/drawing/2010/main" val="0"/>
-              </a:ext>
-            </a:extLst>
-          </a:blip>
-          <a:srcRect/>
-          <a:stretch>
-            <a:fillRect/>
-          </a:stretch>
-        </p:blipFill>
-        <p:spPr bwMode="auto">
-          <a:xfrm>
-            <a:off x="0" y="1690688"/>
-            <a:ext cx="9906000" cy="4767202"/>
-          </a:xfrm>
-          <a:prstGeom prst="rect">
-            <a:avLst/>
-          </a:prstGeom>
-          <a:noFill/>
-          <a:extLst>
-            <a:ext uri="{909E8E84-426E-40DD-AFC4-6F175D3DCCD1}">
-              <a14:hiddenFill xmlns:a14="http://schemas.microsoft.com/office/drawing/2010/main">
-                <a:solidFill>
-                  <a:srgbClr val="FFFFFF"/>
-                </a:solidFill>
-              </a14:hiddenFill>
-            </a:ext>
-          </a:extLst>
-        </p:spPr>
-      </p:pic>
-      <p:sp>
-        <p:nvSpPr>
-          <p:cNvPr id="4" name="TextBox 3">
-            <a:extLst>
-              <a:ext uri="{FF2B5EF4-FFF2-40B4-BE49-F238E27FC236}">
-                <a16:creationId xmlns:a16="http://schemas.microsoft.com/office/drawing/2014/main" id="{2E25847E-8CD1-494C-9535-65958977E438}"/>
-              </a:ext>
-            </a:extLst>
-          </p:cNvPr>
-          <p:cNvSpPr txBox="1"/>
-          <p:nvPr/>
-        </p:nvSpPr>
-        <p:spPr>
-          <a:xfrm>
-            <a:off x="5786674" y="6457890"/>
-            <a:ext cx="4119326" cy="400110"/>
-          </a:xfrm>
-          <a:prstGeom prst="rect">
-            <a:avLst/>
-          </a:prstGeom>
-          <a:noFill/>
-        </p:spPr>
-        <p:txBody>
-          <a:bodyPr wrap="square" rtlCol="0">
-            <a:spAutoFit/>
-          </a:bodyPr>
-          <a:lstStyle/>
-          <a:p>
-            <a:pPr algn="r"/>
-            <a:r>
-              <a:rPr lang="en-US" sz="2000" i="1" dirty="0">
-                <a:latin typeface="Arial" panose="020B0604020202020204" pitchFamily="34" charset="0"/>
-                <a:cs typeface="Arial" panose="020B0604020202020204" pitchFamily="34" charset="0"/>
-              </a:rPr>
-              <a:t>Huang et al., Bioinformatics (2010)</a:t>
-            </a:r>
-          </a:p>
-        </p:txBody>
-      </p:sp>
-    </p:spTree>
-    <p:extLst>
-      <p:ext uri="{BB962C8B-B14F-4D97-AF65-F5344CB8AC3E}">
-        <p14:creationId xmlns:p14="http://schemas.microsoft.com/office/powerpoint/2010/main" val="834946923"/>
-      </p:ext>
-    </p:extLst>
-  </p:cSld>
-  <p:clrMapOvr>
-    <a:masterClrMapping/>
-  </p:clrMapOvr>
-</p:sld>
-</file>
-
-<file path=ppt/slides/slide5.xml><?xml version="1.0" encoding="utf-8"?>
+<file path=ppt/slides/slide11.xml><?xml version="1.0" encoding="utf-8"?>
 <p:sld xmlns:a="http://schemas.openxmlformats.org/drawingml/2006/main" xmlns:r="http://schemas.openxmlformats.org/officeDocument/2006/relationships" xmlns:p="http://schemas.openxmlformats.org/presentationml/2006/main">
   <p:cSld>
     <p:spTree>
@@ -5636,7 +8829,533 @@
 </p:sld>
 </file>
 
-<file path=ppt/slides/slide6.xml><?xml version="1.0" encoding="utf-8"?>
+<file path=ppt/slides/slide12.xml><?xml version="1.0" encoding="utf-8"?>
+<p:sld xmlns:a="http://schemas.openxmlformats.org/drawingml/2006/main" xmlns:r="http://schemas.openxmlformats.org/officeDocument/2006/relationships" xmlns:p="http://schemas.openxmlformats.org/presentationml/2006/main">
+  <p:cSld>
+    <p:spTree>
+      <p:nvGrpSpPr>
+        <p:cNvPr id="1" name=""/>
+        <p:cNvGrpSpPr/>
+        <p:nvPr/>
+      </p:nvGrpSpPr>
+      <p:grpSpPr>
+        <a:xfrm>
+          <a:off x="0" y="0"/>
+          <a:ext cx="0" cy="0"/>
+          <a:chOff x="0" y="0"/>
+          <a:chExt cx="0" cy="0"/>
+        </a:xfrm>
+      </p:grpSpPr>
+      <p:sp>
+        <p:nvSpPr>
+          <p:cNvPr id="2" name="Title 1">
+            <a:extLst>
+              <a:ext uri="{FF2B5EF4-FFF2-40B4-BE49-F238E27FC236}">
+                <a16:creationId xmlns:a16="http://schemas.microsoft.com/office/drawing/2014/main" id="{0E48E1EA-AB78-46D0-8851-C042B30095C2}"/>
+              </a:ext>
+            </a:extLst>
+          </p:cNvPr>
+          <p:cNvSpPr>
+            <a:spLocks noGrp="1"/>
+          </p:cNvSpPr>
+          <p:nvPr>
+            <p:ph type="title"/>
+          </p:nvPr>
+        </p:nvSpPr>
+        <p:spPr/>
+        <p:txBody>
+          <a:bodyPr>
+            <a:normAutofit/>
+          </a:bodyPr>
+          <a:lstStyle/>
+          <a:p>
+            <a:r>
+              <a:rPr lang="en-US" sz="4000" dirty="0">
+                <a:latin typeface="Arial" panose="020B0604020202020204" pitchFamily="34" charset="0"/>
+                <a:cs typeface="Arial" panose="020B0604020202020204" pitchFamily="34" charset="0"/>
+              </a:rPr>
+              <a:t>Filtering by Expression and Variance</a:t>
+            </a:r>
+          </a:p>
+        </p:txBody>
+      </p:sp>
+      <p:sp>
+        <p:nvSpPr>
+          <p:cNvPr id="3" name="Content Placeholder 2">
+            <a:extLst>
+              <a:ext uri="{FF2B5EF4-FFF2-40B4-BE49-F238E27FC236}">
+                <a16:creationId xmlns:a16="http://schemas.microsoft.com/office/drawing/2014/main" id="{3D392EA7-471C-4869-88C0-C8CAE862C49A}"/>
+              </a:ext>
+            </a:extLst>
+          </p:cNvPr>
+          <p:cNvSpPr>
+            <a:spLocks noGrp="1"/>
+          </p:cNvSpPr>
+          <p:nvPr>
+            <p:ph idx="1"/>
+          </p:nvPr>
+        </p:nvSpPr>
+        <p:spPr/>
+        <p:txBody>
+          <a:bodyPr>
+            <a:normAutofit/>
+          </a:bodyPr>
+          <a:lstStyle/>
+          <a:p>
+            <a:r>
+              <a:rPr lang="en-US" sz="2000" dirty="0">
+                <a:latin typeface="Arial" panose="020B0604020202020204" pitchFamily="34" charset="0"/>
+                <a:cs typeface="Arial" panose="020B0604020202020204" pitchFamily="34" charset="0"/>
+              </a:rPr>
+              <a:t>NACEP is very computationally expensive</a:t>
+            </a:r>
+          </a:p>
+          <a:p>
+            <a:pPr lvl="1"/>
+            <a:r>
+              <a:rPr lang="en-US" sz="2000" dirty="0">
+                <a:latin typeface="Arial" panose="020B0604020202020204" pitchFamily="34" charset="0"/>
+                <a:cs typeface="Arial" panose="020B0604020202020204" pitchFamily="34" charset="0"/>
+              </a:rPr>
+              <a:t>Need to drastically reduce dataset size</a:t>
+            </a:r>
+          </a:p>
+          <a:p>
+            <a:r>
+              <a:rPr lang="en-US" sz="2000" dirty="0">
+                <a:latin typeface="Arial" panose="020B0604020202020204" pitchFamily="34" charset="0"/>
+                <a:cs typeface="Arial" panose="020B0604020202020204" pitchFamily="34" charset="0"/>
+              </a:rPr>
+              <a:t>Gene Retention Criteria</a:t>
+            </a:r>
+          </a:p>
+          <a:p>
+            <a:pPr lvl="1"/>
+            <a:r>
+              <a:rPr lang="en-US" sz="2000" dirty="0">
+                <a:latin typeface="Arial" panose="020B0604020202020204" pitchFamily="34" charset="0"/>
+                <a:cs typeface="Arial" panose="020B0604020202020204" pitchFamily="34" charset="0"/>
+              </a:rPr>
+              <a:t>17% of samples have TPM &gt;= 39 (average TPM)</a:t>
+            </a:r>
+          </a:p>
+          <a:p>
+            <a:pPr lvl="1"/>
+            <a:r>
+              <a:rPr lang="en-US" sz="2000" dirty="0">
+                <a:latin typeface="Arial" panose="020B0604020202020204" pitchFamily="34" charset="0"/>
+                <a:cs typeface="Arial" panose="020B0604020202020204" pitchFamily="34" charset="0"/>
+              </a:rPr>
+              <a:t>log</a:t>
+            </a:r>
+            <a:r>
+              <a:rPr lang="en-US" sz="2000" baseline="-25000" dirty="0">
+                <a:latin typeface="Arial" panose="020B0604020202020204" pitchFamily="34" charset="0"/>
+                <a:cs typeface="Arial" panose="020B0604020202020204" pitchFamily="34" charset="0"/>
+              </a:rPr>
+              <a:t>10</a:t>
+            </a:r>
+            <a:r>
+              <a:rPr lang="en-US" sz="2000" dirty="0">
+                <a:latin typeface="Arial" panose="020B0604020202020204" pitchFamily="34" charset="0"/>
+                <a:cs typeface="Arial" panose="020B0604020202020204" pitchFamily="34" charset="0"/>
+              </a:rPr>
+              <a:t>(gene variance) &gt;= 2.4</a:t>
+            </a:r>
+          </a:p>
+        </p:txBody>
+      </p:sp>
+    </p:spTree>
+    <p:extLst>
+      <p:ext uri="{BB962C8B-B14F-4D97-AF65-F5344CB8AC3E}">
+        <p14:creationId xmlns:p14="http://schemas.microsoft.com/office/powerpoint/2010/main" val="2814226145"/>
+      </p:ext>
+    </p:extLst>
+  </p:cSld>
+  <p:clrMapOvr>
+    <a:masterClrMapping/>
+  </p:clrMapOvr>
+</p:sld>
+</file>
+
+<file path=ppt/slides/slide13.xml><?xml version="1.0" encoding="utf-8"?>
+<p:sld xmlns:a="http://schemas.openxmlformats.org/drawingml/2006/main" xmlns:r="http://schemas.openxmlformats.org/officeDocument/2006/relationships" xmlns:p="http://schemas.openxmlformats.org/presentationml/2006/main">
+  <p:cSld>
+    <p:spTree>
+      <p:nvGrpSpPr>
+        <p:cNvPr id="1" name=""/>
+        <p:cNvGrpSpPr/>
+        <p:nvPr/>
+      </p:nvGrpSpPr>
+      <p:grpSpPr>
+        <a:xfrm>
+          <a:off x="0" y="0"/>
+          <a:ext cx="0" cy="0"/>
+          <a:chOff x="0" y="0"/>
+          <a:chExt cx="0" cy="0"/>
+        </a:xfrm>
+      </p:grpSpPr>
+      <p:graphicFrame>
+        <p:nvGraphicFramePr>
+          <p:cNvPr id="2" name="Table 1">
+            <a:extLst>
+              <a:ext uri="{FF2B5EF4-FFF2-40B4-BE49-F238E27FC236}">
+                <a16:creationId xmlns:a16="http://schemas.microsoft.com/office/drawing/2014/main" id="{E5130314-49C1-4640-BF0B-272BD8F52140}"/>
+              </a:ext>
+            </a:extLst>
+          </p:cNvPr>
+          <p:cNvGraphicFramePr>
+            <a:graphicFrameLocks noGrp="1"/>
+          </p:cNvGraphicFramePr>
+          <p:nvPr/>
+        </p:nvGraphicFramePr>
+        <p:xfrm>
+          <a:off x="1651000" y="1227666"/>
+          <a:ext cx="6603999" cy="2966720"/>
+        </p:xfrm>
+        <a:graphic>
+          <a:graphicData uri="http://schemas.openxmlformats.org/drawingml/2006/table">
+            <a:tbl>
+              <a:tblPr firstRow="1" bandRow="1">
+                <a:tableStyleId>{5C22544A-7EE6-4342-B048-85BDC9FD1C3A}</a:tableStyleId>
+              </a:tblPr>
+              <a:tblGrid>
+                <a:gridCol w="2201333">
+                  <a:extLst>
+                    <a:ext uri="{9D8B030D-6E8A-4147-A177-3AD203B41FA5}">
+                      <a16:colId xmlns:a16="http://schemas.microsoft.com/office/drawing/2014/main" val="1296335350"/>
+                    </a:ext>
+                  </a:extLst>
+                </a:gridCol>
+                <a:gridCol w="2201333">
+                  <a:extLst>
+                    <a:ext uri="{9D8B030D-6E8A-4147-A177-3AD203B41FA5}">
+                      <a16:colId xmlns:a16="http://schemas.microsoft.com/office/drawing/2014/main" val="463003195"/>
+                    </a:ext>
+                  </a:extLst>
+                </a:gridCol>
+                <a:gridCol w="2201333">
+                  <a:extLst>
+                    <a:ext uri="{9D8B030D-6E8A-4147-A177-3AD203B41FA5}">
+                      <a16:colId xmlns:a16="http://schemas.microsoft.com/office/drawing/2014/main" val="2185225880"/>
+                    </a:ext>
+                  </a:extLst>
+                </a:gridCol>
+              </a:tblGrid>
+              <a:tr h="370840">
+                <a:tc>
+                  <a:txBody>
+                    <a:bodyPr/>
+                    <a:lstStyle/>
+                    <a:p>
+                      <a:endParaRPr lang="en-US" dirty="0"/>
+                    </a:p>
+                  </a:txBody>
+                  <a:tcPr/>
+                </a:tc>
+                <a:tc>
+                  <a:txBody>
+                    <a:bodyPr/>
+                    <a:lstStyle/>
+                    <a:p>
+                      <a:endParaRPr lang="en-US"/>
+                    </a:p>
+                  </a:txBody>
+                  <a:tcPr/>
+                </a:tc>
+                <a:tc>
+                  <a:txBody>
+                    <a:bodyPr/>
+                    <a:lstStyle/>
+                    <a:p>
+                      <a:endParaRPr lang="en-US"/>
+                    </a:p>
+                  </a:txBody>
+                  <a:tcPr/>
+                </a:tc>
+                <a:extLst>
+                  <a:ext uri="{0D108BD9-81ED-4DB2-BD59-A6C34878D82A}">
+                    <a16:rowId xmlns:a16="http://schemas.microsoft.com/office/drawing/2014/main" val="2010547243"/>
+                  </a:ext>
+                </a:extLst>
+              </a:tr>
+              <a:tr h="370840">
+                <a:tc>
+                  <a:txBody>
+                    <a:bodyPr/>
+                    <a:lstStyle/>
+                    <a:p>
+                      <a:endParaRPr lang="en-US" dirty="0"/>
+                    </a:p>
+                  </a:txBody>
+                  <a:tcPr/>
+                </a:tc>
+                <a:tc>
+                  <a:txBody>
+                    <a:bodyPr/>
+                    <a:lstStyle/>
+                    <a:p>
+                      <a:endParaRPr lang="en-US"/>
+                    </a:p>
+                  </a:txBody>
+                  <a:tcPr/>
+                </a:tc>
+                <a:tc>
+                  <a:txBody>
+                    <a:bodyPr/>
+                    <a:lstStyle/>
+                    <a:p>
+                      <a:endParaRPr lang="en-US"/>
+                    </a:p>
+                  </a:txBody>
+                  <a:tcPr/>
+                </a:tc>
+                <a:extLst>
+                  <a:ext uri="{0D108BD9-81ED-4DB2-BD59-A6C34878D82A}">
+                    <a16:rowId xmlns:a16="http://schemas.microsoft.com/office/drawing/2014/main" val="1943667462"/>
+                  </a:ext>
+                </a:extLst>
+              </a:tr>
+              <a:tr h="370840">
+                <a:tc>
+                  <a:txBody>
+                    <a:bodyPr/>
+                    <a:lstStyle/>
+                    <a:p>
+                      <a:endParaRPr lang="en-US"/>
+                    </a:p>
+                  </a:txBody>
+                  <a:tcPr/>
+                </a:tc>
+                <a:tc>
+                  <a:txBody>
+                    <a:bodyPr/>
+                    <a:lstStyle/>
+                    <a:p>
+                      <a:endParaRPr lang="en-US"/>
+                    </a:p>
+                  </a:txBody>
+                  <a:tcPr/>
+                </a:tc>
+                <a:tc>
+                  <a:txBody>
+                    <a:bodyPr/>
+                    <a:lstStyle/>
+                    <a:p>
+                      <a:endParaRPr lang="en-US"/>
+                    </a:p>
+                  </a:txBody>
+                  <a:tcPr/>
+                </a:tc>
+                <a:extLst>
+                  <a:ext uri="{0D108BD9-81ED-4DB2-BD59-A6C34878D82A}">
+                    <a16:rowId xmlns:a16="http://schemas.microsoft.com/office/drawing/2014/main" val="3262524683"/>
+                  </a:ext>
+                </a:extLst>
+              </a:tr>
+              <a:tr h="370840">
+                <a:tc>
+                  <a:txBody>
+                    <a:bodyPr/>
+                    <a:lstStyle/>
+                    <a:p>
+                      <a:endParaRPr lang="en-US"/>
+                    </a:p>
+                  </a:txBody>
+                  <a:tcPr/>
+                </a:tc>
+                <a:tc>
+                  <a:txBody>
+                    <a:bodyPr/>
+                    <a:lstStyle/>
+                    <a:p>
+                      <a:endParaRPr lang="en-US"/>
+                    </a:p>
+                  </a:txBody>
+                  <a:tcPr/>
+                </a:tc>
+                <a:tc>
+                  <a:txBody>
+                    <a:bodyPr/>
+                    <a:lstStyle/>
+                    <a:p>
+                      <a:endParaRPr lang="en-US"/>
+                    </a:p>
+                  </a:txBody>
+                  <a:tcPr/>
+                </a:tc>
+                <a:extLst>
+                  <a:ext uri="{0D108BD9-81ED-4DB2-BD59-A6C34878D82A}">
+                    <a16:rowId xmlns:a16="http://schemas.microsoft.com/office/drawing/2014/main" val="2983979270"/>
+                  </a:ext>
+                </a:extLst>
+              </a:tr>
+              <a:tr h="370840">
+                <a:tc>
+                  <a:txBody>
+                    <a:bodyPr/>
+                    <a:lstStyle/>
+                    <a:p>
+                      <a:endParaRPr lang="en-US"/>
+                    </a:p>
+                  </a:txBody>
+                  <a:tcPr/>
+                </a:tc>
+                <a:tc>
+                  <a:txBody>
+                    <a:bodyPr/>
+                    <a:lstStyle/>
+                    <a:p>
+                      <a:endParaRPr lang="en-US"/>
+                    </a:p>
+                  </a:txBody>
+                  <a:tcPr/>
+                </a:tc>
+                <a:tc>
+                  <a:txBody>
+                    <a:bodyPr/>
+                    <a:lstStyle/>
+                    <a:p>
+                      <a:endParaRPr lang="en-US"/>
+                    </a:p>
+                  </a:txBody>
+                  <a:tcPr/>
+                </a:tc>
+                <a:extLst>
+                  <a:ext uri="{0D108BD9-81ED-4DB2-BD59-A6C34878D82A}">
+                    <a16:rowId xmlns:a16="http://schemas.microsoft.com/office/drawing/2014/main" val="3711145197"/>
+                  </a:ext>
+                </a:extLst>
+              </a:tr>
+              <a:tr h="370840">
+                <a:tc>
+                  <a:txBody>
+                    <a:bodyPr/>
+                    <a:lstStyle/>
+                    <a:p>
+                      <a:endParaRPr lang="en-US"/>
+                    </a:p>
+                  </a:txBody>
+                  <a:tcPr/>
+                </a:tc>
+                <a:tc>
+                  <a:txBody>
+                    <a:bodyPr/>
+                    <a:lstStyle/>
+                    <a:p>
+                      <a:endParaRPr lang="en-US"/>
+                    </a:p>
+                  </a:txBody>
+                  <a:tcPr/>
+                </a:tc>
+                <a:tc>
+                  <a:txBody>
+                    <a:bodyPr/>
+                    <a:lstStyle/>
+                    <a:p>
+                      <a:endParaRPr lang="en-US"/>
+                    </a:p>
+                  </a:txBody>
+                  <a:tcPr/>
+                </a:tc>
+                <a:extLst>
+                  <a:ext uri="{0D108BD9-81ED-4DB2-BD59-A6C34878D82A}">
+                    <a16:rowId xmlns:a16="http://schemas.microsoft.com/office/drawing/2014/main" val="180801055"/>
+                  </a:ext>
+                </a:extLst>
+              </a:tr>
+              <a:tr h="370840">
+                <a:tc>
+                  <a:txBody>
+                    <a:bodyPr/>
+                    <a:lstStyle/>
+                    <a:p>
+                      <a:endParaRPr lang="en-US"/>
+                    </a:p>
+                  </a:txBody>
+                  <a:tcPr/>
+                </a:tc>
+                <a:tc>
+                  <a:txBody>
+                    <a:bodyPr/>
+                    <a:lstStyle/>
+                    <a:p>
+                      <a:endParaRPr lang="en-US"/>
+                    </a:p>
+                  </a:txBody>
+                  <a:tcPr/>
+                </a:tc>
+                <a:tc>
+                  <a:txBody>
+                    <a:bodyPr/>
+                    <a:lstStyle/>
+                    <a:p>
+                      <a:endParaRPr lang="en-US"/>
+                    </a:p>
+                  </a:txBody>
+                  <a:tcPr/>
+                </a:tc>
+                <a:extLst>
+                  <a:ext uri="{0D108BD9-81ED-4DB2-BD59-A6C34878D82A}">
+                    <a16:rowId xmlns:a16="http://schemas.microsoft.com/office/drawing/2014/main" val="2692343384"/>
+                  </a:ext>
+                </a:extLst>
+              </a:tr>
+              <a:tr h="370840">
+                <a:tc>
+                  <a:txBody>
+                    <a:bodyPr/>
+                    <a:lstStyle/>
+                    <a:p>
+                      <a:endParaRPr lang="en-US"/>
+                    </a:p>
+                  </a:txBody>
+                  <a:tcPr/>
+                </a:tc>
+                <a:tc>
+                  <a:txBody>
+                    <a:bodyPr/>
+                    <a:lstStyle/>
+                    <a:p>
+                      <a:endParaRPr lang="en-US"/>
+                    </a:p>
+                  </a:txBody>
+                  <a:tcPr/>
+                </a:tc>
+                <a:tc>
+                  <a:txBody>
+                    <a:bodyPr/>
+                    <a:lstStyle/>
+                    <a:p>
+                      <a:endParaRPr lang="en-US" dirty="0"/>
+                    </a:p>
+                  </a:txBody>
+                  <a:tcPr/>
+                </a:tc>
+                <a:extLst>
+                  <a:ext uri="{0D108BD9-81ED-4DB2-BD59-A6C34878D82A}">
+                    <a16:rowId xmlns:a16="http://schemas.microsoft.com/office/drawing/2014/main" val="3808702581"/>
+                  </a:ext>
+                </a:extLst>
+              </a:tr>
+            </a:tbl>
+          </a:graphicData>
+        </a:graphic>
+      </p:graphicFrame>
+    </p:spTree>
+    <p:extLst>
+      <p:ext uri="{BB962C8B-B14F-4D97-AF65-F5344CB8AC3E}">
+        <p14:creationId xmlns:p14="http://schemas.microsoft.com/office/powerpoint/2010/main" val="319414835"/>
+      </p:ext>
+    </p:extLst>
+  </p:cSld>
+  <p:clrMapOvr>
+    <a:masterClrMapping/>
+  </p:clrMapOvr>
+</p:sld>
+</file>
+
+<file path=ppt/slides/slide14.xml><?xml version="1.0" encoding="utf-8"?>
 <p:sld xmlns:a="http://schemas.openxmlformats.org/drawingml/2006/main" xmlns:r="http://schemas.openxmlformats.org/officeDocument/2006/relationships" xmlns:p="http://schemas.openxmlformats.org/presentationml/2006/main">
   <p:cSld>
     <p:spTree>
@@ -5720,6 +9439,2542 @@
     <p:extLst>
       <p:ext uri="{BB962C8B-B14F-4D97-AF65-F5344CB8AC3E}">
         <p14:creationId xmlns:p14="http://schemas.microsoft.com/office/powerpoint/2010/main" val="4139176666"/>
+      </p:ext>
+    </p:extLst>
+  </p:cSld>
+  <p:clrMapOvr>
+    <a:masterClrMapping/>
+  </p:clrMapOvr>
+</p:sld>
+</file>
+
+<file path=ppt/slides/slide2.xml><?xml version="1.0" encoding="utf-8"?>
+<p:sld xmlns:a="http://schemas.openxmlformats.org/drawingml/2006/main" xmlns:r="http://schemas.openxmlformats.org/officeDocument/2006/relationships" xmlns:p="http://schemas.openxmlformats.org/presentationml/2006/main">
+  <p:cSld>
+    <p:spTree>
+      <p:nvGrpSpPr>
+        <p:cNvPr id="1" name=""/>
+        <p:cNvGrpSpPr/>
+        <p:nvPr/>
+      </p:nvGrpSpPr>
+      <p:grpSpPr>
+        <a:xfrm>
+          <a:off x="0" y="0"/>
+          <a:ext cx="0" cy="0"/>
+          <a:chOff x="0" y="0"/>
+          <a:chExt cx="0" cy="0"/>
+        </a:xfrm>
+      </p:grpSpPr>
+      <p:sp>
+        <p:nvSpPr>
+          <p:cNvPr id="2" name="Title 1">
+            <a:extLst>
+              <a:ext uri="{FF2B5EF4-FFF2-40B4-BE49-F238E27FC236}">
+                <a16:creationId xmlns:a16="http://schemas.microsoft.com/office/drawing/2014/main" id="{A19F8918-942B-46A7-987B-8E6322997A24}"/>
+              </a:ext>
+            </a:extLst>
+          </p:cNvPr>
+          <p:cNvSpPr>
+            <a:spLocks noGrp="1"/>
+          </p:cNvSpPr>
+          <p:nvPr>
+            <p:ph type="title"/>
+          </p:nvPr>
+        </p:nvSpPr>
+        <p:spPr/>
+        <p:txBody>
+          <a:bodyPr/>
+          <a:lstStyle/>
+          <a:p>
+            <a:pPr algn="ctr"/>
+            <a:r>
+              <a:rPr lang="en-US" dirty="0">
+                <a:latin typeface="Arial" panose="020B0604020202020204" pitchFamily="34" charset="0"/>
+                <a:cs typeface="Arial" panose="020B0604020202020204" pitchFamily="34" charset="0"/>
+              </a:rPr>
+              <a:t>Network Based Co-Expression Patterns (NACEP)</a:t>
+            </a:r>
+          </a:p>
+        </p:txBody>
+      </p:sp>
+      <p:pic>
+        <p:nvPicPr>
+          <p:cNvPr id="1026" name="Picture 2" descr="Figure 1: Flow-chart of NACEP in a temporal expression data comparison analysis">
+            <a:extLst>
+              <a:ext uri="{FF2B5EF4-FFF2-40B4-BE49-F238E27FC236}">
+                <a16:creationId xmlns:a16="http://schemas.microsoft.com/office/drawing/2014/main" id="{09C4BE47-4DBA-4357-A50A-06DF2ACB62CC}"/>
+              </a:ext>
+            </a:extLst>
+          </p:cNvPr>
+          <p:cNvPicPr>
+            <a:picLocks noChangeAspect="1" noChangeArrowheads="1"/>
+          </p:cNvPicPr>
+          <p:nvPr/>
+        </p:nvPicPr>
+        <p:blipFill>
+          <a:blip r:embed="rId2">
+            <a:extLst>
+              <a:ext uri="{28A0092B-C50C-407E-A947-70E740481C1C}">
+                <a14:useLocalDpi xmlns:a14="http://schemas.microsoft.com/office/drawing/2010/main" val="0"/>
+              </a:ext>
+            </a:extLst>
+          </a:blip>
+          <a:srcRect/>
+          <a:stretch>
+            <a:fillRect/>
+          </a:stretch>
+        </p:blipFill>
+        <p:spPr bwMode="auto">
+          <a:xfrm>
+            <a:off x="0" y="1690688"/>
+            <a:ext cx="9906000" cy="4767202"/>
+          </a:xfrm>
+          <a:prstGeom prst="rect">
+            <a:avLst/>
+          </a:prstGeom>
+          <a:noFill/>
+          <a:extLst>
+            <a:ext uri="{909E8E84-426E-40DD-AFC4-6F175D3DCCD1}">
+              <a14:hiddenFill xmlns:a14="http://schemas.microsoft.com/office/drawing/2010/main">
+                <a:solidFill>
+                  <a:srgbClr val="FFFFFF"/>
+                </a:solidFill>
+              </a14:hiddenFill>
+            </a:ext>
+          </a:extLst>
+        </p:spPr>
+      </p:pic>
+      <p:sp>
+        <p:nvSpPr>
+          <p:cNvPr id="4" name="TextBox 3">
+            <a:extLst>
+              <a:ext uri="{FF2B5EF4-FFF2-40B4-BE49-F238E27FC236}">
+                <a16:creationId xmlns:a16="http://schemas.microsoft.com/office/drawing/2014/main" id="{2E25847E-8CD1-494C-9535-65958977E438}"/>
+              </a:ext>
+            </a:extLst>
+          </p:cNvPr>
+          <p:cNvSpPr txBox="1"/>
+          <p:nvPr/>
+        </p:nvSpPr>
+        <p:spPr>
+          <a:xfrm>
+            <a:off x="5786674" y="6457890"/>
+            <a:ext cx="4119326" cy="400110"/>
+          </a:xfrm>
+          <a:prstGeom prst="rect">
+            <a:avLst/>
+          </a:prstGeom>
+          <a:noFill/>
+        </p:spPr>
+        <p:txBody>
+          <a:bodyPr wrap="square" rtlCol="0">
+            <a:spAutoFit/>
+          </a:bodyPr>
+          <a:lstStyle/>
+          <a:p>
+            <a:pPr algn="r"/>
+            <a:r>
+              <a:rPr lang="en-US" sz="2000" i="1" dirty="0">
+                <a:latin typeface="Arial" panose="020B0604020202020204" pitchFamily="34" charset="0"/>
+                <a:cs typeface="Arial" panose="020B0604020202020204" pitchFamily="34" charset="0"/>
+              </a:rPr>
+              <a:t>Huang et al., Bioinformatics (2010)</a:t>
+            </a:r>
+          </a:p>
+        </p:txBody>
+      </p:sp>
+    </p:spTree>
+    <p:extLst>
+      <p:ext uri="{BB962C8B-B14F-4D97-AF65-F5344CB8AC3E}">
+        <p14:creationId xmlns:p14="http://schemas.microsoft.com/office/powerpoint/2010/main" val="834946923"/>
+      </p:ext>
+    </p:extLst>
+  </p:cSld>
+  <p:clrMapOvr>
+    <a:masterClrMapping/>
+  </p:clrMapOvr>
+</p:sld>
+</file>
+
+<file path=ppt/slides/slide3.xml><?xml version="1.0" encoding="utf-8"?>
+<p:sld xmlns:a="http://schemas.openxmlformats.org/drawingml/2006/main" xmlns:r="http://schemas.openxmlformats.org/officeDocument/2006/relationships" xmlns:p="http://schemas.openxmlformats.org/presentationml/2006/main">
+  <p:cSld>
+    <p:spTree>
+      <p:nvGrpSpPr>
+        <p:cNvPr id="1" name=""/>
+        <p:cNvGrpSpPr/>
+        <p:nvPr/>
+      </p:nvGrpSpPr>
+      <p:grpSpPr>
+        <a:xfrm>
+          <a:off x="0" y="0"/>
+          <a:ext cx="0" cy="0"/>
+          <a:chOff x="0" y="0"/>
+          <a:chExt cx="0" cy="0"/>
+        </a:xfrm>
+      </p:grpSpPr>
+      <p:sp>
+        <p:nvSpPr>
+          <p:cNvPr id="2" name="Title 1">
+            <a:extLst>
+              <a:ext uri="{FF2B5EF4-FFF2-40B4-BE49-F238E27FC236}">
+                <a16:creationId xmlns:a16="http://schemas.microsoft.com/office/drawing/2014/main" id="{A19F8918-942B-46A7-987B-8E6322997A24}"/>
+              </a:ext>
+            </a:extLst>
+          </p:cNvPr>
+          <p:cNvSpPr>
+            <a:spLocks noGrp="1"/>
+          </p:cNvSpPr>
+          <p:nvPr>
+            <p:ph type="title"/>
+          </p:nvPr>
+        </p:nvSpPr>
+        <p:spPr/>
+        <p:txBody>
+          <a:bodyPr/>
+          <a:lstStyle/>
+          <a:p>
+            <a:pPr algn="ctr"/>
+            <a:r>
+              <a:rPr lang="en-US" dirty="0">
+                <a:latin typeface="Arial" panose="020B0604020202020204" pitchFamily="34" charset="0"/>
+                <a:cs typeface="Arial" panose="020B0604020202020204" pitchFamily="34" charset="0"/>
+              </a:rPr>
+              <a:t>Network Based Co-Expression Patterns (NACEP)</a:t>
+            </a:r>
+          </a:p>
+        </p:txBody>
+      </p:sp>
+      <p:pic>
+        <p:nvPicPr>
+          <p:cNvPr id="1026" name="Picture 2" descr="Figure 1: Flow-chart of NACEP in a temporal expression data comparison analysis">
+            <a:extLst>
+              <a:ext uri="{FF2B5EF4-FFF2-40B4-BE49-F238E27FC236}">
+                <a16:creationId xmlns:a16="http://schemas.microsoft.com/office/drawing/2014/main" id="{09C4BE47-4DBA-4357-A50A-06DF2ACB62CC}"/>
+              </a:ext>
+            </a:extLst>
+          </p:cNvPr>
+          <p:cNvPicPr>
+            <a:picLocks noChangeAspect="1" noChangeArrowheads="1"/>
+          </p:cNvPicPr>
+          <p:nvPr/>
+        </p:nvPicPr>
+        <p:blipFill>
+          <a:blip r:embed="rId2">
+            <a:extLst>
+              <a:ext uri="{28A0092B-C50C-407E-A947-70E740481C1C}">
+                <a14:useLocalDpi xmlns:a14="http://schemas.microsoft.com/office/drawing/2010/main" val="0"/>
+              </a:ext>
+            </a:extLst>
+          </a:blip>
+          <a:srcRect/>
+          <a:stretch>
+            <a:fillRect/>
+          </a:stretch>
+        </p:blipFill>
+        <p:spPr bwMode="auto">
+          <a:xfrm>
+            <a:off x="0" y="1690688"/>
+            <a:ext cx="9906000" cy="4767202"/>
+          </a:xfrm>
+          <a:prstGeom prst="rect">
+            <a:avLst/>
+          </a:prstGeom>
+          <a:noFill/>
+          <a:extLst>
+            <a:ext uri="{909E8E84-426E-40DD-AFC4-6F175D3DCCD1}">
+              <a14:hiddenFill xmlns:a14="http://schemas.microsoft.com/office/drawing/2010/main">
+                <a:solidFill>
+                  <a:srgbClr val="FFFFFF"/>
+                </a:solidFill>
+              </a14:hiddenFill>
+            </a:ext>
+          </a:extLst>
+        </p:spPr>
+      </p:pic>
+      <p:sp>
+        <p:nvSpPr>
+          <p:cNvPr id="3" name="Rectangle 2">
+            <a:extLst>
+              <a:ext uri="{FF2B5EF4-FFF2-40B4-BE49-F238E27FC236}">
+                <a16:creationId xmlns:a16="http://schemas.microsoft.com/office/drawing/2014/main" id="{EDE06722-2CD2-4D47-8138-BA9E3EACC44E}"/>
+              </a:ext>
+            </a:extLst>
+          </p:cNvPr>
+          <p:cNvSpPr/>
+          <p:nvPr/>
+        </p:nvSpPr>
+        <p:spPr>
+          <a:xfrm>
+            <a:off x="3214255" y="1766889"/>
+            <a:ext cx="6691745" cy="5118821"/>
+          </a:xfrm>
+          <a:prstGeom prst="rect">
+            <a:avLst/>
+          </a:prstGeom>
+          <a:solidFill>
+            <a:schemeClr val="bg1"/>
+          </a:solidFill>
+          <a:ln>
+            <a:noFill/>
+          </a:ln>
+        </p:spPr>
+        <p:style>
+          <a:lnRef idx="2">
+            <a:schemeClr val="accent1">
+              <a:shade val="50000"/>
+            </a:schemeClr>
+          </a:lnRef>
+          <a:fillRef idx="1">
+            <a:schemeClr val="accent1"/>
+          </a:fillRef>
+          <a:effectRef idx="0">
+            <a:schemeClr val="accent1"/>
+          </a:effectRef>
+          <a:fontRef idx="minor">
+            <a:schemeClr val="lt1"/>
+          </a:fontRef>
+        </p:style>
+        <p:txBody>
+          <a:bodyPr rtlCol="0" anchor="ctr"/>
+          <a:lstStyle/>
+          <a:p>
+            <a:pPr algn="ctr"/>
+            <a:endParaRPr lang="en-US"/>
+          </a:p>
+        </p:txBody>
+      </p:sp>
+      <p:sp>
+        <p:nvSpPr>
+          <p:cNvPr id="5" name="TextBox 4">
+            <a:extLst>
+              <a:ext uri="{FF2B5EF4-FFF2-40B4-BE49-F238E27FC236}">
+                <a16:creationId xmlns:a16="http://schemas.microsoft.com/office/drawing/2014/main" id="{1BB686F1-96DB-468F-920F-31BE8F9AA4DE}"/>
+              </a:ext>
+            </a:extLst>
+          </p:cNvPr>
+          <p:cNvSpPr txBox="1"/>
+          <p:nvPr/>
+        </p:nvSpPr>
+        <p:spPr>
+          <a:xfrm>
+            <a:off x="3498273" y="2008909"/>
+            <a:ext cx="5726690" cy="1938992"/>
+          </a:xfrm>
+          <a:prstGeom prst="rect">
+            <a:avLst/>
+          </a:prstGeom>
+          <a:noFill/>
+        </p:spPr>
+        <p:txBody>
+          <a:bodyPr wrap="square" rtlCol="0">
+            <a:spAutoFit/>
+          </a:bodyPr>
+          <a:lstStyle/>
+          <a:p>
+            <a:pPr marL="342900" indent="-342900">
+              <a:buFont typeface="Arial" panose="020B0604020202020204" pitchFamily="34" charset="0"/>
+              <a:buChar char="•"/>
+            </a:pPr>
+            <a:r>
+              <a:rPr lang="en-US" sz="2000" dirty="0">
+                <a:latin typeface="Arial" panose="020B0604020202020204" pitchFamily="34" charset="0"/>
+                <a:cs typeface="Arial" panose="020B0604020202020204" pitchFamily="34" charset="0"/>
+              </a:rPr>
+              <a:t>Infinite-mixture model for clustering time-course data</a:t>
+            </a:r>
+          </a:p>
+          <a:p>
+            <a:pPr marL="342900" indent="-342900">
+              <a:buFont typeface="Arial" panose="020B0604020202020204" pitchFamily="34" charset="0"/>
+              <a:buChar char="•"/>
+            </a:pPr>
+            <a:r>
+              <a:rPr lang="en-US" sz="2000" dirty="0">
+                <a:latin typeface="Arial" panose="020B0604020202020204" pitchFamily="34" charset="0"/>
+                <a:cs typeface="Arial" panose="020B0604020202020204" pitchFamily="34" charset="0"/>
+              </a:rPr>
+              <a:t>Number of clusters is determined by </a:t>
+            </a:r>
+            <a:r>
+              <a:rPr lang="en-US" sz="2000" dirty="0" err="1">
+                <a:latin typeface="Arial" panose="020B0604020202020204" pitchFamily="34" charset="0"/>
+                <a:cs typeface="Arial" panose="020B0604020202020204" pitchFamily="34" charset="0"/>
+              </a:rPr>
+              <a:t>Dirichlet</a:t>
+            </a:r>
+            <a:r>
+              <a:rPr lang="en-US" sz="2000" dirty="0">
+                <a:latin typeface="Arial" panose="020B0604020202020204" pitchFamily="34" charset="0"/>
+                <a:cs typeface="Arial" panose="020B0604020202020204" pitchFamily="34" charset="0"/>
+              </a:rPr>
+              <a:t> Process</a:t>
+            </a:r>
+          </a:p>
+          <a:p>
+            <a:pPr marL="342900" indent="-342900">
+              <a:buFont typeface="Arial" panose="020B0604020202020204" pitchFamily="34" charset="0"/>
+              <a:buChar char="•"/>
+            </a:pPr>
+            <a:r>
+              <a:rPr lang="en-US" sz="2000" dirty="0">
+                <a:latin typeface="Arial" panose="020B0604020202020204" pitchFamily="34" charset="0"/>
+                <a:cs typeface="Arial" panose="020B0604020202020204" pitchFamily="34" charset="0"/>
+              </a:rPr>
+              <a:t>Cluster memberships are missing data, generated by Chinese Restaurant Process</a:t>
+            </a:r>
+          </a:p>
+        </p:txBody>
+      </p:sp>
+    </p:spTree>
+    <p:extLst>
+      <p:ext uri="{BB962C8B-B14F-4D97-AF65-F5344CB8AC3E}">
+        <p14:creationId xmlns:p14="http://schemas.microsoft.com/office/powerpoint/2010/main" val="1000659093"/>
+      </p:ext>
+    </p:extLst>
+  </p:cSld>
+  <p:clrMapOvr>
+    <a:masterClrMapping/>
+  </p:clrMapOvr>
+</p:sld>
+</file>
+
+<file path=ppt/slides/slide4.xml><?xml version="1.0" encoding="utf-8"?>
+<p:sld xmlns:a="http://schemas.openxmlformats.org/drawingml/2006/main" xmlns:r="http://schemas.openxmlformats.org/officeDocument/2006/relationships" xmlns:p="http://schemas.openxmlformats.org/presentationml/2006/main">
+  <p:cSld>
+    <p:spTree>
+      <p:nvGrpSpPr>
+        <p:cNvPr id="1" name=""/>
+        <p:cNvGrpSpPr/>
+        <p:nvPr/>
+      </p:nvGrpSpPr>
+      <p:grpSpPr>
+        <a:xfrm>
+          <a:off x="0" y="0"/>
+          <a:ext cx="0" cy="0"/>
+          <a:chOff x="0" y="0"/>
+          <a:chExt cx="0" cy="0"/>
+        </a:xfrm>
+      </p:grpSpPr>
+      <p:sp>
+        <p:nvSpPr>
+          <p:cNvPr id="2" name="Title 1">
+            <a:extLst>
+              <a:ext uri="{FF2B5EF4-FFF2-40B4-BE49-F238E27FC236}">
+                <a16:creationId xmlns:a16="http://schemas.microsoft.com/office/drawing/2014/main" id="{A19F8918-942B-46A7-987B-8E6322997A24}"/>
+              </a:ext>
+            </a:extLst>
+          </p:cNvPr>
+          <p:cNvSpPr>
+            <a:spLocks noGrp="1"/>
+          </p:cNvSpPr>
+          <p:nvPr>
+            <p:ph type="title"/>
+          </p:nvPr>
+        </p:nvSpPr>
+        <p:spPr/>
+        <p:txBody>
+          <a:bodyPr/>
+          <a:lstStyle/>
+          <a:p>
+            <a:pPr algn="ctr"/>
+            <a:r>
+              <a:rPr lang="en-US" dirty="0">
+                <a:latin typeface="Arial" panose="020B0604020202020204" pitchFamily="34" charset="0"/>
+                <a:cs typeface="Arial" panose="020B0604020202020204" pitchFamily="34" charset="0"/>
+              </a:rPr>
+              <a:t>Network Based Co-Expression Patterns (NACEP)</a:t>
+            </a:r>
+          </a:p>
+        </p:txBody>
+      </p:sp>
+      <p:pic>
+        <p:nvPicPr>
+          <p:cNvPr id="1026" name="Picture 2" descr="Figure 1: Flow-chart of NACEP in a temporal expression data comparison analysis">
+            <a:extLst>
+              <a:ext uri="{FF2B5EF4-FFF2-40B4-BE49-F238E27FC236}">
+                <a16:creationId xmlns:a16="http://schemas.microsoft.com/office/drawing/2014/main" id="{09C4BE47-4DBA-4357-A50A-06DF2ACB62CC}"/>
+              </a:ext>
+            </a:extLst>
+          </p:cNvPr>
+          <p:cNvPicPr>
+            <a:picLocks noChangeAspect="1" noChangeArrowheads="1"/>
+          </p:cNvPicPr>
+          <p:nvPr/>
+        </p:nvPicPr>
+        <p:blipFill rotWithShape="1">
+          <a:blip r:embed="rId2">
+            <a:extLst>
+              <a:ext uri="{28A0092B-C50C-407E-A947-70E740481C1C}">
+                <a14:useLocalDpi xmlns:a14="http://schemas.microsoft.com/office/drawing/2010/main" val="0"/>
+              </a:ext>
+            </a:extLst>
+          </a:blip>
+          <a:srcRect l="34965" r="21888"/>
+          <a:stretch/>
+        </p:blipFill>
+        <p:spPr bwMode="auto">
+          <a:xfrm>
+            <a:off x="0" y="1690690"/>
+            <a:ext cx="4274128" cy="4767202"/>
+          </a:xfrm>
+          <a:prstGeom prst="rect">
+            <a:avLst/>
+          </a:prstGeom>
+          <a:noFill/>
+          <a:extLst>
+            <a:ext uri="{909E8E84-426E-40DD-AFC4-6F175D3DCCD1}">
+              <a14:hiddenFill xmlns:a14="http://schemas.microsoft.com/office/drawing/2010/main">
+                <a:solidFill>
+                  <a:srgbClr val="FFFFFF"/>
+                </a:solidFill>
+              </a14:hiddenFill>
+            </a:ext>
+          </a:extLst>
+        </p:spPr>
+      </p:pic>
+      <mc:AlternateContent xmlns:mc="http://schemas.openxmlformats.org/markup-compatibility/2006">
+        <mc:Choice xmlns:a14="http://schemas.microsoft.com/office/drawing/2010/main" Requires="a14">
+          <p:sp>
+            <p:nvSpPr>
+              <p:cNvPr id="6" name="TextBox 5">
+                <a:extLst>
+                  <a:ext uri="{FF2B5EF4-FFF2-40B4-BE49-F238E27FC236}">
+                    <a16:creationId xmlns:a16="http://schemas.microsoft.com/office/drawing/2014/main" id="{3C64E102-FE50-4B83-9249-C7120334EE9D}"/>
+                  </a:ext>
+                </a:extLst>
+              </p:cNvPr>
+              <p:cNvSpPr txBox="1"/>
+              <p:nvPr/>
+            </p:nvSpPr>
+            <p:spPr>
+              <a:xfrm>
+                <a:off x="4274128" y="2135299"/>
+                <a:ext cx="4950835" cy="3822841"/>
+              </a:xfrm>
+              <a:prstGeom prst="rect">
+                <a:avLst/>
+              </a:prstGeom>
+              <a:noFill/>
+            </p:spPr>
+            <p:txBody>
+              <a:bodyPr wrap="square" rtlCol="0">
+                <a:spAutoFit/>
+              </a:bodyPr>
+              <a:lstStyle/>
+              <a:p>
+                <a:pPr marL="342900" indent="-342900">
+                  <a:buFont typeface="Arial" panose="020B0604020202020204" pitchFamily="34" charset="0"/>
+                  <a:buChar char="•"/>
+                </a:pPr>
+                <a:r>
+                  <a:rPr lang="en-US" sz="2000" dirty="0">
+                    <a:latin typeface="Arial" panose="020B0604020202020204" pitchFamily="34" charset="0"/>
+                    <a:cs typeface="Arial" panose="020B0604020202020204" pitchFamily="34" charset="0"/>
+                  </a:rPr>
+                  <a:t>Mixed-effects model of temporal gene expression patterns</a:t>
+                </a:r>
+              </a:p>
+              <a:p>
+                <a:pPr marL="800100" lvl="1" indent="-342900">
+                  <a:buFont typeface="Arial" panose="020B0604020202020204" pitchFamily="34" charset="0"/>
+                  <a:buChar char="•"/>
+                </a:pPr>
+                <a14:m>
+                  <m:oMath xmlns:m="http://schemas.openxmlformats.org/officeDocument/2006/math">
+                    <m:sSub>
+                      <m:sSubPr>
+                        <m:ctrlPr>
+                          <a:rPr lang="en-US" sz="2000" b="0" i="1" smtClean="0">
+                            <a:latin typeface="Cambria Math" panose="02040503050406030204" pitchFamily="18" charset="0"/>
+                            <a:cs typeface="Arial" panose="020B0604020202020204" pitchFamily="34" charset="0"/>
+                          </a:rPr>
+                        </m:ctrlPr>
+                      </m:sSubPr>
+                      <m:e>
+                        <m:r>
+                          <a:rPr lang="en-US" sz="2000" b="0" i="1" smtClean="0">
+                            <a:latin typeface="Cambria Math" panose="02040503050406030204" pitchFamily="18" charset="0"/>
+                            <a:cs typeface="Arial" panose="020B0604020202020204" pitchFamily="34" charset="0"/>
+                          </a:rPr>
+                          <m:t>𝑌</m:t>
+                        </m:r>
+                      </m:e>
+                      <m:sub>
+                        <m:r>
+                          <a:rPr lang="en-US" sz="2000" b="0" i="1" smtClean="0">
+                            <a:latin typeface="Cambria Math" panose="02040503050406030204" pitchFamily="18" charset="0"/>
+                            <a:cs typeface="Arial" panose="020B0604020202020204" pitchFamily="34" charset="0"/>
+                          </a:rPr>
+                          <m:t>𝑖𝑗𝑘𝑙</m:t>
+                        </m:r>
+                      </m:sub>
+                    </m:sSub>
+                    <m:r>
+                      <a:rPr lang="en-US" sz="2000" b="0" i="1" smtClean="0">
+                        <a:latin typeface="Cambria Math" panose="02040503050406030204" pitchFamily="18" charset="0"/>
+                        <a:cs typeface="Arial" panose="020B0604020202020204" pitchFamily="34" charset="0"/>
+                      </a:rPr>
+                      <m:t>=</m:t>
+                    </m:r>
+                    <m:sSub>
+                      <m:sSubPr>
+                        <m:ctrlPr>
+                          <a:rPr lang="en-US" sz="2000" b="0" i="1" smtClean="0">
+                            <a:latin typeface="Cambria Math" panose="02040503050406030204" pitchFamily="18" charset="0"/>
+                            <a:cs typeface="Arial" panose="020B0604020202020204" pitchFamily="34" charset="0"/>
+                          </a:rPr>
+                        </m:ctrlPr>
+                      </m:sSubPr>
+                      <m:e>
+                        <m:r>
+                          <a:rPr lang="en-US" sz="2000" b="0" i="1" smtClean="0">
+                            <a:latin typeface="Cambria Math" panose="02040503050406030204" pitchFamily="18" charset="0"/>
+                            <a:cs typeface="Arial" panose="020B0604020202020204" pitchFamily="34" charset="0"/>
+                          </a:rPr>
+                          <m:t>𝑓</m:t>
+                        </m:r>
+                      </m:e>
+                      <m:sub>
+                        <m:r>
+                          <a:rPr lang="en-US" sz="2000" b="0" i="1" smtClean="0">
+                            <a:latin typeface="Cambria Math" panose="02040503050406030204" pitchFamily="18" charset="0"/>
+                            <a:cs typeface="Arial" panose="020B0604020202020204" pitchFamily="34" charset="0"/>
+                          </a:rPr>
+                          <m:t>𝑐𝑗</m:t>
+                        </m:r>
+                      </m:sub>
+                    </m:sSub>
+                    <m:d>
+                      <m:dPr>
+                        <m:ctrlPr>
+                          <a:rPr lang="en-US" sz="2000" b="0" i="1" smtClean="0">
+                            <a:latin typeface="Cambria Math" panose="02040503050406030204" pitchFamily="18" charset="0"/>
+                            <a:cs typeface="Arial" panose="020B0604020202020204" pitchFamily="34" charset="0"/>
+                          </a:rPr>
+                        </m:ctrlPr>
+                      </m:dPr>
+                      <m:e>
+                        <m:sSub>
+                          <m:sSubPr>
+                            <m:ctrlPr>
+                              <a:rPr lang="en-US" sz="2000" b="0" i="1" smtClean="0">
+                                <a:latin typeface="Cambria Math" panose="02040503050406030204" pitchFamily="18" charset="0"/>
+                                <a:cs typeface="Arial" panose="020B0604020202020204" pitchFamily="34" charset="0"/>
+                              </a:rPr>
+                            </m:ctrlPr>
+                          </m:sSubPr>
+                          <m:e>
+                            <m:r>
+                              <a:rPr lang="en-US" sz="2000" b="0" i="1" smtClean="0">
+                                <a:latin typeface="Cambria Math" panose="02040503050406030204" pitchFamily="18" charset="0"/>
+                                <a:cs typeface="Arial" panose="020B0604020202020204" pitchFamily="34" charset="0"/>
+                              </a:rPr>
+                              <m:t>𝑡</m:t>
+                            </m:r>
+                          </m:e>
+                          <m:sub>
+                            <m:r>
+                              <a:rPr lang="en-US" sz="2000" b="0" i="1" smtClean="0">
+                                <a:latin typeface="Cambria Math" panose="02040503050406030204" pitchFamily="18" charset="0"/>
+                                <a:cs typeface="Arial" panose="020B0604020202020204" pitchFamily="34" charset="0"/>
+                              </a:rPr>
+                              <m:t>𝑘</m:t>
+                            </m:r>
+                          </m:sub>
+                        </m:sSub>
+                      </m:e>
+                    </m:d>
+                    <m:r>
+                      <a:rPr lang="en-US" sz="2000" b="0" i="1" smtClean="0">
+                        <a:latin typeface="Cambria Math" panose="02040503050406030204" pitchFamily="18" charset="0"/>
+                        <a:cs typeface="Arial" panose="020B0604020202020204" pitchFamily="34" charset="0"/>
+                      </a:rPr>
+                      <m:t>+</m:t>
+                    </m:r>
+                    <m:sSub>
+                      <m:sSubPr>
+                        <m:ctrlPr>
+                          <a:rPr lang="en-US" sz="2000" b="0" i="1" smtClean="0">
+                            <a:latin typeface="Cambria Math" panose="02040503050406030204" pitchFamily="18" charset="0"/>
+                            <a:cs typeface="Arial" panose="020B0604020202020204" pitchFamily="34" charset="0"/>
+                          </a:rPr>
+                        </m:ctrlPr>
+                      </m:sSubPr>
+                      <m:e>
+                        <m:r>
+                          <a:rPr lang="en-US" sz="2000" b="0" i="1" smtClean="0">
+                            <a:latin typeface="Cambria Math" panose="02040503050406030204" pitchFamily="18" charset="0"/>
+                            <a:cs typeface="Arial" panose="020B0604020202020204" pitchFamily="34" charset="0"/>
+                          </a:rPr>
+                          <m:t>𝑏</m:t>
+                        </m:r>
+                      </m:e>
+                      <m:sub>
+                        <m:r>
+                          <a:rPr lang="en-US" sz="2000" b="0" i="1" smtClean="0">
+                            <a:latin typeface="Cambria Math" panose="02040503050406030204" pitchFamily="18" charset="0"/>
+                            <a:cs typeface="Arial" panose="020B0604020202020204" pitchFamily="34" charset="0"/>
+                          </a:rPr>
+                          <m:t>𝑖</m:t>
+                        </m:r>
+                      </m:sub>
+                    </m:sSub>
+                    <m:r>
+                      <a:rPr lang="en-US" sz="2000" b="0" i="1" smtClean="0">
+                        <a:latin typeface="Cambria Math" panose="02040503050406030204" pitchFamily="18" charset="0"/>
+                        <a:cs typeface="Arial" panose="020B0604020202020204" pitchFamily="34" charset="0"/>
+                      </a:rPr>
+                      <m:t>+</m:t>
+                    </m:r>
+                    <m:sSub>
+                      <m:sSubPr>
+                        <m:ctrlPr>
+                          <a:rPr lang="en-US" sz="2000" b="0" i="1" smtClean="0">
+                            <a:latin typeface="Cambria Math" panose="02040503050406030204" pitchFamily="18" charset="0"/>
+                            <a:ea typeface="Cambria Math" panose="02040503050406030204" pitchFamily="18" charset="0"/>
+                            <a:cs typeface="Arial" panose="020B0604020202020204" pitchFamily="34" charset="0"/>
+                          </a:rPr>
+                        </m:ctrlPr>
+                      </m:sSubPr>
+                      <m:e>
+                        <m:r>
+                          <a:rPr lang="en-US" sz="2000" i="1">
+                            <a:latin typeface="Cambria Math" panose="02040503050406030204" pitchFamily="18" charset="0"/>
+                            <a:ea typeface="Cambria Math" panose="02040503050406030204" pitchFamily="18" charset="0"/>
+                            <a:cs typeface="Arial" panose="020B0604020202020204" pitchFamily="34" charset="0"/>
+                          </a:rPr>
+                          <m:t>𝜀</m:t>
+                        </m:r>
+                      </m:e>
+                      <m:sub>
+                        <m:r>
+                          <a:rPr lang="en-US" sz="2000" b="0" i="1" smtClean="0">
+                            <a:latin typeface="Cambria Math" panose="02040503050406030204" pitchFamily="18" charset="0"/>
+                            <a:ea typeface="Cambria Math" panose="02040503050406030204" pitchFamily="18" charset="0"/>
+                            <a:cs typeface="Arial" panose="020B0604020202020204" pitchFamily="34" charset="0"/>
+                          </a:rPr>
+                          <m:t>𝑖𝑗𝑘𝑙</m:t>
+                        </m:r>
+                      </m:sub>
+                    </m:sSub>
+                  </m:oMath>
+                </a14:m>
+                <a:endParaRPr lang="en-US" sz="2000" dirty="0">
+                  <a:latin typeface="Arial" panose="020B0604020202020204" pitchFamily="34" charset="0"/>
+                  <a:cs typeface="Arial" panose="020B0604020202020204" pitchFamily="34" charset="0"/>
+                </a:endParaRPr>
+              </a:p>
+              <a:p>
+                <a:pPr marL="800100" lvl="1" indent="-342900">
+                  <a:buFont typeface="Arial" panose="020B0604020202020204" pitchFamily="34" charset="0"/>
+                  <a:buChar char="•"/>
+                </a:pPr>
+                <a14:m>
+                  <m:oMath xmlns:m="http://schemas.openxmlformats.org/officeDocument/2006/math">
+                    <m:sSub>
+                      <m:sSubPr>
+                        <m:ctrlPr>
+                          <a:rPr lang="en-US" sz="2000" i="1">
+                            <a:latin typeface="Cambria Math" panose="02040503050406030204" pitchFamily="18" charset="0"/>
+                            <a:cs typeface="Arial" panose="020B0604020202020204" pitchFamily="34" charset="0"/>
+                          </a:rPr>
+                        </m:ctrlPr>
+                      </m:sSubPr>
+                      <m:e>
+                        <m:r>
+                          <a:rPr lang="en-US" sz="2000" i="1">
+                            <a:latin typeface="Cambria Math" panose="02040503050406030204" pitchFamily="18" charset="0"/>
+                            <a:cs typeface="Arial" panose="020B0604020202020204" pitchFamily="34" charset="0"/>
+                          </a:rPr>
+                          <m:t>𝑌</m:t>
+                        </m:r>
+                      </m:e>
+                      <m:sub>
+                        <m:r>
+                          <a:rPr lang="en-US" sz="2000" i="1">
+                            <a:latin typeface="Cambria Math" panose="02040503050406030204" pitchFamily="18" charset="0"/>
+                            <a:cs typeface="Arial" panose="020B0604020202020204" pitchFamily="34" charset="0"/>
+                          </a:rPr>
+                          <m:t>𝑖𝑗𝑘𝑙</m:t>
+                        </m:r>
+                      </m:sub>
+                    </m:sSub>
+                  </m:oMath>
+                </a14:m>
+                <a:r>
+                  <a:rPr lang="en-US" sz="2000" dirty="0">
+                    <a:latin typeface="Arial" panose="020B0604020202020204" pitchFamily="34" charset="0"/>
+                    <a:cs typeface="Arial" panose="020B0604020202020204" pitchFamily="34" charset="0"/>
+                  </a:rPr>
+                  <a:t> = </a:t>
+                </a:r>
+                <a:r>
+                  <a:rPr lang="en-US" sz="1600" dirty="0" err="1">
+                    <a:latin typeface="Arial" panose="020B0604020202020204" pitchFamily="34" charset="0"/>
+                    <a:cs typeface="Arial" panose="020B0604020202020204" pitchFamily="34" charset="0"/>
+                  </a:rPr>
+                  <a:t>Gene</a:t>
+                </a:r>
+                <a:r>
+                  <a:rPr lang="en-US" sz="1600" i="1" baseline="-25000" dirty="0" err="1">
+                    <a:latin typeface="Arial" panose="020B0604020202020204" pitchFamily="34" charset="0"/>
+                    <a:cs typeface="Arial" panose="020B0604020202020204" pitchFamily="34" charset="0"/>
+                  </a:rPr>
+                  <a:t>i</a:t>
+                </a:r>
+                <a:r>
+                  <a:rPr lang="en-US" sz="1600" dirty="0" err="1">
+                    <a:latin typeface="Arial" panose="020B0604020202020204" pitchFamily="34" charset="0"/>
+                    <a:cs typeface="Arial" panose="020B0604020202020204" pitchFamily="34" charset="0"/>
+                  </a:rPr>
+                  <a:t>’s</a:t>
+                </a:r>
+                <a:r>
+                  <a:rPr lang="en-US" sz="1600" dirty="0">
+                    <a:latin typeface="Arial" panose="020B0604020202020204" pitchFamily="34" charset="0"/>
+                    <a:cs typeface="Arial" panose="020B0604020202020204" pitchFamily="34" charset="0"/>
+                  </a:rPr>
+                  <a:t> expression under </a:t>
+                </a:r>
+                <a:r>
+                  <a:rPr lang="en-US" sz="1600" dirty="0" err="1">
+                    <a:latin typeface="Arial" panose="020B0604020202020204" pitchFamily="34" charset="0"/>
+                    <a:cs typeface="Arial" panose="020B0604020202020204" pitchFamily="34" charset="0"/>
+                  </a:rPr>
+                  <a:t>condition</a:t>
+                </a:r>
+                <a:r>
+                  <a:rPr lang="en-US" sz="1600" i="1" baseline="-25000" dirty="0" err="1">
+                    <a:latin typeface="Arial" panose="020B0604020202020204" pitchFamily="34" charset="0"/>
+                    <a:cs typeface="Arial" panose="020B0604020202020204" pitchFamily="34" charset="0"/>
+                  </a:rPr>
+                  <a:t>j</a:t>
+                </a:r>
+                <a:r>
+                  <a:rPr lang="en-US" sz="1600" dirty="0">
+                    <a:latin typeface="Arial" panose="020B0604020202020204" pitchFamily="34" charset="0"/>
+                    <a:cs typeface="Arial" panose="020B0604020202020204" pitchFamily="34" charset="0"/>
+                  </a:rPr>
+                  <a:t> at </a:t>
+                </a:r>
+                <a:r>
+                  <a:rPr lang="en-US" sz="1600" dirty="0" err="1">
+                    <a:latin typeface="Arial" panose="020B0604020202020204" pitchFamily="34" charset="0"/>
+                    <a:cs typeface="Arial" panose="020B0604020202020204" pitchFamily="34" charset="0"/>
+                  </a:rPr>
+                  <a:t>time</a:t>
+                </a:r>
+                <a:r>
+                  <a:rPr lang="en-US" sz="1600" i="1" baseline="-25000" dirty="0" err="1">
+                    <a:latin typeface="Arial" panose="020B0604020202020204" pitchFamily="34" charset="0"/>
+                    <a:cs typeface="Arial" panose="020B0604020202020204" pitchFamily="34" charset="0"/>
+                  </a:rPr>
+                  <a:t>k</a:t>
+                </a:r>
+                <a:r>
+                  <a:rPr lang="en-US" sz="1600" dirty="0">
+                    <a:latin typeface="Arial" panose="020B0604020202020204" pitchFamily="34" charset="0"/>
+                    <a:cs typeface="Arial" panose="020B0604020202020204" pitchFamily="34" charset="0"/>
+                  </a:rPr>
+                  <a:t> under </a:t>
+                </a:r>
+                <a:r>
+                  <a:rPr lang="en-US" sz="1600" dirty="0" err="1">
+                    <a:latin typeface="Arial" panose="020B0604020202020204" pitchFamily="34" charset="0"/>
+                    <a:cs typeface="Arial" panose="020B0604020202020204" pitchFamily="34" charset="0"/>
+                  </a:rPr>
+                  <a:t>replicate</a:t>
+                </a:r>
+                <a:r>
+                  <a:rPr lang="en-US" sz="1600" i="1" baseline="-25000" dirty="0" err="1">
+                    <a:latin typeface="Arial" panose="020B0604020202020204" pitchFamily="34" charset="0"/>
+                    <a:cs typeface="Arial" panose="020B0604020202020204" pitchFamily="34" charset="0"/>
+                  </a:rPr>
+                  <a:t>l</a:t>
+                </a:r>
+                <a:endParaRPr lang="en-US" sz="1600" i="1" baseline="-25000" dirty="0">
+                  <a:latin typeface="Arial" panose="020B0604020202020204" pitchFamily="34" charset="0"/>
+                  <a:cs typeface="Arial" panose="020B0604020202020204" pitchFamily="34" charset="0"/>
+                </a:endParaRPr>
+              </a:p>
+              <a:p>
+                <a:pPr marL="800100" lvl="1" indent="-342900">
+                  <a:buFont typeface="Arial" panose="020B0604020202020204" pitchFamily="34" charset="0"/>
+                  <a:buChar char="•"/>
+                </a:pPr>
+                <a14:m>
+                  <m:oMath xmlns:m="http://schemas.openxmlformats.org/officeDocument/2006/math">
+                    <m:sSub>
+                      <m:sSubPr>
+                        <m:ctrlPr>
+                          <a:rPr lang="en-US" sz="2000" i="1">
+                            <a:latin typeface="Cambria Math" panose="02040503050406030204" pitchFamily="18" charset="0"/>
+                            <a:cs typeface="Arial" panose="020B0604020202020204" pitchFamily="34" charset="0"/>
+                          </a:rPr>
+                        </m:ctrlPr>
+                      </m:sSubPr>
+                      <m:e>
+                        <m:r>
+                          <a:rPr lang="en-US" sz="2000" i="1">
+                            <a:latin typeface="Cambria Math" panose="02040503050406030204" pitchFamily="18" charset="0"/>
+                            <a:cs typeface="Arial" panose="020B0604020202020204" pitchFamily="34" charset="0"/>
+                          </a:rPr>
+                          <m:t>𝑏</m:t>
+                        </m:r>
+                      </m:e>
+                      <m:sub>
+                        <m:r>
+                          <a:rPr lang="en-US" sz="2000" i="1">
+                            <a:latin typeface="Cambria Math" panose="02040503050406030204" pitchFamily="18" charset="0"/>
+                            <a:cs typeface="Arial" panose="020B0604020202020204" pitchFamily="34" charset="0"/>
+                          </a:rPr>
+                          <m:t>𝑖</m:t>
+                        </m:r>
+                      </m:sub>
+                    </m:sSub>
+                  </m:oMath>
+                </a14:m>
+                <a:r>
+                  <a:rPr lang="en-US" sz="2000" dirty="0">
+                    <a:latin typeface="Arial" panose="020B0604020202020204" pitchFamily="34" charset="0"/>
+                    <a:cs typeface="Arial" panose="020B0604020202020204" pitchFamily="34" charset="0"/>
+                  </a:rPr>
+                  <a:t> = </a:t>
+                </a:r>
+                <a:r>
+                  <a:rPr lang="en-US" sz="1600" dirty="0">
+                    <a:latin typeface="Arial" panose="020B0604020202020204" pitchFamily="34" charset="0"/>
+                    <a:cs typeface="Arial" panose="020B0604020202020204" pitchFamily="34" charset="0"/>
+                  </a:rPr>
+                  <a:t>random gene effect </a:t>
+                </a:r>
+              </a:p>
+              <a:p>
+                <a:pPr marL="800100" lvl="1" indent="-342900">
+                  <a:buFont typeface="Arial" panose="020B0604020202020204" pitchFamily="34" charset="0"/>
+                  <a:buChar char="•"/>
+                </a:pPr>
+                <a14:m>
+                  <m:oMath xmlns:m="http://schemas.openxmlformats.org/officeDocument/2006/math">
+                    <m:sSub>
+                      <m:sSubPr>
+                        <m:ctrlPr>
+                          <a:rPr lang="en-US" sz="2000" i="1">
+                            <a:latin typeface="Cambria Math" panose="02040503050406030204" pitchFamily="18" charset="0"/>
+                            <a:ea typeface="Cambria Math" panose="02040503050406030204" pitchFamily="18" charset="0"/>
+                            <a:cs typeface="Arial" panose="020B0604020202020204" pitchFamily="34" charset="0"/>
+                          </a:rPr>
+                        </m:ctrlPr>
+                      </m:sSubPr>
+                      <m:e>
+                        <m:r>
+                          <a:rPr lang="en-US" sz="2000" i="1">
+                            <a:latin typeface="Cambria Math" panose="02040503050406030204" pitchFamily="18" charset="0"/>
+                            <a:ea typeface="Cambria Math" panose="02040503050406030204" pitchFamily="18" charset="0"/>
+                            <a:cs typeface="Arial" panose="020B0604020202020204" pitchFamily="34" charset="0"/>
+                          </a:rPr>
+                          <m:t>𝜀</m:t>
+                        </m:r>
+                      </m:e>
+                      <m:sub>
+                        <m:r>
+                          <a:rPr lang="en-US" sz="2000" i="1">
+                            <a:latin typeface="Cambria Math" panose="02040503050406030204" pitchFamily="18" charset="0"/>
+                            <a:ea typeface="Cambria Math" panose="02040503050406030204" pitchFamily="18" charset="0"/>
+                            <a:cs typeface="Arial" panose="020B0604020202020204" pitchFamily="34" charset="0"/>
+                          </a:rPr>
+                          <m:t>𝑖𝑗𝑘𝑙</m:t>
+                        </m:r>
+                      </m:sub>
+                    </m:sSub>
+                  </m:oMath>
+                </a14:m>
+                <a:r>
+                  <a:rPr lang="en-US" sz="2000" dirty="0">
+                    <a:latin typeface="Arial" panose="020B0604020202020204" pitchFamily="34" charset="0"/>
+                    <a:cs typeface="Arial" panose="020B0604020202020204" pitchFamily="34" charset="0"/>
+                  </a:rPr>
+                  <a:t> = </a:t>
+                </a:r>
+                <a:r>
+                  <a:rPr lang="en-US" sz="1600" dirty="0">
+                    <a:latin typeface="Arial" panose="020B0604020202020204" pitchFamily="34" charset="0"/>
+                    <a:cs typeface="Arial" panose="020B0604020202020204" pitchFamily="34" charset="0"/>
+                  </a:rPr>
+                  <a:t>noise parameter</a:t>
+                </a:r>
+                <a:endParaRPr lang="en-US" sz="2000" dirty="0">
+                  <a:latin typeface="Arial" panose="020B0604020202020204" pitchFamily="34" charset="0"/>
+                  <a:cs typeface="Arial" panose="020B0604020202020204" pitchFamily="34" charset="0"/>
+                </a:endParaRPr>
+              </a:p>
+              <a:p>
+                <a:pPr marL="342900" indent="-342900">
+                  <a:buFont typeface="Arial" panose="020B0604020202020204" pitchFamily="34" charset="0"/>
+                  <a:buChar char="•"/>
+                </a:pPr>
+                <a:r>
+                  <a:rPr lang="en-US" sz="2000" dirty="0">
+                    <a:latin typeface="Arial" panose="020B0604020202020204" pitchFamily="34" charset="0"/>
+                    <a:cs typeface="Arial" panose="020B0604020202020204" pitchFamily="34" charset="0"/>
+                  </a:rPr>
+                  <a:t>Cluster mean profile </a:t>
+                </a:r>
+                <a14:m>
+                  <m:oMath xmlns:m="http://schemas.openxmlformats.org/officeDocument/2006/math">
+                    <m:sSub>
+                      <m:sSubPr>
+                        <m:ctrlPr>
+                          <a:rPr lang="en-US" sz="2000" i="1">
+                            <a:latin typeface="Cambria Math" panose="02040503050406030204" pitchFamily="18" charset="0"/>
+                            <a:cs typeface="Arial" panose="020B0604020202020204" pitchFamily="34" charset="0"/>
+                          </a:rPr>
+                        </m:ctrlPr>
+                      </m:sSubPr>
+                      <m:e>
+                        <m:r>
+                          <a:rPr lang="en-US" sz="2000" i="1">
+                            <a:latin typeface="Cambria Math" panose="02040503050406030204" pitchFamily="18" charset="0"/>
+                            <a:cs typeface="Arial" panose="020B0604020202020204" pitchFamily="34" charset="0"/>
+                          </a:rPr>
+                          <m:t>𝑓</m:t>
+                        </m:r>
+                      </m:e>
+                      <m:sub>
+                        <m:r>
+                          <a:rPr lang="en-US" sz="2000" i="1">
+                            <a:latin typeface="Cambria Math" panose="02040503050406030204" pitchFamily="18" charset="0"/>
+                            <a:cs typeface="Arial" panose="020B0604020202020204" pitchFamily="34" charset="0"/>
+                          </a:rPr>
+                          <m:t>𝑐𝑗</m:t>
+                        </m:r>
+                      </m:sub>
+                    </m:sSub>
+                    <m:d>
+                      <m:dPr>
+                        <m:ctrlPr>
+                          <a:rPr lang="en-US" sz="2000" i="1">
+                            <a:latin typeface="Cambria Math" panose="02040503050406030204" pitchFamily="18" charset="0"/>
+                            <a:cs typeface="Arial" panose="020B0604020202020204" pitchFamily="34" charset="0"/>
+                          </a:rPr>
+                        </m:ctrlPr>
+                      </m:dPr>
+                      <m:e>
+                        <m:sSub>
+                          <m:sSubPr>
+                            <m:ctrlPr>
+                              <a:rPr lang="en-US" sz="2000" i="1">
+                                <a:latin typeface="Cambria Math" panose="02040503050406030204" pitchFamily="18" charset="0"/>
+                                <a:cs typeface="Arial" panose="020B0604020202020204" pitchFamily="34" charset="0"/>
+                              </a:rPr>
+                            </m:ctrlPr>
+                          </m:sSubPr>
+                          <m:e>
+                            <m:r>
+                              <a:rPr lang="en-US" sz="2000" i="1">
+                                <a:latin typeface="Cambria Math" panose="02040503050406030204" pitchFamily="18" charset="0"/>
+                                <a:cs typeface="Arial" panose="020B0604020202020204" pitchFamily="34" charset="0"/>
+                              </a:rPr>
+                              <m:t>𝑡</m:t>
+                            </m:r>
+                          </m:e>
+                          <m:sub>
+                            <m:r>
+                              <a:rPr lang="en-US" sz="2000" i="1">
+                                <a:latin typeface="Cambria Math" panose="02040503050406030204" pitchFamily="18" charset="0"/>
+                                <a:cs typeface="Arial" panose="020B0604020202020204" pitchFamily="34" charset="0"/>
+                              </a:rPr>
+                              <m:t>𝑘</m:t>
+                            </m:r>
+                          </m:sub>
+                        </m:sSub>
+                      </m:e>
+                    </m:d>
+                  </m:oMath>
+                </a14:m>
+                <a:r>
+                  <a:rPr lang="en-US" sz="2000" dirty="0">
+                    <a:latin typeface="Arial" panose="020B0604020202020204" pitchFamily="34" charset="0"/>
+                    <a:cs typeface="Arial" panose="020B0604020202020204" pitchFamily="34" charset="0"/>
+                  </a:rPr>
+                  <a:t> is modeled as a B-spline (smooth function that passes through control points)</a:t>
+                </a:r>
+              </a:p>
+              <a:p>
+                <a:pPr marL="342900" indent="-342900">
+                  <a:buFont typeface="Arial" panose="020B0604020202020204" pitchFamily="34" charset="0"/>
+                  <a:buChar char="•"/>
+                </a:pPr>
+                <a:r>
+                  <a:rPr lang="en-US" sz="2000" b="1" dirty="0">
+                    <a:latin typeface="Arial" panose="020B0604020202020204" pitchFamily="34" charset="0"/>
+                    <a:cs typeface="Arial" panose="020B0604020202020204" pitchFamily="34" charset="0"/>
+                  </a:rPr>
+                  <a:t>Generates expression levels under generated clusters</a:t>
+                </a:r>
+              </a:p>
+            </p:txBody>
+          </p:sp>
+        </mc:Choice>
+        <mc:Fallback>
+          <p:sp>
+            <p:nvSpPr>
+              <p:cNvPr id="6" name="TextBox 5">
+                <a:extLst>
+                  <a:ext uri="{FF2B5EF4-FFF2-40B4-BE49-F238E27FC236}">
+                    <a16:creationId xmlns:a16="http://schemas.microsoft.com/office/drawing/2014/main" id="{3C64E102-FE50-4B83-9249-C7120334EE9D}"/>
+                  </a:ext>
+                </a:extLst>
+              </p:cNvPr>
+              <p:cNvSpPr txBox="1">
+                <a:spLocks noRot="1" noChangeAspect="1" noMove="1" noResize="1" noEditPoints="1" noAdjustHandles="1" noChangeArrowheads="1" noChangeShapeType="1" noTextEdit="1"/>
+              </p:cNvSpPr>
+              <p:nvPr/>
+            </p:nvSpPr>
+            <p:spPr>
+              <a:xfrm>
+                <a:off x="4274128" y="2135299"/>
+                <a:ext cx="4950835" cy="3822841"/>
+              </a:xfrm>
+              <a:prstGeom prst="rect">
+                <a:avLst/>
+              </a:prstGeom>
+              <a:blipFill>
+                <a:blip r:embed="rId3"/>
+                <a:stretch>
+                  <a:fillRect l="-1108" t="-638" r="-1724" b="-2073"/>
+                </a:stretch>
+              </a:blipFill>
+            </p:spPr>
+            <p:txBody>
+              <a:bodyPr/>
+              <a:lstStyle/>
+              <a:p>
+                <a:r>
+                  <a:rPr lang="en-US">
+                    <a:noFill/>
+                  </a:rPr>
+                  <a:t> </a:t>
+                </a:r>
+              </a:p>
+            </p:txBody>
+          </p:sp>
+        </mc:Fallback>
+      </mc:AlternateContent>
+      <p:sp>
+        <p:nvSpPr>
+          <p:cNvPr id="7" name="Rectangle 6">
+            <a:extLst>
+              <a:ext uri="{FF2B5EF4-FFF2-40B4-BE49-F238E27FC236}">
+                <a16:creationId xmlns:a16="http://schemas.microsoft.com/office/drawing/2014/main" id="{696A1765-89CA-4AB2-BD65-BBB3E47DE66C}"/>
+              </a:ext>
+            </a:extLst>
+          </p:cNvPr>
+          <p:cNvSpPr/>
+          <p:nvPr/>
+        </p:nvSpPr>
+        <p:spPr>
+          <a:xfrm>
+            <a:off x="1281545" y="2750127"/>
+            <a:ext cx="1745673" cy="3629891"/>
+          </a:xfrm>
+          <a:prstGeom prst="rect">
+            <a:avLst/>
+          </a:prstGeom>
+          <a:solidFill>
+            <a:schemeClr val="bg1"/>
+          </a:solidFill>
+          <a:ln>
+            <a:noFill/>
+          </a:ln>
+        </p:spPr>
+        <p:style>
+          <a:lnRef idx="2">
+            <a:schemeClr val="accent1">
+              <a:shade val="50000"/>
+            </a:schemeClr>
+          </a:lnRef>
+          <a:fillRef idx="1">
+            <a:schemeClr val="accent1"/>
+          </a:fillRef>
+          <a:effectRef idx="0">
+            <a:schemeClr val="accent1"/>
+          </a:effectRef>
+          <a:fontRef idx="minor">
+            <a:schemeClr val="lt1"/>
+          </a:fontRef>
+        </p:style>
+        <p:txBody>
+          <a:bodyPr rtlCol="0" anchor="ctr"/>
+          <a:lstStyle/>
+          <a:p>
+            <a:pPr algn="ctr"/>
+            <a:endParaRPr lang="en-US"/>
+          </a:p>
+        </p:txBody>
+      </p:sp>
+    </p:spTree>
+    <p:extLst>
+      <p:ext uri="{BB962C8B-B14F-4D97-AF65-F5344CB8AC3E}">
+        <p14:creationId xmlns:p14="http://schemas.microsoft.com/office/powerpoint/2010/main" val="1472020603"/>
+      </p:ext>
+    </p:extLst>
+  </p:cSld>
+  <p:clrMapOvr>
+    <a:masterClrMapping/>
+  </p:clrMapOvr>
+</p:sld>
+</file>
+
+<file path=ppt/slides/slide5.xml><?xml version="1.0" encoding="utf-8"?>
+<p:sld xmlns:a="http://schemas.openxmlformats.org/drawingml/2006/main" xmlns:r="http://schemas.openxmlformats.org/officeDocument/2006/relationships" xmlns:p="http://schemas.openxmlformats.org/presentationml/2006/main">
+  <p:cSld>
+    <p:spTree>
+      <p:nvGrpSpPr>
+        <p:cNvPr id="1" name=""/>
+        <p:cNvGrpSpPr/>
+        <p:nvPr/>
+      </p:nvGrpSpPr>
+      <p:grpSpPr>
+        <a:xfrm>
+          <a:off x="0" y="0"/>
+          <a:ext cx="0" cy="0"/>
+          <a:chOff x="0" y="0"/>
+          <a:chExt cx="0" cy="0"/>
+        </a:xfrm>
+      </p:grpSpPr>
+      <p:sp>
+        <p:nvSpPr>
+          <p:cNvPr id="2" name="Title 1">
+            <a:extLst>
+              <a:ext uri="{FF2B5EF4-FFF2-40B4-BE49-F238E27FC236}">
+                <a16:creationId xmlns:a16="http://schemas.microsoft.com/office/drawing/2014/main" id="{A19F8918-942B-46A7-987B-8E6322997A24}"/>
+              </a:ext>
+            </a:extLst>
+          </p:cNvPr>
+          <p:cNvSpPr>
+            <a:spLocks noGrp="1"/>
+          </p:cNvSpPr>
+          <p:nvPr>
+            <p:ph type="title"/>
+          </p:nvPr>
+        </p:nvSpPr>
+        <p:spPr/>
+        <p:txBody>
+          <a:bodyPr/>
+          <a:lstStyle/>
+          <a:p>
+            <a:pPr algn="ctr"/>
+            <a:r>
+              <a:rPr lang="en-US" dirty="0">
+                <a:latin typeface="Arial" panose="020B0604020202020204" pitchFamily="34" charset="0"/>
+                <a:cs typeface="Arial" panose="020B0604020202020204" pitchFamily="34" charset="0"/>
+              </a:rPr>
+              <a:t>Network Based Co-Expression Patterns (NACEP)</a:t>
+            </a:r>
+          </a:p>
+        </p:txBody>
+      </p:sp>
+      <p:pic>
+        <p:nvPicPr>
+          <p:cNvPr id="1026" name="Picture 2" descr="Figure 1: Flow-chart of NACEP in a temporal expression data comparison analysis">
+            <a:extLst>
+              <a:ext uri="{FF2B5EF4-FFF2-40B4-BE49-F238E27FC236}">
+                <a16:creationId xmlns:a16="http://schemas.microsoft.com/office/drawing/2014/main" id="{09C4BE47-4DBA-4357-A50A-06DF2ACB62CC}"/>
+              </a:ext>
+            </a:extLst>
+          </p:cNvPr>
+          <p:cNvPicPr>
+            <a:picLocks noChangeAspect="1" noChangeArrowheads="1"/>
+          </p:cNvPicPr>
+          <p:nvPr/>
+        </p:nvPicPr>
+        <p:blipFill rotWithShape="1">
+          <a:blip r:embed="rId2">
+            <a:extLst>
+              <a:ext uri="{28A0092B-C50C-407E-A947-70E740481C1C}">
+                <a14:useLocalDpi xmlns:a14="http://schemas.microsoft.com/office/drawing/2010/main" val="0"/>
+              </a:ext>
+            </a:extLst>
+          </a:blip>
+          <a:srcRect l="34965" r="21888"/>
+          <a:stretch/>
+        </p:blipFill>
+        <p:spPr bwMode="auto">
+          <a:xfrm>
+            <a:off x="0" y="1690690"/>
+            <a:ext cx="4274128" cy="4767202"/>
+          </a:xfrm>
+          <a:prstGeom prst="rect">
+            <a:avLst/>
+          </a:prstGeom>
+          <a:noFill/>
+          <a:extLst>
+            <a:ext uri="{909E8E84-426E-40DD-AFC4-6F175D3DCCD1}">
+              <a14:hiddenFill xmlns:a14="http://schemas.microsoft.com/office/drawing/2010/main">
+                <a:solidFill>
+                  <a:srgbClr val="FFFFFF"/>
+                </a:solidFill>
+              </a14:hiddenFill>
+            </a:ext>
+          </a:extLst>
+        </p:spPr>
+      </p:pic>
+      <p:sp>
+        <p:nvSpPr>
+          <p:cNvPr id="6" name="TextBox 5">
+            <a:extLst>
+              <a:ext uri="{FF2B5EF4-FFF2-40B4-BE49-F238E27FC236}">
+                <a16:creationId xmlns:a16="http://schemas.microsoft.com/office/drawing/2014/main" id="{3C64E102-FE50-4B83-9249-C7120334EE9D}"/>
+              </a:ext>
+            </a:extLst>
+          </p:cNvPr>
+          <p:cNvSpPr txBox="1"/>
+          <p:nvPr/>
+        </p:nvSpPr>
+        <p:spPr>
+          <a:xfrm>
+            <a:off x="4274128" y="2135299"/>
+            <a:ext cx="4950835" cy="3477875"/>
+          </a:xfrm>
+          <a:prstGeom prst="rect">
+            <a:avLst/>
+          </a:prstGeom>
+          <a:noFill/>
+        </p:spPr>
+        <p:txBody>
+          <a:bodyPr wrap="square" rtlCol="0">
+            <a:spAutoFit/>
+          </a:bodyPr>
+          <a:lstStyle/>
+          <a:p>
+            <a:pPr marL="342900" indent="-342900">
+              <a:buFont typeface="Arial" panose="020B0604020202020204" pitchFamily="34" charset="0"/>
+              <a:buChar char="•"/>
+            </a:pPr>
+            <a:r>
+              <a:rPr lang="en-US" sz="2000" dirty="0">
+                <a:latin typeface="Arial" panose="020B0604020202020204" pitchFamily="34" charset="0"/>
+                <a:cs typeface="Arial" panose="020B0604020202020204" pitchFamily="34" charset="0"/>
+              </a:rPr>
+              <a:t>Cluster assignment probabilities calculated from Bayesian model</a:t>
+            </a:r>
+          </a:p>
+          <a:p>
+            <a:pPr marL="800100" lvl="1" indent="-342900">
+              <a:buFont typeface="Arial" panose="020B0604020202020204" pitchFamily="34" charset="0"/>
+              <a:buChar char="•"/>
+            </a:pPr>
+            <a:r>
+              <a:rPr lang="en-US" sz="2000" dirty="0">
+                <a:latin typeface="Arial" panose="020B0604020202020204" pitchFamily="34" charset="0"/>
+                <a:cs typeface="Arial" panose="020B0604020202020204" pitchFamily="34" charset="0"/>
+              </a:rPr>
+              <a:t>NACEP model is rewritten in Bayesian form with </a:t>
+            </a:r>
+            <a:r>
+              <a:rPr lang="en-US" sz="2000" dirty="0" err="1">
+                <a:latin typeface="Arial" panose="020B0604020202020204" pitchFamily="34" charset="0"/>
+                <a:cs typeface="Arial" panose="020B0604020202020204" pitchFamily="34" charset="0"/>
+              </a:rPr>
+              <a:t>Dirichlet</a:t>
+            </a:r>
+            <a:r>
+              <a:rPr lang="en-US" sz="2000" dirty="0">
+                <a:latin typeface="Arial" panose="020B0604020202020204" pitchFamily="34" charset="0"/>
+                <a:cs typeface="Arial" panose="020B0604020202020204" pitchFamily="34" charset="0"/>
+              </a:rPr>
+              <a:t> Process prior</a:t>
+            </a:r>
+          </a:p>
+          <a:p>
+            <a:pPr marL="342900" indent="-342900">
+              <a:buFont typeface="Arial" panose="020B0604020202020204" pitchFamily="34" charset="0"/>
+              <a:buChar char="•"/>
+            </a:pPr>
+            <a:r>
+              <a:rPr lang="en-US" sz="2000" dirty="0">
+                <a:latin typeface="Arial" panose="020B0604020202020204" pitchFamily="34" charset="0"/>
+                <a:cs typeface="Arial" panose="020B0604020202020204" pitchFamily="34" charset="0"/>
+              </a:rPr>
+              <a:t>Bayesian posterior probabilities = probability for any gene belonging to any cluster for all genes and all clusters</a:t>
+            </a:r>
+          </a:p>
+          <a:p>
+            <a:pPr marL="342900" indent="-342900">
+              <a:buFont typeface="Arial" panose="020B0604020202020204" pitchFamily="34" charset="0"/>
+              <a:buChar char="•"/>
+            </a:pPr>
+            <a:r>
+              <a:rPr lang="en-US" sz="2000" dirty="0">
+                <a:latin typeface="Arial" panose="020B0604020202020204" pitchFamily="34" charset="0"/>
+                <a:cs typeface="Arial" panose="020B0604020202020204" pitchFamily="34" charset="0"/>
+              </a:rPr>
+              <a:t>Gibbs sampling algorithm makes model inferences</a:t>
+            </a:r>
+          </a:p>
+        </p:txBody>
+      </p:sp>
+    </p:spTree>
+    <p:extLst>
+      <p:ext uri="{BB962C8B-B14F-4D97-AF65-F5344CB8AC3E}">
+        <p14:creationId xmlns:p14="http://schemas.microsoft.com/office/powerpoint/2010/main" val="550806757"/>
+      </p:ext>
+    </p:extLst>
+  </p:cSld>
+  <p:clrMapOvr>
+    <a:masterClrMapping/>
+  </p:clrMapOvr>
+</p:sld>
+</file>
+
+<file path=ppt/slides/slide6.xml><?xml version="1.0" encoding="utf-8"?>
+<p:sld xmlns:a="http://schemas.openxmlformats.org/drawingml/2006/main" xmlns:r="http://schemas.openxmlformats.org/officeDocument/2006/relationships" xmlns:p="http://schemas.openxmlformats.org/presentationml/2006/main">
+  <p:cSld>
+    <p:spTree>
+      <p:nvGrpSpPr>
+        <p:cNvPr id="1" name=""/>
+        <p:cNvGrpSpPr/>
+        <p:nvPr/>
+      </p:nvGrpSpPr>
+      <p:grpSpPr>
+        <a:xfrm>
+          <a:off x="0" y="0"/>
+          <a:ext cx="0" cy="0"/>
+          <a:chOff x="0" y="0"/>
+          <a:chExt cx="0" cy="0"/>
+        </a:xfrm>
+      </p:grpSpPr>
+      <p:sp>
+        <p:nvSpPr>
+          <p:cNvPr id="2" name="Title 1">
+            <a:extLst>
+              <a:ext uri="{FF2B5EF4-FFF2-40B4-BE49-F238E27FC236}">
+                <a16:creationId xmlns:a16="http://schemas.microsoft.com/office/drawing/2014/main" id="{A19F8918-942B-46A7-987B-8E6322997A24}"/>
+              </a:ext>
+            </a:extLst>
+          </p:cNvPr>
+          <p:cNvSpPr>
+            <a:spLocks noGrp="1"/>
+          </p:cNvSpPr>
+          <p:nvPr>
+            <p:ph type="title"/>
+          </p:nvPr>
+        </p:nvSpPr>
+        <p:spPr/>
+        <p:txBody>
+          <a:bodyPr/>
+          <a:lstStyle/>
+          <a:p>
+            <a:pPr algn="ctr"/>
+            <a:r>
+              <a:rPr lang="en-US" dirty="0">
+                <a:latin typeface="Arial" panose="020B0604020202020204" pitchFamily="34" charset="0"/>
+                <a:cs typeface="Arial" panose="020B0604020202020204" pitchFamily="34" charset="0"/>
+              </a:rPr>
+              <a:t>Network Based Co-Expression Patterns (NACEP)</a:t>
+            </a:r>
+          </a:p>
+        </p:txBody>
+      </p:sp>
+      <p:sp>
+        <p:nvSpPr>
+          <p:cNvPr id="6" name="TextBox 5">
+            <a:extLst>
+              <a:ext uri="{FF2B5EF4-FFF2-40B4-BE49-F238E27FC236}">
+                <a16:creationId xmlns:a16="http://schemas.microsoft.com/office/drawing/2014/main" id="{3C64E102-FE50-4B83-9249-C7120334EE9D}"/>
+              </a:ext>
+            </a:extLst>
+          </p:cNvPr>
+          <p:cNvSpPr txBox="1"/>
+          <p:nvPr/>
+        </p:nvSpPr>
+        <p:spPr>
+          <a:xfrm>
+            <a:off x="4955165" y="2055817"/>
+            <a:ext cx="4950835" cy="1938992"/>
+          </a:xfrm>
+          <a:prstGeom prst="rect">
+            <a:avLst/>
+          </a:prstGeom>
+          <a:noFill/>
+        </p:spPr>
+        <p:txBody>
+          <a:bodyPr wrap="square" rtlCol="0">
+            <a:spAutoFit/>
+          </a:bodyPr>
+          <a:lstStyle/>
+          <a:p>
+            <a:pPr marL="342900" indent="-342900">
+              <a:buFont typeface="Arial" panose="020B0604020202020204" pitchFamily="34" charset="0"/>
+              <a:buChar char="•"/>
+            </a:pPr>
+            <a:r>
+              <a:rPr lang="en-US" sz="2000" dirty="0">
+                <a:latin typeface="Arial" panose="020B0604020202020204" pitchFamily="34" charset="0"/>
+                <a:cs typeface="Arial" panose="020B0604020202020204" pitchFamily="34" charset="0"/>
+              </a:rPr>
+              <a:t>Gibbs Sampling Algorithm</a:t>
+            </a:r>
+          </a:p>
+          <a:p>
+            <a:pPr marL="800100" lvl="1" indent="-342900">
+              <a:buFont typeface="Arial" panose="020B0604020202020204" pitchFamily="34" charset="0"/>
+              <a:buChar char="•"/>
+            </a:pPr>
+            <a:r>
+              <a:rPr lang="el-GR" sz="2000" dirty="0">
+                <a:latin typeface="Arial" panose="020B0604020202020204" pitchFamily="34" charset="0"/>
+                <a:cs typeface="Arial" panose="020B0604020202020204" pitchFamily="34" charset="0"/>
+              </a:rPr>
+              <a:t>Θ</a:t>
+            </a:r>
+            <a:r>
+              <a:rPr lang="en-US" sz="2000" baseline="-25000" dirty="0" err="1">
+                <a:latin typeface="Arial" panose="020B0604020202020204" pitchFamily="34" charset="0"/>
+                <a:cs typeface="Arial" panose="020B0604020202020204" pitchFamily="34" charset="0"/>
+              </a:rPr>
+              <a:t>i</a:t>
+            </a:r>
+            <a:r>
+              <a:rPr lang="en-US" sz="2000" dirty="0">
+                <a:latin typeface="Arial" panose="020B0604020202020204" pitchFamily="34" charset="0"/>
+                <a:cs typeface="Arial" panose="020B0604020202020204" pitchFamily="34" charset="0"/>
+              </a:rPr>
+              <a:t> = collection of all parameters</a:t>
+            </a:r>
+          </a:p>
+          <a:p>
+            <a:pPr marL="342900" indent="-342900">
+              <a:buFont typeface="Arial" panose="020B0604020202020204" pitchFamily="34" charset="0"/>
+              <a:buChar char="•"/>
+            </a:pPr>
+            <a:r>
+              <a:rPr lang="en-US" sz="2000" dirty="0">
+                <a:latin typeface="Arial" panose="020B0604020202020204" pitchFamily="34" charset="0"/>
+                <a:cs typeface="Arial" panose="020B0604020202020204" pitchFamily="34" charset="0"/>
+              </a:rPr>
+              <a:t>Estimates parameters for Bayesian form of NACEP model</a:t>
+            </a:r>
+          </a:p>
+          <a:p>
+            <a:pPr marL="342900" indent="-342900">
+              <a:buFont typeface="Arial" panose="020B0604020202020204" pitchFamily="34" charset="0"/>
+              <a:buChar char="•"/>
+            </a:pPr>
+            <a:r>
+              <a:rPr lang="en-US" sz="2000" dirty="0">
+                <a:latin typeface="Arial" panose="020B0604020202020204" pitchFamily="34" charset="0"/>
+                <a:cs typeface="Arial" panose="020B0604020202020204" pitchFamily="34" charset="0"/>
+              </a:rPr>
+              <a:t>Runs until parameters converge OR specified number of iterations</a:t>
+            </a:r>
+          </a:p>
+        </p:txBody>
+      </p:sp>
+      <p:pic>
+        <p:nvPicPr>
+          <p:cNvPr id="3" name="Picture 2">
+            <a:extLst>
+              <a:ext uri="{FF2B5EF4-FFF2-40B4-BE49-F238E27FC236}">
+                <a16:creationId xmlns:a16="http://schemas.microsoft.com/office/drawing/2014/main" id="{5B661A8E-0D84-406E-ACD7-83DC1B3AAA22}"/>
+              </a:ext>
+            </a:extLst>
+          </p:cNvPr>
+          <p:cNvPicPr>
+            <a:picLocks noChangeAspect="1"/>
+          </p:cNvPicPr>
+          <p:nvPr/>
+        </p:nvPicPr>
+        <p:blipFill rotWithShape="1">
+          <a:blip r:embed="rId2"/>
+          <a:srcRect l="50000" t="18803" r="9580" b="11585"/>
+          <a:stretch/>
+        </p:blipFill>
+        <p:spPr>
+          <a:xfrm>
+            <a:off x="0" y="2055817"/>
+            <a:ext cx="4957096" cy="4802183"/>
+          </a:xfrm>
+          <a:prstGeom prst="rect">
+            <a:avLst/>
+          </a:prstGeom>
+        </p:spPr>
+      </p:pic>
+      <p:sp>
+        <p:nvSpPr>
+          <p:cNvPr id="7" name="TextBox 6">
+            <a:extLst>
+              <a:ext uri="{FF2B5EF4-FFF2-40B4-BE49-F238E27FC236}">
+                <a16:creationId xmlns:a16="http://schemas.microsoft.com/office/drawing/2014/main" id="{4BF2F8BE-275C-4BAF-A3D0-6CC28393CC54}"/>
+              </a:ext>
+            </a:extLst>
+          </p:cNvPr>
+          <p:cNvSpPr txBox="1"/>
+          <p:nvPr/>
+        </p:nvSpPr>
+        <p:spPr>
+          <a:xfrm>
+            <a:off x="5786674" y="6457890"/>
+            <a:ext cx="4119326" cy="400110"/>
+          </a:xfrm>
+          <a:prstGeom prst="rect">
+            <a:avLst/>
+          </a:prstGeom>
+          <a:noFill/>
+        </p:spPr>
+        <p:txBody>
+          <a:bodyPr wrap="square" rtlCol="0">
+            <a:spAutoFit/>
+          </a:bodyPr>
+          <a:lstStyle/>
+          <a:p>
+            <a:pPr algn="r"/>
+            <a:r>
+              <a:rPr lang="en-US" sz="2000" i="1" dirty="0">
+                <a:latin typeface="Arial" panose="020B0604020202020204" pitchFamily="34" charset="0"/>
+                <a:cs typeface="Arial" panose="020B0604020202020204" pitchFamily="34" charset="0"/>
+              </a:rPr>
+              <a:t>Huang et al., Bioinformatics (2010)</a:t>
+            </a:r>
+          </a:p>
+        </p:txBody>
+      </p:sp>
+    </p:spTree>
+    <p:extLst>
+      <p:ext uri="{BB962C8B-B14F-4D97-AF65-F5344CB8AC3E}">
+        <p14:creationId xmlns:p14="http://schemas.microsoft.com/office/powerpoint/2010/main" val="310673039"/>
+      </p:ext>
+    </p:extLst>
+  </p:cSld>
+  <p:clrMapOvr>
+    <a:masterClrMapping/>
+  </p:clrMapOvr>
+</p:sld>
+</file>
+
+<file path=ppt/slides/slide7.xml><?xml version="1.0" encoding="utf-8"?>
+<p:sld xmlns:a="http://schemas.openxmlformats.org/drawingml/2006/main" xmlns:r="http://schemas.openxmlformats.org/officeDocument/2006/relationships" xmlns:p="http://schemas.openxmlformats.org/presentationml/2006/main">
+  <p:cSld>
+    <p:spTree>
+      <p:nvGrpSpPr>
+        <p:cNvPr id="1" name=""/>
+        <p:cNvGrpSpPr/>
+        <p:nvPr/>
+      </p:nvGrpSpPr>
+      <p:grpSpPr>
+        <a:xfrm>
+          <a:off x="0" y="0"/>
+          <a:ext cx="0" cy="0"/>
+          <a:chOff x="0" y="0"/>
+          <a:chExt cx="0" cy="0"/>
+        </a:xfrm>
+      </p:grpSpPr>
+      <p:sp>
+        <p:nvSpPr>
+          <p:cNvPr id="2" name="Title 1">
+            <a:extLst>
+              <a:ext uri="{FF2B5EF4-FFF2-40B4-BE49-F238E27FC236}">
+                <a16:creationId xmlns:a16="http://schemas.microsoft.com/office/drawing/2014/main" id="{A19F8918-942B-46A7-987B-8E6322997A24}"/>
+              </a:ext>
+            </a:extLst>
+          </p:cNvPr>
+          <p:cNvSpPr>
+            <a:spLocks noGrp="1"/>
+          </p:cNvSpPr>
+          <p:nvPr>
+            <p:ph type="title"/>
+          </p:nvPr>
+        </p:nvSpPr>
+        <p:spPr/>
+        <p:txBody>
+          <a:bodyPr/>
+          <a:lstStyle/>
+          <a:p>
+            <a:pPr algn="ctr"/>
+            <a:r>
+              <a:rPr lang="en-US" dirty="0">
+                <a:latin typeface="Arial" panose="020B0604020202020204" pitchFamily="34" charset="0"/>
+                <a:cs typeface="Arial" panose="020B0604020202020204" pitchFamily="34" charset="0"/>
+              </a:rPr>
+              <a:t>Network Based Co-Expression Patterns (NACEP)</a:t>
+            </a:r>
+          </a:p>
+        </p:txBody>
+      </p:sp>
+      <p:pic>
+        <p:nvPicPr>
+          <p:cNvPr id="1026" name="Picture 2" descr="Figure 1: Flow-chart of NACEP in a temporal expression data comparison analysis">
+            <a:extLst>
+              <a:ext uri="{FF2B5EF4-FFF2-40B4-BE49-F238E27FC236}">
+                <a16:creationId xmlns:a16="http://schemas.microsoft.com/office/drawing/2014/main" id="{09C4BE47-4DBA-4357-A50A-06DF2ACB62CC}"/>
+              </a:ext>
+            </a:extLst>
+          </p:cNvPr>
+          <p:cNvPicPr>
+            <a:picLocks noChangeAspect="1" noChangeArrowheads="1"/>
+          </p:cNvPicPr>
+          <p:nvPr/>
+        </p:nvPicPr>
+        <p:blipFill rotWithShape="1">
+          <a:blip r:embed="rId2">
+            <a:extLst>
+              <a:ext uri="{28A0092B-C50C-407E-A947-70E740481C1C}">
+                <a14:useLocalDpi xmlns:a14="http://schemas.microsoft.com/office/drawing/2010/main" val="0"/>
+              </a:ext>
+            </a:extLst>
+          </a:blip>
+          <a:srcRect l="78252"/>
+          <a:stretch/>
+        </p:blipFill>
+        <p:spPr bwMode="auto">
+          <a:xfrm>
+            <a:off x="681037" y="1690690"/>
+            <a:ext cx="2154382" cy="4767202"/>
+          </a:xfrm>
+          <a:prstGeom prst="rect">
+            <a:avLst/>
+          </a:prstGeom>
+          <a:noFill/>
+          <a:extLst>
+            <a:ext uri="{909E8E84-426E-40DD-AFC4-6F175D3DCCD1}">
+              <a14:hiddenFill xmlns:a14="http://schemas.microsoft.com/office/drawing/2010/main">
+                <a:solidFill>
+                  <a:srgbClr val="FFFFFF"/>
+                </a:solidFill>
+              </a14:hiddenFill>
+            </a:ext>
+          </a:extLst>
+        </p:spPr>
+      </p:pic>
+      <p:sp>
+        <p:nvSpPr>
+          <p:cNvPr id="5" name="TextBox 4">
+            <a:extLst>
+              <a:ext uri="{FF2B5EF4-FFF2-40B4-BE49-F238E27FC236}">
+                <a16:creationId xmlns:a16="http://schemas.microsoft.com/office/drawing/2014/main" id="{9D283334-FCB0-4ADE-A076-2F42DEA9A733}"/>
+              </a:ext>
+            </a:extLst>
+          </p:cNvPr>
+          <p:cNvSpPr txBox="1"/>
+          <p:nvPr/>
+        </p:nvSpPr>
+        <p:spPr>
+          <a:xfrm>
+            <a:off x="4274128" y="2135299"/>
+            <a:ext cx="4950835" cy="3477875"/>
+          </a:xfrm>
+          <a:prstGeom prst="rect">
+            <a:avLst/>
+          </a:prstGeom>
+          <a:noFill/>
+        </p:spPr>
+        <p:txBody>
+          <a:bodyPr wrap="square" rtlCol="0">
+            <a:spAutoFit/>
+          </a:bodyPr>
+          <a:lstStyle/>
+          <a:p>
+            <a:pPr marL="342900" indent="-342900">
+              <a:buFont typeface="Arial" panose="020B0604020202020204" pitchFamily="34" charset="0"/>
+              <a:buChar char="•"/>
+            </a:pPr>
+            <a:r>
+              <a:rPr lang="en-US" sz="2000" dirty="0">
+                <a:latin typeface="Arial" panose="020B0604020202020204" pitchFamily="34" charset="0"/>
+                <a:cs typeface="Arial" panose="020B0604020202020204" pitchFamily="34" charset="0"/>
+              </a:rPr>
+              <a:t>Differences between experimental conditions are calculated as </a:t>
+            </a:r>
+            <a:r>
+              <a:rPr lang="en-US" sz="2000" b="1" dirty="0">
+                <a:latin typeface="Arial" panose="020B0604020202020204" pitchFamily="34" charset="0"/>
+                <a:cs typeface="Arial" panose="020B0604020202020204" pitchFamily="34" charset="0"/>
+              </a:rPr>
+              <a:t>distances</a:t>
+            </a:r>
+          </a:p>
+          <a:p>
+            <a:pPr marL="342900" indent="-342900">
+              <a:buFont typeface="Arial" panose="020B0604020202020204" pitchFamily="34" charset="0"/>
+              <a:buChar char="•"/>
+            </a:pPr>
+            <a:r>
+              <a:rPr lang="en-US" sz="2000" dirty="0">
+                <a:latin typeface="Arial" panose="020B0604020202020204" pitchFamily="34" charset="0"/>
+                <a:cs typeface="Arial" panose="020B0604020202020204" pitchFamily="34" charset="0"/>
+              </a:rPr>
+              <a:t>Distance is calculated as weighted average of differences between temporal patterns per cluster</a:t>
+            </a:r>
+          </a:p>
+          <a:p>
+            <a:pPr marL="800100" lvl="1" indent="-342900">
+              <a:buFont typeface="Arial" panose="020B0604020202020204" pitchFamily="34" charset="0"/>
+              <a:buChar char="•"/>
+            </a:pPr>
+            <a:r>
+              <a:rPr lang="en-US" sz="2000" dirty="0">
+                <a:latin typeface="Arial" panose="020B0604020202020204" pitchFamily="34" charset="0"/>
+                <a:cs typeface="Arial" panose="020B0604020202020204" pitchFamily="34" charset="0"/>
+              </a:rPr>
+              <a:t>Weights = posterior probability of gene-cluster membership</a:t>
+            </a:r>
+          </a:p>
+          <a:p>
+            <a:pPr marL="342900" indent="-342900">
+              <a:buFont typeface="Arial" panose="020B0604020202020204" pitchFamily="34" charset="0"/>
+              <a:buChar char="•"/>
+            </a:pPr>
+            <a:r>
+              <a:rPr lang="en-US" sz="2000" dirty="0">
+                <a:latin typeface="Arial" panose="020B0604020202020204" pitchFamily="34" charset="0"/>
+                <a:cs typeface="Arial" panose="020B0604020202020204" pitchFamily="34" charset="0"/>
+              </a:rPr>
+              <a:t>Differentially expressed genes are ranked by statistical significance (FDR-corrected for multiple hypothesis testing)</a:t>
+            </a:r>
+          </a:p>
+        </p:txBody>
+      </p:sp>
+    </p:spTree>
+    <p:extLst>
+      <p:ext uri="{BB962C8B-B14F-4D97-AF65-F5344CB8AC3E}">
+        <p14:creationId xmlns:p14="http://schemas.microsoft.com/office/powerpoint/2010/main" val="2263933010"/>
+      </p:ext>
+    </p:extLst>
+  </p:cSld>
+  <p:clrMapOvr>
+    <a:masterClrMapping/>
+  </p:clrMapOvr>
+</p:sld>
+</file>
+
+<file path=ppt/slides/slide8.xml><?xml version="1.0" encoding="utf-8"?>
+<p:sld xmlns:a="http://schemas.openxmlformats.org/drawingml/2006/main" xmlns:r="http://schemas.openxmlformats.org/officeDocument/2006/relationships" xmlns:p="http://schemas.openxmlformats.org/presentationml/2006/main">
+  <p:cSld>
+    <p:spTree>
+      <p:nvGrpSpPr>
+        <p:cNvPr id="1" name=""/>
+        <p:cNvGrpSpPr/>
+        <p:nvPr/>
+      </p:nvGrpSpPr>
+      <p:grpSpPr>
+        <a:xfrm>
+          <a:off x="0" y="0"/>
+          <a:ext cx="0" cy="0"/>
+          <a:chOff x="0" y="0"/>
+          <a:chExt cx="0" cy="0"/>
+        </a:xfrm>
+      </p:grpSpPr>
+      <p:sp>
+        <p:nvSpPr>
+          <p:cNvPr id="2" name="Title 1">
+            <a:extLst>
+              <a:ext uri="{FF2B5EF4-FFF2-40B4-BE49-F238E27FC236}">
+                <a16:creationId xmlns:a16="http://schemas.microsoft.com/office/drawing/2014/main" id="{90FBA9F3-1B77-4A3A-BFDA-A01273589195}"/>
+              </a:ext>
+            </a:extLst>
+          </p:cNvPr>
+          <p:cNvSpPr>
+            <a:spLocks noGrp="1"/>
+          </p:cNvSpPr>
+          <p:nvPr>
+            <p:ph type="title"/>
+          </p:nvPr>
+        </p:nvSpPr>
+        <p:spPr/>
+        <p:txBody>
+          <a:bodyPr>
+            <a:normAutofit/>
+          </a:bodyPr>
+          <a:lstStyle/>
+          <a:p>
+            <a:r>
+              <a:rPr lang="en-US" sz="4000" dirty="0">
+                <a:latin typeface="Arial" panose="020B0604020202020204" pitchFamily="34" charset="0"/>
+                <a:cs typeface="Arial" panose="020B0604020202020204" pitchFamily="34" charset="0"/>
+              </a:rPr>
+              <a:t>Analysis of Tumorigenic Prostate Epithelial Cells</a:t>
+            </a:r>
+          </a:p>
+        </p:txBody>
+      </p:sp>
+      <p:sp>
+        <p:nvSpPr>
+          <p:cNvPr id="3" name="Text Placeholder 2">
+            <a:extLst>
+              <a:ext uri="{FF2B5EF4-FFF2-40B4-BE49-F238E27FC236}">
+                <a16:creationId xmlns:a16="http://schemas.microsoft.com/office/drawing/2014/main" id="{01EAB58A-2CC8-45C1-9A01-3064561BD840}"/>
+              </a:ext>
+            </a:extLst>
+          </p:cNvPr>
+          <p:cNvSpPr>
+            <a:spLocks noGrp="1"/>
+          </p:cNvSpPr>
+          <p:nvPr>
+            <p:ph type="body" idx="1"/>
+          </p:nvPr>
+        </p:nvSpPr>
+        <p:spPr/>
+        <p:txBody>
+          <a:bodyPr/>
+          <a:lstStyle/>
+          <a:p>
+            <a:r>
+              <a:rPr lang="en-US" dirty="0">
+                <a:latin typeface="Arial" panose="020B0604020202020204" pitchFamily="34" charset="0"/>
+                <a:cs typeface="Arial" panose="020B0604020202020204" pitchFamily="34" charset="0"/>
+              </a:rPr>
+              <a:t>Incorporating time-course data in differential expression analysis with NACEP </a:t>
+            </a:r>
+          </a:p>
+        </p:txBody>
+      </p:sp>
+    </p:spTree>
+    <p:extLst>
+      <p:ext uri="{BB962C8B-B14F-4D97-AF65-F5344CB8AC3E}">
+        <p14:creationId xmlns:p14="http://schemas.microsoft.com/office/powerpoint/2010/main" val="2538295737"/>
+      </p:ext>
+    </p:extLst>
+  </p:cSld>
+  <p:clrMapOvr>
+    <a:masterClrMapping/>
+  </p:clrMapOvr>
+</p:sld>
+</file>
+
+<file path=ppt/slides/slide9.xml><?xml version="1.0" encoding="utf-8"?>
+<p:sld xmlns:a="http://schemas.openxmlformats.org/drawingml/2006/main" xmlns:r="http://schemas.openxmlformats.org/officeDocument/2006/relationships" xmlns:p="http://schemas.openxmlformats.org/presentationml/2006/main">
+  <p:cSld>
+    <p:spTree>
+      <p:nvGrpSpPr>
+        <p:cNvPr id="1" name=""/>
+        <p:cNvGrpSpPr/>
+        <p:nvPr/>
+      </p:nvGrpSpPr>
+      <p:grpSpPr>
+        <a:xfrm>
+          <a:off x="0" y="0"/>
+          <a:ext cx="0" cy="0"/>
+          <a:chOff x="0" y="0"/>
+          <a:chExt cx="0" cy="0"/>
+        </a:xfrm>
+      </p:grpSpPr>
+      <p:pic>
+        <p:nvPicPr>
+          <p:cNvPr id="3" name="Picture 2">
+            <a:extLst>
+              <a:ext uri="{FF2B5EF4-FFF2-40B4-BE49-F238E27FC236}">
+                <a16:creationId xmlns:a16="http://schemas.microsoft.com/office/drawing/2014/main" id="{03FCD9DB-064E-48FD-8E83-5B344C241182}"/>
+              </a:ext>
+            </a:extLst>
+          </p:cNvPr>
+          <p:cNvPicPr>
+            <a:picLocks noChangeAspect="1"/>
+          </p:cNvPicPr>
+          <p:nvPr/>
+        </p:nvPicPr>
+        <p:blipFill rotWithShape="1">
+          <a:blip r:embed="rId2"/>
+          <a:srcRect t="35455" b="25260"/>
+          <a:stretch/>
+        </p:blipFill>
+        <p:spPr>
+          <a:xfrm>
+            <a:off x="5536180" y="131618"/>
+            <a:ext cx="4369820" cy="965638"/>
+          </a:xfrm>
+          <a:prstGeom prst="rect">
+            <a:avLst/>
+          </a:prstGeom>
+        </p:spPr>
+      </p:pic>
+      <p:graphicFrame>
+        <p:nvGraphicFramePr>
+          <p:cNvPr id="4" name="Diagram 3">
+            <a:extLst>
+              <a:ext uri="{FF2B5EF4-FFF2-40B4-BE49-F238E27FC236}">
+                <a16:creationId xmlns:a16="http://schemas.microsoft.com/office/drawing/2014/main" id="{9589D5A1-E963-4A7A-BAA6-6BAF9567C770}"/>
+              </a:ext>
+            </a:extLst>
+          </p:cNvPr>
+          <p:cNvGraphicFramePr/>
+          <p:nvPr>
+            <p:extLst>
+              <p:ext uri="{D42A27DB-BD31-4B8C-83A1-F6EECF244321}">
+                <p14:modId xmlns:p14="http://schemas.microsoft.com/office/powerpoint/2010/main" val="159866474"/>
+              </p:ext>
+            </p:extLst>
+          </p:nvPr>
+        </p:nvGraphicFramePr>
+        <p:xfrm>
+          <a:off x="0" y="131618"/>
+          <a:ext cx="3388833" cy="6594764"/>
+        </p:xfrm>
+        <a:graphic>
+          <a:graphicData uri="http://schemas.openxmlformats.org/drawingml/2006/diagram">
+            <dgm:relIds xmlns:dgm="http://schemas.openxmlformats.org/drawingml/2006/diagram" xmlns:r="http://schemas.openxmlformats.org/officeDocument/2006/relationships" r:dm="rId3" r:lo="rId4" r:qs="rId5" r:cs="rId6"/>
+          </a:graphicData>
+        </a:graphic>
+      </p:graphicFrame>
+      <p:pic>
+        <p:nvPicPr>
+          <p:cNvPr id="6" name="Picture 5">
+            <a:extLst>
+              <a:ext uri="{FF2B5EF4-FFF2-40B4-BE49-F238E27FC236}">
+                <a16:creationId xmlns:a16="http://schemas.microsoft.com/office/drawing/2014/main" id="{1F4B4065-F0DE-42BB-A061-FFB96521170B}"/>
+              </a:ext>
+            </a:extLst>
+          </p:cNvPr>
+          <p:cNvPicPr>
+            <a:picLocks noChangeAspect="1"/>
+          </p:cNvPicPr>
+          <p:nvPr/>
+        </p:nvPicPr>
+        <p:blipFill>
+          <a:blip r:embed="rId8">
+            <a:extLst>
+              <a:ext uri="{28A0092B-C50C-407E-A947-70E740481C1C}">
+                <a14:useLocalDpi xmlns:a14="http://schemas.microsoft.com/office/drawing/2010/main" val="0"/>
+              </a:ext>
+            </a:extLst>
+          </a:blip>
+          <a:stretch>
+            <a:fillRect/>
+          </a:stretch>
+        </p:blipFill>
+        <p:spPr>
+          <a:xfrm>
+            <a:off x="3767181" y="295349"/>
+            <a:ext cx="1390650" cy="638175"/>
+          </a:xfrm>
+          <a:prstGeom prst="rect">
+            <a:avLst/>
+          </a:prstGeom>
+        </p:spPr>
+      </p:pic>
+      <p:cxnSp>
+        <p:nvCxnSpPr>
+          <p:cNvPr id="8" name="Straight Arrow Connector 7">
+            <a:extLst>
+              <a:ext uri="{FF2B5EF4-FFF2-40B4-BE49-F238E27FC236}">
+                <a16:creationId xmlns:a16="http://schemas.microsoft.com/office/drawing/2014/main" id="{8861BEDA-E57D-4DF3-A960-C77FD158418B}"/>
+              </a:ext>
+            </a:extLst>
+          </p:cNvPr>
+          <p:cNvCxnSpPr>
+            <a:cxnSpLocks/>
+            <a:endCxn id="6" idx="1"/>
+          </p:cNvCxnSpPr>
+          <p:nvPr/>
+        </p:nvCxnSpPr>
+        <p:spPr>
+          <a:xfrm>
+            <a:off x="2708564" y="614437"/>
+            <a:ext cx="1058617" cy="0"/>
+          </a:xfrm>
+          <a:prstGeom prst="straightConnector1">
+            <a:avLst/>
+          </a:prstGeom>
+          <a:ln w="38100">
+            <a:solidFill>
+              <a:srgbClr val="E96F1B"/>
+            </a:solidFill>
+            <a:tailEnd type="triangle"/>
+          </a:ln>
+          <a:effectLst>
+            <a:outerShdw blurRad="50800" dist="38100" dir="2700000" algn="tl" rotWithShape="0">
+              <a:prstClr val="black">
+                <a:alpha val="40000"/>
+              </a:prstClr>
+            </a:outerShdw>
+          </a:effectLst>
+        </p:spPr>
+        <p:style>
+          <a:lnRef idx="1">
+            <a:schemeClr val="accent1"/>
+          </a:lnRef>
+          <a:fillRef idx="0">
+            <a:schemeClr val="accent1"/>
+          </a:fillRef>
+          <a:effectRef idx="0">
+            <a:schemeClr val="accent1"/>
+          </a:effectRef>
+          <a:fontRef idx="minor">
+            <a:schemeClr val="tx1"/>
+          </a:fontRef>
+        </p:style>
+      </p:cxnSp>
+      <p:cxnSp>
+        <p:nvCxnSpPr>
+          <p:cNvPr id="10" name="Straight Arrow Connector 9">
+            <a:extLst>
+              <a:ext uri="{FF2B5EF4-FFF2-40B4-BE49-F238E27FC236}">
+                <a16:creationId xmlns:a16="http://schemas.microsoft.com/office/drawing/2014/main" id="{3D1EB926-FE09-4BE3-8C81-FA16BC0C15BE}"/>
+              </a:ext>
+            </a:extLst>
+          </p:cNvPr>
+          <p:cNvCxnSpPr>
+            <a:cxnSpLocks/>
+            <a:stCxn id="6" idx="3"/>
+          </p:cNvCxnSpPr>
+          <p:nvPr/>
+        </p:nvCxnSpPr>
+        <p:spPr>
+          <a:xfrm flipV="1">
+            <a:off x="5157831" y="614436"/>
+            <a:ext cx="834260" cy="1"/>
+          </a:xfrm>
+          <a:prstGeom prst="straightConnector1">
+            <a:avLst/>
+          </a:prstGeom>
+          <a:ln w="38100">
+            <a:solidFill>
+              <a:srgbClr val="E96F1B"/>
+            </a:solidFill>
+            <a:tailEnd type="triangle"/>
+          </a:ln>
+          <a:effectLst>
+            <a:outerShdw blurRad="50800" dist="38100" dir="2700000" algn="tl" rotWithShape="0">
+              <a:prstClr val="black">
+                <a:alpha val="40000"/>
+              </a:prstClr>
+            </a:outerShdw>
+          </a:effectLst>
+        </p:spPr>
+        <p:style>
+          <a:lnRef idx="1">
+            <a:schemeClr val="accent1"/>
+          </a:lnRef>
+          <a:fillRef idx="0">
+            <a:schemeClr val="accent1"/>
+          </a:fillRef>
+          <a:effectRef idx="0">
+            <a:schemeClr val="accent1"/>
+          </a:effectRef>
+          <a:fontRef idx="minor">
+            <a:schemeClr val="tx1"/>
+          </a:fontRef>
+        </p:style>
+      </p:cxnSp>
+      <p:sp>
+        <p:nvSpPr>
+          <p:cNvPr id="14" name="TextBox 13">
+            <a:extLst>
+              <a:ext uri="{FF2B5EF4-FFF2-40B4-BE49-F238E27FC236}">
+                <a16:creationId xmlns:a16="http://schemas.microsoft.com/office/drawing/2014/main" id="{6316DA6A-0375-48D1-BD44-7B1039DC48CD}"/>
+              </a:ext>
+            </a:extLst>
+          </p:cNvPr>
+          <p:cNvSpPr txBox="1"/>
+          <p:nvPr/>
+        </p:nvSpPr>
+        <p:spPr>
+          <a:xfrm>
+            <a:off x="4237916" y="1640613"/>
+            <a:ext cx="4558506" cy="400110"/>
+          </a:xfrm>
+          <a:prstGeom prst="rect">
+            <a:avLst/>
+          </a:prstGeom>
+        </p:spPr>
+        <p:style>
+          <a:lnRef idx="0">
+            <a:schemeClr val="accent3"/>
+          </a:lnRef>
+          <a:fillRef idx="3">
+            <a:schemeClr val="accent3"/>
+          </a:fillRef>
+          <a:effectRef idx="3">
+            <a:schemeClr val="accent3"/>
+          </a:effectRef>
+          <a:fontRef idx="minor">
+            <a:schemeClr val="lt1"/>
+          </a:fontRef>
+        </p:style>
+        <p:txBody>
+          <a:bodyPr wrap="square" rtlCol="0">
+            <a:spAutoFit/>
+          </a:bodyPr>
+          <a:lstStyle/>
+          <a:p>
+            <a:pPr algn="ctr"/>
+            <a:r>
+              <a:rPr lang="en-US" sz="2000" dirty="0">
+                <a:latin typeface="Arial" panose="020B0604020202020204" pitchFamily="34" charset="0"/>
+                <a:cs typeface="Arial" panose="020B0604020202020204" pitchFamily="34" charset="0"/>
+              </a:rPr>
+              <a:t>Principal Components Analysis</a:t>
+            </a:r>
+          </a:p>
+        </p:txBody>
+      </p:sp>
+      <p:sp>
+        <p:nvSpPr>
+          <p:cNvPr id="16" name="TextBox 15">
+            <a:extLst>
+              <a:ext uri="{FF2B5EF4-FFF2-40B4-BE49-F238E27FC236}">
+                <a16:creationId xmlns:a16="http://schemas.microsoft.com/office/drawing/2014/main" id="{851706C7-36AA-4279-976B-86FAD8B3401D}"/>
+              </a:ext>
+            </a:extLst>
+          </p:cNvPr>
+          <p:cNvSpPr txBox="1"/>
+          <p:nvPr/>
+        </p:nvSpPr>
+        <p:spPr>
+          <a:xfrm>
+            <a:off x="4237916" y="3228945"/>
+            <a:ext cx="4558506" cy="400110"/>
+          </a:xfrm>
+          <a:prstGeom prst="rect">
+            <a:avLst/>
+          </a:prstGeom>
+        </p:spPr>
+        <p:style>
+          <a:lnRef idx="0">
+            <a:schemeClr val="accent4"/>
+          </a:lnRef>
+          <a:fillRef idx="3">
+            <a:schemeClr val="accent4"/>
+          </a:fillRef>
+          <a:effectRef idx="3">
+            <a:schemeClr val="accent4"/>
+          </a:effectRef>
+          <a:fontRef idx="minor">
+            <a:schemeClr val="lt1"/>
+          </a:fontRef>
+        </p:style>
+        <p:txBody>
+          <a:bodyPr wrap="square" rtlCol="0">
+            <a:spAutoFit/>
+          </a:bodyPr>
+          <a:lstStyle/>
+          <a:p>
+            <a:pPr algn="ctr"/>
+            <a:r>
+              <a:rPr lang="en-US" sz="2000" dirty="0">
+                <a:latin typeface="Arial" panose="020B0604020202020204" pitchFamily="34" charset="0"/>
+                <a:cs typeface="Arial" panose="020B0604020202020204" pitchFamily="34" charset="0"/>
+              </a:rPr>
+              <a:t>Filter data by expression and variance</a:t>
+            </a:r>
+          </a:p>
+        </p:txBody>
+      </p:sp>
+      <p:sp>
+        <p:nvSpPr>
+          <p:cNvPr id="17" name="TextBox 16">
+            <a:extLst>
+              <a:ext uri="{FF2B5EF4-FFF2-40B4-BE49-F238E27FC236}">
+                <a16:creationId xmlns:a16="http://schemas.microsoft.com/office/drawing/2014/main" id="{96351237-DCD5-4EDE-B060-00A8C1F74F6F}"/>
+              </a:ext>
+            </a:extLst>
+          </p:cNvPr>
+          <p:cNvSpPr txBox="1"/>
+          <p:nvPr/>
+        </p:nvSpPr>
+        <p:spPr>
+          <a:xfrm>
+            <a:off x="4237916" y="4617222"/>
+            <a:ext cx="4558506" cy="400110"/>
+          </a:xfrm>
+          <a:prstGeom prst="rect">
+            <a:avLst/>
+          </a:prstGeom>
+        </p:spPr>
+        <p:style>
+          <a:lnRef idx="0">
+            <a:schemeClr val="accent5"/>
+          </a:lnRef>
+          <a:fillRef idx="3">
+            <a:schemeClr val="accent5"/>
+          </a:fillRef>
+          <a:effectRef idx="3">
+            <a:schemeClr val="accent5"/>
+          </a:effectRef>
+          <a:fontRef idx="minor">
+            <a:schemeClr val="lt1"/>
+          </a:fontRef>
+        </p:style>
+        <p:txBody>
+          <a:bodyPr wrap="square" rtlCol="0">
+            <a:spAutoFit/>
+          </a:bodyPr>
+          <a:lstStyle/>
+          <a:p>
+            <a:pPr algn="ctr"/>
+            <a:r>
+              <a:rPr lang="en-US" sz="2000" dirty="0">
+                <a:latin typeface="Arial" panose="020B0604020202020204" pitchFamily="34" charset="0"/>
+                <a:cs typeface="Arial" panose="020B0604020202020204" pitchFamily="34" charset="0"/>
+              </a:rPr>
+              <a:t>Run NACEP on filtered dataset</a:t>
+            </a:r>
+          </a:p>
+        </p:txBody>
+      </p:sp>
+      <p:sp>
+        <p:nvSpPr>
+          <p:cNvPr id="18" name="TextBox 17">
+            <a:extLst>
+              <a:ext uri="{FF2B5EF4-FFF2-40B4-BE49-F238E27FC236}">
+                <a16:creationId xmlns:a16="http://schemas.microsoft.com/office/drawing/2014/main" id="{AD102C80-7620-43C2-9294-55EC4B338D66}"/>
+              </a:ext>
+            </a:extLst>
+          </p:cNvPr>
+          <p:cNvSpPr txBox="1"/>
+          <p:nvPr/>
+        </p:nvSpPr>
+        <p:spPr>
+          <a:xfrm>
+            <a:off x="4237916" y="6006650"/>
+            <a:ext cx="4558506" cy="400110"/>
+          </a:xfrm>
+          <a:prstGeom prst="rect">
+            <a:avLst/>
+          </a:prstGeom>
+        </p:spPr>
+        <p:style>
+          <a:lnRef idx="0">
+            <a:schemeClr val="accent6"/>
+          </a:lnRef>
+          <a:fillRef idx="3">
+            <a:schemeClr val="accent6"/>
+          </a:fillRef>
+          <a:effectRef idx="3">
+            <a:schemeClr val="accent6"/>
+          </a:effectRef>
+          <a:fontRef idx="minor">
+            <a:schemeClr val="lt1"/>
+          </a:fontRef>
+        </p:style>
+        <p:txBody>
+          <a:bodyPr wrap="square" rtlCol="0">
+            <a:spAutoFit/>
+          </a:bodyPr>
+          <a:lstStyle/>
+          <a:p>
+            <a:pPr algn="ctr"/>
+            <a:r>
+              <a:rPr lang="en-US" sz="2000" dirty="0">
+                <a:latin typeface="Arial" panose="020B0604020202020204" pitchFamily="34" charset="0"/>
+                <a:cs typeface="Arial" panose="020B0604020202020204" pitchFamily="34" charset="0"/>
+              </a:rPr>
+              <a:t>ID diff. expr. genes</a:t>
+            </a:r>
+          </a:p>
+        </p:txBody>
+      </p:sp>
+      <p:cxnSp>
+        <p:nvCxnSpPr>
+          <p:cNvPr id="19" name="Straight Arrow Connector 18">
+            <a:extLst>
+              <a:ext uri="{FF2B5EF4-FFF2-40B4-BE49-F238E27FC236}">
+                <a16:creationId xmlns:a16="http://schemas.microsoft.com/office/drawing/2014/main" id="{AE19DBF2-8BD9-4BD6-9221-8544C97C08C4}"/>
+              </a:ext>
+            </a:extLst>
+          </p:cNvPr>
+          <p:cNvCxnSpPr>
+            <a:cxnSpLocks/>
+            <a:endCxn id="14" idx="1"/>
+          </p:cNvCxnSpPr>
+          <p:nvPr/>
+        </p:nvCxnSpPr>
+        <p:spPr>
+          <a:xfrm flipV="1">
+            <a:off x="2708564" y="1840668"/>
+            <a:ext cx="1529352" cy="11764"/>
+          </a:xfrm>
+          <a:prstGeom prst="straightConnector1">
+            <a:avLst/>
+          </a:prstGeom>
+          <a:ln w="38100">
+            <a:solidFill>
+              <a:srgbClr val="AAAAAA"/>
+            </a:solidFill>
+            <a:tailEnd type="triangle"/>
+          </a:ln>
+          <a:effectLst>
+            <a:outerShdw blurRad="50800" dist="38100" dir="2700000" algn="tl" rotWithShape="0">
+              <a:prstClr val="black">
+                <a:alpha val="40000"/>
+              </a:prstClr>
+            </a:outerShdw>
+          </a:effectLst>
+        </p:spPr>
+        <p:style>
+          <a:lnRef idx="1">
+            <a:schemeClr val="accent1"/>
+          </a:lnRef>
+          <a:fillRef idx="0">
+            <a:schemeClr val="accent1"/>
+          </a:fillRef>
+          <a:effectRef idx="0">
+            <a:schemeClr val="accent1"/>
+          </a:effectRef>
+          <a:fontRef idx="minor">
+            <a:schemeClr val="tx1"/>
+          </a:fontRef>
+        </p:style>
+      </p:cxnSp>
+      <p:cxnSp>
+        <p:nvCxnSpPr>
+          <p:cNvPr id="21" name="Straight Arrow Connector 20">
+            <a:extLst>
+              <a:ext uri="{FF2B5EF4-FFF2-40B4-BE49-F238E27FC236}">
+                <a16:creationId xmlns:a16="http://schemas.microsoft.com/office/drawing/2014/main" id="{C6868F69-CF29-48EC-AF46-FFEBAB812C15}"/>
+              </a:ext>
+            </a:extLst>
+          </p:cNvPr>
+          <p:cNvCxnSpPr>
+            <a:cxnSpLocks/>
+            <a:endCxn id="16" idx="1"/>
+          </p:cNvCxnSpPr>
+          <p:nvPr/>
+        </p:nvCxnSpPr>
+        <p:spPr>
+          <a:xfrm>
+            <a:off x="2708564" y="3429000"/>
+            <a:ext cx="1529352" cy="0"/>
+          </a:xfrm>
+          <a:prstGeom prst="straightConnector1">
+            <a:avLst/>
+          </a:prstGeom>
+          <a:ln w="38100">
+            <a:solidFill>
+              <a:srgbClr val="FFC724"/>
+            </a:solidFill>
+            <a:tailEnd type="triangle"/>
+          </a:ln>
+          <a:effectLst>
+            <a:outerShdw blurRad="50800" dist="38100" dir="2700000" algn="tl" rotWithShape="0">
+              <a:prstClr val="black">
+                <a:alpha val="40000"/>
+              </a:prstClr>
+            </a:outerShdw>
+          </a:effectLst>
+        </p:spPr>
+        <p:style>
+          <a:lnRef idx="1">
+            <a:schemeClr val="accent1"/>
+          </a:lnRef>
+          <a:fillRef idx="0">
+            <a:schemeClr val="accent1"/>
+          </a:fillRef>
+          <a:effectRef idx="0">
+            <a:schemeClr val="accent1"/>
+          </a:effectRef>
+          <a:fontRef idx="minor">
+            <a:schemeClr val="tx1"/>
+          </a:fontRef>
+        </p:style>
+      </p:cxnSp>
+      <p:cxnSp>
+        <p:nvCxnSpPr>
+          <p:cNvPr id="24" name="Straight Arrow Connector 23">
+            <a:extLst>
+              <a:ext uri="{FF2B5EF4-FFF2-40B4-BE49-F238E27FC236}">
+                <a16:creationId xmlns:a16="http://schemas.microsoft.com/office/drawing/2014/main" id="{ACA85054-11B0-4553-B41A-3D8A8E6E4AF5}"/>
+              </a:ext>
+            </a:extLst>
+          </p:cNvPr>
+          <p:cNvCxnSpPr>
+            <a:cxnSpLocks/>
+          </p:cNvCxnSpPr>
+          <p:nvPr/>
+        </p:nvCxnSpPr>
+        <p:spPr>
+          <a:xfrm>
+            <a:off x="2708564" y="4817277"/>
+            <a:ext cx="1529352" cy="0"/>
+          </a:xfrm>
+          <a:prstGeom prst="straightConnector1">
+            <a:avLst/>
+          </a:prstGeom>
+          <a:ln w="38100">
+            <a:solidFill>
+              <a:srgbClr val="609FDB"/>
+            </a:solidFill>
+            <a:tailEnd type="triangle"/>
+          </a:ln>
+          <a:effectLst>
+            <a:outerShdw blurRad="50800" dist="38100" dir="2700000" algn="tl" rotWithShape="0">
+              <a:prstClr val="black">
+                <a:alpha val="40000"/>
+              </a:prstClr>
+            </a:outerShdw>
+          </a:effectLst>
+        </p:spPr>
+        <p:style>
+          <a:lnRef idx="1">
+            <a:schemeClr val="accent1"/>
+          </a:lnRef>
+          <a:fillRef idx="0">
+            <a:schemeClr val="accent1"/>
+          </a:fillRef>
+          <a:effectRef idx="0">
+            <a:schemeClr val="accent1"/>
+          </a:effectRef>
+          <a:fontRef idx="minor">
+            <a:schemeClr val="tx1"/>
+          </a:fontRef>
+        </p:style>
+      </p:cxnSp>
+      <p:cxnSp>
+        <p:nvCxnSpPr>
+          <p:cNvPr id="25" name="Straight Arrow Connector 24">
+            <a:extLst>
+              <a:ext uri="{FF2B5EF4-FFF2-40B4-BE49-F238E27FC236}">
+                <a16:creationId xmlns:a16="http://schemas.microsoft.com/office/drawing/2014/main" id="{4ECFFED8-4F34-410D-8880-6F4282FC6A99}"/>
+              </a:ext>
+            </a:extLst>
+          </p:cNvPr>
+          <p:cNvCxnSpPr>
+            <a:cxnSpLocks/>
+          </p:cNvCxnSpPr>
+          <p:nvPr/>
+        </p:nvCxnSpPr>
+        <p:spPr>
+          <a:xfrm>
+            <a:off x="2708564" y="6206705"/>
+            <a:ext cx="1529352" cy="0"/>
+          </a:xfrm>
+          <a:prstGeom prst="straightConnector1">
+            <a:avLst/>
+          </a:prstGeom>
+          <a:ln w="38100">
+            <a:solidFill>
+              <a:srgbClr val="74B44A"/>
+            </a:solidFill>
+            <a:tailEnd type="triangle"/>
+          </a:ln>
+          <a:effectLst>
+            <a:outerShdw blurRad="50800" dist="38100" dir="2700000" algn="tl" rotWithShape="0">
+              <a:prstClr val="black">
+                <a:alpha val="40000"/>
+              </a:prstClr>
+            </a:outerShdw>
+          </a:effectLst>
+        </p:spPr>
+        <p:style>
+          <a:lnRef idx="1">
+            <a:schemeClr val="accent1"/>
+          </a:lnRef>
+          <a:fillRef idx="0">
+            <a:schemeClr val="accent1"/>
+          </a:fillRef>
+          <a:effectRef idx="0">
+            <a:schemeClr val="accent1"/>
+          </a:effectRef>
+          <a:fontRef idx="minor">
+            <a:schemeClr val="tx1"/>
+          </a:fontRef>
+        </p:style>
+      </p:cxnSp>
+    </p:spTree>
+    <p:extLst>
+      <p:ext uri="{BB962C8B-B14F-4D97-AF65-F5344CB8AC3E}">
+        <p14:creationId xmlns:p14="http://schemas.microsoft.com/office/powerpoint/2010/main" val="1348944768"/>
       </p:ext>
     </p:extLst>
   </p:cSld>

--- a/ppt/Presentation.pptx
+++ b/ppt/Presentation.pptx
@@ -5,23 +5,26 @@
     <p:sldMasterId id="2147483660" r:id="rId1"/>
   </p:sldMasterIdLst>
   <p:notesMasterIdLst>
-    <p:notesMasterId r:id="rId16"/>
+    <p:notesMasterId r:id="rId19"/>
   </p:notesMasterIdLst>
   <p:sldIdLst>
     <p:sldId id="256" r:id="rId2"/>
-    <p:sldId id="262" r:id="rId3"/>
-    <p:sldId id="263" r:id="rId4"/>
-    <p:sldId id="264" r:id="rId5"/>
-    <p:sldId id="265" r:id="rId6"/>
-    <p:sldId id="266" r:id="rId7"/>
-    <p:sldId id="267" r:id="rId8"/>
-    <p:sldId id="268" r:id="rId9"/>
-    <p:sldId id="269" r:id="rId10"/>
-    <p:sldId id="270" r:id="rId11"/>
-    <p:sldId id="257" r:id="rId12"/>
-    <p:sldId id="271" r:id="rId13"/>
-    <p:sldId id="272" r:id="rId14"/>
-    <p:sldId id="261" r:id="rId15"/>
+    <p:sldId id="274" r:id="rId3"/>
+    <p:sldId id="262" r:id="rId4"/>
+    <p:sldId id="263" r:id="rId5"/>
+    <p:sldId id="264" r:id="rId6"/>
+    <p:sldId id="265" r:id="rId7"/>
+    <p:sldId id="266" r:id="rId8"/>
+    <p:sldId id="267" r:id="rId9"/>
+    <p:sldId id="268" r:id="rId10"/>
+    <p:sldId id="269" r:id="rId11"/>
+    <p:sldId id="270" r:id="rId12"/>
+    <p:sldId id="275" r:id="rId13"/>
+    <p:sldId id="257" r:id="rId14"/>
+    <p:sldId id="271" r:id="rId15"/>
+    <p:sldId id="273" r:id="rId16"/>
+    <p:sldId id="272" r:id="rId17"/>
+    <p:sldId id="261" r:id="rId18"/>
   </p:sldIdLst>
   <p:sldSz cx="9906000" cy="6858000" type="A4"/>
   <p:notesSz cx="6858000" cy="9144000"/>
@@ -3625,7 +3628,7 @@
           <a:p>
             <a:fld id="{4FDE70D7-0AB7-4E11-8116-CCC73F5E7693}" type="datetimeFigureOut">
               <a:rPr lang="en-US" smtClean="0"/>
-              <a:t>11/17/2017</a:t>
+              <a:t>11/27/2017</a:t>
             </a:fld>
             <a:endParaRPr lang="en-US"/>
           </a:p>
@@ -3892,6 +3895,97 @@
 </p:notesMaster>
 </file>
 
+<file path=ppt/notesSlides/notesSlide1.xml><?xml version="1.0" encoding="utf-8"?>
+<p:notes xmlns:a="http://schemas.openxmlformats.org/drawingml/2006/main" xmlns:r="http://schemas.openxmlformats.org/officeDocument/2006/relationships" xmlns:p="http://schemas.openxmlformats.org/presentationml/2006/main">
+  <p:cSld>
+    <p:spTree>
+      <p:nvGrpSpPr>
+        <p:cNvPr id="1" name=""/>
+        <p:cNvGrpSpPr/>
+        <p:nvPr/>
+      </p:nvGrpSpPr>
+      <p:grpSpPr>
+        <a:xfrm>
+          <a:off x="0" y="0"/>
+          <a:ext cx="0" cy="0"/>
+          <a:chOff x="0" y="0"/>
+          <a:chExt cx="0" cy="0"/>
+        </a:xfrm>
+      </p:grpSpPr>
+      <p:sp>
+        <p:nvSpPr>
+          <p:cNvPr id="2" name="Slide Image Placeholder 1"/>
+          <p:cNvSpPr>
+            <a:spLocks noGrp="1" noRot="1" noChangeAspect="1"/>
+          </p:cNvSpPr>
+          <p:nvPr>
+            <p:ph type="sldImg"/>
+          </p:nvPr>
+        </p:nvSpPr>
+        <p:spPr/>
+      </p:sp>
+      <p:sp>
+        <p:nvSpPr>
+          <p:cNvPr id="3" name="Notes Placeholder 2"/>
+          <p:cNvSpPr>
+            <a:spLocks noGrp="1"/>
+          </p:cNvSpPr>
+          <p:nvPr>
+            <p:ph type="body" idx="1"/>
+          </p:nvPr>
+        </p:nvSpPr>
+        <p:spPr/>
+        <p:txBody>
+          <a:bodyPr/>
+          <a:lstStyle/>
+          <a:p>
+            <a:r>
+              <a:rPr lang="en-US" dirty="0"/>
+              <a:t>Take this result with a grain of salt; a lot of filtering had to be performed. Also, iteration count had to be cut; other analyses using NACEP ran with </a:t>
+            </a:r>
+            <a:r>
+              <a:rPr lang="en-US"/>
+              <a:t>10000 iterations.</a:t>
+            </a:r>
+          </a:p>
+        </p:txBody>
+      </p:sp>
+      <p:sp>
+        <p:nvSpPr>
+          <p:cNvPr id="4" name="Slide Number Placeholder 3"/>
+          <p:cNvSpPr>
+            <a:spLocks noGrp="1"/>
+          </p:cNvSpPr>
+          <p:nvPr>
+            <p:ph type="sldNum" sz="quarter" idx="10"/>
+          </p:nvPr>
+        </p:nvSpPr>
+        <p:spPr/>
+        <p:txBody>
+          <a:bodyPr/>
+          <a:lstStyle/>
+          <a:p>
+            <a:fld id="{95CC5319-9A8A-419D-94B5-1AAB5BE9DC24}" type="slidenum">
+              <a:rPr lang="en-US" smtClean="0"/>
+              <a:t>16</a:t>
+            </a:fld>
+            <a:endParaRPr lang="en-US"/>
+          </a:p>
+        </p:txBody>
+      </p:sp>
+    </p:spTree>
+    <p:extLst>
+      <p:ext uri="{BB962C8B-B14F-4D97-AF65-F5344CB8AC3E}">
+        <p14:creationId xmlns:p14="http://schemas.microsoft.com/office/powerpoint/2010/main" val="174975808"/>
+      </p:ext>
+    </p:extLst>
+  </p:cSld>
+  <p:clrMapOvr>
+    <a:masterClrMapping/>
+  </p:clrMapOvr>
+</p:notes>
+</file>
+
 <file path=ppt/slideLayouts/slideLayout1.xml><?xml version="1.0" encoding="utf-8"?>
 <p:sldLayout xmlns:a="http://schemas.openxmlformats.org/drawingml/2006/main" xmlns:r="http://schemas.openxmlformats.org/officeDocument/2006/relationships" xmlns:p="http://schemas.openxmlformats.org/presentationml/2006/main" type="title" preserve="1">
   <p:cSld name="Title Slide">
@@ -4023,7 +4117,7 @@
           <a:p>
             <a:fld id="{5070667B-8CBE-4DAB-9654-3E33F49025B8}" type="datetimeFigureOut">
               <a:rPr lang="en-US" smtClean="0"/>
-              <a:t>11/17/2017</a:t>
+              <a:t>11/27/2017</a:t>
             </a:fld>
             <a:endParaRPr lang="en-US"/>
           </a:p>
@@ -4193,7 +4287,7 @@
           <a:p>
             <a:fld id="{5070667B-8CBE-4DAB-9654-3E33F49025B8}" type="datetimeFigureOut">
               <a:rPr lang="en-US" smtClean="0"/>
-              <a:t>11/17/2017</a:t>
+              <a:t>11/27/2017</a:t>
             </a:fld>
             <a:endParaRPr lang="en-US"/>
           </a:p>
@@ -4373,7 +4467,7 @@
           <a:p>
             <a:fld id="{5070667B-8CBE-4DAB-9654-3E33F49025B8}" type="datetimeFigureOut">
               <a:rPr lang="en-US" smtClean="0"/>
-              <a:t>11/17/2017</a:t>
+              <a:t>11/27/2017</a:t>
             </a:fld>
             <a:endParaRPr lang="en-US"/>
           </a:p>
@@ -4543,7 +4637,7 @@
           <a:p>
             <a:fld id="{5070667B-8CBE-4DAB-9654-3E33F49025B8}" type="datetimeFigureOut">
               <a:rPr lang="en-US" smtClean="0"/>
-              <a:t>11/17/2017</a:t>
+              <a:t>11/27/2017</a:t>
             </a:fld>
             <a:endParaRPr lang="en-US"/>
           </a:p>
@@ -4787,7 +4881,7 @@
           <a:p>
             <a:fld id="{5070667B-8CBE-4DAB-9654-3E33F49025B8}" type="datetimeFigureOut">
               <a:rPr lang="en-US" smtClean="0"/>
-              <a:t>11/17/2017</a:t>
+              <a:t>11/27/2017</a:t>
             </a:fld>
             <a:endParaRPr lang="en-US"/>
           </a:p>
@@ -5019,7 +5113,7 @@
           <a:p>
             <a:fld id="{5070667B-8CBE-4DAB-9654-3E33F49025B8}" type="datetimeFigureOut">
               <a:rPr lang="en-US" smtClean="0"/>
-              <a:t>11/17/2017</a:t>
+              <a:t>11/27/2017</a:t>
             </a:fld>
             <a:endParaRPr lang="en-US"/>
           </a:p>
@@ -5386,7 +5480,7 @@
           <a:p>
             <a:fld id="{5070667B-8CBE-4DAB-9654-3E33F49025B8}" type="datetimeFigureOut">
               <a:rPr lang="en-US" smtClean="0"/>
-              <a:t>11/17/2017</a:t>
+              <a:t>11/27/2017</a:t>
             </a:fld>
             <a:endParaRPr lang="en-US"/>
           </a:p>
@@ -5504,7 +5598,7 @@
           <a:p>
             <a:fld id="{5070667B-8CBE-4DAB-9654-3E33F49025B8}" type="datetimeFigureOut">
               <a:rPr lang="en-US" smtClean="0"/>
-              <a:t>11/17/2017</a:t>
+              <a:t>11/27/2017</a:t>
             </a:fld>
             <a:endParaRPr lang="en-US"/>
           </a:p>
@@ -5599,7 +5693,7 @@
           <a:p>
             <a:fld id="{5070667B-8CBE-4DAB-9654-3E33F49025B8}" type="datetimeFigureOut">
               <a:rPr lang="en-US" smtClean="0"/>
-              <a:t>11/17/2017</a:t>
+              <a:t>11/27/2017</a:t>
             </a:fld>
             <a:endParaRPr lang="en-US"/>
           </a:p>
@@ -5876,7 +5970,7 @@
           <a:p>
             <a:fld id="{5070667B-8CBE-4DAB-9654-3E33F49025B8}" type="datetimeFigureOut">
               <a:rPr lang="en-US" smtClean="0"/>
-              <a:t>11/17/2017</a:t>
+              <a:t>11/27/2017</a:t>
             </a:fld>
             <a:endParaRPr lang="en-US"/>
           </a:p>
@@ -6133,7 +6227,7 @@
           <a:p>
             <a:fld id="{5070667B-8CBE-4DAB-9654-3E33F49025B8}" type="datetimeFigureOut">
               <a:rPr lang="en-US" smtClean="0"/>
-              <a:t>11/17/2017</a:t>
+              <a:t>11/27/2017</a:t>
             </a:fld>
             <a:endParaRPr lang="en-US"/>
           </a:p>
@@ -6346,7 +6440,7 @@
           <a:p>
             <a:fld id="{5070667B-8CBE-4DAB-9654-3E33F49025B8}" type="datetimeFigureOut">
               <a:rPr lang="en-US" smtClean="0"/>
-              <a:t>11/17/2017</a:t>
+              <a:t>11/27/2017</a:t>
             </a:fld>
             <a:endParaRPr lang="en-US"/>
           </a:p>
@@ -6845,6 +6939,647 @@
       </p:grpSpPr>
       <p:pic>
         <p:nvPicPr>
+          <p:cNvPr id="3" name="Picture 2">
+            <a:extLst>
+              <a:ext uri="{FF2B5EF4-FFF2-40B4-BE49-F238E27FC236}">
+                <a16:creationId xmlns:a16="http://schemas.microsoft.com/office/drawing/2014/main" id="{03FCD9DB-064E-48FD-8E83-5B344C241182}"/>
+              </a:ext>
+            </a:extLst>
+          </p:cNvPr>
+          <p:cNvPicPr>
+            <a:picLocks noChangeAspect="1"/>
+          </p:cNvPicPr>
+          <p:nvPr/>
+        </p:nvPicPr>
+        <p:blipFill rotWithShape="1">
+          <a:blip r:embed="rId2"/>
+          <a:srcRect t="35455" b="25260"/>
+          <a:stretch/>
+        </p:blipFill>
+        <p:spPr>
+          <a:xfrm>
+            <a:off x="5536180" y="131618"/>
+            <a:ext cx="4369820" cy="965638"/>
+          </a:xfrm>
+          <a:prstGeom prst="rect">
+            <a:avLst/>
+          </a:prstGeom>
+        </p:spPr>
+      </p:pic>
+      <p:graphicFrame>
+        <p:nvGraphicFramePr>
+          <p:cNvPr id="4" name="Diagram 3">
+            <a:extLst>
+              <a:ext uri="{FF2B5EF4-FFF2-40B4-BE49-F238E27FC236}">
+                <a16:creationId xmlns:a16="http://schemas.microsoft.com/office/drawing/2014/main" id="{9589D5A1-E963-4A7A-BAA6-6BAF9567C770}"/>
+              </a:ext>
+            </a:extLst>
+          </p:cNvPr>
+          <p:cNvGraphicFramePr/>
+          <p:nvPr>
+            <p:extLst>
+              <p:ext uri="{D42A27DB-BD31-4B8C-83A1-F6EECF244321}">
+                <p14:modId xmlns:p14="http://schemas.microsoft.com/office/powerpoint/2010/main" val="159866474"/>
+              </p:ext>
+            </p:extLst>
+          </p:nvPr>
+        </p:nvGraphicFramePr>
+        <p:xfrm>
+          <a:off x="0" y="131618"/>
+          <a:ext cx="3388833" cy="6594764"/>
+        </p:xfrm>
+        <a:graphic>
+          <a:graphicData uri="http://schemas.openxmlformats.org/drawingml/2006/diagram">
+            <dgm:relIds xmlns:dgm="http://schemas.openxmlformats.org/drawingml/2006/diagram" xmlns:r="http://schemas.openxmlformats.org/officeDocument/2006/relationships" r:dm="rId3" r:lo="rId4" r:qs="rId5" r:cs="rId6"/>
+          </a:graphicData>
+        </a:graphic>
+      </p:graphicFrame>
+      <p:pic>
+        <p:nvPicPr>
+          <p:cNvPr id="6" name="Picture 5">
+            <a:extLst>
+              <a:ext uri="{FF2B5EF4-FFF2-40B4-BE49-F238E27FC236}">
+                <a16:creationId xmlns:a16="http://schemas.microsoft.com/office/drawing/2014/main" id="{1F4B4065-F0DE-42BB-A061-FFB96521170B}"/>
+              </a:ext>
+            </a:extLst>
+          </p:cNvPr>
+          <p:cNvPicPr>
+            <a:picLocks noChangeAspect="1"/>
+          </p:cNvPicPr>
+          <p:nvPr/>
+        </p:nvPicPr>
+        <p:blipFill>
+          <a:blip r:embed="rId8">
+            <a:extLst>
+              <a:ext uri="{28A0092B-C50C-407E-A947-70E740481C1C}">
+                <a14:useLocalDpi xmlns:a14="http://schemas.microsoft.com/office/drawing/2010/main" val="0"/>
+              </a:ext>
+            </a:extLst>
+          </a:blip>
+          <a:stretch>
+            <a:fillRect/>
+          </a:stretch>
+        </p:blipFill>
+        <p:spPr>
+          <a:xfrm>
+            <a:off x="3767181" y="295349"/>
+            <a:ext cx="1390650" cy="638175"/>
+          </a:xfrm>
+          <a:prstGeom prst="rect">
+            <a:avLst/>
+          </a:prstGeom>
+        </p:spPr>
+      </p:pic>
+      <p:cxnSp>
+        <p:nvCxnSpPr>
+          <p:cNvPr id="8" name="Straight Arrow Connector 7">
+            <a:extLst>
+              <a:ext uri="{FF2B5EF4-FFF2-40B4-BE49-F238E27FC236}">
+                <a16:creationId xmlns:a16="http://schemas.microsoft.com/office/drawing/2014/main" id="{8861BEDA-E57D-4DF3-A960-C77FD158418B}"/>
+              </a:ext>
+            </a:extLst>
+          </p:cNvPr>
+          <p:cNvCxnSpPr>
+            <a:cxnSpLocks/>
+            <a:endCxn id="6" idx="1"/>
+          </p:cNvCxnSpPr>
+          <p:nvPr/>
+        </p:nvCxnSpPr>
+        <p:spPr>
+          <a:xfrm>
+            <a:off x="2708564" y="614437"/>
+            <a:ext cx="1058617" cy="0"/>
+          </a:xfrm>
+          <a:prstGeom prst="straightConnector1">
+            <a:avLst/>
+          </a:prstGeom>
+          <a:ln w="38100">
+            <a:solidFill>
+              <a:srgbClr val="E96F1B"/>
+            </a:solidFill>
+            <a:tailEnd type="triangle"/>
+          </a:ln>
+          <a:effectLst>
+            <a:outerShdw blurRad="50800" dist="38100" dir="2700000" algn="tl" rotWithShape="0">
+              <a:prstClr val="black">
+                <a:alpha val="40000"/>
+              </a:prstClr>
+            </a:outerShdw>
+          </a:effectLst>
+        </p:spPr>
+        <p:style>
+          <a:lnRef idx="1">
+            <a:schemeClr val="accent1"/>
+          </a:lnRef>
+          <a:fillRef idx="0">
+            <a:schemeClr val="accent1"/>
+          </a:fillRef>
+          <a:effectRef idx="0">
+            <a:schemeClr val="accent1"/>
+          </a:effectRef>
+          <a:fontRef idx="minor">
+            <a:schemeClr val="tx1"/>
+          </a:fontRef>
+        </p:style>
+      </p:cxnSp>
+      <p:cxnSp>
+        <p:nvCxnSpPr>
+          <p:cNvPr id="10" name="Straight Arrow Connector 9">
+            <a:extLst>
+              <a:ext uri="{FF2B5EF4-FFF2-40B4-BE49-F238E27FC236}">
+                <a16:creationId xmlns:a16="http://schemas.microsoft.com/office/drawing/2014/main" id="{3D1EB926-FE09-4BE3-8C81-FA16BC0C15BE}"/>
+              </a:ext>
+            </a:extLst>
+          </p:cNvPr>
+          <p:cNvCxnSpPr>
+            <a:cxnSpLocks/>
+            <a:stCxn id="6" idx="3"/>
+          </p:cNvCxnSpPr>
+          <p:nvPr/>
+        </p:nvCxnSpPr>
+        <p:spPr>
+          <a:xfrm flipV="1">
+            <a:off x="5157831" y="614436"/>
+            <a:ext cx="834260" cy="1"/>
+          </a:xfrm>
+          <a:prstGeom prst="straightConnector1">
+            <a:avLst/>
+          </a:prstGeom>
+          <a:ln w="38100">
+            <a:solidFill>
+              <a:srgbClr val="E96F1B"/>
+            </a:solidFill>
+            <a:tailEnd type="triangle"/>
+          </a:ln>
+          <a:effectLst>
+            <a:outerShdw blurRad="50800" dist="38100" dir="2700000" algn="tl" rotWithShape="0">
+              <a:prstClr val="black">
+                <a:alpha val="40000"/>
+              </a:prstClr>
+            </a:outerShdw>
+          </a:effectLst>
+        </p:spPr>
+        <p:style>
+          <a:lnRef idx="1">
+            <a:schemeClr val="accent1"/>
+          </a:lnRef>
+          <a:fillRef idx="0">
+            <a:schemeClr val="accent1"/>
+          </a:fillRef>
+          <a:effectRef idx="0">
+            <a:schemeClr val="accent1"/>
+          </a:effectRef>
+          <a:fontRef idx="minor">
+            <a:schemeClr val="tx1"/>
+          </a:fontRef>
+        </p:style>
+      </p:cxnSp>
+      <p:sp>
+        <p:nvSpPr>
+          <p:cNvPr id="14" name="TextBox 13">
+            <a:extLst>
+              <a:ext uri="{FF2B5EF4-FFF2-40B4-BE49-F238E27FC236}">
+                <a16:creationId xmlns:a16="http://schemas.microsoft.com/office/drawing/2014/main" id="{6316DA6A-0375-48D1-BD44-7B1039DC48CD}"/>
+              </a:ext>
+            </a:extLst>
+          </p:cNvPr>
+          <p:cNvSpPr txBox="1"/>
+          <p:nvPr/>
+        </p:nvSpPr>
+        <p:spPr>
+          <a:xfrm>
+            <a:off x="4237916" y="1640613"/>
+            <a:ext cx="4558506" cy="400110"/>
+          </a:xfrm>
+          <a:prstGeom prst="rect">
+            <a:avLst/>
+          </a:prstGeom>
+        </p:spPr>
+        <p:style>
+          <a:lnRef idx="0">
+            <a:schemeClr val="accent3"/>
+          </a:lnRef>
+          <a:fillRef idx="3">
+            <a:schemeClr val="accent3"/>
+          </a:fillRef>
+          <a:effectRef idx="3">
+            <a:schemeClr val="accent3"/>
+          </a:effectRef>
+          <a:fontRef idx="minor">
+            <a:schemeClr val="lt1"/>
+          </a:fontRef>
+        </p:style>
+        <p:txBody>
+          <a:bodyPr wrap="square" rtlCol="0">
+            <a:spAutoFit/>
+          </a:bodyPr>
+          <a:lstStyle/>
+          <a:p>
+            <a:pPr algn="ctr"/>
+            <a:r>
+              <a:rPr lang="en-US" sz="2000" dirty="0">
+                <a:latin typeface="Arial" panose="020B0604020202020204" pitchFamily="34" charset="0"/>
+                <a:cs typeface="Arial" panose="020B0604020202020204" pitchFamily="34" charset="0"/>
+              </a:rPr>
+              <a:t>Principal Components Analysis</a:t>
+            </a:r>
+          </a:p>
+        </p:txBody>
+      </p:sp>
+      <p:sp>
+        <p:nvSpPr>
+          <p:cNvPr id="16" name="TextBox 15">
+            <a:extLst>
+              <a:ext uri="{FF2B5EF4-FFF2-40B4-BE49-F238E27FC236}">
+                <a16:creationId xmlns:a16="http://schemas.microsoft.com/office/drawing/2014/main" id="{851706C7-36AA-4279-976B-86FAD8B3401D}"/>
+              </a:ext>
+            </a:extLst>
+          </p:cNvPr>
+          <p:cNvSpPr txBox="1"/>
+          <p:nvPr/>
+        </p:nvSpPr>
+        <p:spPr>
+          <a:xfrm>
+            <a:off x="4237916" y="3228945"/>
+            <a:ext cx="4558506" cy="400110"/>
+          </a:xfrm>
+          <a:prstGeom prst="rect">
+            <a:avLst/>
+          </a:prstGeom>
+        </p:spPr>
+        <p:style>
+          <a:lnRef idx="0">
+            <a:schemeClr val="accent4"/>
+          </a:lnRef>
+          <a:fillRef idx="3">
+            <a:schemeClr val="accent4"/>
+          </a:fillRef>
+          <a:effectRef idx="3">
+            <a:schemeClr val="accent4"/>
+          </a:effectRef>
+          <a:fontRef idx="minor">
+            <a:schemeClr val="lt1"/>
+          </a:fontRef>
+        </p:style>
+        <p:txBody>
+          <a:bodyPr wrap="square" rtlCol="0">
+            <a:spAutoFit/>
+          </a:bodyPr>
+          <a:lstStyle/>
+          <a:p>
+            <a:pPr algn="ctr"/>
+            <a:r>
+              <a:rPr lang="en-US" sz="2000" dirty="0">
+                <a:latin typeface="Arial" panose="020B0604020202020204" pitchFamily="34" charset="0"/>
+                <a:cs typeface="Arial" panose="020B0604020202020204" pitchFamily="34" charset="0"/>
+              </a:rPr>
+              <a:t>Filter data by expression and variance</a:t>
+            </a:r>
+          </a:p>
+        </p:txBody>
+      </p:sp>
+      <p:sp>
+        <p:nvSpPr>
+          <p:cNvPr id="17" name="TextBox 16">
+            <a:extLst>
+              <a:ext uri="{FF2B5EF4-FFF2-40B4-BE49-F238E27FC236}">
+                <a16:creationId xmlns:a16="http://schemas.microsoft.com/office/drawing/2014/main" id="{96351237-DCD5-4EDE-B060-00A8C1F74F6F}"/>
+              </a:ext>
+            </a:extLst>
+          </p:cNvPr>
+          <p:cNvSpPr txBox="1"/>
+          <p:nvPr/>
+        </p:nvSpPr>
+        <p:spPr>
+          <a:xfrm>
+            <a:off x="4237916" y="4617222"/>
+            <a:ext cx="4558506" cy="400110"/>
+          </a:xfrm>
+          <a:prstGeom prst="rect">
+            <a:avLst/>
+          </a:prstGeom>
+        </p:spPr>
+        <p:style>
+          <a:lnRef idx="0">
+            <a:schemeClr val="accent5"/>
+          </a:lnRef>
+          <a:fillRef idx="3">
+            <a:schemeClr val="accent5"/>
+          </a:fillRef>
+          <a:effectRef idx="3">
+            <a:schemeClr val="accent5"/>
+          </a:effectRef>
+          <a:fontRef idx="minor">
+            <a:schemeClr val="lt1"/>
+          </a:fontRef>
+        </p:style>
+        <p:txBody>
+          <a:bodyPr wrap="square" rtlCol="0">
+            <a:spAutoFit/>
+          </a:bodyPr>
+          <a:lstStyle/>
+          <a:p>
+            <a:pPr algn="ctr"/>
+            <a:r>
+              <a:rPr lang="en-US" sz="2000" dirty="0">
+                <a:latin typeface="Arial" panose="020B0604020202020204" pitchFamily="34" charset="0"/>
+                <a:cs typeface="Arial" panose="020B0604020202020204" pitchFamily="34" charset="0"/>
+              </a:rPr>
+              <a:t>Run NACEP on filtered dataset</a:t>
+            </a:r>
+          </a:p>
+        </p:txBody>
+      </p:sp>
+      <p:sp>
+        <p:nvSpPr>
+          <p:cNvPr id="18" name="TextBox 17">
+            <a:extLst>
+              <a:ext uri="{FF2B5EF4-FFF2-40B4-BE49-F238E27FC236}">
+                <a16:creationId xmlns:a16="http://schemas.microsoft.com/office/drawing/2014/main" id="{AD102C80-7620-43C2-9294-55EC4B338D66}"/>
+              </a:ext>
+            </a:extLst>
+          </p:cNvPr>
+          <p:cNvSpPr txBox="1"/>
+          <p:nvPr/>
+        </p:nvSpPr>
+        <p:spPr>
+          <a:xfrm>
+            <a:off x="4237916" y="6006650"/>
+            <a:ext cx="4558506" cy="400110"/>
+          </a:xfrm>
+          <a:prstGeom prst="rect">
+            <a:avLst/>
+          </a:prstGeom>
+        </p:spPr>
+        <p:style>
+          <a:lnRef idx="0">
+            <a:schemeClr val="accent6"/>
+          </a:lnRef>
+          <a:fillRef idx="3">
+            <a:schemeClr val="accent6"/>
+          </a:fillRef>
+          <a:effectRef idx="3">
+            <a:schemeClr val="accent6"/>
+          </a:effectRef>
+          <a:fontRef idx="minor">
+            <a:schemeClr val="lt1"/>
+          </a:fontRef>
+        </p:style>
+        <p:txBody>
+          <a:bodyPr wrap="square" rtlCol="0">
+            <a:spAutoFit/>
+          </a:bodyPr>
+          <a:lstStyle/>
+          <a:p>
+            <a:pPr algn="ctr"/>
+            <a:r>
+              <a:rPr lang="en-US" sz="2000" dirty="0">
+                <a:latin typeface="Arial" panose="020B0604020202020204" pitchFamily="34" charset="0"/>
+                <a:cs typeface="Arial" panose="020B0604020202020204" pitchFamily="34" charset="0"/>
+              </a:rPr>
+              <a:t>ID diff. expr. genes</a:t>
+            </a:r>
+          </a:p>
+        </p:txBody>
+      </p:sp>
+      <p:cxnSp>
+        <p:nvCxnSpPr>
+          <p:cNvPr id="19" name="Straight Arrow Connector 18">
+            <a:extLst>
+              <a:ext uri="{FF2B5EF4-FFF2-40B4-BE49-F238E27FC236}">
+                <a16:creationId xmlns:a16="http://schemas.microsoft.com/office/drawing/2014/main" id="{AE19DBF2-8BD9-4BD6-9221-8544C97C08C4}"/>
+              </a:ext>
+            </a:extLst>
+          </p:cNvPr>
+          <p:cNvCxnSpPr>
+            <a:cxnSpLocks/>
+            <a:endCxn id="14" idx="1"/>
+          </p:cNvCxnSpPr>
+          <p:nvPr/>
+        </p:nvCxnSpPr>
+        <p:spPr>
+          <a:xfrm flipV="1">
+            <a:off x="2708564" y="1840668"/>
+            <a:ext cx="1529352" cy="11764"/>
+          </a:xfrm>
+          <a:prstGeom prst="straightConnector1">
+            <a:avLst/>
+          </a:prstGeom>
+          <a:ln w="38100">
+            <a:solidFill>
+              <a:srgbClr val="AAAAAA"/>
+            </a:solidFill>
+            <a:tailEnd type="triangle"/>
+          </a:ln>
+          <a:effectLst>
+            <a:outerShdw blurRad="50800" dist="38100" dir="2700000" algn="tl" rotWithShape="0">
+              <a:prstClr val="black">
+                <a:alpha val="40000"/>
+              </a:prstClr>
+            </a:outerShdw>
+          </a:effectLst>
+        </p:spPr>
+        <p:style>
+          <a:lnRef idx="1">
+            <a:schemeClr val="accent1"/>
+          </a:lnRef>
+          <a:fillRef idx="0">
+            <a:schemeClr val="accent1"/>
+          </a:fillRef>
+          <a:effectRef idx="0">
+            <a:schemeClr val="accent1"/>
+          </a:effectRef>
+          <a:fontRef idx="minor">
+            <a:schemeClr val="tx1"/>
+          </a:fontRef>
+        </p:style>
+      </p:cxnSp>
+      <p:cxnSp>
+        <p:nvCxnSpPr>
+          <p:cNvPr id="21" name="Straight Arrow Connector 20">
+            <a:extLst>
+              <a:ext uri="{FF2B5EF4-FFF2-40B4-BE49-F238E27FC236}">
+                <a16:creationId xmlns:a16="http://schemas.microsoft.com/office/drawing/2014/main" id="{C6868F69-CF29-48EC-AF46-FFEBAB812C15}"/>
+              </a:ext>
+            </a:extLst>
+          </p:cNvPr>
+          <p:cNvCxnSpPr>
+            <a:cxnSpLocks/>
+            <a:endCxn id="16" idx="1"/>
+          </p:cNvCxnSpPr>
+          <p:nvPr/>
+        </p:nvCxnSpPr>
+        <p:spPr>
+          <a:xfrm>
+            <a:off x="2708564" y="3429000"/>
+            <a:ext cx="1529352" cy="0"/>
+          </a:xfrm>
+          <a:prstGeom prst="straightConnector1">
+            <a:avLst/>
+          </a:prstGeom>
+          <a:ln w="38100">
+            <a:solidFill>
+              <a:srgbClr val="FFC724"/>
+            </a:solidFill>
+            <a:tailEnd type="triangle"/>
+          </a:ln>
+          <a:effectLst>
+            <a:outerShdw blurRad="50800" dist="38100" dir="2700000" algn="tl" rotWithShape="0">
+              <a:prstClr val="black">
+                <a:alpha val="40000"/>
+              </a:prstClr>
+            </a:outerShdw>
+          </a:effectLst>
+        </p:spPr>
+        <p:style>
+          <a:lnRef idx="1">
+            <a:schemeClr val="accent1"/>
+          </a:lnRef>
+          <a:fillRef idx="0">
+            <a:schemeClr val="accent1"/>
+          </a:fillRef>
+          <a:effectRef idx="0">
+            <a:schemeClr val="accent1"/>
+          </a:effectRef>
+          <a:fontRef idx="minor">
+            <a:schemeClr val="tx1"/>
+          </a:fontRef>
+        </p:style>
+      </p:cxnSp>
+      <p:cxnSp>
+        <p:nvCxnSpPr>
+          <p:cNvPr id="24" name="Straight Arrow Connector 23">
+            <a:extLst>
+              <a:ext uri="{FF2B5EF4-FFF2-40B4-BE49-F238E27FC236}">
+                <a16:creationId xmlns:a16="http://schemas.microsoft.com/office/drawing/2014/main" id="{ACA85054-11B0-4553-B41A-3D8A8E6E4AF5}"/>
+              </a:ext>
+            </a:extLst>
+          </p:cNvPr>
+          <p:cNvCxnSpPr>
+            <a:cxnSpLocks/>
+          </p:cNvCxnSpPr>
+          <p:nvPr/>
+        </p:nvCxnSpPr>
+        <p:spPr>
+          <a:xfrm>
+            <a:off x="2708564" y="4817277"/>
+            <a:ext cx="1529352" cy="0"/>
+          </a:xfrm>
+          <a:prstGeom prst="straightConnector1">
+            <a:avLst/>
+          </a:prstGeom>
+          <a:ln w="38100">
+            <a:solidFill>
+              <a:srgbClr val="609FDB"/>
+            </a:solidFill>
+            <a:tailEnd type="triangle"/>
+          </a:ln>
+          <a:effectLst>
+            <a:outerShdw blurRad="50800" dist="38100" dir="2700000" algn="tl" rotWithShape="0">
+              <a:prstClr val="black">
+                <a:alpha val="40000"/>
+              </a:prstClr>
+            </a:outerShdw>
+          </a:effectLst>
+        </p:spPr>
+        <p:style>
+          <a:lnRef idx="1">
+            <a:schemeClr val="accent1"/>
+          </a:lnRef>
+          <a:fillRef idx="0">
+            <a:schemeClr val="accent1"/>
+          </a:fillRef>
+          <a:effectRef idx="0">
+            <a:schemeClr val="accent1"/>
+          </a:effectRef>
+          <a:fontRef idx="minor">
+            <a:schemeClr val="tx1"/>
+          </a:fontRef>
+        </p:style>
+      </p:cxnSp>
+      <p:cxnSp>
+        <p:nvCxnSpPr>
+          <p:cNvPr id="25" name="Straight Arrow Connector 24">
+            <a:extLst>
+              <a:ext uri="{FF2B5EF4-FFF2-40B4-BE49-F238E27FC236}">
+                <a16:creationId xmlns:a16="http://schemas.microsoft.com/office/drawing/2014/main" id="{4ECFFED8-4F34-410D-8880-6F4282FC6A99}"/>
+              </a:ext>
+            </a:extLst>
+          </p:cNvPr>
+          <p:cNvCxnSpPr>
+            <a:cxnSpLocks/>
+          </p:cNvCxnSpPr>
+          <p:nvPr/>
+        </p:nvCxnSpPr>
+        <p:spPr>
+          <a:xfrm>
+            <a:off x="2708564" y="6206705"/>
+            <a:ext cx="1529352" cy="0"/>
+          </a:xfrm>
+          <a:prstGeom prst="straightConnector1">
+            <a:avLst/>
+          </a:prstGeom>
+          <a:ln w="38100">
+            <a:solidFill>
+              <a:srgbClr val="74B44A"/>
+            </a:solidFill>
+            <a:tailEnd type="triangle"/>
+          </a:ln>
+          <a:effectLst>
+            <a:outerShdw blurRad="50800" dist="38100" dir="2700000" algn="tl" rotWithShape="0">
+              <a:prstClr val="black">
+                <a:alpha val="40000"/>
+              </a:prstClr>
+            </a:outerShdw>
+          </a:effectLst>
+        </p:spPr>
+        <p:style>
+          <a:lnRef idx="1">
+            <a:schemeClr val="accent1"/>
+          </a:lnRef>
+          <a:fillRef idx="0">
+            <a:schemeClr val="accent1"/>
+          </a:fillRef>
+          <a:effectRef idx="0">
+            <a:schemeClr val="accent1"/>
+          </a:effectRef>
+          <a:fontRef idx="minor">
+            <a:schemeClr val="tx1"/>
+          </a:fontRef>
+        </p:style>
+      </p:cxnSp>
+    </p:spTree>
+    <p:extLst>
+      <p:ext uri="{BB962C8B-B14F-4D97-AF65-F5344CB8AC3E}">
+        <p14:creationId xmlns:p14="http://schemas.microsoft.com/office/powerpoint/2010/main" val="1348944768"/>
+      </p:ext>
+    </p:extLst>
+  </p:cSld>
+  <p:clrMapOvr>
+    <a:masterClrMapping/>
+  </p:clrMapOvr>
+</p:sld>
+</file>
+
+<file path=ppt/slides/slide11.xml><?xml version="1.0" encoding="utf-8"?>
+<p:sld xmlns:a="http://schemas.openxmlformats.org/drawingml/2006/main" xmlns:r="http://schemas.openxmlformats.org/officeDocument/2006/relationships" xmlns:p="http://schemas.openxmlformats.org/presentationml/2006/main">
+  <p:cSld>
+    <p:spTree>
+      <p:nvGrpSpPr>
+        <p:cNvPr id="1" name=""/>
+        <p:cNvGrpSpPr/>
+        <p:nvPr/>
+      </p:nvGrpSpPr>
+      <p:grpSpPr>
+        <a:xfrm>
+          <a:off x="0" y="0"/>
+          <a:ext cx="0" cy="0"/>
+          <a:chOff x="0" y="0"/>
+          <a:chExt cx="0" cy="0"/>
+        </a:xfrm>
+      </p:grpSpPr>
+      <p:pic>
+        <p:nvPicPr>
           <p:cNvPr id="2" name="Picture 1">
             <a:extLst>
               <a:ext uri="{FF2B5EF4-FFF2-40B4-BE49-F238E27FC236}">
@@ -7071,7 +7806,212 @@
 </p:sld>
 </file>
 
-<file path=ppt/slides/slide11.xml><?xml version="1.0" encoding="utf-8"?>
+<file path=ppt/slides/slide12.xml><?xml version="1.0" encoding="utf-8"?>
+<p:sld xmlns:a="http://schemas.openxmlformats.org/drawingml/2006/main" xmlns:r="http://schemas.openxmlformats.org/officeDocument/2006/relationships" xmlns:p="http://schemas.openxmlformats.org/presentationml/2006/main">
+  <p:cSld>
+    <p:spTree>
+      <p:nvGrpSpPr>
+        <p:cNvPr id="1" name=""/>
+        <p:cNvGrpSpPr/>
+        <p:nvPr/>
+      </p:nvGrpSpPr>
+      <p:grpSpPr>
+        <a:xfrm>
+          <a:off x="0" y="0"/>
+          <a:ext cx="0" cy="0"/>
+          <a:chOff x="0" y="0"/>
+          <a:chExt cx="0" cy="0"/>
+        </a:xfrm>
+      </p:grpSpPr>
+      <p:sp>
+        <p:nvSpPr>
+          <p:cNvPr id="2" name="Title 1">
+            <a:extLst>
+              <a:ext uri="{FF2B5EF4-FFF2-40B4-BE49-F238E27FC236}">
+                <a16:creationId xmlns:a16="http://schemas.microsoft.com/office/drawing/2014/main" id="{39BF8182-CC74-4559-B1C0-2422CBD07139}"/>
+              </a:ext>
+            </a:extLst>
+          </p:cNvPr>
+          <p:cNvSpPr>
+            <a:spLocks noGrp="1"/>
+          </p:cNvSpPr>
+          <p:nvPr>
+            <p:ph type="title"/>
+          </p:nvPr>
+        </p:nvSpPr>
+        <p:spPr>
+          <a:xfrm>
+            <a:off x="642632" y="585457"/>
+            <a:ext cx="8543925" cy="1325563"/>
+          </a:xfrm>
+        </p:spPr>
+        <p:txBody>
+          <a:bodyPr>
+            <a:normAutofit/>
+          </a:bodyPr>
+          <a:lstStyle/>
+          <a:p>
+            <a:r>
+              <a:rPr lang="en-US" sz="3600" dirty="0">
+                <a:latin typeface="Arial" panose="020B0604020202020204" pitchFamily="34" charset="0"/>
+                <a:cs typeface="Arial" panose="020B0604020202020204" pitchFamily="34" charset="0"/>
+              </a:rPr>
+              <a:t>Sample Principal Components Analysis</a:t>
+            </a:r>
+          </a:p>
+        </p:txBody>
+      </p:sp>
+      <p:sp>
+        <p:nvSpPr>
+          <p:cNvPr id="17" name="TextBox 16">
+            <a:extLst>
+              <a:ext uri="{FF2B5EF4-FFF2-40B4-BE49-F238E27FC236}">
+                <a16:creationId xmlns:a16="http://schemas.microsoft.com/office/drawing/2014/main" id="{86E5EDC8-691B-414A-A1A8-28D446CB1D7B}"/>
+              </a:ext>
+            </a:extLst>
+          </p:cNvPr>
+          <p:cNvSpPr txBox="1"/>
+          <p:nvPr/>
+        </p:nvSpPr>
+        <p:spPr>
+          <a:xfrm>
+            <a:off x="642632" y="2486891"/>
+            <a:ext cx="8620733" cy="3785652"/>
+          </a:xfrm>
+          <a:prstGeom prst="rect">
+            <a:avLst/>
+          </a:prstGeom>
+          <a:noFill/>
+        </p:spPr>
+        <p:txBody>
+          <a:bodyPr wrap="square" rtlCol="0">
+            <a:spAutoFit/>
+          </a:bodyPr>
+          <a:lstStyle/>
+          <a:p>
+            <a:pPr marL="285750" indent="-285750">
+              <a:buFont typeface="Arial" panose="020B0604020202020204" pitchFamily="34" charset="0"/>
+              <a:buChar char="•"/>
+            </a:pPr>
+            <a:r>
+              <a:rPr lang="en-US" sz="2400" dirty="0">
+                <a:latin typeface="Arial" panose="020B0604020202020204" pitchFamily="34" charset="0"/>
+                <a:cs typeface="Arial" panose="020B0604020202020204" pitchFamily="34" charset="0"/>
+              </a:rPr>
+              <a:t>Convert possibly correlated values into linearly uncorrelated </a:t>
+            </a:r>
+            <a:r>
+              <a:rPr lang="en-US" sz="2400" b="1" dirty="0">
+                <a:latin typeface="Arial" panose="020B0604020202020204" pitchFamily="34" charset="0"/>
+                <a:cs typeface="Arial" panose="020B0604020202020204" pitchFamily="34" charset="0"/>
+              </a:rPr>
+              <a:t>principal components</a:t>
+            </a:r>
+          </a:p>
+          <a:p>
+            <a:pPr marL="742950" lvl="1" indent="-285750">
+              <a:buFont typeface="Arial" panose="020B0604020202020204" pitchFamily="34" charset="0"/>
+              <a:buChar char="•"/>
+            </a:pPr>
+            <a:r>
+              <a:rPr lang="en-US" sz="2400" dirty="0">
+                <a:latin typeface="Arial" panose="020B0604020202020204" pitchFamily="34" charset="0"/>
+                <a:cs typeface="Arial" panose="020B0604020202020204" pitchFamily="34" charset="0"/>
+              </a:rPr>
+              <a:t>Resulting vectors are mutually orthogonal</a:t>
+            </a:r>
+          </a:p>
+          <a:p>
+            <a:pPr marL="285750" indent="-285750">
+              <a:buFont typeface="Arial" panose="020B0604020202020204" pitchFamily="34" charset="0"/>
+              <a:buChar char="•"/>
+            </a:pPr>
+            <a:r>
+              <a:rPr lang="en-US" sz="2400" dirty="0">
+                <a:latin typeface="Arial" panose="020B0604020202020204" pitchFamily="34" charset="0"/>
+                <a:cs typeface="Arial" panose="020B0604020202020204" pitchFamily="34" charset="0"/>
+              </a:rPr>
+              <a:t>Summarizes data points by data variance</a:t>
+            </a:r>
+          </a:p>
+          <a:p>
+            <a:pPr marL="285750" indent="-285750">
+              <a:buFont typeface="Arial" panose="020B0604020202020204" pitchFamily="34" charset="0"/>
+              <a:buChar char="•"/>
+            </a:pPr>
+            <a:r>
+              <a:rPr lang="en-US" sz="2400" dirty="0">
+                <a:latin typeface="Arial" panose="020B0604020202020204" pitchFamily="34" charset="0"/>
+                <a:cs typeface="Arial" panose="020B0604020202020204" pitchFamily="34" charset="0"/>
+              </a:rPr>
+              <a:t>Procedure:</a:t>
+            </a:r>
+          </a:p>
+          <a:p>
+            <a:pPr marL="742950" lvl="1" indent="-285750">
+              <a:buFont typeface="Arial" panose="020B0604020202020204" pitchFamily="34" charset="0"/>
+              <a:buChar char="•"/>
+            </a:pPr>
+            <a:r>
+              <a:rPr lang="en-US" sz="2400" dirty="0">
+                <a:latin typeface="Arial" panose="020B0604020202020204" pitchFamily="34" charset="0"/>
+                <a:cs typeface="Arial" panose="020B0604020202020204" pitchFamily="34" charset="0"/>
+              </a:rPr>
+              <a:t>Perform variance stabilizing transformation on counts matrix</a:t>
+            </a:r>
+          </a:p>
+          <a:p>
+            <a:pPr marL="742950" lvl="1" indent="-285750">
+              <a:buFont typeface="Arial" panose="020B0604020202020204" pitchFamily="34" charset="0"/>
+              <a:buChar char="•"/>
+            </a:pPr>
+            <a:r>
+              <a:rPr lang="en-US" sz="2400" dirty="0">
+                <a:latin typeface="Arial" panose="020B0604020202020204" pitchFamily="34" charset="0"/>
+                <a:cs typeface="Arial" panose="020B0604020202020204" pitchFamily="34" charset="0"/>
+              </a:rPr>
+              <a:t>Calculate scaled and centered principal components</a:t>
+            </a:r>
+          </a:p>
+          <a:p>
+            <a:pPr marL="742950" lvl="1" indent="-285750">
+              <a:buFont typeface="Arial" panose="020B0604020202020204" pitchFamily="34" charset="0"/>
+              <a:buChar char="•"/>
+            </a:pPr>
+            <a:r>
+              <a:rPr lang="en-US" sz="2400" dirty="0">
+                <a:latin typeface="Arial" panose="020B0604020202020204" pitchFamily="34" charset="0"/>
+                <a:cs typeface="Arial" panose="020B0604020202020204" pitchFamily="34" charset="0"/>
+              </a:rPr>
+              <a:t>Rotate and plot</a:t>
+            </a:r>
+          </a:p>
+          <a:p>
+            <a:pPr marL="285750" indent="-285750">
+              <a:buFont typeface="Arial" panose="020B0604020202020204" pitchFamily="34" charset="0"/>
+              <a:buChar char="•"/>
+            </a:pPr>
+            <a:endParaRPr lang="en-US" sz="2400" dirty="0">
+              <a:latin typeface="Arial" panose="020B0604020202020204" pitchFamily="34" charset="0"/>
+              <a:cs typeface="Arial" panose="020B0604020202020204" pitchFamily="34" charset="0"/>
+            </a:endParaRPr>
+          </a:p>
+        </p:txBody>
+      </p:sp>
+    </p:spTree>
+    <p:extLst>
+      <p:ext uri="{BB962C8B-B14F-4D97-AF65-F5344CB8AC3E}">
+        <p14:creationId xmlns:p14="http://schemas.microsoft.com/office/powerpoint/2010/main" val="2400602074"/>
+      </p:ext>
+    </p:extLst>
+  </p:cSld>
+  <p:clrMapOvr>
+    <a:masterClrMapping/>
+  </p:clrMapOvr>
+</p:sld>
+</file>
+
+<file path=ppt/slides/slide13.xml><?xml version="1.0" encoding="utf-8"?>
 <p:sld xmlns:a="http://schemas.openxmlformats.org/drawingml/2006/main" xmlns:r="http://schemas.openxmlformats.org/officeDocument/2006/relationships" xmlns:p="http://schemas.openxmlformats.org/presentationml/2006/main">
   <p:cSld>
     <p:spTree>
@@ -8829,7 +9769,7 @@
 </p:sld>
 </file>
 
-<file path=ppt/slides/slide12.xml><?xml version="1.0" encoding="utf-8"?>
+<file path=ppt/slides/slide14.xml><?xml version="1.0" encoding="utf-8"?>
 <p:sld xmlns:a="http://schemas.openxmlformats.org/drawingml/2006/main" xmlns:r="http://schemas.openxmlformats.org/officeDocument/2006/relationships" xmlns:p="http://schemas.openxmlformats.org/presentationml/2006/main">
   <p:cSld>
     <p:spTree>
@@ -8963,6 +9903,16 @@
               <a:t>(gene variance) &gt;= 2.4</a:t>
             </a:r>
           </a:p>
+          <a:p>
+            <a:pPr lvl="1"/>
+            <a:r>
+              <a:rPr lang="en-US" sz="2000" dirty="0">
+                <a:latin typeface="Arial" panose="020B0604020202020204" pitchFamily="34" charset="0"/>
+                <a:cs typeface="Arial" panose="020B0604020202020204" pitchFamily="34" charset="0"/>
+              </a:rPr>
+              <a:t>Result: 4022 genes retained out of 25702 genes</a:t>
+            </a:r>
+          </a:p>
         </p:txBody>
       </p:sp>
     </p:spTree>
@@ -8978,7 +9928,325 @@
 </p:sld>
 </file>
 
-<file path=ppt/slides/slide13.xml><?xml version="1.0" encoding="utf-8"?>
+<file path=ppt/slides/slide15.xml><?xml version="1.0" encoding="utf-8"?>
+<p:sld xmlns:a="http://schemas.openxmlformats.org/drawingml/2006/main" xmlns:r="http://schemas.openxmlformats.org/officeDocument/2006/relationships" xmlns:p="http://schemas.openxmlformats.org/presentationml/2006/main">
+  <p:cSld>
+    <p:spTree>
+      <p:nvGrpSpPr>
+        <p:cNvPr id="1" name=""/>
+        <p:cNvGrpSpPr/>
+        <p:nvPr/>
+      </p:nvGrpSpPr>
+      <p:grpSpPr>
+        <a:xfrm>
+          <a:off x="0" y="0"/>
+          <a:ext cx="0" cy="0"/>
+          <a:chOff x="0" y="0"/>
+          <a:chExt cx="0" cy="0"/>
+        </a:xfrm>
+      </p:grpSpPr>
+      <p:sp>
+        <p:nvSpPr>
+          <p:cNvPr id="2" name="Title 1">
+            <a:extLst>
+              <a:ext uri="{FF2B5EF4-FFF2-40B4-BE49-F238E27FC236}">
+                <a16:creationId xmlns:a16="http://schemas.microsoft.com/office/drawing/2014/main" id="{0E48E1EA-AB78-46D0-8851-C042B30095C2}"/>
+              </a:ext>
+            </a:extLst>
+          </p:cNvPr>
+          <p:cNvSpPr>
+            <a:spLocks noGrp="1"/>
+          </p:cNvSpPr>
+          <p:nvPr>
+            <p:ph type="title"/>
+          </p:nvPr>
+        </p:nvSpPr>
+        <p:spPr/>
+        <p:txBody>
+          <a:bodyPr>
+            <a:normAutofit/>
+          </a:bodyPr>
+          <a:lstStyle/>
+          <a:p>
+            <a:r>
+              <a:rPr lang="en-US" sz="3600" dirty="0">
+                <a:latin typeface="Arial" panose="020B0604020202020204" pitchFamily="34" charset="0"/>
+                <a:cs typeface="Arial" panose="020B0604020202020204" pitchFamily="34" charset="0"/>
+              </a:rPr>
+              <a:t>NACEP Function Call and Parameters</a:t>
+            </a:r>
+          </a:p>
+        </p:txBody>
+      </p:sp>
+      <p:sp>
+        <p:nvSpPr>
+          <p:cNvPr id="3" name="Content Placeholder 2">
+            <a:extLst>
+              <a:ext uri="{FF2B5EF4-FFF2-40B4-BE49-F238E27FC236}">
+                <a16:creationId xmlns:a16="http://schemas.microsoft.com/office/drawing/2014/main" id="{3D392EA7-471C-4869-88C0-C8CAE862C49A}"/>
+              </a:ext>
+            </a:extLst>
+          </p:cNvPr>
+          <p:cNvSpPr>
+            <a:spLocks noGrp="1"/>
+          </p:cNvSpPr>
+          <p:nvPr>
+            <p:ph idx="1"/>
+          </p:nvPr>
+        </p:nvSpPr>
+        <p:spPr>
+          <a:xfrm>
+            <a:off x="134816" y="1825625"/>
+            <a:ext cx="9636368" cy="4351338"/>
+          </a:xfrm>
+        </p:spPr>
+        <p:txBody>
+          <a:bodyPr>
+            <a:normAutofit/>
+          </a:bodyPr>
+          <a:lstStyle/>
+          <a:p>
+            <a:pPr marL="0" indent="0">
+              <a:buNone/>
+            </a:pPr>
+            <a:r>
+              <a:rPr lang="en-US" sz="2000" dirty="0">
+                <a:latin typeface="Roboto Mono Medium for Powerlin" pitchFamily="2" charset="0"/>
+                <a:ea typeface="Roboto Mono Medium for Powerlin" pitchFamily="2" charset="0"/>
+                <a:cs typeface="Arial" panose="020B0604020202020204" pitchFamily="34" charset="0"/>
+              </a:rPr>
+              <a:t>source("</a:t>
+            </a:r>
+            <a:r>
+              <a:rPr lang="en-US" sz="2000" dirty="0" err="1">
+                <a:latin typeface="Roboto Mono Medium for Powerlin" pitchFamily="2" charset="0"/>
+                <a:ea typeface="Roboto Mono Medium for Powerlin" pitchFamily="2" charset="0"/>
+                <a:cs typeface="Arial" panose="020B0604020202020204" pitchFamily="34" charset="0"/>
+              </a:rPr>
+              <a:t>NACEP.r</a:t>
+            </a:r>
+            <a:r>
+              <a:rPr lang="en-US" sz="2000" dirty="0">
+                <a:latin typeface="Roboto Mono Medium for Powerlin" pitchFamily="2" charset="0"/>
+                <a:ea typeface="Roboto Mono Medium for Powerlin" pitchFamily="2" charset="0"/>
+                <a:cs typeface="Arial" panose="020B0604020202020204" pitchFamily="34" charset="0"/>
+              </a:rPr>
+              <a:t>");</a:t>
+            </a:r>
+          </a:p>
+          <a:p>
+            <a:pPr marL="0" indent="0">
+              <a:buNone/>
+            </a:pPr>
+            <a:r>
+              <a:rPr lang="en-US" sz="2000" dirty="0">
+                <a:latin typeface="Roboto Mono Medium for Powerlin" pitchFamily="2" charset="0"/>
+                <a:ea typeface="Roboto Mono Medium for Powerlin" pitchFamily="2" charset="0"/>
+                <a:cs typeface="Arial" panose="020B0604020202020204" pitchFamily="34" charset="0"/>
+              </a:rPr>
+              <a:t>NACEP(filename="dataFilter.txt",	# input file</a:t>
+            </a:r>
+          </a:p>
+          <a:p>
+            <a:pPr marL="0" indent="0">
+              <a:buNone/>
+            </a:pPr>
+            <a:r>
+              <a:rPr lang="en-US" sz="2000" dirty="0">
+                <a:latin typeface="Roboto Mono Medium for Powerlin" pitchFamily="2" charset="0"/>
+                <a:ea typeface="Roboto Mono Medium for Powerlin" pitchFamily="2" charset="0"/>
+                <a:cs typeface="Arial" panose="020B0604020202020204" pitchFamily="34" charset="0"/>
+              </a:rPr>
+              <a:t>	</a:t>
+            </a:r>
+            <a:r>
+              <a:rPr lang="en-US" sz="2000" dirty="0" err="1">
+                <a:latin typeface="Roboto Mono Medium for Powerlin" pitchFamily="2" charset="0"/>
+                <a:ea typeface="Roboto Mono Medium for Powerlin" pitchFamily="2" charset="0"/>
+                <a:cs typeface="Arial" panose="020B0604020202020204" pitchFamily="34" charset="0"/>
+              </a:rPr>
+              <a:t>spcNum</a:t>
+            </a:r>
+            <a:r>
+              <a:rPr lang="en-US" sz="2000" dirty="0">
+                <a:latin typeface="Roboto Mono Medium for Powerlin" pitchFamily="2" charset="0"/>
+                <a:ea typeface="Roboto Mono Medium for Powerlin" pitchFamily="2" charset="0"/>
+                <a:cs typeface="Arial" panose="020B0604020202020204" pitchFamily="34" charset="0"/>
+              </a:rPr>
+              <a:t>=2, 				# conditions</a:t>
+            </a:r>
+          </a:p>
+          <a:p>
+            <a:pPr marL="0" indent="0">
+              <a:buNone/>
+            </a:pPr>
+            <a:r>
+              <a:rPr lang="en-US" sz="2000" dirty="0">
+                <a:latin typeface="Roboto Mono Medium for Powerlin" pitchFamily="2" charset="0"/>
+                <a:ea typeface="Roboto Mono Medium for Powerlin" pitchFamily="2" charset="0"/>
+                <a:cs typeface="Arial" panose="020B0604020202020204" pitchFamily="34" charset="0"/>
+              </a:rPr>
+              <a:t>	</a:t>
+            </a:r>
+            <a:r>
+              <a:rPr lang="en-US" sz="2000" dirty="0" err="1">
+                <a:latin typeface="Roboto Mono Medium for Powerlin" pitchFamily="2" charset="0"/>
+                <a:ea typeface="Roboto Mono Medium for Powerlin" pitchFamily="2" charset="0"/>
+                <a:cs typeface="Arial" panose="020B0604020202020204" pitchFamily="34" charset="0"/>
+              </a:rPr>
+              <a:t>Timelength</a:t>
+            </a:r>
+            <a:r>
+              <a:rPr lang="en-US" sz="2000" dirty="0">
+                <a:latin typeface="Roboto Mono Medium for Powerlin" pitchFamily="2" charset="0"/>
+                <a:ea typeface="Roboto Mono Medium for Powerlin" pitchFamily="2" charset="0"/>
+                <a:cs typeface="Arial" panose="020B0604020202020204" pitchFamily="34" charset="0"/>
+              </a:rPr>
+              <a:t>=18, 			# time points</a:t>
+            </a:r>
+          </a:p>
+          <a:p>
+            <a:pPr marL="0" indent="0">
+              <a:buNone/>
+            </a:pPr>
+            <a:r>
+              <a:rPr lang="en-US" sz="2000" dirty="0">
+                <a:latin typeface="Roboto Mono Medium for Powerlin" pitchFamily="2" charset="0"/>
+                <a:ea typeface="Roboto Mono Medium for Powerlin" pitchFamily="2" charset="0"/>
+                <a:cs typeface="Arial" panose="020B0604020202020204" pitchFamily="34" charset="0"/>
+              </a:rPr>
+              <a:t>	Knot=15, 				# knots for spline</a:t>
+            </a:r>
+          </a:p>
+          <a:p>
+            <a:pPr marL="0" indent="0">
+              <a:buNone/>
+            </a:pPr>
+            <a:r>
+              <a:rPr lang="en-US" sz="2000" dirty="0">
+                <a:latin typeface="Roboto Mono Medium for Powerlin" pitchFamily="2" charset="0"/>
+                <a:ea typeface="Roboto Mono Medium for Powerlin" pitchFamily="2" charset="0"/>
+                <a:cs typeface="Arial" panose="020B0604020202020204" pitchFamily="34" charset="0"/>
+              </a:rPr>
+              <a:t>	loop=300, 				# iterations (default=500)</a:t>
+            </a:r>
+          </a:p>
+          <a:p>
+            <a:pPr marL="0" indent="0">
+              <a:buNone/>
+            </a:pPr>
+            <a:r>
+              <a:rPr lang="en-US" sz="2000" dirty="0">
+                <a:latin typeface="Roboto Mono Medium for Powerlin" pitchFamily="2" charset="0"/>
+                <a:ea typeface="Roboto Mono Medium for Powerlin" pitchFamily="2" charset="0"/>
+                <a:cs typeface="Arial" panose="020B0604020202020204" pitchFamily="34" charset="0"/>
+              </a:rPr>
+              <a:t>	</a:t>
+            </a:r>
+            <a:r>
+              <a:rPr lang="en-US" sz="2000" dirty="0" err="1">
+                <a:latin typeface="Roboto Mono Medium for Powerlin" pitchFamily="2" charset="0"/>
+                <a:ea typeface="Roboto Mono Medium for Powerlin" pitchFamily="2" charset="0"/>
+                <a:cs typeface="Arial" panose="020B0604020202020204" pitchFamily="34" charset="0"/>
+              </a:rPr>
+              <a:t>compStart</a:t>
+            </a:r>
+            <a:r>
+              <a:rPr lang="en-US" sz="2000" dirty="0">
+                <a:latin typeface="Roboto Mono Medium for Powerlin" pitchFamily="2" charset="0"/>
+                <a:ea typeface="Roboto Mono Medium for Powerlin" pitchFamily="2" charset="0"/>
+                <a:cs typeface="Arial" panose="020B0604020202020204" pitchFamily="34" charset="0"/>
+              </a:rPr>
+              <a:t>=200, 			# begin comparisons</a:t>
+            </a:r>
+          </a:p>
+          <a:p>
+            <a:pPr marL="0" indent="0">
+              <a:buNone/>
+            </a:pPr>
+            <a:r>
+              <a:rPr lang="en-US" sz="2000" dirty="0">
+                <a:latin typeface="Roboto Mono Medium for Powerlin" pitchFamily="2" charset="0"/>
+                <a:ea typeface="Roboto Mono Medium for Powerlin" pitchFamily="2" charset="0"/>
+                <a:cs typeface="Arial" panose="020B0604020202020204" pitchFamily="34" charset="0"/>
+              </a:rPr>
+              <a:t>	</a:t>
+            </a:r>
+            <a:r>
+              <a:rPr lang="en-US" sz="2000" dirty="0" err="1">
+                <a:latin typeface="Roboto Mono Medium for Powerlin" pitchFamily="2" charset="0"/>
+                <a:ea typeface="Roboto Mono Medium for Powerlin" pitchFamily="2" charset="0"/>
+                <a:cs typeface="Arial" panose="020B0604020202020204" pitchFamily="34" charset="0"/>
+              </a:rPr>
+              <a:t>compInterval</a:t>
+            </a:r>
+            <a:r>
+              <a:rPr lang="en-US" sz="2000" dirty="0">
+                <a:latin typeface="Roboto Mono Medium for Powerlin" pitchFamily="2" charset="0"/>
+                <a:ea typeface="Roboto Mono Medium for Powerlin" pitchFamily="2" charset="0"/>
+                <a:cs typeface="Arial" panose="020B0604020202020204" pitchFamily="34" charset="0"/>
+              </a:rPr>
+              <a:t>=100, 		# interval </a:t>
+            </a:r>
+            <a:r>
+              <a:rPr lang="en-US" sz="2000" dirty="0" err="1">
+                <a:latin typeface="Roboto Mono Medium for Powerlin" pitchFamily="2" charset="0"/>
+                <a:ea typeface="Roboto Mono Medium for Powerlin" pitchFamily="2" charset="0"/>
+                <a:cs typeface="Arial" panose="020B0604020202020204" pitchFamily="34" charset="0"/>
+              </a:rPr>
+              <a:t>betw</a:t>
+            </a:r>
+            <a:r>
+              <a:rPr lang="en-US" sz="2000" dirty="0">
+                <a:latin typeface="Roboto Mono Medium for Powerlin" pitchFamily="2" charset="0"/>
+                <a:ea typeface="Roboto Mono Medium for Powerlin" pitchFamily="2" charset="0"/>
+                <a:cs typeface="Arial" panose="020B0604020202020204" pitchFamily="34" charset="0"/>
+              </a:rPr>
+              <a:t>. results</a:t>
+            </a:r>
+          </a:p>
+          <a:p>
+            <a:pPr marL="0" indent="0">
+              <a:buNone/>
+            </a:pPr>
+            <a:r>
+              <a:rPr lang="en-US" sz="2000" dirty="0">
+                <a:latin typeface="Roboto Mono Medium for Powerlin" pitchFamily="2" charset="0"/>
+                <a:ea typeface="Roboto Mono Medium for Powerlin" pitchFamily="2" charset="0"/>
+                <a:cs typeface="Arial" panose="020B0604020202020204" pitchFamily="34" charset="0"/>
+              </a:rPr>
+              <a:t>	alpha=50				# cluster strength </a:t>
+            </a:r>
+          </a:p>
+          <a:p>
+            <a:pPr marL="0" indent="0">
+              <a:buNone/>
+            </a:pPr>
+            <a:r>
+              <a:rPr lang="en-US" sz="2000" dirty="0">
+                <a:latin typeface="Roboto Mono Medium for Powerlin" pitchFamily="2" charset="0"/>
+                <a:ea typeface="Roboto Mono Medium for Powerlin" pitchFamily="2" charset="0"/>
+                <a:cs typeface="Arial" panose="020B0604020202020204" pitchFamily="34" charset="0"/>
+              </a:rPr>
+              <a:t>	);</a:t>
+            </a:r>
+          </a:p>
+        </p:txBody>
+      </p:sp>
+    </p:spTree>
+    <p:extLst>
+      <p:ext uri="{BB962C8B-B14F-4D97-AF65-F5344CB8AC3E}">
+        <p14:creationId xmlns:p14="http://schemas.microsoft.com/office/powerpoint/2010/main" val="378366919"/>
+      </p:ext>
+    </p:extLst>
+  </p:cSld>
+  <p:clrMapOvr>
+    <a:masterClrMapping/>
+  </p:clrMapOvr>
+</p:sld>
+</file>
+
+<file path=ppt/slides/slide16.xml><?xml version="1.0" encoding="utf-8"?>
 <p:sld xmlns:a="http://schemas.openxmlformats.org/drawingml/2006/main" xmlns:r="http://schemas.openxmlformats.org/officeDocument/2006/relationships" xmlns:p="http://schemas.openxmlformats.org/presentationml/2006/main">
   <p:cSld>
     <p:spTree>
@@ -9007,34 +10275,47 @@
           <p:cNvGraphicFramePr>
             <a:graphicFrameLocks noGrp="1"/>
           </p:cNvGraphicFramePr>
-          <p:nvPr/>
+          <p:nvPr>
+            <p:extLst>
+              <p:ext uri="{D42A27DB-BD31-4B8C-83A1-F6EECF244321}">
+                <p14:modId xmlns:p14="http://schemas.microsoft.com/office/powerpoint/2010/main" val="4039874619"/>
+              </p:ext>
+            </p:extLst>
+          </p:nvPr>
         </p:nvGraphicFramePr>
         <p:xfrm>
-          <a:off x="1651000" y="1227666"/>
-          <a:ext cx="6603999" cy="2966720"/>
+          <a:off x="825011" y="1403839"/>
+          <a:ext cx="8255977" cy="5181600"/>
         </p:xfrm>
         <a:graphic>
           <a:graphicData uri="http://schemas.openxmlformats.org/drawingml/2006/table">
             <a:tbl>
               <a:tblPr firstRow="1" bandRow="1">
-                <a:tableStyleId>{5C22544A-7EE6-4342-B048-85BDC9FD1C3A}</a:tableStyleId>
+                <a:tableStyleId>{7DF18680-E054-41AD-8BC1-D1AEF772440D}</a:tableStyleId>
               </a:tblPr>
               <a:tblGrid>
-                <a:gridCol w="2201333">
+                <a:gridCol w="1318846">
                   <a:extLst>
                     <a:ext uri="{9D8B030D-6E8A-4147-A177-3AD203B41FA5}">
                       <a16:colId xmlns:a16="http://schemas.microsoft.com/office/drawing/2014/main" val="1296335350"/>
                     </a:ext>
                   </a:extLst>
                 </a:gridCol>
-                <a:gridCol w="2201333">
+                <a:gridCol w="1758462">
+                  <a:extLst>
+                    <a:ext uri="{9D8B030D-6E8A-4147-A177-3AD203B41FA5}">
+                      <a16:colId xmlns:a16="http://schemas.microsoft.com/office/drawing/2014/main" val="4278330896"/>
+                    </a:ext>
+                  </a:extLst>
+                </a:gridCol>
+                <a:gridCol w="2969596">
                   <a:extLst>
                     <a:ext uri="{9D8B030D-6E8A-4147-A177-3AD203B41FA5}">
                       <a16:colId xmlns:a16="http://schemas.microsoft.com/office/drawing/2014/main" val="463003195"/>
                     </a:ext>
                   </a:extLst>
                 </a:gridCol>
-                <a:gridCol w="2201333">
+                <a:gridCol w="2209073">
                   <a:extLst>
                     <a:ext uri="{9D8B030D-6E8A-4147-A177-3AD203B41FA5}">
                       <a16:colId xmlns:a16="http://schemas.microsoft.com/office/drawing/2014/main" val="2185225880"/>
@@ -9048,30 +10329,104 @@
                     <a:bodyPr/>
                     <a:lstStyle/>
                     <a:p>
-                      <a:endParaRPr lang="en-US" dirty="0"/>
+                      <a:pPr algn="l" fontAlgn="b"/>
+                      <a:r>
+                        <a:rPr lang="en-US" sz="2000" u="none" strike="noStrike" dirty="0">
+                          <a:effectLst/>
+                          <a:latin typeface="Arial" panose="020B0604020202020204" pitchFamily="34" charset="0"/>
+                          <a:cs typeface="Arial" panose="020B0604020202020204" pitchFamily="34" charset="0"/>
+                        </a:rPr>
+                        <a:t>Entrez ID</a:t>
+                      </a:r>
+                      <a:endParaRPr lang="en-US" sz="2000" b="0" i="0" u="none" strike="noStrike" dirty="0">
+                        <a:solidFill>
+                          <a:srgbClr val="000000"/>
+                        </a:solidFill>
+                        <a:effectLst/>
+                        <a:latin typeface="Arial" panose="020B0604020202020204" pitchFamily="34" charset="0"/>
+                        <a:cs typeface="Arial" panose="020B0604020202020204" pitchFamily="34" charset="0"/>
+                      </a:endParaRPr>
                     </a:p>
                   </a:txBody>
-                  <a:tcPr/>
+                  <a:tcPr marL="45720" marR="45720" anchor="b"/>
                 </a:tc>
                 <a:tc>
                   <a:txBody>
                     <a:bodyPr/>
                     <a:lstStyle/>
                     <a:p>
-                      <a:endParaRPr lang="en-US"/>
+                      <a:pPr algn="l" fontAlgn="b"/>
+                      <a:r>
+                        <a:rPr lang="en-US" sz="2000" u="none" strike="noStrike">
+                          <a:effectLst/>
+                          <a:latin typeface="Arial" panose="020B0604020202020204" pitchFamily="34" charset="0"/>
+                          <a:cs typeface="Arial" panose="020B0604020202020204" pitchFamily="34" charset="0"/>
+                        </a:rPr>
+                        <a:t>Gene Symbol</a:t>
+                      </a:r>
+                      <a:endParaRPr lang="en-US" sz="2000" b="0" i="0" u="none" strike="noStrike">
+                        <a:solidFill>
+                          <a:srgbClr val="000000"/>
+                        </a:solidFill>
+                        <a:effectLst/>
+                        <a:latin typeface="Arial" panose="020B0604020202020204" pitchFamily="34" charset="0"/>
+                        <a:cs typeface="Arial" panose="020B0604020202020204" pitchFamily="34" charset="0"/>
+                      </a:endParaRPr>
                     </a:p>
                   </a:txBody>
-                  <a:tcPr/>
+                  <a:tcPr marL="45720" marR="45720" anchor="b"/>
                 </a:tc>
                 <a:tc>
                   <a:txBody>
                     <a:bodyPr/>
                     <a:lstStyle/>
                     <a:p>
-                      <a:endParaRPr lang="en-US"/>
+                      <a:pPr algn="l" fontAlgn="b"/>
+                      <a:r>
+                        <a:rPr lang="en-US" sz="2000" u="none" strike="noStrike">
+                          <a:effectLst/>
+                          <a:latin typeface="Arial" panose="020B0604020202020204" pitchFamily="34" charset="0"/>
+                          <a:cs typeface="Arial" panose="020B0604020202020204" pitchFamily="34" charset="0"/>
+                        </a:rPr>
+                        <a:t>Description</a:t>
+                      </a:r>
+                      <a:endParaRPr lang="en-US" sz="2000" b="0" i="0" u="none" strike="noStrike">
+                        <a:solidFill>
+                          <a:srgbClr val="000000"/>
+                        </a:solidFill>
+                        <a:effectLst/>
+                        <a:latin typeface="Arial" panose="020B0604020202020204" pitchFamily="34" charset="0"/>
+                        <a:cs typeface="Arial" panose="020B0604020202020204" pitchFamily="34" charset="0"/>
+                      </a:endParaRPr>
                     </a:p>
                   </a:txBody>
-                  <a:tcPr/>
+                  <a:tcPr marL="45720" marR="45720" anchor="b"/>
+                </a:tc>
+                <a:tc>
+                  <a:txBody>
+                    <a:bodyPr/>
+                    <a:lstStyle/>
+                    <a:p>
+                      <a:pPr algn="l" fontAlgn="b"/>
+                      <a:r>
+                        <a:rPr lang="en-US" sz="2000" u="none" strike="noStrike">
+                          <a:effectLst/>
+                          <a:latin typeface="Arial" panose="020B0604020202020204" pitchFamily="34" charset="0"/>
+                          <a:cs typeface="Arial" panose="020B0604020202020204" pitchFamily="34" charset="0"/>
+                        </a:rPr>
+                        <a:t>Previous cancer studies?</a:t>
+                      </a:r>
+                      <a:endParaRPr lang="en-US" sz="2000" b="0" i="0" u="none" strike="noStrike">
+                        <a:solidFill>
+                          <a:srgbClr val="000000"/>
+                        </a:solidFill>
+                        <a:effectLst/>
+                        <a:latin typeface="Arial" panose="020B0604020202020204" pitchFamily="34" charset="0"/>
+                        <a:cs typeface="Arial" panose="020B0604020202020204" pitchFamily="34" charset="0"/>
+                      </a:endParaRPr>
+                    </a:p>
+                  </a:txBody>
+                  <a:tcPr marL="45720" marR="45720" anchor="b"/>
                 </a:tc>
                 <a:extLst>
                   <a:ext uri="{0D108BD9-81ED-4DB2-BD59-A6C34878D82A}">
@@ -9085,30 +10440,326 @@
                     <a:bodyPr/>
                     <a:lstStyle/>
                     <a:p>
-                      <a:endParaRPr lang="en-US" dirty="0"/>
+                      <a:pPr algn="l" fontAlgn="b"/>
+                      <a:r>
+                        <a:rPr lang="en-US" sz="2000" u="none" strike="noStrike" dirty="0">
+                          <a:effectLst/>
+                          <a:latin typeface="Arial" panose="020B0604020202020204" pitchFamily="34" charset="0"/>
+                          <a:cs typeface="Arial" panose="020B0604020202020204" pitchFamily="34" charset="0"/>
+                        </a:rPr>
+                        <a:t>3861</a:t>
+                      </a:r>
+                      <a:endParaRPr lang="en-US" sz="2000" b="0" i="0" u="none" strike="noStrike" dirty="0">
+                        <a:solidFill>
+                          <a:srgbClr val="000000"/>
+                        </a:solidFill>
+                        <a:effectLst/>
+                        <a:latin typeface="Arial" panose="020B0604020202020204" pitchFamily="34" charset="0"/>
+                        <a:cs typeface="Arial" panose="020B0604020202020204" pitchFamily="34" charset="0"/>
+                      </a:endParaRPr>
                     </a:p>
                   </a:txBody>
-                  <a:tcPr/>
+                  <a:tcPr marL="45720" marR="45720" anchor="b"/>
                 </a:tc>
                 <a:tc>
                   <a:txBody>
                     <a:bodyPr/>
                     <a:lstStyle/>
                     <a:p>
-                      <a:endParaRPr lang="en-US"/>
+                      <a:pPr algn="l" fontAlgn="b"/>
+                      <a:r>
+                        <a:rPr lang="en-US" sz="2000" u="none" strike="noStrike">
+                          <a:effectLst/>
+                          <a:latin typeface="Arial" panose="020B0604020202020204" pitchFamily="34" charset="0"/>
+                          <a:cs typeface="Arial" panose="020B0604020202020204" pitchFamily="34" charset="0"/>
+                        </a:rPr>
+                        <a:t>KRT14</a:t>
+                      </a:r>
+                      <a:endParaRPr lang="en-US" sz="2000" b="0" i="0" u="none" strike="noStrike">
+                        <a:solidFill>
+                          <a:srgbClr val="000000"/>
+                        </a:solidFill>
+                        <a:effectLst/>
+                        <a:latin typeface="Arial" panose="020B0604020202020204" pitchFamily="34" charset="0"/>
+                        <a:cs typeface="Arial" panose="020B0604020202020204" pitchFamily="34" charset="0"/>
+                      </a:endParaRPr>
                     </a:p>
                   </a:txBody>
-                  <a:tcPr/>
+                  <a:tcPr marL="45720" marR="45720" anchor="b"/>
                 </a:tc>
                 <a:tc>
                   <a:txBody>
                     <a:bodyPr/>
                     <a:lstStyle/>
                     <a:p>
-                      <a:endParaRPr lang="en-US"/>
+                      <a:pPr algn="l" fontAlgn="b"/>
+                      <a:r>
+                        <a:rPr lang="en-US" sz="2000" u="none" strike="noStrike">
+                          <a:effectLst/>
+                          <a:latin typeface="Arial" panose="020B0604020202020204" pitchFamily="34" charset="0"/>
+                          <a:cs typeface="Arial" panose="020B0604020202020204" pitchFamily="34" charset="0"/>
+                        </a:rPr>
+                        <a:t>Epithelial cell cytoskeleton</a:t>
+                      </a:r>
+                      <a:endParaRPr lang="en-US" sz="2000" b="0" i="0" u="none" strike="noStrike">
+                        <a:solidFill>
+                          <a:srgbClr val="000000"/>
+                        </a:solidFill>
+                        <a:effectLst/>
+                        <a:latin typeface="Arial" panose="020B0604020202020204" pitchFamily="34" charset="0"/>
+                        <a:cs typeface="Arial" panose="020B0604020202020204" pitchFamily="34" charset="0"/>
+                      </a:endParaRPr>
                     </a:p>
                   </a:txBody>
-                  <a:tcPr/>
+                  <a:tcPr marL="45720" marR="45720" anchor="b"/>
+                </a:tc>
+                <a:tc>
+                  <a:txBody>
+                    <a:bodyPr/>
+                    <a:lstStyle/>
+                    <a:p>
+                      <a:pPr algn="l" fontAlgn="b"/>
+                      <a:r>
+                        <a:rPr lang="en-US" sz="2000" u="none" strike="noStrike">
+                          <a:effectLst/>
+                          <a:latin typeface="Arial" panose="020B0604020202020204" pitchFamily="34" charset="0"/>
+                          <a:cs typeface="Arial" panose="020B0604020202020204" pitchFamily="34" charset="0"/>
+                        </a:rPr>
+                        <a:t>Yes</a:t>
+                      </a:r>
+                      <a:endParaRPr lang="en-US" sz="2000" b="0" i="0" u="none" strike="noStrike">
+                        <a:solidFill>
+                          <a:srgbClr val="000000"/>
+                        </a:solidFill>
+                        <a:effectLst/>
+                        <a:latin typeface="Arial" panose="020B0604020202020204" pitchFamily="34" charset="0"/>
+                        <a:cs typeface="Arial" panose="020B0604020202020204" pitchFamily="34" charset="0"/>
+                      </a:endParaRPr>
+                    </a:p>
+                  </a:txBody>
+                  <a:tcPr marL="45720" marR="45720" anchor="b"/>
+                </a:tc>
+                <a:extLst>
+                  <a:ext uri="{0D108BD9-81ED-4DB2-BD59-A6C34878D82A}">
+                    <a16:rowId xmlns:a16="http://schemas.microsoft.com/office/drawing/2014/main" val="58739192"/>
+                  </a:ext>
+                </a:extLst>
+              </a:tr>
+              <a:tr h="370840">
+                <a:tc>
+                  <a:txBody>
+                    <a:bodyPr/>
+                    <a:lstStyle/>
+                    <a:p>
+                      <a:pPr algn="l" fontAlgn="b"/>
+                      <a:r>
+                        <a:rPr lang="en-US" sz="2000" u="none" strike="noStrike" dirty="0">
+                          <a:effectLst/>
+                          <a:latin typeface="Arial" panose="020B0604020202020204" pitchFamily="34" charset="0"/>
+                          <a:cs typeface="Arial" panose="020B0604020202020204" pitchFamily="34" charset="0"/>
+                        </a:rPr>
+                        <a:t>4536</a:t>
+                      </a:r>
+                      <a:endParaRPr lang="en-US" sz="2000" b="0" i="0" u="none" strike="noStrike" dirty="0">
+                        <a:solidFill>
+                          <a:srgbClr val="000000"/>
+                        </a:solidFill>
+                        <a:effectLst/>
+                        <a:latin typeface="Arial" panose="020B0604020202020204" pitchFamily="34" charset="0"/>
+                        <a:cs typeface="Arial" panose="020B0604020202020204" pitchFamily="34" charset="0"/>
+                      </a:endParaRPr>
+                    </a:p>
+                  </a:txBody>
+                  <a:tcPr marL="45720" marR="45720" anchor="b"/>
+                </a:tc>
+                <a:tc>
+                  <a:txBody>
+                    <a:bodyPr/>
+                    <a:lstStyle/>
+                    <a:p>
+                      <a:pPr algn="l" fontAlgn="b"/>
+                      <a:r>
+                        <a:rPr lang="en-US" sz="2000" u="none" strike="noStrike" dirty="0">
+                          <a:effectLst/>
+                          <a:latin typeface="Arial" panose="020B0604020202020204" pitchFamily="34" charset="0"/>
+                          <a:cs typeface="Arial" panose="020B0604020202020204" pitchFamily="34" charset="0"/>
+                        </a:rPr>
+                        <a:t>MT-ND2</a:t>
+                      </a:r>
+                      <a:endParaRPr lang="en-US" sz="2000" b="0" i="0" u="none" strike="noStrike" dirty="0">
+                        <a:solidFill>
+                          <a:srgbClr val="000000"/>
+                        </a:solidFill>
+                        <a:effectLst/>
+                        <a:latin typeface="Arial" panose="020B0604020202020204" pitchFamily="34" charset="0"/>
+                        <a:cs typeface="Arial" panose="020B0604020202020204" pitchFamily="34" charset="0"/>
+                      </a:endParaRPr>
+                    </a:p>
+                  </a:txBody>
+                  <a:tcPr marL="45720" marR="45720" anchor="b"/>
+                </a:tc>
+                <a:tc>
+                  <a:txBody>
+                    <a:bodyPr/>
+                    <a:lstStyle/>
+                    <a:p>
+                      <a:pPr algn="l" fontAlgn="b"/>
+                      <a:r>
+                        <a:rPr lang="en-US" sz="2000" u="none" strike="noStrike">
+                          <a:effectLst/>
+                          <a:latin typeface="Arial" panose="020B0604020202020204" pitchFamily="34" charset="0"/>
+                          <a:cs typeface="Arial" panose="020B0604020202020204" pitchFamily="34" charset="0"/>
+                        </a:rPr>
+                        <a:t>Mitochondrially encoded NADH dehydrogenase 2</a:t>
+                      </a:r>
+                      <a:endParaRPr lang="en-US" sz="2000" b="0" i="0" u="none" strike="noStrike">
+                        <a:solidFill>
+                          <a:srgbClr val="000000"/>
+                        </a:solidFill>
+                        <a:effectLst/>
+                        <a:latin typeface="Arial" panose="020B0604020202020204" pitchFamily="34" charset="0"/>
+                        <a:cs typeface="Arial" panose="020B0604020202020204" pitchFamily="34" charset="0"/>
+                      </a:endParaRPr>
+                    </a:p>
+                  </a:txBody>
+                  <a:tcPr marL="45720" marR="45720" anchor="b"/>
+                </a:tc>
+                <a:tc>
+                  <a:txBody>
+                    <a:bodyPr/>
+                    <a:lstStyle/>
+                    <a:p>
+                      <a:pPr algn="l" fontAlgn="b"/>
+                      <a:r>
+                        <a:rPr lang="en-US" sz="2000" u="none" strike="noStrike">
+                          <a:effectLst/>
+                          <a:latin typeface="Arial" panose="020B0604020202020204" pitchFamily="34" charset="0"/>
+                          <a:cs typeface="Arial" panose="020B0604020202020204" pitchFamily="34" charset="0"/>
+                        </a:rPr>
+                        <a:t>Yes</a:t>
+                      </a:r>
+                      <a:endParaRPr lang="en-US" sz="2000" b="0" i="0" u="none" strike="noStrike">
+                        <a:solidFill>
+                          <a:srgbClr val="000000"/>
+                        </a:solidFill>
+                        <a:effectLst/>
+                        <a:latin typeface="Arial" panose="020B0604020202020204" pitchFamily="34" charset="0"/>
+                        <a:cs typeface="Arial" panose="020B0604020202020204" pitchFamily="34" charset="0"/>
+                      </a:endParaRPr>
+                    </a:p>
+                  </a:txBody>
+                  <a:tcPr marL="45720" marR="45720" anchor="b"/>
+                </a:tc>
+                <a:extLst>
+                  <a:ext uri="{0D108BD9-81ED-4DB2-BD59-A6C34878D82A}">
+                    <a16:rowId xmlns:a16="http://schemas.microsoft.com/office/drawing/2014/main" val="2558668695"/>
+                  </a:ext>
+                </a:extLst>
+              </a:tr>
+              <a:tr h="370840">
+                <a:tc>
+                  <a:txBody>
+                    <a:bodyPr/>
+                    <a:lstStyle/>
+                    <a:p>
+                      <a:pPr algn="l" fontAlgn="b"/>
+                      <a:r>
+                        <a:rPr lang="en-US" sz="2000" u="none" strike="noStrike" dirty="0">
+                          <a:effectLst/>
+                          <a:latin typeface="Arial" panose="020B0604020202020204" pitchFamily="34" charset="0"/>
+                          <a:cs typeface="Arial" panose="020B0604020202020204" pitchFamily="34" charset="0"/>
+                        </a:rPr>
+                        <a:t>6319</a:t>
+                      </a:r>
+                      <a:endParaRPr lang="en-US" sz="2000" b="0" i="0" u="none" strike="noStrike" dirty="0">
+                        <a:solidFill>
+                          <a:srgbClr val="000000"/>
+                        </a:solidFill>
+                        <a:effectLst/>
+                        <a:latin typeface="Arial" panose="020B0604020202020204" pitchFamily="34" charset="0"/>
+                        <a:cs typeface="Arial" panose="020B0604020202020204" pitchFamily="34" charset="0"/>
+                      </a:endParaRPr>
+                    </a:p>
+                  </a:txBody>
+                  <a:tcPr marL="45720" marR="45720" anchor="b"/>
+                </a:tc>
+                <a:tc>
+                  <a:txBody>
+                    <a:bodyPr/>
+                    <a:lstStyle/>
+                    <a:p>
+                      <a:pPr algn="l" fontAlgn="b"/>
+                      <a:r>
+                        <a:rPr lang="en-US" sz="2000" u="none" strike="noStrike" dirty="0">
+                          <a:effectLst/>
+                          <a:latin typeface="Arial" panose="020B0604020202020204" pitchFamily="34" charset="0"/>
+                          <a:cs typeface="Arial" panose="020B0604020202020204" pitchFamily="34" charset="0"/>
+                        </a:rPr>
+                        <a:t>SCD</a:t>
+                      </a:r>
+                      <a:endParaRPr lang="en-US" sz="2000" b="0" i="0" u="none" strike="noStrike" dirty="0">
+                        <a:solidFill>
+                          <a:srgbClr val="000000"/>
+                        </a:solidFill>
+                        <a:effectLst/>
+                        <a:latin typeface="Arial" panose="020B0604020202020204" pitchFamily="34" charset="0"/>
+                        <a:cs typeface="Arial" panose="020B0604020202020204" pitchFamily="34" charset="0"/>
+                      </a:endParaRPr>
+                    </a:p>
+                  </a:txBody>
+                  <a:tcPr marL="45720" marR="45720" anchor="b"/>
+                </a:tc>
+                <a:tc>
+                  <a:txBody>
+                    <a:bodyPr/>
+                    <a:lstStyle/>
+                    <a:p>
+                      <a:pPr algn="l" fontAlgn="b"/>
+                      <a:r>
+                        <a:rPr lang="en-US" sz="2000" u="none" strike="noStrike">
+                          <a:effectLst/>
+                          <a:latin typeface="Arial" panose="020B0604020202020204" pitchFamily="34" charset="0"/>
+                          <a:cs typeface="Arial" panose="020B0604020202020204" pitchFamily="34" charset="0"/>
+                        </a:rPr>
+                        <a:t>Fatty acid biosynthesis</a:t>
+                      </a:r>
+                      <a:endParaRPr lang="en-US" sz="2000" b="0" i="0" u="none" strike="noStrike">
+                        <a:solidFill>
+                          <a:srgbClr val="000000"/>
+                        </a:solidFill>
+                        <a:effectLst/>
+                        <a:latin typeface="Arial" panose="020B0604020202020204" pitchFamily="34" charset="0"/>
+                        <a:cs typeface="Arial" panose="020B0604020202020204" pitchFamily="34" charset="0"/>
+                      </a:endParaRPr>
+                    </a:p>
+                  </a:txBody>
+                  <a:tcPr marL="45720" marR="45720" anchor="b"/>
+                </a:tc>
+                <a:tc>
+                  <a:txBody>
+                    <a:bodyPr/>
+                    <a:lstStyle/>
+                    <a:p>
+                      <a:pPr algn="l" fontAlgn="b"/>
+                      <a:r>
+                        <a:rPr lang="en-US" sz="2000" u="none" strike="noStrike">
+                          <a:effectLst/>
+                          <a:latin typeface="Arial" panose="020B0604020202020204" pitchFamily="34" charset="0"/>
+                          <a:cs typeface="Arial" panose="020B0604020202020204" pitchFamily="34" charset="0"/>
+                        </a:rPr>
+                        <a:t>Yes</a:t>
+                      </a:r>
+                      <a:endParaRPr lang="en-US" sz="2000" b="0" i="0" u="none" strike="noStrike">
+                        <a:solidFill>
+                          <a:srgbClr val="000000"/>
+                        </a:solidFill>
+                        <a:effectLst/>
+                        <a:latin typeface="Arial" panose="020B0604020202020204" pitchFamily="34" charset="0"/>
+                        <a:cs typeface="Arial" panose="020B0604020202020204" pitchFamily="34" charset="0"/>
+                      </a:endParaRPr>
+                    </a:p>
+                  </a:txBody>
+                  <a:tcPr marL="45720" marR="45720" anchor="b"/>
                 </a:tc>
                 <a:extLst>
                   <a:ext uri="{0D108BD9-81ED-4DB2-BD59-A6C34878D82A}">
@@ -9122,30 +10773,104 @@
                     <a:bodyPr/>
                     <a:lstStyle/>
                     <a:p>
-                      <a:endParaRPr lang="en-US"/>
+                      <a:pPr algn="l" fontAlgn="b"/>
+                      <a:r>
+                        <a:rPr lang="en-US" sz="2000" u="none" strike="noStrike" dirty="0">
+                          <a:effectLst/>
+                          <a:latin typeface="Arial" panose="020B0604020202020204" pitchFamily="34" charset="0"/>
+                          <a:cs typeface="Arial" panose="020B0604020202020204" pitchFamily="34" charset="0"/>
+                        </a:rPr>
+                        <a:t>667</a:t>
+                      </a:r>
+                      <a:endParaRPr lang="en-US" sz="2000" b="0" i="0" u="none" strike="noStrike" dirty="0">
+                        <a:solidFill>
+                          <a:srgbClr val="000000"/>
+                        </a:solidFill>
+                        <a:effectLst/>
+                        <a:latin typeface="Arial" panose="020B0604020202020204" pitchFamily="34" charset="0"/>
+                        <a:cs typeface="Arial" panose="020B0604020202020204" pitchFamily="34" charset="0"/>
+                      </a:endParaRPr>
                     </a:p>
                   </a:txBody>
-                  <a:tcPr/>
+                  <a:tcPr marL="45720" marR="45720" anchor="b"/>
                 </a:tc>
                 <a:tc>
                   <a:txBody>
                     <a:bodyPr/>
                     <a:lstStyle/>
                     <a:p>
-                      <a:endParaRPr lang="en-US"/>
+                      <a:pPr algn="l" fontAlgn="b"/>
+                      <a:r>
+                        <a:rPr lang="en-US" sz="2000" u="none" strike="noStrike" dirty="0">
+                          <a:effectLst/>
+                          <a:latin typeface="Arial" panose="020B0604020202020204" pitchFamily="34" charset="0"/>
+                          <a:cs typeface="Arial" panose="020B0604020202020204" pitchFamily="34" charset="0"/>
+                        </a:rPr>
+                        <a:t>DST</a:t>
+                      </a:r>
+                      <a:endParaRPr lang="en-US" sz="2000" b="0" i="0" u="none" strike="noStrike" dirty="0">
+                        <a:solidFill>
+                          <a:srgbClr val="000000"/>
+                        </a:solidFill>
+                        <a:effectLst/>
+                        <a:latin typeface="Arial" panose="020B0604020202020204" pitchFamily="34" charset="0"/>
+                        <a:cs typeface="Arial" panose="020B0604020202020204" pitchFamily="34" charset="0"/>
+                      </a:endParaRPr>
                     </a:p>
                   </a:txBody>
-                  <a:tcPr/>
+                  <a:tcPr marL="45720" marR="45720" anchor="b"/>
                 </a:tc>
                 <a:tc>
                   <a:txBody>
                     <a:bodyPr/>
                     <a:lstStyle/>
                     <a:p>
-                      <a:endParaRPr lang="en-US"/>
+                      <a:pPr algn="l" fontAlgn="b"/>
+                      <a:r>
+                        <a:rPr lang="en-US" sz="2000" u="none" strike="noStrike" dirty="0">
+                          <a:effectLst/>
+                          <a:latin typeface="Arial" panose="020B0604020202020204" pitchFamily="34" charset="0"/>
+                          <a:cs typeface="Arial" panose="020B0604020202020204" pitchFamily="34" charset="0"/>
+                        </a:rPr>
+                        <a:t>Adhesion junction plaque</a:t>
+                      </a:r>
+                      <a:endParaRPr lang="en-US" sz="2000" b="0" i="0" u="none" strike="noStrike" dirty="0">
+                        <a:solidFill>
+                          <a:srgbClr val="000000"/>
+                        </a:solidFill>
+                        <a:effectLst/>
+                        <a:latin typeface="Arial" panose="020B0604020202020204" pitchFamily="34" charset="0"/>
+                        <a:cs typeface="Arial" panose="020B0604020202020204" pitchFamily="34" charset="0"/>
+                      </a:endParaRPr>
                     </a:p>
                   </a:txBody>
-                  <a:tcPr/>
+                  <a:tcPr marL="45720" marR="45720" anchor="b"/>
+                </a:tc>
+                <a:tc>
+                  <a:txBody>
+                    <a:bodyPr/>
+                    <a:lstStyle/>
+                    <a:p>
+                      <a:pPr algn="l" fontAlgn="b"/>
+                      <a:r>
+                        <a:rPr lang="en-US" sz="2000" u="none" strike="noStrike">
+                          <a:effectLst/>
+                          <a:latin typeface="Arial" panose="020B0604020202020204" pitchFamily="34" charset="0"/>
+                          <a:cs typeface="Arial" panose="020B0604020202020204" pitchFamily="34" charset="0"/>
+                        </a:rPr>
+                        <a:t>No</a:t>
+                      </a:r>
+                      <a:endParaRPr lang="en-US" sz="2000" b="0" i="0" u="none" strike="noStrike">
+                        <a:solidFill>
+                          <a:srgbClr val="000000"/>
+                        </a:solidFill>
+                        <a:effectLst/>
+                        <a:latin typeface="Arial" panose="020B0604020202020204" pitchFamily="34" charset="0"/>
+                        <a:cs typeface="Arial" panose="020B0604020202020204" pitchFamily="34" charset="0"/>
+                      </a:endParaRPr>
+                    </a:p>
+                  </a:txBody>
+                  <a:tcPr marL="45720" marR="45720" anchor="b"/>
                 </a:tc>
                 <a:extLst>
                   <a:ext uri="{0D108BD9-81ED-4DB2-BD59-A6C34878D82A}">
@@ -9159,30 +10884,104 @@
                     <a:bodyPr/>
                     <a:lstStyle/>
                     <a:p>
-                      <a:endParaRPr lang="en-US"/>
+                      <a:pPr algn="l" fontAlgn="b"/>
+                      <a:r>
+                        <a:rPr lang="en-US" sz="2000" u="none" strike="noStrike" dirty="0">
+                          <a:effectLst/>
+                          <a:latin typeface="Arial" panose="020B0604020202020204" pitchFamily="34" charset="0"/>
+                          <a:cs typeface="Arial" panose="020B0604020202020204" pitchFamily="34" charset="0"/>
+                        </a:rPr>
+                        <a:t>7812</a:t>
+                      </a:r>
+                      <a:endParaRPr lang="en-US" sz="2000" b="0" i="0" u="none" strike="noStrike" dirty="0">
+                        <a:solidFill>
+                          <a:srgbClr val="000000"/>
+                        </a:solidFill>
+                        <a:effectLst/>
+                        <a:latin typeface="Arial" panose="020B0604020202020204" pitchFamily="34" charset="0"/>
+                        <a:cs typeface="Arial" panose="020B0604020202020204" pitchFamily="34" charset="0"/>
+                      </a:endParaRPr>
                     </a:p>
                   </a:txBody>
-                  <a:tcPr/>
+                  <a:tcPr marL="45720" marR="45720" anchor="b"/>
                 </a:tc>
                 <a:tc>
                   <a:txBody>
                     <a:bodyPr/>
                     <a:lstStyle/>
                     <a:p>
-                      <a:endParaRPr lang="en-US"/>
+                      <a:pPr algn="l" fontAlgn="b"/>
+                      <a:r>
+                        <a:rPr lang="en-US" sz="2000" u="none" strike="noStrike">
+                          <a:effectLst/>
+                          <a:latin typeface="Arial" panose="020B0604020202020204" pitchFamily="34" charset="0"/>
+                          <a:cs typeface="Arial" panose="020B0604020202020204" pitchFamily="34" charset="0"/>
+                        </a:rPr>
+                        <a:t>CSDE1</a:t>
+                      </a:r>
+                      <a:endParaRPr lang="en-US" sz="2000" b="0" i="0" u="none" strike="noStrike">
+                        <a:solidFill>
+                          <a:srgbClr val="000000"/>
+                        </a:solidFill>
+                        <a:effectLst/>
+                        <a:latin typeface="Arial" panose="020B0604020202020204" pitchFamily="34" charset="0"/>
+                        <a:cs typeface="Arial" panose="020B0604020202020204" pitchFamily="34" charset="0"/>
+                      </a:endParaRPr>
                     </a:p>
                   </a:txBody>
-                  <a:tcPr/>
+                  <a:tcPr marL="45720" marR="45720" anchor="b"/>
                 </a:tc>
                 <a:tc>
                   <a:txBody>
                     <a:bodyPr/>
                     <a:lstStyle/>
                     <a:p>
-                      <a:endParaRPr lang="en-US"/>
+                      <a:pPr algn="l" fontAlgn="b"/>
+                      <a:r>
+                        <a:rPr lang="en-US" sz="2000" u="none" strike="noStrike" dirty="0">
+                          <a:effectLst/>
+                          <a:latin typeface="Arial" panose="020B0604020202020204" pitchFamily="34" charset="0"/>
+                          <a:cs typeface="Arial" panose="020B0604020202020204" pitchFamily="34" charset="0"/>
+                        </a:rPr>
+                        <a:t>RNA-binding </a:t>
+                      </a:r>
+                      <a:endParaRPr lang="en-US" sz="2000" b="0" i="0" u="none" strike="noStrike" dirty="0">
+                        <a:solidFill>
+                          <a:srgbClr val="000000"/>
+                        </a:solidFill>
+                        <a:effectLst/>
+                        <a:latin typeface="Arial" panose="020B0604020202020204" pitchFamily="34" charset="0"/>
+                        <a:cs typeface="Arial" panose="020B0604020202020204" pitchFamily="34" charset="0"/>
+                      </a:endParaRPr>
                     </a:p>
                   </a:txBody>
-                  <a:tcPr/>
+                  <a:tcPr marL="45720" marR="45720" anchor="b"/>
+                </a:tc>
+                <a:tc>
+                  <a:txBody>
+                    <a:bodyPr/>
+                    <a:lstStyle/>
+                    <a:p>
+                      <a:pPr algn="l" fontAlgn="b"/>
+                      <a:r>
+                        <a:rPr lang="en-US" sz="2000" u="none" strike="noStrike">
+                          <a:effectLst/>
+                          <a:latin typeface="Arial" panose="020B0604020202020204" pitchFamily="34" charset="0"/>
+                          <a:cs typeface="Arial" panose="020B0604020202020204" pitchFamily="34" charset="0"/>
+                        </a:rPr>
+                        <a:t>No</a:t>
+                      </a:r>
+                      <a:endParaRPr lang="en-US" sz="2000" b="0" i="0" u="none" strike="noStrike">
+                        <a:solidFill>
+                          <a:srgbClr val="000000"/>
+                        </a:solidFill>
+                        <a:effectLst/>
+                        <a:latin typeface="Arial" panose="020B0604020202020204" pitchFamily="34" charset="0"/>
+                        <a:cs typeface="Arial" panose="020B0604020202020204" pitchFamily="34" charset="0"/>
+                      </a:endParaRPr>
+                    </a:p>
+                  </a:txBody>
+                  <a:tcPr marL="45720" marR="45720" anchor="b"/>
                 </a:tc>
                 <a:extLst>
                   <a:ext uri="{0D108BD9-81ED-4DB2-BD59-A6C34878D82A}">
@@ -9196,30 +10995,104 @@
                     <a:bodyPr/>
                     <a:lstStyle/>
                     <a:p>
-                      <a:endParaRPr lang="en-US"/>
+                      <a:pPr algn="l" fontAlgn="b"/>
+                      <a:r>
+                        <a:rPr lang="en-US" sz="2000" u="none" strike="noStrike" dirty="0">
+                          <a:effectLst/>
+                          <a:latin typeface="Arial" panose="020B0604020202020204" pitchFamily="34" charset="0"/>
+                          <a:cs typeface="Arial" panose="020B0604020202020204" pitchFamily="34" charset="0"/>
+                        </a:rPr>
+                        <a:t>5317</a:t>
+                      </a:r>
+                      <a:endParaRPr lang="en-US" sz="2000" b="0" i="0" u="none" strike="noStrike" dirty="0">
+                        <a:solidFill>
+                          <a:srgbClr val="000000"/>
+                        </a:solidFill>
+                        <a:effectLst/>
+                        <a:latin typeface="Arial" panose="020B0604020202020204" pitchFamily="34" charset="0"/>
+                        <a:cs typeface="Arial" panose="020B0604020202020204" pitchFamily="34" charset="0"/>
+                      </a:endParaRPr>
                     </a:p>
                   </a:txBody>
-                  <a:tcPr/>
+                  <a:tcPr marL="45720" marR="45720" anchor="b"/>
                 </a:tc>
                 <a:tc>
                   <a:txBody>
                     <a:bodyPr/>
                     <a:lstStyle/>
                     <a:p>
-                      <a:endParaRPr lang="en-US"/>
+                      <a:pPr algn="l" fontAlgn="b"/>
+                      <a:r>
+                        <a:rPr lang="en-US" sz="2000" u="none" strike="noStrike">
+                          <a:effectLst/>
+                          <a:latin typeface="Arial" panose="020B0604020202020204" pitchFamily="34" charset="0"/>
+                          <a:cs typeface="Arial" panose="020B0604020202020204" pitchFamily="34" charset="0"/>
+                        </a:rPr>
+                        <a:t>PKP1</a:t>
+                      </a:r>
+                      <a:endParaRPr lang="en-US" sz="2000" b="0" i="0" u="none" strike="noStrike">
+                        <a:solidFill>
+                          <a:srgbClr val="000000"/>
+                        </a:solidFill>
+                        <a:effectLst/>
+                        <a:latin typeface="Arial" panose="020B0604020202020204" pitchFamily="34" charset="0"/>
+                        <a:cs typeface="Arial" panose="020B0604020202020204" pitchFamily="34" charset="0"/>
+                      </a:endParaRPr>
                     </a:p>
                   </a:txBody>
-                  <a:tcPr/>
+                  <a:tcPr marL="45720" marR="45720" anchor="b"/>
                 </a:tc>
                 <a:tc>
                   <a:txBody>
                     <a:bodyPr/>
                     <a:lstStyle/>
                     <a:p>
-                      <a:endParaRPr lang="en-US"/>
+                      <a:pPr algn="l" fontAlgn="b"/>
+                      <a:r>
+                        <a:rPr lang="en-US" sz="2000" u="none" strike="noStrike" dirty="0">
+                          <a:effectLst/>
+                          <a:latin typeface="Arial" panose="020B0604020202020204" pitchFamily="34" charset="0"/>
+                          <a:cs typeface="Arial" panose="020B0604020202020204" pitchFamily="34" charset="0"/>
+                        </a:rPr>
+                        <a:t>Cytoskeleton</a:t>
+                      </a:r>
+                      <a:endParaRPr lang="en-US" sz="2000" b="0" i="0" u="none" strike="noStrike" dirty="0">
+                        <a:solidFill>
+                          <a:srgbClr val="000000"/>
+                        </a:solidFill>
+                        <a:effectLst/>
+                        <a:latin typeface="Arial" panose="020B0604020202020204" pitchFamily="34" charset="0"/>
+                        <a:cs typeface="Arial" panose="020B0604020202020204" pitchFamily="34" charset="0"/>
+                      </a:endParaRPr>
                     </a:p>
                   </a:txBody>
-                  <a:tcPr/>
+                  <a:tcPr marL="45720" marR="45720" anchor="b"/>
+                </a:tc>
+                <a:tc>
+                  <a:txBody>
+                    <a:bodyPr/>
+                    <a:lstStyle/>
+                    <a:p>
+                      <a:pPr algn="l" fontAlgn="b"/>
+                      <a:r>
+                        <a:rPr lang="en-US" sz="2000" u="none" strike="noStrike">
+                          <a:effectLst/>
+                          <a:latin typeface="Arial" panose="020B0604020202020204" pitchFamily="34" charset="0"/>
+                          <a:cs typeface="Arial" panose="020B0604020202020204" pitchFamily="34" charset="0"/>
+                        </a:rPr>
+                        <a:t>Yes</a:t>
+                      </a:r>
+                      <a:endParaRPr lang="en-US" sz="2000" b="0" i="0" u="none" strike="noStrike">
+                        <a:solidFill>
+                          <a:srgbClr val="000000"/>
+                        </a:solidFill>
+                        <a:effectLst/>
+                        <a:latin typeface="Arial" panose="020B0604020202020204" pitchFamily="34" charset="0"/>
+                        <a:cs typeface="Arial" panose="020B0604020202020204" pitchFamily="34" charset="0"/>
+                      </a:endParaRPr>
+                    </a:p>
+                  </a:txBody>
+                  <a:tcPr marL="45720" marR="45720" anchor="b"/>
                 </a:tc>
                 <a:extLst>
                   <a:ext uri="{0D108BD9-81ED-4DB2-BD59-A6C34878D82A}">
@@ -9233,30 +11106,104 @@
                     <a:bodyPr/>
                     <a:lstStyle/>
                     <a:p>
-                      <a:endParaRPr lang="en-US"/>
+                      <a:pPr algn="l" fontAlgn="b"/>
+                      <a:r>
+                        <a:rPr lang="en-US" sz="2000" u="none" strike="noStrike" dirty="0">
+                          <a:effectLst/>
+                          <a:latin typeface="Arial" panose="020B0604020202020204" pitchFamily="34" charset="0"/>
+                          <a:cs typeface="Arial" panose="020B0604020202020204" pitchFamily="34" charset="0"/>
+                        </a:rPr>
+                        <a:t>3868</a:t>
+                      </a:r>
+                      <a:endParaRPr lang="en-US" sz="2000" b="0" i="0" u="none" strike="noStrike" dirty="0">
+                        <a:solidFill>
+                          <a:srgbClr val="000000"/>
+                        </a:solidFill>
+                        <a:effectLst/>
+                        <a:latin typeface="Arial" panose="020B0604020202020204" pitchFamily="34" charset="0"/>
+                        <a:cs typeface="Arial" panose="020B0604020202020204" pitchFamily="34" charset="0"/>
+                      </a:endParaRPr>
                     </a:p>
                   </a:txBody>
-                  <a:tcPr/>
+                  <a:tcPr marL="45720" marR="45720" anchor="b"/>
                 </a:tc>
                 <a:tc>
                   <a:txBody>
                     <a:bodyPr/>
                     <a:lstStyle/>
                     <a:p>
-                      <a:endParaRPr lang="en-US"/>
+                      <a:pPr algn="l" fontAlgn="b"/>
+                      <a:r>
+                        <a:rPr lang="en-US" sz="2000" u="none" strike="noStrike">
+                          <a:effectLst/>
+                          <a:latin typeface="Arial" panose="020B0604020202020204" pitchFamily="34" charset="0"/>
+                          <a:cs typeface="Arial" panose="020B0604020202020204" pitchFamily="34" charset="0"/>
+                        </a:rPr>
+                        <a:t>KRT16</a:t>
+                      </a:r>
+                      <a:endParaRPr lang="en-US" sz="2000" b="0" i="0" u="none" strike="noStrike">
+                        <a:solidFill>
+                          <a:srgbClr val="000000"/>
+                        </a:solidFill>
+                        <a:effectLst/>
+                        <a:latin typeface="Arial" panose="020B0604020202020204" pitchFamily="34" charset="0"/>
+                        <a:cs typeface="Arial" panose="020B0604020202020204" pitchFamily="34" charset="0"/>
+                      </a:endParaRPr>
                     </a:p>
                   </a:txBody>
-                  <a:tcPr/>
+                  <a:tcPr marL="45720" marR="45720" anchor="b"/>
                 </a:tc>
                 <a:tc>
                   <a:txBody>
                     <a:bodyPr/>
                     <a:lstStyle/>
                     <a:p>
-                      <a:endParaRPr lang="en-US"/>
+                      <a:pPr algn="l" fontAlgn="b"/>
+                      <a:r>
+                        <a:rPr lang="en-US" sz="2000" u="none" strike="noStrike" dirty="0">
+                          <a:effectLst/>
+                          <a:latin typeface="Arial" panose="020B0604020202020204" pitchFamily="34" charset="0"/>
+                          <a:cs typeface="Arial" panose="020B0604020202020204" pitchFamily="34" charset="0"/>
+                        </a:rPr>
+                        <a:t>Epithelial cell cytoskeleton</a:t>
+                      </a:r>
+                      <a:endParaRPr lang="en-US" sz="2000" b="0" i="0" u="none" strike="noStrike" dirty="0">
+                        <a:solidFill>
+                          <a:srgbClr val="000000"/>
+                        </a:solidFill>
+                        <a:effectLst/>
+                        <a:latin typeface="Arial" panose="020B0604020202020204" pitchFamily="34" charset="0"/>
+                        <a:cs typeface="Arial" panose="020B0604020202020204" pitchFamily="34" charset="0"/>
+                      </a:endParaRPr>
                     </a:p>
                   </a:txBody>
-                  <a:tcPr/>
+                  <a:tcPr marL="45720" marR="45720" anchor="b"/>
+                </a:tc>
+                <a:tc>
+                  <a:txBody>
+                    <a:bodyPr/>
+                    <a:lstStyle/>
+                    <a:p>
+                      <a:pPr algn="l" fontAlgn="b"/>
+                      <a:r>
+                        <a:rPr lang="en-US" sz="2000" u="none" strike="noStrike">
+                          <a:effectLst/>
+                          <a:latin typeface="Arial" panose="020B0604020202020204" pitchFamily="34" charset="0"/>
+                          <a:cs typeface="Arial" panose="020B0604020202020204" pitchFamily="34" charset="0"/>
+                        </a:rPr>
+                        <a:t>No</a:t>
+                      </a:r>
+                      <a:endParaRPr lang="en-US" sz="2000" b="0" i="0" u="none" strike="noStrike">
+                        <a:solidFill>
+                          <a:srgbClr val="000000"/>
+                        </a:solidFill>
+                        <a:effectLst/>
+                        <a:latin typeface="Arial" panose="020B0604020202020204" pitchFamily="34" charset="0"/>
+                        <a:cs typeface="Arial" panose="020B0604020202020204" pitchFamily="34" charset="0"/>
+                      </a:endParaRPr>
+                    </a:p>
+                  </a:txBody>
+                  <a:tcPr marL="45720" marR="45720" anchor="b"/>
                 </a:tc>
                 <a:extLst>
                   <a:ext uri="{0D108BD9-81ED-4DB2-BD59-A6C34878D82A}">
@@ -9270,30 +11217,104 @@
                     <a:bodyPr/>
                     <a:lstStyle/>
                     <a:p>
-                      <a:endParaRPr lang="en-US"/>
+                      <a:pPr algn="l" fontAlgn="b"/>
+                      <a:r>
+                        <a:rPr lang="en-US" sz="2000" u="none" strike="noStrike" dirty="0">
+                          <a:effectLst/>
+                          <a:latin typeface="Arial" panose="020B0604020202020204" pitchFamily="34" charset="0"/>
+                          <a:cs typeface="Arial" panose="020B0604020202020204" pitchFamily="34" charset="0"/>
+                        </a:rPr>
+                        <a:t>9168</a:t>
+                      </a:r>
+                      <a:endParaRPr lang="en-US" sz="2000" b="0" i="0" u="none" strike="noStrike" dirty="0">
+                        <a:solidFill>
+                          <a:srgbClr val="000000"/>
+                        </a:solidFill>
+                        <a:effectLst/>
+                        <a:latin typeface="Arial" panose="020B0604020202020204" pitchFamily="34" charset="0"/>
+                        <a:cs typeface="Arial" panose="020B0604020202020204" pitchFamily="34" charset="0"/>
+                      </a:endParaRPr>
                     </a:p>
                   </a:txBody>
-                  <a:tcPr/>
+                  <a:tcPr marL="45720" marR="45720" anchor="b"/>
                 </a:tc>
                 <a:tc>
                   <a:txBody>
                     <a:bodyPr/>
                     <a:lstStyle/>
                     <a:p>
-                      <a:endParaRPr lang="en-US"/>
+                      <a:pPr algn="l" fontAlgn="b"/>
+                      <a:r>
+                        <a:rPr lang="en-US" sz="2000" u="none" strike="noStrike">
+                          <a:effectLst/>
+                          <a:latin typeface="Arial" panose="020B0604020202020204" pitchFamily="34" charset="0"/>
+                          <a:cs typeface="Arial" panose="020B0604020202020204" pitchFamily="34" charset="0"/>
+                        </a:rPr>
+                        <a:t>TMSB10</a:t>
+                      </a:r>
+                      <a:endParaRPr lang="en-US" sz="2000" b="0" i="0" u="none" strike="noStrike">
+                        <a:solidFill>
+                          <a:srgbClr val="000000"/>
+                        </a:solidFill>
+                        <a:effectLst/>
+                        <a:latin typeface="Arial" panose="020B0604020202020204" pitchFamily="34" charset="0"/>
+                        <a:cs typeface="Arial" panose="020B0604020202020204" pitchFamily="34" charset="0"/>
+                      </a:endParaRPr>
                     </a:p>
                   </a:txBody>
-                  <a:tcPr/>
+                  <a:tcPr marL="45720" marR="45720" anchor="b"/>
                 </a:tc>
                 <a:tc>
                   <a:txBody>
                     <a:bodyPr/>
                     <a:lstStyle/>
                     <a:p>
-                      <a:endParaRPr lang="en-US"/>
+                      <a:pPr algn="l" fontAlgn="b"/>
+                      <a:r>
+                        <a:rPr lang="en-US" sz="2000" u="none" strike="noStrike" dirty="0">
+                          <a:effectLst/>
+                          <a:latin typeface="Arial" panose="020B0604020202020204" pitchFamily="34" charset="0"/>
+                          <a:cs typeface="Arial" panose="020B0604020202020204" pitchFamily="34" charset="0"/>
+                        </a:rPr>
+                        <a:t>Actin binding</a:t>
+                      </a:r>
+                      <a:endParaRPr lang="en-US" sz="2000" b="0" i="0" u="none" strike="noStrike" dirty="0">
+                        <a:solidFill>
+                          <a:srgbClr val="000000"/>
+                        </a:solidFill>
+                        <a:effectLst/>
+                        <a:latin typeface="Arial" panose="020B0604020202020204" pitchFamily="34" charset="0"/>
+                        <a:cs typeface="Arial" panose="020B0604020202020204" pitchFamily="34" charset="0"/>
+                      </a:endParaRPr>
                     </a:p>
                   </a:txBody>
-                  <a:tcPr/>
+                  <a:tcPr marL="45720" marR="45720" anchor="b"/>
+                </a:tc>
+                <a:tc>
+                  <a:txBody>
+                    <a:bodyPr/>
+                    <a:lstStyle/>
+                    <a:p>
+                      <a:pPr algn="l" fontAlgn="b"/>
+                      <a:r>
+                        <a:rPr lang="en-US" sz="2000" u="none" strike="noStrike" dirty="0">
+                          <a:effectLst/>
+                          <a:latin typeface="Arial" panose="020B0604020202020204" pitchFamily="34" charset="0"/>
+                          <a:cs typeface="Arial" panose="020B0604020202020204" pitchFamily="34" charset="0"/>
+                        </a:rPr>
+                        <a:t>Yes</a:t>
+                      </a:r>
+                      <a:endParaRPr lang="en-US" sz="2000" b="0" i="0" u="none" strike="noStrike" dirty="0">
+                        <a:solidFill>
+                          <a:srgbClr val="000000"/>
+                        </a:solidFill>
+                        <a:effectLst/>
+                        <a:latin typeface="Arial" panose="020B0604020202020204" pitchFamily="34" charset="0"/>
+                        <a:cs typeface="Arial" panose="020B0604020202020204" pitchFamily="34" charset="0"/>
+                      </a:endParaRPr>
+                    </a:p>
+                  </a:txBody>
+                  <a:tcPr marL="45720" marR="45720" anchor="b"/>
                 </a:tc>
                 <a:extLst>
                   <a:ext uri="{0D108BD9-81ED-4DB2-BD59-A6C34878D82A}">
@@ -9307,30 +11328,104 @@
                     <a:bodyPr/>
                     <a:lstStyle/>
                     <a:p>
-                      <a:endParaRPr lang="en-US"/>
+                      <a:pPr algn="l" fontAlgn="b"/>
+                      <a:r>
+                        <a:rPr lang="en-US" sz="2000" u="none" strike="noStrike" dirty="0">
+                          <a:effectLst/>
+                          <a:latin typeface="Arial" panose="020B0604020202020204" pitchFamily="34" charset="0"/>
+                          <a:cs typeface="Arial" panose="020B0604020202020204" pitchFamily="34" charset="0"/>
+                        </a:rPr>
+                        <a:t>6273</a:t>
+                      </a:r>
+                      <a:endParaRPr lang="en-US" sz="2000" b="0" i="0" u="none" strike="noStrike" dirty="0">
+                        <a:solidFill>
+                          <a:srgbClr val="000000"/>
+                        </a:solidFill>
+                        <a:effectLst/>
+                        <a:latin typeface="Arial" panose="020B0604020202020204" pitchFamily="34" charset="0"/>
+                        <a:cs typeface="Arial" panose="020B0604020202020204" pitchFamily="34" charset="0"/>
+                      </a:endParaRPr>
                     </a:p>
                   </a:txBody>
-                  <a:tcPr/>
+                  <a:tcPr marL="45720" marR="45720" anchor="b"/>
                 </a:tc>
                 <a:tc>
                   <a:txBody>
                     <a:bodyPr/>
                     <a:lstStyle/>
                     <a:p>
-                      <a:endParaRPr lang="en-US"/>
+                      <a:pPr algn="l" fontAlgn="b"/>
+                      <a:r>
+                        <a:rPr lang="en-US" sz="2000" u="none" strike="noStrike">
+                          <a:effectLst/>
+                          <a:latin typeface="Arial" panose="020B0604020202020204" pitchFamily="34" charset="0"/>
+                          <a:cs typeface="Arial" panose="020B0604020202020204" pitchFamily="34" charset="0"/>
+                        </a:rPr>
+                        <a:t>S100A2</a:t>
+                      </a:r>
+                      <a:endParaRPr lang="en-US" sz="2000" b="0" i="0" u="none" strike="noStrike">
+                        <a:solidFill>
+                          <a:srgbClr val="000000"/>
+                        </a:solidFill>
+                        <a:effectLst/>
+                        <a:latin typeface="Arial" panose="020B0604020202020204" pitchFamily="34" charset="0"/>
+                        <a:cs typeface="Arial" panose="020B0604020202020204" pitchFamily="34" charset="0"/>
+                      </a:endParaRPr>
                     </a:p>
                   </a:txBody>
-                  <a:tcPr/>
+                  <a:tcPr marL="45720" marR="45720" anchor="b"/>
                 </a:tc>
                 <a:tc>
                   <a:txBody>
                     <a:bodyPr/>
                     <a:lstStyle/>
                     <a:p>
-                      <a:endParaRPr lang="en-US" dirty="0"/>
+                      <a:pPr algn="l" fontAlgn="b"/>
+                      <a:r>
+                        <a:rPr lang="en-US" sz="2000" u="none" strike="noStrike">
+                          <a:effectLst/>
+                          <a:latin typeface="Arial" panose="020B0604020202020204" pitchFamily="34" charset="0"/>
+                          <a:cs typeface="Arial" panose="020B0604020202020204" pitchFamily="34" charset="0"/>
+                        </a:rPr>
+                        <a:t>Cell cycle regulation</a:t>
+                      </a:r>
+                      <a:endParaRPr lang="en-US" sz="2000" b="0" i="0" u="none" strike="noStrike">
+                        <a:solidFill>
+                          <a:srgbClr val="000000"/>
+                        </a:solidFill>
+                        <a:effectLst/>
+                        <a:latin typeface="Arial" panose="020B0604020202020204" pitchFamily="34" charset="0"/>
+                        <a:cs typeface="Arial" panose="020B0604020202020204" pitchFamily="34" charset="0"/>
+                      </a:endParaRPr>
                     </a:p>
                   </a:txBody>
-                  <a:tcPr/>
+                  <a:tcPr marL="45720" marR="45720" anchor="b"/>
+                </a:tc>
+                <a:tc>
+                  <a:txBody>
+                    <a:bodyPr/>
+                    <a:lstStyle/>
+                    <a:p>
+                      <a:pPr algn="l" fontAlgn="b"/>
+                      <a:r>
+                        <a:rPr lang="en-US" sz="2000" u="none" strike="noStrike" dirty="0">
+                          <a:effectLst/>
+                          <a:latin typeface="Arial" panose="020B0604020202020204" pitchFamily="34" charset="0"/>
+                          <a:cs typeface="Arial" panose="020B0604020202020204" pitchFamily="34" charset="0"/>
+                        </a:rPr>
+                        <a:t>Yes</a:t>
+                      </a:r>
+                      <a:endParaRPr lang="en-US" sz="2000" b="0" i="0" u="none" strike="noStrike" dirty="0">
+                        <a:solidFill>
+                          <a:srgbClr val="000000"/>
+                        </a:solidFill>
+                        <a:effectLst/>
+                        <a:latin typeface="Arial" panose="020B0604020202020204" pitchFamily="34" charset="0"/>
+                        <a:cs typeface="Arial" panose="020B0604020202020204" pitchFamily="34" charset="0"/>
+                      </a:endParaRPr>
+                    </a:p>
+                  </a:txBody>
+                  <a:tcPr marL="45720" marR="45720" anchor="b"/>
                 </a:tc>
                 <a:extLst>
                   <a:ext uri="{0D108BD9-81ED-4DB2-BD59-A6C34878D82A}">
@@ -9342,6 +11437,64 @@
           </a:graphicData>
         </a:graphic>
       </p:graphicFrame>
+      <p:sp>
+        <p:nvSpPr>
+          <p:cNvPr id="3" name="Title 1">
+            <a:extLst>
+              <a:ext uri="{FF2B5EF4-FFF2-40B4-BE49-F238E27FC236}">
+                <a16:creationId xmlns:a16="http://schemas.microsoft.com/office/drawing/2014/main" id="{E13913D9-7DF0-480E-B923-96481E51F4C7}"/>
+              </a:ext>
+            </a:extLst>
+          </p:cNvPr>
+          <p:cNvSpPr txBox="1">
+            <a:spLocks/>
+          </p:cNvSpPr>
+          <p:nvPr/>
+        </p:nvSpPr>
+        <p:spPr>
+          <a:xfrm>
+            <a:off x="681038" y="365128"/>
+            <a:ext cx="8543925" cy="1038712"/>
+          </a:xfrm>
+          <a:prstGeom prst="rect">
+            <a:avLst/>
+          </a:prstGeom>
+        </p:spPr>
+        <p:txBody>
+          <a:bodyPr>
+            <a:normAutofit/>
+          </a:bodyPr>
+          <a:lstStyle>
+            <a:lvl1pPr algn="l" defTabSz="914400" rtl="0" eaLnBrk="1" latinLnBrk="0" hangingPunct="1">
+              <a:lnSpc>
+                <a:spcPct val="90000"/>
+              </a:lnSpc>
+              <a:spcBef>
+                <a:spcPct val="0"/>
+              </a:spcBef>
+              <a:buNone/>
+              <a:defRPr sz="4400" kern="1200">
+                <a:solidFill>
+                  <a:schemeClr val="tx1"/>
+                </a:solidFill>
+                <a:latin typeface="+mj-lt"/>
+                <a:ea typeface="+mj-ea"/>
+                <a:cs typeface="+mj-cs"/>
+              </a:defRPr>
+            </a:lvl1pPr>
+          </a:lstStyle>
+          <a:p>
+            <a:pPr algn="ctr"/>
+            <a:r>
+              <a:rPr lang="en-US" sz="3600" dirty="0">
+                <a:latin typeface="Arial" panose="020B0604020202020204" pitchFamily="34" charset="0"/>
+                <a:cs typeface="Arial" panose="020B0604020202020204" pitchFamily="34" charset="0"/>
+              </a:rPr>
+              <a:t>High Scoring Genes</a:t>
+            </a:r>
+          </a:p>
+        </p:txBody>
+      </p:sp>
     </p:spTree>
     <p:extLst>
       <p:ext uri="{BB962C8B-B14F-4D97-AF65-F5344CB8AC3E}">
@@ -9355,7 +11508,7 @@
 </p:sld>
 </file>
 
-<file path=ppt/slides/slide14.xml><?xml version="1.0" encoding="utf-8"?>
+<file path=ppt/slides/slide17.xml><?xml version="1.0" encoding="utf-8"?>
 <p:sld xmlns:a="http://schemas.openxmlformats.org/drawingml/2006/main" xmlns:r="http://schemas.openxmlformats.org/officeDocument/2006/relationships" xmlns:p="http://schemas.openxmlformats.org/presentationml/2006/main">
   <p:cSld>
     <p:spTree>
@@ -9449,6 +11602,100 @@
 </file>
 
 <file path=ppt/slides/slide2.xml><?xml version="1.0" encoding="utf-8"?>
+<p:sld xmlns:a="http://schemas.openxmlformats.org/drawingml/2006/main" xmlns:r="http://schemas.openxmlformats.org/officeDocument/2006/relationships" xmlns:p="http://schemas.openxmlformats.org/presentationml/2006/main">
+  <p:cSld>
+    <p:spTree>
+      <p:nvGrpSpPr>
+        <p:cNvPr id="1" name=""/>
+        <p:cNvGrpSpPr/>
+        <p:nvPr/>
+      </p:nvGrpSpPr>
+      <p:grpSpPr>
+        <a:xfrm>
+          <a:off x="0" y="0"/>
+          <a:ext cx="0" cy="0"/>
+          <a:chOff x="0" y="0"/>
+          <a:chExt cx="0" cy="0"/>
+        </a:xfrm>
+      </p:grpSpPr>
+      <p:sp>
+        <p:nvSpPr>
+          <p:cNvPr id="2" name="Title 1">
+            <a:extLst>
+              <a:ext uri="{FF2B5EF4-FFF2-40B4-BE49-F238E27FC236}">
+                <a16:creationId xmlns:a16="http://schemas.microsoft.com/office/drawing/2014/main" id="{90FBA9F3-1B77-4A3A-BFDA-A01273589195}"/>
+              </a:ext>
+            </a:extLst>
+          </p:cNvPr>
+          <p:cNvSpPr>
+            <a:spLocks noGrp="1"/>
+          </p:cNvSpPr>
+          <p:nvPr>
+            <p:ph type="title"/>
+          </p:nvPr>
+        </p:nvSpPr>
+        <p:spPr/>
+        <p:txBody>
+          <a:bodyPr>
+            <a:normAutofit/>
+          </a:bodyPr>
+          <a:lstStyle/>
+          <a:p>
+            <a:r>
+              <a:rPr lang="en-US" sz="4000" dirty="0">
+                <a:latin typeface="Arial" panose="020B0604020202020204" pitchFamily="34" charset="0"/>
+                <a:cs typeface="Arial" panose="020B0604020202020204" pitchFamily="34" charset="0"/>
+              </a:rPr>
+              <a:t>Network Based Co-Expression Patterns</a:t>
+            </a:r>
+          </a:p>
+        </p:txBody>
+      </p:sp>
+      <p:sp>
+        <p:nvSpPr>
+          <p:cNvPr id="3" name="Text Placeholder 2">
+            <a:extLst>
+              <a:ext uri="{FF2B5EF4-FFF2-40B4-BE49-F238E27FC236}">
+                <a16:creationId xmlns:a16="http://schemas.microsoft.com/office/drawing/2014/main" id="{01EAB58A-2CC8-45C1-9A01-3064561BD840}"/>
+              </a:ext>
+            </a:extLst>
+          </p:cNvPr>
+          <p:cNvSpPr>
+            <a:spLocks noGrp="1"/>
+          </p:cNvSpPr>
+          <p:nvPr>
+            <p:ph type="body" idx="1"/>
+          </p:nvPr>
+        </p:nvSpPr>
+        <p:spPr/>
+        <p:txBody>
+          <a:bodyPr/>
+          <a:lstStyle/>
+          <a:p>
+            <a:r>
+              <a:rPr lang="en-US" dirty="0">
+                <a:latin typeface="Arial" panose="020B0604020202020204" pitchFamily="34" charset="0"/>
+                <a:cs typeface="Arial" panose="020B0604020202020204" pitchFamily="34" charset="0"/>
+              </a:rPr>
+              <a:t>A tool for integrating time-course expression data into differential expression analysis</a:t>
+            </a:r>
+          </a:p>
+        </p:txBody>
+      </p:sp>
+    </p:spTree>
+    <p:extLst>
+      <p:ext uri="{BB962C8B-B14F-4D97-AF65-F5344CB8AC3E}">
+        <p14:creationId xmlns:p14="http://schemas.microsoft.com/office/powerpoint/2010/main" val="921489834"/>
+      </p:ext>
+    </p:extLst>
+  </p:cSld>
+  <p:clrMapOvr>
+    <a:masterClrMapping/>
+  </p:clrMapOvr>
+</p:sld>
+</file>
+
+<file path=ppt/slides/slide3.xml><?xml version="1.0" encoding="utf-8"?>
 <p:sld xmlns:a="http://schemas.openxmlformats.org/drawingml/2006/main" xmlns:r="http://schemas.openxmlformats.org/officeDocument/2006/relationships" xmlns:p="http://schemas.openxmlformats.org/presentationml/2006/main">
   <p:cSld>
     <p:spTree>
@@ -9596,7 +11843,7 @@
 </p:sld>
 </file>
 
-<file path=ppt/slides/slide3.xml><?xml version="1.0" encoding="utf-8"?>
+<file path=ppt/slides/slide4.xml><?xml version="1.0" encoding="utf-8"?>
 <p:sld xmlns:a="http://schemas.openxmlformats.org/drawingml/2006/main" xmlns:r="http://schemas.openxmlformats.org/officeDocument/2006/relationships" xmlns:p="http://schemas.openxmlformats.org/presentationml/2006/main">
   <p:cSld>
     <p:spTree>
@@ -9839,7 +12086,7 @@
 </p:sld>
 </file>
 
-<file path=ppt/slides/slide4.xml><?xml version="1.0" encoding="utf-8"?>
+<file path=ppt/slides/slide5.xml><?xml version="1.0" encoding="utf-8"?>
 <p:sld xmlns:a="http://schemas.openxmlformats.org/drawingml/2006/main" xmlns:r="http://schemas.openxmlformats.org/officeDocument/2006/relationships" xmlns:p="http://schemas.openxmlformats.org/presentationml/2006/main">
   <p:cSld>
     <p:spTree>
@@ -9933,8 +12180,8 @@
           </a:extLst>
         </p:spPr>
       </p:pic>
-      <mc:AlternateContent xmlns:mc="http://schemas.openxmlformats.org/markup-compatibility/2006">
-        <mc:Choice xmlns:a14="http://schemas.microsoft.com/office/drawing/2010/main" Requires="a14">
+      <mc:AlternateContent xmlns:mc="http://schemas.openxmlformats.org/markup-compatibility/2006" xmlns:a14="http://schemas.microsoft.com/office/drawing/2010/main">
+        <mc:Choice Requires="a14">
           <p:sp>
             <p:nvSpPr>
               <p:cNvPr id="6" name="TextBox 5">
@@ -10517,7 +12764,7 @@
             </p:txBody>
           </p:sp>
         </mc:Choice>
-        <mc:Fallback>
+        <mc:Fallback xmlns="">
           <p:sp>
             <p:nvSpPr>
               <p:cNvPr id="6" name="TextBox 5">
@@ -10627,7 +12874,7 @@
 </p:sld>
 </file>
 
-<file path=ppt/slides/slide5.xml><?xml version="1.0" encoding="utf-8"?>
+<file path=ppt/slides/slide6.xml><?xml version="1.0" encoding="utf-8"?>
 <p:sld xmlns:a="http://schemas.openxmlformats.org/drawingml/2006/main" xmlns:r="http://schemas.openxmlformats.org/officeDocument/2006/relationships" xmlns:p="http://schemas.openxmlformats.org/presentationml/2006/main">
   <p:cSld>
     <p:spTree>
@@ -10829,7 +13076,7 @@
 </p:sld>
 </file>
 
-<file path=ppt/slides/slide6.xml><?xml version="1.0" encoding="utf-8"?>
+<file path=ppt/slides/slide7.xml><?xml version="1.0" encoding="utf-8"?>
 <p:sld xmlns:a="http://schemas.openxmlformats.org/drawingml/2006/main" xmlns:r="http://schemas.openxmlformats.org/officeDocument/2006/relationships" xmlns:p="http://schemas.openxmlformats.org/presentationml/2006/main">
   <p:cSld>
     <p:spTree>
@@ -11054,7 +13301,7 @@
 </p:sld>
 </file>
 
-<file path=ppt/slides/slide7.xml><?xml version="1.0" encoding="utf-8"?>
+<file path=ppt/slides/slide8.xml><?xml version="1.0" encoding="utf-8"?>
 <p:sld xmlns:a="http://schemas.openxmlformats.org/drawingml/2006/main" xmlns:r="http://schemas.openxmlformats.org/officeDocument/2006/relationships" xmlns:p="http://schemas.openxmlformats.org/presentationml/2006/main">
   <p:cSld>
     <p:spTree>
@@ -11249,7 +13496,7 @@
 </p:sld>
 </file>
 
-<file path=ppt/slides/slide8.xml><?xml version="1.0" encoding="utf-8"?>
+<file path=ppt/slides/slide9.xml><?xml version="1.0" encoding="utf-8"?>
 <p:sld xmlns:a="http://schemas.openxmlformats.org/drawingml/2006/main" xmlns:r="http://schemas.openxmlformats.org/officeDocument/2006/relationships" xmlns:p="http://schemas.openxmlformats.org/presentationml/2006/main">
   <p:cSld>
     <p:spTree>
@@ -11334,647 +13581,6 @@
     <p:extLst>
       <p:ext uri="{BB962C8B-B14F-4D97-AF65-F5344CB8AC3E}">
         <p14:creationId xmlns:p14="http://schemas.microsoft.com/office/powerpoint/2010/main" val="2538295737"/>
-      </p:ext>
-    </p:extLst>
-  </p:cSld>
-  <p:clrMapOvr>
-    <a:masterClrMapping/>
-  </p:clrMapOvr>
-</p:sld>
-</file>
-
-<file path=ppt/slides/slide9.xml><?xml version="1.0" encoding="utf-8"?>
-<p:sld xmlns:a="http://schemas.openxmlformats.org/drawingml/2006/main" xmlns:r="http://schemas.openxmlformats.org/officeDocument/2006/relationships" xmlns:p="http://schemas.openxmlformats.org/presentationml/2006/main">
-  <p:cSld>
-    <p:spTree>
-      <p:nvGrpSpPr>
-        <p:cNvPr id="1" name=""/>
-        <p:cNvGrpSpPr/>
-        <p:nvPr/>
-      </p:nvGrpSpPr>
-      <p:grpSpPr>
-        <a:xfrm>
-          <a:off x="0" y="0"/>
-          <a:ext cx="0" cy="0"/>
-          <a:chOff x="0" y="0"/>
-          <a:chExt cx="0" cy="0"/>
-        </a:xfrm>
-      </p:grpSpPr>
-      <p:pic>
-        <p:nvPicPr>
-          <p:cNvPr id="3" name="Picture 2">
-            <a:extLst>
-              <a:ext uri="{FF2B5EF4-FFF2-40B4-BE49-F238E27FC236}">
-                <a16:creationId xmlns:a16="http://schemas.microsoft.com/office/drawing/2014/main" id="{03FCD9DB-064E-48FD-8E83-5B344C241182}"/>
-              </a:ext>
-            </a:extLst>
-          </p:cNvPr>
-          <p:cNvPicPr>
-            <a:picLocks noChangeAspect="1"/>
-          </p:cNvPicPr>
-          <p:nvPr/>
-        </p:nvPicPr>
-        <p:blipFill rotWithShape="1">
-          <a:blip r:embed="rId2"/>
-          <a:srcRect t="35455" b="25260"/>
-          <a:stretch/>
-        </p:blipFill>
-        <p:spPr>
-          <a:xfrm>
-            <a:off x="5536180" y="131618"/>
-            <a:ext cx="4369820" cy="965638"/>
-          </a:xfrm>
-          <a:prstGeom prst="rect">
-            <a:avLst/>
-          </a:prstGeom>
-        </p:spPr>
-      </p:pic>
-      <p:graphicFrame>
-        <p:nvGraphicFramePr>
-          <p:cNvPr id="4" name="Diagram 3">
-            <a:extLst>
-              <a:ext uri="{FF2B5EF4-FFF2-40B4-BE49-F238E27FC236}">
-                <a16:creationId xmlns:a16="http://schemas.microsoft.com/office/drawing/2014/main" id="{9589D5A1-E963-4A7A-BAA6-6BAF9567C770}"/>
-              </a:ext>
-            </a:extLst>
-          </p:cNvPr>
-          <p:cNvGraphicFramePr/>
-          <p:nvPr>
-            <p:extLst>
-              <p:ext uri="{D42A27DB-BD31-4B8C-83A1-F6EECF244321}">
-                <p14:modId xmlns:p14="http://schemas.microsoft.com/office/powerpoint/2010/main" val="159866474"/>
-              </p:ext>
-            </p:extLst>
-          </p:nvPr>
-        </p:nvGraphicFramePr>
-        <p:xfrm>
-          <a:off x="0" y="131618"/>
-          <a:ext cx="3388833" cy="6594764"/>
-        </p:xfrm>
-        <a:graphic>
-          <a:graphicData uri="http://schemas.openxmlformats.org/drawingml/2006/diagram">
-            <dgm:relIds xmlns:dgm="http://schemas.openxmlformats.org/drawingml/2006/diagram" xmlns:r="http://schemas.openxmlformats.org/officeDocument/2006/relationships" r:dm="rId3" r:lo="rId4" r:qs="rId5" r:cs="rId6"/>
-          </a:graphicData>
-        </a:graphic>
-      </p:graphicFrame>
-      <p:pic>
-        <p:nvPicPr>
-          <p:cNvPr id="6" name="Picture 5">
-            <a:extLst>
-              <a:ext uri="{FF2B5EF4-FFF2-40B4-BE49-F238E27FC236}">
-                <a16:creationId xmlns:a16="http://schemas.microsoft.com/office/drawing/2014/main" id="{1F4B4065-F0DE-42BB-A061-FFB96521170B}"/>
-              </a:ext>
-            </a:extLst>
-          </p:cNvPr>
-          <p:cNvPicPr>
-            <a:picLocks noChangeAspect="1"/>
-          </p:cNvPicPr>
-          <p:nvPr/>
-        </p:nvPicPr>
-        <p:blipFill>
-          <a:blip r:embed="rId8">
-            <a:extLst>
-              <a:ext uri="{28A0092B-C50C-407E-A947-70E740481C1C}">
-                <a14:useLocalDpi xmlns:a14="http://schemas.microsoft.com/office/drawing/2010/main" val="0"/>
-              </a:ext>
-            </a:extLst>
-          </a:blip>
-          <a:stretch>
-            <a:fillRect/>
-          </a:stretch>
-        </p:blipFill>
-        <p:spPr>
-          <a:xfrm>
-            <a:off x="3767181" y="295349"/>
-            <a:ext cx="1390650" cy="638175"/>
-          </a:xfrm>
-          <a:prstGeom prst="rect">
-            <a:avLst/>
-          </a:prstGeom>
-        </p:spPr>
-      </p:pic>
-      <p:cxnSp>
-        <p:nvCxnSpPr>
-          <p:cNvPr id="8" name="Straight Arrow Connector 7">
-            <a:extLst>
-              <a:ext uri="{FF2B5EF4-FFF2-40B4-BE49-F238E27FC236}">
-                <a16:creationId xmlns:a16="http://schemas.microsoft.com/office/drawing/2014/main" id="{8861BEDA-E57D-4DF3-A960-C77FD158418B}"/>
-              </a:ext>
-            </a:extLst>
-          </p:cNvPr>
-          <p:cNvCxnSpPr>
-            <a:cxnSpLocks/>
-            <a:endCxn id="6" idx="1"/>
-          </p:cNvCxnSpPr>
-          <p:nvPr/>
-        </p:nvCxnSpPr>
-        <p:spPr>
-          <a:xfrm>
-            <a:off x="2708564" y="614437"/>
-            <a:ext cx="1058617" cy="0"/>
-          </a:xfrm>
-          <a:prstGeom prst="straightConnector1">
-            <a:avLst/>
-          </a:prstGeom>
-          <a:ln w="38100">
-            <a:solidFill>
-              <a:srgbClr val="E96F1B"/>
-            </a:solidFill>
-            <a:tailEnd type="triangle"/>
-          </a:ln>
-          <a:effectLst>
-            <a:outerShdw blurRad="50800" dist="38100" dir="2700000" algn="tl" rotWithShape="0">
-              <a:prstClr val="black">
-                <a:alpha val="40000"/>
-              </a:prstClr>
-            </a:outerShdw>
-          </a:effectLst>
-        </p:spPr>
-        <p:style>
-          <a:lnRef idx="1">
-            <a:schemeClr val="accent1"/>
-          </a:lnRef>
-          <a:fillRef idx="0">
-            <a:schemeClr val="accent1"/>
-          </a:fillRef>
-          <a:effectRef idx="0">
-            <a:schemeClr val="accent1"/>
-          </a:effectRef>
-          <a:fontRef idx="minor">
-            <a:schemeClr val="tx1"/>
-          </a:fontRef>
-        </p:style>
-      </p:cxnSp>
-      <p:cxnSp>
-        <p:nvCxnSpPr>
-          <p:cNvPr id="10" name="Straight Arrow Connector 9">
-            <a:extLst>
-              <a:ext uri="{FF2B5EF4-FFF2-40B4-BE49-F238E27FC236}">
-                <a16:creationId xmlns:a16="http://schemas.microsoft.com/office/drawing/2014/main" id="{3D1EB926-FE09-4BE3-8C81-FA16BC0C15BE}"/>
-              </a:ext>
-            </a:extLst>
-          </p:cNvPr>
-          <p:cNvCxnSpPr>
-            <a:cxnSpLocks/>
-            <a:stCxn id="6" idx="3"/>
-          </p:cNvCxnSpPr>
-          <p:nvPr/>
-        </p:nvCxnSpPr>
-        <p:spPr>
-          <a:xfrm flipV="1">
-            <a:off x="5157831" y="614436"/>
-            <a:ext cx="834260" cy="1"/>
-          </a:xfrm>
-          <a:prstGeom prst="straightConnector1">
-            <a:avLst/>
-          </a:prstGeom>
-          <a:ln w="38100">
-            <a:solidFill>
-              <a:srgbClr val="E96F1B"/>
-            </a:solidFill>
-            <a:tailEnd type="triangle"/>
-          </a:ln>
-          <a:effectLst>
-            <a:outerShdw blurRad="50800" dist="38100" dir="2700000" algn="tl" rotWithShape="0">
-              <a:prstClr val="black">
-                <a:alpha val="40000"/>
-              </a:prstClr>
-            </a:outerShdw>
-          </a:effectLst>
-        </p:spPr>
-        <p:style>
-          <a:lnRef idx="1">
-            <a:schemeClr val="accent1"/>
-          </a:lnRef>
-          <a:fillRef idx="0">
-            <a:schemeClr val="accent1"/>
-          </a:fillRef>
-          <a:effectRef idx="0">
-            <a:schemeClr val="accent1"/>
-          </a:effectRef>
-          <a:fontRef idx="minor">
-            <a:schemeClr val="tx1"/>
-          </a:fontRef>
-        </p:style>
-      </p:cxnSp>
-      <p:sp>
-        <p:nvSpPr>
-          <p:cNvPr id="14" name="TextBox 13">
-            <a:extLst>
-              <a:ext uri="{FF2B5EF4-FFF2-40B4-BE49-F238E27FC236}">
-                <a16:creationId xmlns:a16="http://schemas.microsoft.com/office/drawing/2014/main" id="{6316DA6A-0375-48D1-BD44-7B1039DC48CD}"/>
-              </a:ext>
-            </a:extLst>
-          </p:cNvPr>
-          <p:cNvSpPr txBox="1"/>
-          <p:nvPr/>
-        </p:nvSpPr>
-        <p:spPr>
-          <a:xfrm>
-            <a:off x="4237916" y="1640613"/>
-            <a:ext cx="4558506" cy="400110"/>
-          </a:xfrm>
-          <a:prstGeom prst="rect">
-            <a:avLst/>
-          </a:prstGeom>
-        </p:spPr>
-        <p:style>
-          <a:lnRef idx="0">
-            <a:schemeClr val="accent3"/>
-          </a:lnRef>
-          <a:fillRef idx="3">
-            <a:schemeClr val="accent3"/>
-          </a:fillRef>
-          <a:effectRef idx="3">
-            <a:schemeClr val="accent3"/>
-          </a:effectRef>
-          <a:fontRef idx="minor">
-            <a:schemeClr val="lt1"/>
-          </a:fontRef>
-        </p:style>
-        <p:txBody>
-          <a:bodyPr wrap="square" rtlCol="0">
-            <a:spAutoFit/>
-          </a:bodyPr>
-          <a:lstStyle/>
-          <a:p>
-            <a:pPr algn="ctr"/>
-            <a:r>
-              <a:rPr lang="en-US" sz="2000" dirty="0">
-                <a:latin typeface="Arial" panose="020B0604020202020204" pitchFamily="34" charset="0"/>
-                <a:cs typeface="Arial" panose="020B0604020202020204" pitchFamily="34" charset="0"/>
-              </a:rPr>
-              <a:t>Principal Components Analysis</a:t>
-            </a:r>
-          </a:p>
-        </p:txBody>
-      </p:sp>
-      <p:sp>
-        <p:nvSpPr>
-          <p:cNvPr id="16" name="TextBox 15">
-            <a:extLst>
-              <a:ext uri="{FF2B5EF4-FFF2-40B4-BE49-F238E27FC236}">
-                <a16:creationId xmlns:a16="http://schemas.microsoft.com/office/drawing/2014/main" id="{851706C7-36AA-4279-976B-86FAD8B3401D}"/>
-              </a:ext>
-            </a:extLst>
-          </p:cNvPr>
-          <p:cNvSpPr txBox="1"/>
-          <p:nvPr/>
-        </p:nvSpPr>
-        <p:spPr>
-          <a:xfrm>
-            <a:off x="4237916" y="3228945"/>
-            <a:ext cx="4558506" cy="400110"/>
-          </a:xfrm>
-          <a:prstGeom prst="rect">
-            <a:avLst/>
-          </a:prstGeom>
-        </p:spPr>
-        <p:style>
-          <a:lnRef idx="0">
-            <a:schemeClr val="accent4"/>
-          </a:lnRef>
-          <a:fillRef idx="3">
-            <a:schemeClr val="accent4"/>
-          </a:fillRef>
-          <a:effectRef idx="3">
-            <a:schemeClr val="accent4"/>
-          </a:effectRef>
-          <a:fontRef idx="minor">
-            <a:schemeClr val="lt1"/>
-          </a:fontRef>
-        </p:style>
-        <p:txBody>
-          <a:bodyPr wrap="square" rtlCol="0">
-            <a:spAutoFit/>
-          </a:bodyPr>
-          <a:lstStyle/>
-          <a:p>
-            <a:pPr algn="ctr"/>
-            <a:r>
-              <a:rPr lang="en-US" sz="2000" dirty="0">
-                <a:latin typeface="Arial" panose="020B0604020202020204" pitchFamily="34" charset="0"/>
-                <a:cs typeface="Arial" panose="020B0604020202020204" pitchFamily="34" charset="0"/>
-              </a:rPr>
-              <a:t>Filter data by expression and variance</a:t>
-            </a:r>
-          </a:p>
-        </p:txBody>
-      </p:sp>
-      <p:sp>
-        <p:nvSpPr>
-          <p:cNvPr id="17" name="TextBox 16">
-            <a:extLst>
-              <a:ext uri="{FF2B5EF4-FFF2-40B4-BE49-F238E27FC236}">
-                <a16:creationId xmlns:a16="http://schemas.microsoft.com/office/drawing/2014/main" id="{96351237-DCD5-4EDE-B060-00A8C1F74F6F}"/>
-              </a:ext>
-            </a:extLst>
-          </p:cNvPr>
-          <p:cNvSpPr txBox="1"/>
-          <p:nvPr/>
-        </p:nvSpPr>
-        <p:spPr>
-          <a:xfrm>
-            <a:off x="4237916" y="4617222"/>
-            <a:ext cx="4558506" cy="400110"/>
-          </a:xfrm>
-          <a:prstGeom prst="rect">
-            <a:avLst/>
-          </a:prstGeom>
-        </p:spPr>
-        <p:style>
-          <a:lnRef idx="0">
-            <a:schemeClr val="accent5"/>
-          </a:lnRef>
-          <a:fillRef idx="3">
-            <a:schemeClr val="accent5"/>
-          </a:fillRef>
-          <a:effectRef idx="3">
-            <a:schemeClr val="accent5"/>
-          </a:effectRef>
-          <a:fontRef idx="minor">
-            <a:schemeClr val="lt1"/>
-          </a:fontRef>
-        </p:style>
-        <p:txBody>
-          <a:bodyPr wrap="square" rtlCol="0">
-            <a:spAutoFit/>
-          </a:bodyPr>
-          <a:lstStyle/>
-          <a:p>
-            <a:pPr algn="ctr"/>
-            <a:r>
-              <a:rPr lang="en-US" sz="2000" dirty="0">
-                <a:latin typeface="Arial" panose="020B0604020202020204" pitchFamily="34" charset="0"/>
-                <a:cs typeface="Arial" panose="020B0604020202020204" pitchFamily="34" charset="0"/>
-              </a:rPr>
-              <a:t>Run NACEP on filtered dataset</a:t>
-            </a:r>
-          </a:p>
-        </p:txBody>
-      </p:sp>
-      <p:sp>
-        <p:nvSpPr>
-          <p:cNvPr id="18" name="TextBox 17">
-            <a:extLst>
-              <a:ext uri="{FF2B5EF4-FFF2-40B4-BE49-F238E27FC236}">
-                <a16:creationId xmlns:a16="http://schemas.microsoft.com/office/drawing/2014/main" id="{AD102C80-7620-43C2-9294-55EC4B338D66}"/>
-              </a:ext>
-            </a:extLst>
-          </p:cNvPr>
-          <p:cNvSpPr txBox="1"/>
-          <p:nvPr/>
-        </p:nvSpPr>
-        <p:spPr>
-          <a:xfrm>
-            <a:off x="4237916" y="6006650"/>
-            <a:ext cx="4558506" cy="400110"/>
-          </a:xfrm>
-          <a:prstGeom prst="rect">
-            <a:avLst/>
-          </a:prstGeom>
-        </p:spPr>
-        <p:style>
-          <a:lnRef idx="0">
-            <a:schemeClr val="accent6"/>
-          </a:lnRef>
-          <a:fillRef idx="3">
-            <a:schemeClr val="accent6"/>
-          </a:fillRef>
-          <a:effectRef idx="3">
-            <a:schemeClr val="accent6"/>
-          </a:effectRef>
-          <a:fontRef idx="minor">
-            <a:schemeClr val="lt1"/>
-          </a:fontRef>
-        </p:style>
-        <p:txBody>
-          <a:bodyPr wrap="square" rtlCol="0">
-            <a:spAutoFit/>
-          </a:bodyPr>
-          <a:lstStyle/>
-          <a:p>
-            <a:pPr algn="ctr"/>
-            <a:r>
-              <a:rPr lang="en-US" sz="2000" dirty="0">
-                <a:latin typeface="Arial" panose="020B0604020202020204" pitchFamily="34" charset="0"/>
-                <a:cs typeface="Arial" panose="020B0604020202020204" pitchFamily="34" charset="0"/>
-              </a:rPr>
-              <a:t>ID diff. expr. genes</a:t>
-            </a:r>
-          </a:p>
-        </p:txBody>
-      </p:sp>
-      <p:cxnSp>
-        <p:nvCxnSpPr>
-          <p:cNvPr id="19" name="Straight Arrow Connector 18">
-            <a:extLst>
-              <a:ext uri="{FF2B5EF4-FFF2-40B4-BE49-F238E27FC236}">
-                <a16:creationId xmlns:a16="http://schemas.microsoft.com/office/drawing/2014/main" id="{AE19DBF2-8BD9-4BD6-9221-8544C97C08C4}"/>
-              </a:ext>
-            </a:extLst>
-          </p:cNvPr>
-          <p:cNvCxnSpPr>
-            <a:cxnSpLocks/>
-            <a:endCxn id="14" idx="1"/>
-          </p:cNvCxnSpPr>
-          <p:nvPr/>
-        </p:nvCxnSpPr>
-        <p:spPr>
-          <a:xfrm flipV="1">
-            <a:off x="2708564" y="1840668"/>
-            <a:ext cx="1529352" cy="11764"/>
-          </a:xfrm>
-          <a:prstGeom prst="straightConnector1">
-            <a:avLst/>
-          </a:prstGeom>
-          <a:ln w="38100">
-            <a:solidFill>
-              <a:srgbClr val="AAAAAA"/>
-            </a:solidFill>
-            <a:tailEnd type="triangle"/>
-          </a:ln>
-          <a:effectLst>
-            <a:outerShdw blurRad="50800" dist="38100" dir="2700000" algn="tl" rotWithShape="0">
-              <a:prstClr val="black">
-                <a:alpha val="40000"/>
-              </a:prstClr>
-            </a:outerShdw>
-          </a:effectLst>
-        </p:spPr>
-        <p:style>
-          <a:lnRef idx="1">
-            <a:schemeClr val="accent1"/>
-          </a:lnRef>
-          <a:fillRef idx="0">
-            <a:schemeClr val="accent1"/>
-          </a:fillRef>
-          <a:effectRef idx="0">
-            <a:schemeClr val="accent1"/>
-          </a:effectRef>
-          <a:fontRef idx="minor">
-            <a:schemeClr val="tx1"/>
-          </a:fontRef>
-        </p:style>
-      </p:cxnSp>
-      <p:cxnSp>
-        <p:nvCxnSpPr>
-          <p:cNvPr id="21" name="Straight Arrow Connector 20">
-            <a:extLst>
-              <a:ext uri="{FF2B5EF4-FFF2-40B4-BE49-F238E27FC236}">
-                <a16:creationId xmlns:a16="http://schemas.microsoft.com/office/drawing/2014/main" id="{C6868F69-CF29-48EC-AF46-FFEBAB812C15}"/>
-              </a:ext>
-            </a:extLst>
-          </p:cNvPr>
-          <p:cNvCxnSpPr>
-            <a:cxnSpLocks/>
-            <a:endCxn id="16" idx="1"/>
-          </p:cNvCxnSpPr>
-          <p:nvPr/>
-        </p:nvCxnSpPr>
-        <p:spPr>
-          <a:xfrm>
-            <a:off x="2708564" y="3429000"/>
-            <a:ext cx="1529352" cy="0"/>
-          </a:xfrm>
-          <a:prstGeom prst="straightConnector1">
-            <a:avLst/>
-          </a:prstGeom>
-          <a:ln w="38100">
-            <a:solidFill>
-              <a:srgbClr val="FFC724"/>
-            </a:solidFill>
-            <a:tailEnd type="triangle"/>
-          </a:ln>
-          <a:effectLst>
-            <a:outerShdw blurRad="50800" dist="38100" dir="2700000" algn="tl" rotWithShape="0">
-              <a:prstClr val="black">
-                <a:alpha val="40000"/>
-              </a:prstClr>
-            </a:outerShdw>
-          </a:effectLst>
-        </p:spPr>
-        <p:style>
-          <a:lnRef idx="1">
-            <a:schemeClr val="accent1"/>
-          </a:lnRef>
-          <a:fillRef idx="0">
-            <a:schemeClr val="accent1"/>
-          </a:fillRef>
-          <a:effectRef idx="0">
-            <a:schemeClr val="accent1"/>
-          </a:effectRef>
-          <a:fontRef idx="minor">
-            <a:schemeClr val="tx1"/>
-          </a:fontRef>
-        </p:style>
-      </p:cxnSp>
-      <p:cxnSp>
-        <p:nvCxnSpPr>
-          <p:cNvPr id="24" name="Straight Arrow Connector 23">
-            <a:extLst>
-              <a:ext uri="{FF2B5EF4-FFF2-40B4-BE49-F238E27FC236}">
-                <a16:creationId xmlns:a16="http://schemas.microsoft.com/office/drawing/2014/main" id="{ACA85054-11B0-4553-B41A-3D8A8E6E4AF5}"/>
-              </a:ext>
-            </a:extLst>
-          </p:cNvPr>
-          <p:cNvCxnSpPr>
-            <a:cxnSpLocks/>
-          </p:cNvCxnSpPr>
-          <p:nvPr/>
-        </p:nvCxnSpPr>
-        <p:spPr>
-          <a:xfrm>
-            <a:off x="2708564" y="4817277"/>
-            <a:ext cx="1529352" cy="0"/>
-          </a:xfrm>
-          <a:prstGeom prst="straightConnector1">
-            <a:avLst/>
-          </a:prstGeom>
-          <a:ln w="38100">
-            <a:solidFill>
-              <a:srgbClr val="609FDB"/>
-            </a:solidFill>
-            <a:tailEnd type="triangle"/>
-          </a:ln>
-          <a:effectLst>
-            <a:outerShdw blurRad="50800" dist="38100" dir="2700000" algn="tl" rotWithShape="0">
-              <a:prstClr val="black">
-                <a:alpha val="40000"/>
-              </a:prstClr>
-            </a:outerShdw>
-          </a:effectLst>
-        </p:spPr>
-        <p:style>
-          <a:lnRef idx="1">
-            <a:schemeClr val="accent1"/>
-          </a:lnRef>
-          <a:fillRef idx="0">
-            <a:schemeClr val="accent1"/>
-          </a:fillRef>
-          <a:effectRef idx="0">
-            <a:schemeClr val="accent1"/>
-          </a:effectRef>
-          <a:fontRef idx="minor">
-            <a:schemeClr val="tx1"/>
-          </a:fontRef>
-        </p:style>
-      </p:cxnSp>
-      <p:cxnSp>
-        <p:nvCxnSpPr>
-          <p:cNvPr id="25" name="Straight Arrow Connector 24">
-            <a:extLst>
-              <a:ext uri="{FF2B5EF4-FFF2-40B4-BE49-F238E27FC236}">
-                <a16:creationId xmlns:a16="http://schemas.microsoft.com/office/drawing/2014/main" id="{4ECFFED8-4F34-410D-8880-6F4282FC6A99}"/>
-              </a:ext>
-            </a:extLst>
-          </p:cNvPr>
-          <p:cNvCxnSpPr>
-            <a:cxnSpLocks/>
-          </p:cNvCxnSpPr>
-          <p:nvPr/>
-        </p:nvCxnSpPr>
-        <p:spPr>
-          <a:xfrm>
-            <a:off x="2708564" y="6206705"/>
-            <a:ext cx="1529352" cy="0"/>
-          </a:xfrm>
-          <a:prstGeom prst="straightConnector1">
-            <a:avLst/>
-          </a:prstGeom>
-          <a:ln w="38100">
-            <a:solidFill>
-              <a:srgbClr val="74B44A"/>
-            </a:solidFill>
-            <a:tailEnd type="triangle"/>
-          </a:ln>
-          <a:effectLst>
-            <a:outerShdw blurRad="50800" dist="38100" dir="2700000" algn="tl" rotWithShape="0">
-              <a:prstClr val="black">
-                <a:alpha val="40000"/>
-              </a:prstClr>
-            </a:outerShdw>
-          </a:effectLst>
-        </p:spPr>
-        <p:style>
-          <a:lnRef idx="1">
-            <a:schemeClr val="accent1"/>
-          </a:lnRef>
-          <a:fillRef idx="0">
-            <a:schemeClr val="accent1"/>
-          </a:fillRef>
-          <a:effectRef idx="0">
-            <a:schemeClr val="accent1"/>
-          </a:effectRef>
-          <a:fontRef idx="minor">
-            <a:schemeClr val="tx1"/>
-          </a:fontRef>
-        </p:style>
-      </p:cxnSp>
-    </p:spTree>
-    <p:extLst>
-      <p:ext uri="{BB962C8B-B14F-4D97-AF65-F5344CB8AC3E}">
-        <p14:creationId xmlns:p14="http://schemas.microsoft.com/office/powerpoint/2010/main" val="1348944768"/>
       </p:ext>
     </p:extLst>
   </p:cSld>

--- a/ppt/Presentation.pptx
+++ b/ppt/Presentation.pptx
@@ -5,26 +5,27 @@
     <p:sldMasterId id="2147483660" r:id="rId1"/>
   </p:sldMasterIdLst>
   <p:notesMasterIdLst>
-    <p:notesMasterId r:id="rId19"/>
+    <p:notesMasterId r:id="rId20"/>
   </p:notesMasterIdLst>
   <p:sldIdLst>
     <p:sldId id="256" r:id="rId2"/>
     <p:sldId id="274" r:id="rId3"/>
-    <p:sldId id="262" r:id="rId4"/>
-    <p:sldId id="263" r:id="rId5"/>
-    <p:sldId id="264" r:id="rId6"/>
-    <p:sldId id="265" r:id="rId7"/>
-    <p:sldId id="266" r:id="rId8"/>
-    <p:sldId id="267" r:id="rId9"/>
-    <p:sldId id="268" r:id="rId10"/>
-    <p:sldId id="269" r:id="rId11"/>
-    <p:sldId id="270" r:id="rId12"/>
-    <p:sldId id="275" r:id="rId13"/>
-    <p:sldId id="257" r:id="rId14"/>
-    <p:sldId id="271" r:id="rId15"/>
-    <p:sldId id="273" r:id="rId16"/>
-    <p:sldId id="272" r:id="rId17"/>
-    <p:sldId id="261" r:id="rId18"/>
+    <p:sldId id="277" r:id="rId4"/>
+    <p:sldId id="262" r:id="rId5"/>
+    <p:sldId id="263" r:id="rId6"/>
+    <p:sldId id="264" r:id="rId7"/>
+    <p:sldId id="265" r:id="rId8"/>
+    <p:sldId id="266" r:id="rId9"/>
+    <p:sldId id="267" r:id="rId10"/>
+    <p:sldId id="268" r:id="rId11"/>
+    <p:sldId id="269" r:id="rId12"/>
+    <p:sldId id="270" r:id="rId13"/>
+    <p:sldId id="275" r:id="rId14"/>
+    <p:sldId id="257" r:id="rId15"/>
+    <p:sldId id="271" r:id="rId16"/>
+    <p:sldId id="273" r:id="rId17"/>
+    <p:sldId id="272" r:id="rId18"/>
+    <p:sldId id="261" r:id="rId19"/>
   </p:sldIdLst>
   <p:sldSz cx="9906000" cy="6858000" type="A4"/>
   <p:notesSz cx="6858000" cy="9144000"/>
@@ -3628,7 +3629,7 @@
           <a:p>
             <a:fld id="{4FDE70D7-0AB7-4E11-8116-CCC73F5E7693}" type="datetimeFigureOut">
               <a:rPr lang="en-US" smtClean="0"/>
-              <a:t>11/27/2017</a:t>
+              <a:t>11/28/2017</a:t>
             </a:fld>
             <a:endParaRPr lang="en-US"/>
           </a:p>
@@ -3967,7 +3968,7 @@
           <a:p>
             <a:fld id="{95CC5319-9A8A-419D-94B5-1AAB5BE9DC24}" type="slidenum">
               <a:rPr lang="en-US" smtClean="0"/>
-              <a:t>16</a:t>
+              <a:t>17</a:t>
             </a:fld>
             <a:endParaRPr lang="en-US"/>
           </a:p>
@@ -4117,7 +4118,7 @@
           <a:p>
             <a:fld id="{5070667B-8CBE-4DAB-9654-3E33F49025B8}" type="datetimeFigureOut">
               <a:rPr lang="en-US" smtClean="0"/>
-              <a:t>11/27/2017</a:t>
+              <a:t>11/28/2017</a:t>
             </a:fld>
             <a:endParaRPr lang="en-US"/>
           </a:p>
@@ -4287,7 +4288,7 @@
           <a:p>
             <a:fld id="{5070667B-8CBE-4DAB-9654-3E33F49025B8}" type="datetimeFigureOut">
               <a:rPr lang="en-US" smtClean="0"/>
-              <a:t>11/27/2017</a:t>
+              <a:t>11/28/2017</a:t>
             </a:fld>
             <a:endParaRPr lang="en-US"/>
           </a:p>
@@ -4467,7 +4468,7 @@
           <a:p>
             <a:fld id="{5070667B-8CBE-4DAB-9654-3E33F49025B8}" type="datetimeFigureOut">
               <a:rPr lang="en-US" smtClean="0"/>
-              <a:t>11/27/2017</a:t>
+              <a:t>11/28/2017</a:t>
             </a:fld>
             <a:endParaRPr lang="en-US"/>
           </a:p>
@@ -4637,7 +4638,7 @@
           <a:p>
             <a:fld id="{5070667B-8CBE-4DAB-9654-3E33F49025B8}" type="datetimeFigureOut">
               <a:rPr lang="en-US" smtClean="0"/>
-              <a:t>11/27/2017</a:t>
+              <a:t>11/28/2017</a:t>
             </a:fld>
             <a:endParaRPr lang="en-US"/>
           </a:p>
@@ -4881,7 +4882,7 @@
           <a:p>
             <a:fld id="{5070667B-8CBE-4DAB-9654-3E33F49025B8}" type="datetimeFigureOut">
               <a:rPr lang="en-US" smtClean="0"/>
-              <a:t>11/27/2017</a:t>
+              <a:t>11/28/2017</a:t>
             </a:fld>
             <a:endParaRPr lang="en-US"/>
           </a:p>
@@ -5113,7 +5114,7 @@
           <a:p>
             <a:fld id="{5070667B-8CBE-4DAB-9654-3E33F49025B8}" type="datetimeFigureOut">
               <a:rPr lang="en-US" smtClean="0"/>
-              <a:t>11/27/2017</a:t>
+              <a:t>11/28/2017</a:t>
             </a:fld>
             <a:endParaRPr lang="en-US"/>
           </a:p>
@@ -5480,7 +5481,7 @@
           <a:p>
             <a:fld id="{5070667B-8CBE-4DAB-9654-3E33F49025B8}" type="datetimeFigureOut">
               <a:rPr lang="en-US" smtClean="0"/>
-              <a:t>11/27/2017</a:t>
+              <a:t>11/28/2017</a:t>
             </a:fld>
             <a:endParaRPr lang="en-US"/>
           </a:p>
@@ -5598,7 +5599,7 @@
           <a:p>
             <a:fld id="{5070667B-8CBE-4DAB-9654-3E33F49025B8}" type="datetimeFigureOut">
               <a:rPr lang="en-US" smtClean="0"/>
-              <a:t>11/27/2017</a:t>
+              <a:t>11/28/2017</a:t>
             </a:fld>
             <a:endParaRPr lang="en-US"/>
           </a:p>
@@ -5693,7 +5694,7 @@
           <a:p>
             <a:fld id="{5070667B-8CBE-4DAB-9654-3E33F49025B8}" type="datetimeFigureOut">
               <a:rPr lang="en-US" smtClean="0"/>
-              <a:t>11/27/2017</a:t>
+              <a:t>11/28/2017</a:t>
             </a:fld>
             <a:endParaRPr lang="en-US"/>
           </a:p>
@@ -5970,7 +5971,7 @@
           <a:p>
             <a:fld id="{5070667B-8CBE-4DAB-9654-3E33F49025B8}" type="datetimeFigureOut">
               <a:rPr lang="en-US" smtClean="0"/>
-              <a:t>11/27/2017</a:t>
+              <a:t>11/28/2017</a:t>
             </a:fld>
             <a:endParaRPr lang="en-US"/>
           </a:p>
@@ -6227,7 +6228,7 @@
           <a:p>
             <a:fld id="{5070667B-8CBE-4DAB-9654-3E33F49025B8}" type="datetimeFigureOut">
               <a:rPr lang="en-US" smtClean="0"/>
-              <a:t>11/27/2017</a:t>
+              <a:t>11/28/2017</a:t>
             </a:fld>
             <a:endParaRPr lang="en-US"/>
           </a:p>
@@ -6440,7 +6441,7 @@
           <a:p>
             <a:fld id="{5070667B-8CBE-4DAB-9654-3E33F49025B8}" type="datetimeFigureOut">
               <a:rPr lang="en-US" smtClean="0"/>
-              <a:t>11/27/2017</a:t>
+              <a:t>11/28/2017</a:t>
             </a:fld>
             <a:endParaRPr lang="en-US"/>
           </a:p>
@@ -6937,6 +6938,100 @@
           <a:chExt cx="0" cy="0"/>
         </a:xfrm>
       </p:grpSpPr>
+      <p:sp>
+        <p:nvSpPr>
+          <p:cNvPr id="2" name="Title 1">
+            <a:extLst>
+              <a:ext uri="{FF2B5EF4-FFF2-40B4-BE49-F238E27FC236}">
+                <a16:creationId xmlns:a16="http://schemas.microsoft.com/office/drawing/2014/main" id="{90FBA9F3-1B77-4A3A-BFDA-A01273589195}"/>
+              </a:ext>
+            </a:extLst>
+          </p:cNvPr>
+          <p:cNvSpPr>
+            <a:spLocks noGrp="1"/>
+          </p:cNvSpPr>
+          <p:nvPr>
+            <p:ph type="title"/>
+          </p:nvPr>
+        </p:nvSpPr>
+        <p:spPr/>
+        <p:txBody>
+          <a:bodyPr>
+            <a:normAutofit/>
+          </a:bodyPr>
+          <a:lstStyle/>
+          <a:p>
+            <a:r>
+              <a:rPr lang="en-US" sz="4000" dirty="0">
+                <a:latin typeface="Arial" panose="020B0604020202020204" pitchFamily="34" charset="0"/>
+                <a:cs typeface="Arial" panose="020B0604020202020204" pitchFamily="34" charset="0"/>
+              </a:rPr>
+              <a:t>Analysis of Tumorigenic Prostate Epithelial Cells</a:t>
+            </a:r>
+          </a:p>
+        </p:txBody>
+      </p:sp>
+      <p:sp>
+        <p:nvSpPr>
+          <p:cNvPr id="3" name="Text Placeholder 2">
+            <a:extLst>
+              <a:ext uri="{FF2B5EF4-FFF2-40B4-BE49-F238E27FC236}">
+                <a16:creationId xmlns:a16="http://schemas.microsoft.com/office/drawing/2014/main" id="{01EAB58A-2CC8-45C1-9A01-3064561BD840}"/>
+              </a:ext>
+            </a:extLst>
+          </p:cNvPr>
+          <p:cNvSpPr>
+            <a:spLocks noGrp="1"/>
+          </p:cNvSpPr>
+          <p:nvPr>
+            <p:ph type="body" idx="1"/>
+          </p:nvPr>
+        </p:nvSpPr>
+        <p:spPr/>
+        <p:txBody>
+          <a:bodyPr/>
+          <a:lstStyle/>
+          <a:p>
+            <a:r>
+              <a:rPr lang="en-US" dirty="0">
+                <a:latin typeface="Arial" panose="020B0604020202020204" pitchFamily="34" charset="0"/>
+                <a:cs typeface="Arial" panose="020B0604020202020204" pitchFamily="34" charset="0"/>
+              </a:rPr>
+              <a:t>Incorporating time-course data in differential expression analysis with NACEP </a:t>
+            </a:r>
+          </a:p>
+        </p:txBody>
+      </p:sp>
+    </p:spTree>
+    <p:extLst>
+      <p:ext uri="{BB962C8B-B14F-4D97-AF65-F5344CB8AC3E}">
+        <p14:creationId xmlns:p14="http://schemas.microsoft.com/office/powerpoint/2010/main" val="2538295737"/>
+      </p:ext>
+    </p:extLst>
+  </p:cSld>
+  <p:clrMapOvr>
+    <a:masterClrMapping/>
+  </p:clrMapOvr>
+</p:sld>
+</file>
+
+<file path=ppt/slides/slide11.xml><?xml version="1.0" encoding="utf-8"?>
+<p:sld xmlns:a="http://schemas.openxmlformats.org/drawingml/2006/main" xmlns:r="http://schemas.openxmlformats.org/officeDocument/2006/relationships" xmlns:p="http://schemas.openxmlformats.org/presentationml/2006/main">
+  <p:cSld>
+    <p:spTree>
+      <p:nvGrpSpPr>
+        <p:cNvPr id="1" name=""/>
+        <p:cNvGrpSpPr/>
+        <p:nvPr/>
+      </p:nvGrpSpPr>
+      <p:grpSpPr>
+        <a:xfrm>
+          <a:off x="0" y="0"/>
+          <a:ext cx="0" cy="0"/>
+          <a:chOff x="0" y="0"/>
+          <a:chExt cx="0" cy="0"/>
+        </a:xfrm>
+      </p:grpSpPr>
       <p:pic>
         <p:nvPicPr>
           <p:cNvPr id="3" name="Picture 2">
@@ -7561,7 +7656,7 @@
 </p:sld>
 </file>
 
-<file path=ppt/slides/slide11.xml><?xml version="1.0" encoding="utf-8"?>
+<file path=ppt/slides/slide12.xml><?xml version="1.0" encoding="utf-8"?>
 <p:sld xmlns:a="http://schemas.openxmlformats.org/drawingml/2006/main" xmlns:r="http://schemas.openxmlformats.org/officeDocument/2006/relationships" xmlns:p="http://schemas.openxmlformats.org/presentationml/2006/main">
   <p:cSld>
     <p:spTree>
@@ -7806,7 +7901,7 @@
 </p:sld>
 </file>
 
-<file path=ppt/slides/slide12.xml><?xml version="1.0" encoding="utf-8"?>
+<file path=ppt/slides/slide13.xml><?xml version="1.0" encoding="utf-8"?>
 <p:sld xmlns:a="http://schemas.openxmlformats.org/drawingml/2006/main" xmlns:r="http://schemas.openxmlformats.org/officeDocument/2006/relationships" xmlns:p="http://schemas.openxmlformats.org/presentationml/2006/main">
   <p:cSld>
     <p:spTree>
@@ -8011,7 +8106,7 @@
 </p:sld>
 </file>
 
-<file path=ppt/slides/slide13.xml><?xml version="1.0" encoding="utf-8"?>
+<file path=ppt/slides/slide14.xml><?xml version="1.0" encoding="utf-8"?>
 <p:sld xmlns:a="http://schemas.openxmlformats.org/drawingml/2006/main" xmlns:r="http://schemas.openxmlformats.org/officeDocument/2006/relationships" xmlns:p="http://schemas.openxmlformats.org/presentationml/2006/main">
   <p:cSld>
     <p:spTree>
@@ -9769,165 +9864,6 @@
 </p:sld>
 </file>
 
-<file path=ppt/slides/slide14.xml><?xml version="1.0" encoding="utf-8"?>
-<p:sld xmlns:a="http://schemas.openxmlformats.org/drawingml/2006/main" xmlns:r="http://schemas.openxmlformats.org/officeDocument/2006/relationships" xmlns:p="http://schemas.openxmlformats.org/presentationml/2006/main">
-  <p:cSld>
-    <p:spTree>
-      <p:nvGrpSpPr>
-        <p:cNvPr id="1" name=""/>
-        <p:cNvGrpSpPr/>
-        <p:nvPr/>
-      </p:nvGrpSpPr>
-      <p:grpSpPr>
-        <a:xfrm>
-          <a:off x="0" y="0"/>
-          <a:ext cx="0" cy="0"/>
-          <a:chOff x="0" y="0"/>
-          <a:chExt cx="0" cy="0"/>
-        </a:xfrm>
-      </p:grpSpPr>
-      <p:sp>
-        <p:nvSpPr>
-          <p:cNvPr id="2" name="Title 1">
-            <a:extLst>
-              <a:ext uri="{FF2B5EF4-FFF2-40B4-BE49-F238E27FC236}">
-                <a16:creationId xmlns:a16="http://schemas.microsoft.com/office/drawing/2014/main" id="{0E48E1EA-AB78-46D0-8851-C042B30095C2}"/>
-              </a:ext>
-            </a:extLst>
-          </p:cNvPr>
-          <p:cNvSpPr>
-            <a:spLocks noGrp="1"/>
-          </p:cNvSpPr>
-          <p:nvPr>
-            <p:ph type="title"/>
-          </p:nvPr>
-        </p:nvSpPr>
-        <p:spPr/>
-        <p:txBody>
-          <a:bodyPr>
-            <a:normAutofit/>
-          </a:bodyPr>
-          <a:lstStyle/>
-          <a:p>
-            <a:r>
-              <a:rPr lang="en-US" sz="4000" dirty="0">
-                <a:latin typeface="Arial" panose="020B0604020202020204" pitchFamily="34" charset="0"/>
-                <a:cs typeface="Arial" panose="020B0604020202020204" pitchFamily="34" charset="0"/>
-              </a:rPr>
-              <a:t>Filtering by Expression and Variance</a:t>
-            </a:r>
-          </a:p>
-        </p:txBody>
-      </p:sp>
-      <p:sp>
-        <p:nvSpPr>
-          <p:cNvPr id="3" name="Content Placeholder 2">
-            <a:extLst>
-              <a:ext uri="{FF2B5EF4-FFF2-40B4-BE49-F238E27FC236}">
-                <a16:creationId xmlns:a16="http://schemas.microsoft.com/office/drawing/2014/main" id="{3D392EA7-471C-4869-88C0-C8CAE862C49A}"/>
-              </a:ext>
-            </a:extLst>
-          </p:cNvPr>
-          <p:cNvSpPr>
-            <a:spLocks noGrp="1"/>
-          </p:cNvSpPr>
-          <p:nvPr>
-            <p:ph idx="1"/>
-          </p:nvPr>
-        </p:nvSpPr>
-        <p:spPr/>
-        <p:txBody>
-          <a:bodyPr>
-            <a:normAutofit/>
-          </a:bodyPr>
-          <a:lstStyle/>
-          <a:p>
-            <a:r>
-              <a:rPr lang="en-US" sz="2000" dirty="0">
-                <a:latin typeface="Arial" panose="020B0604020202020204" pitchFamily="34" charset="0"/>
-                <a:cs typeface="Arial" panose="020B0604020202020204" pitchFamily="34" charset="0"/>
-              </a:rPr>
-              <a:t>NACEP is very computationally expensive</a:t>
-            </a:r>
-          </a:p>
-          <a:p>
-            <a:pPr lvl="1"/>
-            <a:r>
-              <a:rPr lang="en-US" sz="2000" dirty="0">
-                <a:latin typeface="Arial" panose="020B0604020202020204" pitchFamily="34" charset="0"/>
-                <a:cs typeface="Arial" panose="020B0604020202020204" pitchFamily="34" charset="0"/>
-              </a:rPr>
-              <a:t>Need to drastically reduce dataset size</a:t>
-            </a:r>
-          </a:p>
-          <a:p>
-            <a:r>
-              <a:rPr lang="en-US" sz="2000" dirty="0">
-                <a:latin typeface="Arial" panose="020B0604020202020204" pitchFamily="34" charset="0"/>
-                <a:cs typeface="Arial" panose="020B0604020202020204" pitchFamily="34" charset="0"/>
-              </a:rPr>
-              <a:t>Gene Retention Criteria</a:t>
-            </a:r>
-          </a:p>
-          <a:p>
-            <a:pPr lvl="1"/>
-            <a:r>
-              <a:rPr lang="en-US" sz="2000" dirty="0">
-                <a:latin typeface="Arial" panose="020B0604020202020204" pitchFamily="34" charset="0"/>
-                <a:cs typeface="Arial" panose="020B0604020202020204" pitchFamily="34" charset="0"/>
-              </a:rPr>
-              <a:t>17% of samples have TPM &gt;= 39 (average TPM)</a:t>
-            </a:r>
-          </a:p>
-          <a:p>
-            <a:pPr lvl="1"/>
-            <a:r>
-              <a:rPr lang="en-US" sz="2000" dirty="0">
-                <a:latin typeface="Arial" panose="020B0604020202020204" pitchFamily="34" charset="0"/>
-                <a:cs typeface="Arial" panose="020B0604020202020204" pitchFamily="34" charset="0"/>
-              </a:rPr>
-              <a:t>log</a:t>
-            </a:r>
-            <a:r>
-              <a:rPr lang="en-US" sz="2000" baseline="-25000" dirty="0">
-                <a:latin typeface="Arial" panose="020B0604020202020204" pitchFamily="34" charset="0"/>
-                <a:cs typeface="Arial" panose="020B0604020202020204" pitchFamily="34" charset="0"/>
-              </a:rPr>
-              <a:t>10</a:t>
-            </a:r>
-            <a:r>
-              <a:rPr lang="en-US" sz="2000" dirty="0">
-                <a:latin typeface="Arial" panose="020B0604020202020204" pitchFamily="34" charset="0"/>
-                <a:cs typeface="Arial" panose="020B0604020202020204" pitchFamily="34" charset="0"/>
-              </a:rPr>
-              <a:t>(gene variance) &gt;= 2.4</a:t>
-            </a:r>
-          </a:p>
-          <a:p>
-            <a:pPr lvl="1"/>
-            <a:r>
-              <a:rPr lang="en-US" sz="2000" dirty="0">
-                <a:latin typeface="Arial" panose="020B0604020202020204" pitchFamily="34" charset="0"/>
-                <a:cs typeface="Arial" panose="020B0604020202020204" pitchFamily="34" charset="0"/>
-              </a:rPr>
-              <a:t>Result: 4022 genes retained out of 25702 genes</a:t>
-            </a:r>
-          </a:p>
-        </p:txBody>
-      </p:sp>
-    </p:spTree>
-    <p:extLst>
-      <p:ext uri="{BB962C8B-B14F-4D97-AF65-F5344CB8AC3E}">
-        <p14:creationId xmlns:p14="http://schemas.microsoft.com/office/powerpoint/2010/main" val="2814226145"/>
-      </p:ext>
-    </p:extLst>
-  </p:cSld>
-  <p:clrMapOvr>
-    <a:masterClrMapping/>
-  </p:clrMapOvr>
-</p:sld>
-</file>
-
 <file path=ppt/slides/slide15.xml><?xml version="1.0" encoding="utf-8"?>
 <p:sld xmlns:a="http://schemas.openxmlformats.org/drawingml/2006/main" xmlns:r="http://schemas.openxmlformats.org/officeDocument/2006/relationships" xmlns:p="http://schemas.openxmlformats.org/presentationml/2006/main">
   <p:cSld>
@@ -9969,6 +9905,165 @@
           <a:lstStyle/>
           <a:p>
             <a:r>
+              <a:rPr lang="en-US" sz="4000" dirty="0">
+                <a:latin typeface="Arial" panose="020B0604020202020204" pitchFamily="34" charset="0"/>
+                <a:cs typeface="Arial" panose="020B0604020202020204" pitchFamily="34" charset="0"/>
+              </a:rPr>
+              <a:t>Filtering by Expression and Variance</a:t>
+            </a:r>
+          </a:p>
+        </p:txBody>
+      </p:sp>
+      <p:sp>
+        <p:nvSpPr>
+          <p:cNvPr id="3" name="Content Placeholder 2">
+            <a:extLst>
+              <a:ext uri="{FF2B5EF4-FFF2-40B4-BE49-F238E27FC236}">
+                <a16:creationId xmlns:a16="http://schemas.microsoft.com/office/drawing/2014/main" id="{3D392EA7-471C-4869-88C0-C8CAE862C49A}"/>
+              </a:ext>
+            </a:extLst>
+          </p:cNvPr>
+          <p:cNvSpPr>
+            <a:spLocks noGrp="1"/>
+          </p:cNvSpPr>
+          <p:nvPr>
+            <p:ph idx="1"/>
+          </p:nvPr>
+        </p:nvSpPr>
+        <p:spPr/>
+        <p:txBody>
+          <a:bodyPr>
+            <a:normAutofit/>
+          </a:bodyPr>
+          <a:lstStyle/>
+          <a:p>
+            <a:r>
+              <a:rPr lang="en-US" sz="2000" dirty="0">
+                <a:latin typeface="Arial" panose="020B0604020202020204" pitchFamily="34" charset="0"/>
+                <a:cs typeface="Arial" panose="020B0604020202020204" pitchFamily="34" charset="0"/>
+              </a:rPr>
+              <a:t>NACEP is very computationally expensive</a:t>
+            </a:r>
+          </a:p>
+          <a:p>
+            <a:pPr lvl="1"/>
+            <a:r>
+              <a:rPr lang="en-US" sz="2000" dirty="0">
+                <a:latin typeface="Arial" panose="020B0604020202020204" pitchFamily="34" charset="0"/>
+                <a:cs typeface="Arial" panose="020B0604020202020204" pitchFamily="34" charset="0"/>
+              </a:rPr>
+              <a:t>Need to drastically reduce dataset size</a:t>
+            </a:r>
+          </a:p>
+          <a:p>
+            <a:r>
+              <a:rPr lang="en-US" sz="2000" dirty="0">
+                <a:latin typeface="Arial" panose="020B0604020202020204" pitchFamily="34" charset="0"/>
+                <a:cs typeface="Arial" panose="020B0604020202020204" pitchFamily="34" charset="0"/>
+              </a:rPr>
+              <a:t>Gene Retention Criteria</a:t>
+            </a:r>
+          </a:p>
+          <a:p>
+            <a:pPr lvl="1"/>
+            <a:r>
+              <a:rPr lang="en-US" sz="2000" dirty="0">
+                <a:latin typeface="Arial" panose="020B0604020202020204" pitchFamily="34" charset="0"/>
+                <a:cs typeface="Arial" panose="020B0604020202020204" pitchFamily="34" charset="0"/>
+              </a:rPr>
+              <a:t>17% of samples have TPM &gt;= 39 (average TPM)</a:t>
+            </a:r>
+          </a:p>
+          <a:p>
+            <a:pPr lvl="1"/>
+            <a:r>
+              <a:rPr lang="en-US" sz="2000" dirty="0">
+                <a:latin typeface="Arial" panose="020B0604020202020204" pitchFamily="34" charset="0"/>
+                <a:cs typeface="Arial" panose="020B0604020202020204" pitchFamily="34" charset="0"/>
+              </a:rPr>
+              <a:t>log</a:t>
+            </a:r>
+            <a:r>
+              <a:rPr lang="en-US" sz="2000" baseline="-25000" dirty="0">
+                <a:latin typeface="Arial" panose="020B0604020202020204" pitchFamily="34" charset="0"/>
+                <a:cs typeface="Arial" panose="020B0604020202020204" pitchFamily="34" charset="0"/>
+              </a:rPr>
+              <a:t>10</a:t>
+            </a:r>
+            <a:r>
+              <a:rPr lang="en-US" sz="2000" dirty="0">
+                <a:latin typeface="Arial" panose="020B0604020202020204" pitchFamily="34" charset="0"/>
+                <a:cs typeface="Arial" panose="020B0604020202020204" pitchFamily="34" charset="0"/>
+              </a:rPr>
+              <a:t>(gene variance) &gt;= 2.4</a:t>
+            </a:r>
+          </a:p>
+          <a:p>
+            <a:pPr lvl="1"/>
+            <a:r>
+              <a:rPr lang="en-US" sz="2000" dirty="0">
+                <a:latin typeface="Arial" panose="020B0604020202020204" pitchFamily="34" charset="0"/>
+                <a:cs typeface="Arial" panose="020B0604020202020204" pitchFamily="34" charset="0"/>
+              </a:rPr>
+              <a:t>Result: 4022 genes retained out of 25702 genes</a:t>
+            </a:r>
+          </a:p>
+        </p:txBody>
+      </p:sp>
+    </p:spTree>
+    <p:extLst>
+      <p:ext uri="{BB962C8B-B14F-4D97-AF65-F5344CB8AC3E}">
+        <p14:creationId xmlns:p14="http://schemas.microsoft.com/office/powerpoint/2010/main" val="2814226145"/>
+      </p:ext>
+    </p:extLst>
+  </p:cSld>
+  <p:clrMapOvr>
+    <a:masterClrMapping/>
+  </p:clrMapOvr>
+</p:sld>
+</file>
+
+<file path=ppt/slides/slide16.xml><?xml version="1.0" encoding="utf-8"?>
+<p:sld xmlns:a="http://schemas.openxmlformats.org/drawingml/2006/main" xmlns:r="http://schemas.openxmlformats.org/officeDocument/2006/relationships" xmlns:p="http://schemas.openxmlformats.org/presentationml/2006/main">
+  <p:cSld>
+    <p:spTree>
+      <p:nvGrpSpPr>
+        <p:cNvPr id="1" name=""/>
+        <p:cNvGrpSpPr/>
+        <p:nvPr/>
+      </p:nvGrpSpPr>
+      <p:grpSpPr>
+        <a:xfrm>
+          <a:off x="0" y="0"/>
+          <a:ext cx="0" cy="0"/>
+          <a:chOff x="0" y="0"/>
+          <a:chExt cx="0" cy="0"/>
+        </a:xfrm>
+      </p:grpSpPr>
+      <p:sp>
+        <p:nvSpPr>
+          <p:cNvPr id="2" name="Title 1">
+            <a:extLst>
+              <a:ext uri="{FF2B5EF4-FFF2-40B4-BE49-F238E27FC236}">
+                <a16:creationId xmlns:a16="http://schemas.microsoft.com/office/drawing/2014/main" id="{0E48E1EA-AB78-46D0-8851-C042B30095C2}"/>
+              </a:ext>
+            </a:extLst>
+          </p:cNvPr>
+          <p:cNvSpPr>
+            <a:spLocks noGrp="1"/>
+          </p:cNvSpPr>
+          <p:nvPr>
+            <p:ph type="title"/>
+          </p:nvPr>
+        </p:nvSpPr>
+        <p:spPr/>
+        <p:txBody>
+          <a:bodyPr>
+            <a:normAutofit/>
+          </a:bodyPr>
+          <a:lstStyle/>
+          <a:p>
+            <a:r>
               <a:rPr lang="en-US" sz="3600" dirty="0">
                 <a:latin typeface="Arial" panose="020B0604020202020204" pitchFamily="34" charset="0"/>
                 <a:cs typeface="Arial" panose="020B0604020202020204" pitchFamily="34" charset="0"/>
@@ -10246,7 +10341,7 @@
 </p:sld>
 </file>
 
-<file path=ppt/slides/slide16.xml><?xml version="1.0" encoding="utf-8"?>
+<file path=ppt/slides/slide17.xml><?xml version="1.0" encoding="utf-8"?>
 <p:sld xmlns:a="http://schemas.openxmlformats.org/drawingml/2006/main" xmlns:r="http://schemas.openxmlformats.org/officeDocument/2006/relationships" xmlns:p="http://schemas.openxmlformats.org/presentationml/2006/main">
   <p:cSld>
     <p:spTree>
@@ -11508,7 +11603,7 @@
 </p:sld>
 </file>
 
-<file path=ppt/slides/slide17.xml><?xml version="1.0" encoding="utf-8"?>
+<file path=ppt/slides/slide18.xml><?xml version="1.0" encoding="utf-8"?>
 <p:sld xmlns:a="http://schemas.openxmlformats.org/drawingml/2006/main" xmlns:r="http://schemas.openxmlformats.org/officeDocument/2006/relationships" xmlns:p="http://schemas.openxmlformats.org/presentationml/2006/main">
   <p:cSld>
     <p:spTree>
@@ -11575,16 +11670,130 @@
         </p:nvSpPr>
         <p:spPr/>
         <p:txBody>
-          <a:bodyPr/>
+          <a:bodyPr>
+            <a:normAutofit/>
+          </a:bodyPr>
           <a:lstStyle/>
           <a:p>
             <a:pPr marL="0" indent="0">
+              <a:lnSpc>
+                <a:spcPct val="100000"/>
+              </a:lnSpc>
+              <a:spcBef>
+                <a:spcPts val="0"/>
+              </a:spcBef>
               <a:buNone/>
             </a:pPr>
-            <a:endParaRPr lang="en-US" dirty="0">
+            <a:r>
+              <a:rPr lang="en-US" sz="2000" dirty="0">
+                <a:latin typeface="Arial" panose="020B0604020202020204" pitchFamily="34" charset="0"/>
+                <a:cs typeface="Arial" panose="020B0604020202020204" pitchFamily="34" charset="0"/>
+              </a:rPr>
+              <a:t>Huang, W., Cao, X., &amp; Zhong, S. (2010). Network-based comparison of temporal gene expression patterns. </a:t>
+            </a:r>
+            <a:r>
+              <a:rPr lang="en-US" sz="2000" i="1" dirty="0">
+                <a:latin typeface="Arial" panose="020B0604020202020204" pitchFamily="34" charset="0"/>
+                <a:cs typeface="Arial" panose="020B0604020202020204" pitchFamily="34" charset="0"/>
+              </a:rPr>
+              <a:t>Bioinformatics</a:t>
+            </a:r>
+            <a:r>
+              <a:rPr lang="en-US" sz="2000" dirty="0">
+                <a:latin typeface="Arial" panose="020B0604020202020204" pitchFamily="34" charset="0"/>
+                <a:cs typeface="Arial" panose="020B0604020202020204" pitchFamily="34" charset="0"/>
+              </a:rPr>
+              <a:t>, </a:t>
+            </a:r>
+            <a:r>
+              <a:rPr lang="en-US" sz="2000" i="1" dirty="0">
+                <a:latin typeface="Arial" panose="020B0604020202020204" pitchFamily="34" charset="0"/>
+                <a:cs typeface="Arial" panose="020B0604020202020204" pitchFamily="34" charset="0"/>
+              </a:rPr>
+              <a:t>26</a:t>
+            </a:r>
+            <a:r>
+              <a:rPr lang="en-US" sz="2000" dirty="0">
+                <a:latin typeface="Arial" panose="020B0604020202020204" pitchFamily="34" charset="0"/>
+                <a:cs typeface="Arial" panose="020B0604020202020204" pitchFamily="34" charset="0"/>
+              </a:rPr>
+              <a:t>(23), 2944–2951. http://doi.org/10.1093/bioinformatics/btq561</a:t>
+            </a:r>
+          </a:p>
+          <a:p>
+            <a:pPr marL="0" indent="0">
+              <a:lnSpc>
+                <a:spcPct val="100000"/>
+              </a:lnSpc>
+              <a:spcBef>
+                <a:spcPts val="0"/>
+              </a:spcBef>
+              <a:buNone/>
+            </a:pPr>
+            <a:endParaRPr lang="en-US" sz="2000" dirty="0">
               <a:latin typeface="Arial" panose="020B0604020202020204" pitchFamily="34" charset="0"/>
               <a:cs typeface="Arial" panose="020B0604020202020204" pitchFamily="34" charset="0"/>
             </a:endParaRPr>
+          </a:p>
+          <a:p>
+            <a:pPr marL="0" indent="0">
+              <a:lnSpc>
+                <a:spcPct val="100000"/>
+              </a:lnSpc>
+              <a:spcBef>
+                <a:spcPts val="0"/>
+              </a:spcBef>
+              <a:buNone/>
+            </a:pPr>
+            <a:r>
+              <a:rPr lang="en-US" sz="2000" dirty="0">
+                <a:latin typeface="Arial" panose="020B0604020202020204" pitchFamily="34" charset="0"/>
+                <a:cs typeface="Arial" panose="020B0604020202020204" pitchFamily="34" charset="0"/>
+              </a:rPr>
+              <a:t>Berger, P. L., Winn, M. E., </a:t>
+            </a:r>
+            <a:r>
+              <a:rPr lang="en-US" sz="2000" dirty="0" err="1">
+                <a:latin typeface="Arial" panose="020B0604020202020204" pitchFamily="34" charset="0"/>
+                <a:cs typeface="Arial" panose="020B0604020202020204" pitchFamily="34" charset="0"/>
+              </a:rPr>
+              <a:t>Miranti</a:t>
+            </a:r>
+            <a:r>
+              <a:rPr lang="en-US" sz="2000" dirty="0">
+                <a:latin typeface="Arial" panose="020B0604020202020204" pitchFamily="34" charset="0"/>
+                <a:cs typeface="Arial" panose="020B0604020202020204" pitchFamily="34" charset="0"/>
+              </a:rPr>
+              <a:t>, C. K. (2016). Miz1, a Novel Target of ING4, Can Drive Prostate Luminal Epithelial Cell Differentiation. </a:t>
+            </a:r>
+            <a:r>
+              <a:rPr lang="en-US" sz="2000" i="1" dirty="0">
+                <a:latin typeface="Arial" panose="020B0604020202020204" pitchFamily="34" charset="0"/>
+                <a:cs typeface="Arial" panose="020B0604020202020204" pitchFamily="34" charset="0"/>
+              </a:rPr>
+              <a:t>The Prostate</a:t>
+            </a:r>
+            <a:r>
+              <a:rPr lang="en-US" sz="2000" dirty="0">
+                <a:latin typeface="Arial" panose="020B0604020202020204" pitchFamily="34" charset="0"/>
+                <a:cs typeface="Arial" panose="020B0604020202020204" pitchFamily="34" charset="0"/>
+              </a:rPr>
+              <a:t>. </a:t>
+            </a:r>
+            <a:r>
+              <a:rPr lang="en-US" sz="2000" i="1" dirty="0">
+                <a:latin typeface="Arial" panose="020B0604020202020204" pitchFamily="34" charset="0"/>
+                <a:cs typeface="Arial" panose="020B0604020202020204" pitchFamily="34" charset="0"/>
+              </a:rPr>
+              <a:t>77(1),</a:t>
+            </a:r>
+            <a:r>
+              <a:rPr lang="en-US" sz="2000" dirty="0">
+                <a:latin typeface="Arial" panose="020B0604020202020204" pitchFamily="34" charset="0"/>
+                <a:cs typeface="Arial" panose="020B0604020202020204" pitchFamily="34" charset="0"/>
+              </a:rPr>
+              <a:t> 49-59. http://doi.org/10.1002/pros.23249</a:t>
+            </a:r>
           </a:p>
         </p:txBody>
       </p:sp>
@@ -11696,6 +11905,295 @@
 </file>
 
 <file path=ppt/slides/slide3.xml><?xml version="1.0" encoding="utf-8"?>
+<p:sld xmlns:a="http://schemas.openxmlformats.org/drawingml/2006/main" xmlns:r="http://schemas.openxmlformats.org/officeDocument/2006/relationships" xmlns:p="http://schemas.openxmlformats.org/presentationml/2006/main">
+  <p:cSld>
+    <p:spTree>
+      <p:nvGrpSpPr>
+        <p:cNvPr id="1" name=""/>
+        <p:cNvGrpSpPr/>
+        <p:nvPr/>
+      </p:nvGrpSpPr>
+      <p:grpSpPr>
+        <a:xfrm>
+          <a:off x="0" y="0"/>
+          <a:ext cx="0" cy="0"/>
+          <a:chOff x="0" y="0"/>
+          <a:chExt cx="0" cy="0"/>
+        </a:xfrm>
+      </p:grpSpPr>
+      <p:pic>
+        <p:nvPicPr>
+          <p:cNvPr id="2" name="Picture 1">
+            <a:extLst>
+              <a:ext uri="{FF2B5EF4-FFF2-40B4-BE49-F238E27FC236}">
+                <a16:creationId xmlns:a16="http://schemas.microsoft.com/office/drawing/2014/main" id="{565C67D1-DB3E-4067-A691-15D93377C425}"/>
+              </a:ext>
+            </a:extLst>
+          </p:cNvPr>
+          <p:cNvPicPr>
+            <a:picLocks noChangeAspect="1"/>
+          </p:cNvPicPr>
+          <p:nvPr/>
+        </p:nvPicPr>
+        <p:blipFill rotWithShape="1">
+          <a:blip r:embed="rId2"/>
+          <a:srcRect l="13750" t="26260" r="15886" b="50000"/>
+          <a:stretch/>
+        </p:blipFill>
+        <p:spPr>
+          <a:xfrm>
+            <a:off x="329629" y="126888"/>
+            <a:ext cx="9246742" cy="1754821"/>
+          </a:xfrm>
+          <a:prstGeom prst="rect">
+            <a:avLst/>
+          </a:prstGeom>
+        </p:spPr>
+      </p:pic>
+      <p:sp>
+        <p:nvSpPr>
+          <p:cNvPr id="3" name="Content Placeholder 2">
+            <a:extLst>
+              <a:ext uri="{FF2B5EF4-FFF2-40B4-BE49-F238E27FC236}">
+                <a16:creationId xmlns:a16="http://schemas.microsoft.com/office/drawing/2014/main" id="{59811DFA-7339-4EA1-8FDA-B11F3A7B94D1}"/>
+              </a:ext>
+            </a:extLst>
+          </p:cNvPr>
+          <p:cNvSpPr txBox="1">
+            <a:spLocks/>
+          </p:cNvSpPr>
+          <p:nvPr/>
+        </p:nvSpPr>
+        <p:spPr>
+          <a:xfrm>
+            <a:off x="681038" y="2219217"/>
+            <a:ext cx="8543925" cy="3957745"/>
+          </a:xfrm>
+          <a:prstGeom prst="rect">
+            <a:avLst/>
+          </a:prstGeom>
+        </p:spPr>
+        <p:txBody>
+          <a:bodyPr/>
+          <a:lstStyle>
+            <a:lvl1pPr marL="228600" indent="-228600" algn="l" defTabSz="914400" rtl="0" eaLnBrk="1" latinLnBrk="0" hangingPunct="1">
+              <a:lnSpc>
+                <a:spcPct val="90000"/>
+              </a:lnSpc>
+              <a:spcBef>
+                <a:spcPts val="1000"/>
+              </a:spcBef>
+              <a:buFont typeface="Arial" panose="020B0604020202020204" pitchFamily="34" charset="0"/>
+              <a:buChar char="•"/>
+              <a:defRPr sz="2800" kern="1200">
+                <a:solidFill>
+                  <a:schemeClr val="tx1"/>
+                </a:solidFill>
+                <a:latin typeface="+mn-lt"/>
+                <a:ea typeface="+mn-ea"/>
+                <a:cs typeface="+mn-cs"/>
+              </a:defRPr>
+            </a:lvl1pPr>
+            <a:lvl2pPr marL="685800" indent="-228600" algn="l" defTabSz="914400" rtl="0" eaLnBrk="1" latinLnBrk="0" hangingPunct="1">
+              <a:lnSpc>
+                <a:spcPct val="90000"/>
+              </a:lnSpc>
+              <a:spcBef>
+                <a:spcPts val="500"/>
+              </a:spcBef>
+              <a:buFont typeface="Arial" panose="020B0604020202020204" pitchFamily="34" charset="0"/>
+              <a:buChar char="•"/>
+              <a:defRPr sz="2400" kern="1200">
+                <a:solidFill>
+                  <a:schemeClr val="tx1"/>
+                </a:solidFill>
+                <a:latin typeface="+mn-lt"/>
+                <a:ea typeface="+mn-ea"/>
+                <a:cs typeface="+mn-cs"/>
+              </a:defRPr>
+            </a:lvl2pPr>
+            <a:lvl3pPr marL="1143000" indent="-228600" algn="l" defTabSz="914400" rtl="0" eaLnBrk="1" latinLnBrk="0" hangingPunct="1">
+              <a:lnSpc>
+                <a:spcPct val="90000"/>
+              </a:lnSpc>
+              <a:spcBef>
+                <a:spcPts val="500"/>
+              </a:spcBef>
+              <a:buFont typeface="Arial" panose="020B0604020202020204" pitchFamily="34" charset="0"/>
+              <a:buChar char="•"/>
+              <a:defRPr sz="2000" kern="1200">
+                <a:solidFill>
+                  <a:schemeClr val="tx1"/>
+                </a:solidFill>
+                <a:latin typeface="+mn-lt"/>
+                <a:ea typeface="+mn-ea"/>
+                <a:cs typeface="+mn-cs"/>
+              </a:defRPr>
+            </a:lvl3pPr>
+            <a:lvl4pPr marL="1600200" indent="-228600" algn="l" defTabSz="914400" rtl="0" eaLnBrk="1" latinLnBrk="0" hangingPunct="1">
+              <a:lnSpc>
+                <a:spcPct val="90000"/>
+              </a:lnSpc>
+              <a:spcBef>
+                <a:spcPts val="500"/>
+              </a:spcBef>
+              <a:buFont typeface="Arial" panose="020B0604020202020204" pitchFamily="34" charset="0"/>
+              <a:buChar char="•"/>
+              <a:defRPr sz="1800" kern="1200">
+                <a:solidFill>
+                  <a:schemeClr val="tx1"/>
+                </a:solidFill>
+                <a:latin typeface="+mn-lt"/>
+                <a:ea typeface="+mn-ea"/>
+                <a:cs typeface="+mn-cs"/>
+              </a:defRPr>
+            </a:lvl4pPr>
+            <a:lvl5pPr marL="2057400" indent="-228600" algn="l" defTabSz="914400" rtl="0" eaLnBrk="1" latinLnBrk="0" hangingPunct="1">
+              <a:lnSpc>
+                <a:spcPct val="90000"/>
+              </a:lnSpc>
+              <a:spcBef>
+                <a:spcPts val="500"/>
+              </a:spcBef>
+              <a:buFont typeface="Arial" panose="020B0604020202020204" pitchFamily="34" charset="0"/>
+              <a:buChar char="•"/>
+              <a:defRPr sz="1800" kern="1200">
+                <a:solidFill>
+                  <a:schemeClr val="tx1"/>
+                </a:solidFill>
+                <a:latin typeface="+mn-lt"/>
+                <a:ea typeface="+mn-ea"/>
+                <a:cs typeface="+mn-cs"/>
+              </a:defRPr>
+            </a:lvl5pPr>
+            <a:lvl6pPr marL="2514600" indent="-228600" algn="l" defTabSz="914400" rtl="0" eaLnBrk="1" latinLnBrk="0" hangingPunct="1">
+              <a:lnSpc>
+                <a:spcPct val="90000"/>
+              </a:lnSpc>
+              <a:spcBef>
+                <a:spcPts val="500"/>
+              </a:spcBef>
+              <a:buFont typeface="Arial" panose="020B0604020202020204" pitchFamily="34" charset="0"/>
+              <a:buChar char="•"/>
+              <a:defRPr sz="1800" kern="1200">
+                <a:solidFill>
+                  <a:schemeClr val="tx1"/>
+                </a:solidFill>
+                <a:latin typeface="+mn-lt"/>
+                <a:ea typeface="+mn-ea"/>
+                <a:cs typeface="+mn-cs"/>
+              </a:defRPr>
+            </a:lvl6pPr>
+            <a:lvl7pPr marL="2971800" indent="-228600" algn="l" defTabSz="914400" rtl="0" eaLnBrk="1" latinLnBrk="0" hangingPunct="1">
+              <a:lnSpc>
+                <a:spcPct val="90000"/>
+              </a:lnSpc>
+              <a:spcBef>
+                <a:spcPts val="500"/>
+              </a:spcBef>
+              <a:buFont typeface="Arial" panose="020B0604020202020204" pitchFamily="34" charset="0"/>
+              <a:buChar char="•"/>
+              <a:defRPr sz="1800" kern="1200">
+                <a:solidFill>
+                  <a:schemeClr val="tx1"/>
+                </a:solidFill>
+                <a:latin typeface="+mn-lt"/>
+                <a:ea typeface="+mn-ea"/>
+                <a:cs typeface="+mn-cs"/>
+              </a:defRPr>
+            </a:lvl7pPr>
+            <a:lvl8pPr marL="3429000" indent="-228600" algn="l" defTabSz="914400" rtl="0" eaLnBrk="1" latinLnBrk="0" hangingPunct="1">
+              <a:lnSpc>
+                <a:spcPct val="90000"/>
+              </a:lnSpc>
+              <a:spcBef>
+                <a:spcPts val="500"/>
+              </a:spcBef>
+              <a:buFont typeface="Arial" panose="020B0604020202020204" pitchFamily="34" charset="0"/>
+              <a:buChar char="•"/>
+              <a:defRPr sz="1800" kern="1200">
+                <a:solidFill>
+                  <a:schemeClr val="tx1"/>
+                </a:solidFill>
+                <a:latin typeface="+mn-lt"/>
+                <a:ea typeface="+mn-ea"/>
+                <a:cs typeface="+mn-cs"/>
+              </a:defRPr>
+            </a:lvl8pPr>
+            <a:lvl9pPr marL="3886200" indent="-228600" algn="l" defTabSz="914400" rtl="0" eaLnBrk="1" latinLnBrk="0" hangingPunct="1">
+              <a:lnSpc>
+                <a:spcPct val="90000"/>
+              </a:lnSpc>
+              <a:spcBef>
+                <a:spcPts val="500"/>
+              </a:spcBef>
+              <a:buFont typeface="Arial" panose="020B0604020202020204" pitchFamily="34" charset="0"/>
+              <a:buChar char="•"/>
+              <a:defRPr sz="1800" kern="1200">
+                <a:solidFill>
+                  <a:schemeClr val="tx1"/>
+                </a:solidFill>
+                <a:latin typeface="+mn-lt"/>
+                <a:ea typeface="+mn-ea"/>
+                <a:cs typeface="+mn-cs"/>
+              </a:defRPr>
+            </a:lvl9pPr>
+          </a:lstStyle>
+          <a:p>
+            <a:pPr marL="0" indent="0">
+              <a:buNone/>
+            </a:pPr>
+            <a:r>
+              <a:rPr lang="en-US" dirty="0">
+                <a:latin typeface="Arial" panose="020B0604020202020204" pitchFamily="34" charset="0"/>
+                <a:cs typeface="Arial" panose="020B0604020202020204" pitchFamily="34" charset="0"/>
+              </a:rPr>
+              <a:t>Motivation:</a:t>
+            </a:r>
+          </a:p>
+          <a:p>
+            <a:r>
+              <a:rPr lang="en-US" sz="2400" dirty="0">
+                <a:latin typeface="Arial" panose="020B0604020202020204" pitchFamily="34" charset="0"/>
+                <a:cs typeface="Arial" panose="020B0604020202020204" pitchFamily="34" charset="0"/>
+              </a:rPr>
+              <a:t>Incorporate time-course expression data in differential expression analysis</a:t>
+            </a:r>
+          </a:p>
+          <a:p>
+            <a:r>
+              <a:rPr lang="en-US" sz="2400" dirty="0">
+                <a:latin typeface="Arial" panose="020B0604020202020204" pitchFamily="34" charset="0"/>
+                <a:cs typeface="Arial" panose="020B0604020202020204" pitchFamily="34" charset="0"/>
+              </a:rPr>
+              <a:t>Prior work was limited to an independent gene-by-gene approach</a:t>
+            </a:r>
+          </a:p>
+          <a:p>
+            <a:r>
+              <a:rPr lang="en-US" sz="2400" dirty="0">
+                <a:latin typeface="Arial" panose="020B0604020202020204" pitchFamily="34" charset="0"/>
+                <a:cs typeface="Arial" panose="020B0604020202020204" pitchFamily="34" charset="0"/>
+              </a:rPr>
+              <a:t>NACEP uses expression pattern clustering to solve these issues</a:t>
+            </a:r>
+          </a:p>
+        </p:txBody>
+      </p:sp>
+    </p:spTree>
+    <p:extLst>
+      <p:ext uri="{BB962C8B-B14F-4D97-AF65-F5344CB8AC3E}">
+        <p14:creationId xmlns:p14="http://schemas.microsoft.com/office/powerpoint/2010/main" val="1207001174"/>
+      </p:ext>
+    </p:extLst>
+  </p:cSld>
+  <p:clrMapOvr>
+    <a:masterClrMapping/>
+  </p:clrMapOvr>
+</p:sld>
+</file>
+
+<file path=ppt/slides/slide4.xml><?xml version="1.0" encoding="utf-8"?>
 <p:sld xmlns:a="http://schemas.openxmlformats.org/drawingml/2006/main" xmlns:r="http://schemas.openxmlformats.org/officeDocument/2006/relationships" xmlns:p="http://schemas.openxmlformats.org/presentationml/2006/main">
   <p:cSld>
     <p:spTree>
@@ -11843,7 +12341,7 @@
 </p:sld>
 </file>
 
-<file path=ppt/slides/slide4.xml><?xml version="1.0" encoding="utf-8"?>
+<file path=ppt/slides/slide5.xml><?xml version="1.0" encoding="utf-8"?>
 <p:sld xmlns:a="http://schemas.openxmlformats.org/drawingml/2006/main" xmlns:r="http://schemas.openxmlformats.org/officeDocument/2006/relationships" xmlns:p="http://schemas.openxmlformats.org/presentationml/2006/main">
   <p:cSld>
     <p:spTree>
@@ -12086,7 +12584,7 @@
 </p:sld>
 </file>
 
-<file path=ppt/slides/slide5.xml><?xml version="1.0" encoding="utf-8"?>
+<file path=ppt/slides/slide6.xml><?xml version="1.0" encoding="utf-8"?>
 <p:sld xmlns:a="http://schemas.openxmlformats.org/drawingml/2006/main" xmlns:r="http://schemas.openxmlformats.org/officeDocument/2006/relationships" xmlns:p="http://schemas.openxmlformats.org/presentationml/2006/main">
   <p:cSld>
     <p:spTree>
@@ -12874,7 +13372,7 @@
 </p:sld>
 </file>
 
-<file path=ppt/slides/slide6.xml><?xml version="1.0" encoding="utf-8"?>
+<file path=ppt/slides/slide7.xml><?xml version="1.0" encoding="utf-8"?>
 <p:sld xmlns:a="http://schemas.openxmlformats.org/drawingml/2006/main" xmlns:r="http://schemas.openxmlformats.org/officeDocument/2006/relationships" xmlns:p="http://schemas.openxmlformats.org/presentationml/2006/main">
   <p:cSld>
     <p:spTree>
@@ -13076,7 +13574,7 @@
 </p:sld>
 </file>
 
-<file path=ppt/slides/slide7.xml><?xml version="1.0" encoding="utf-8"?>
+<file path=ppt/slides/slide8.xml><?xml version="1.0" encoding="utf-8"?>
 <p:sld xmlns:a="http://schemas.openxmlformats.org/drawingml/2006/main" xmlns:r="http://schemas.openxmlformats.org/officeDocument/2006/relationships" xmlns:p="http://schemas.openxmlformats.org/presentationml/2006/main">
   <p:cSld>
     <p:spTree>
@@ -13301,7 +13799,7 @@
 </p:sld>
 </file>
 
-<file path=ppt/slides/slide8.xml><?xml version="1.0" encoding="utf-8"?>
+<file path=ppt/slides/slide9.xml><?xml version="1.0" encoding="utf-8"?>
 <p:sld xmlns:a="http://schemas.openxmlformats.org/drawingml/2006/main" xmlns:r="http://schemas.openxmlformats.org/officeDocument/2006/relationships" xmlns:p="http://schemas.openxmlformats.org/presentationml/2006/main">
   <p:cSld>
     <p:spTree>
@@ -13487,100 +13985,6 @@
     <p:extLst>
       <p:ext uri="{BB962C8B-B14F-4D97-AF65-F5344CB8AC3E}">
         <p14:creationId xmlns:p14="http://schemas.microsoft.com/office/powerpoint/2010/main" val="2263933010"/>
-      </p:ext>
-    </p:extLst>
-  </p:cSld>
-  <p:clrMapOvr>
-    <a:masterClrMapping/>
-  </p:clrMapOvr>
-</p:sld>
-</file>
-
-<file path=ppt/slides/slide9.xml><?xml version="1.0" encoding="utf-8"?>
-<p:sld xmlns:a="http://schemas.openxmlformats.org/drawingml/2006/main" xmlns:r="http://schemas.openxmlformats.org/officeDocument/2006/relationships" xmlns:p="http://schemas.openxmlformats.org/presentationml/2006/main">
-  <p:cSld>
-    <p:spTree>
-      <p:nvGrpSpPr>
-        <p:cNvPr id="1" name=""/>
-        <p:cNvGrpSpPr/>
-        <p:nvPr/>
-      </p:nvGrpSpPr>
-      <p:grpSpPr>
-        <a:xfrm>
-          <a:off x="0" y="0"/>
-          <a:ext cx="0" cy="0"/>
-          <a:chOff x="0" y="0"/>
-          <a:chExt cx="0" cy="0"/>
-        </a:xfrm>
-      </p:grpSpPr>
-      <p:sp>
-        <p:nvSpPr>
-          <p:cNvPr id="2" name="Title 1">
-            <a:extLst>
-              <a:ext uri="{FF2B5EF4-FFF2-40B4-BE49-F238E27FC236}">
-                <a16:creationId xmlns:a16="http://schemas.microsoft.com/office/drawing/2014/main" id="{90FBA9F3-1B77-4A3A-BFDA-A01273589195}"/>
-              </a:ext>
-            </a:extLst>
-          </p:cNvPr>
-          <p:cNvSpPr>
-            <a:spLocks noGrp="1"/>
-          </p:cNvSpPr>
-          <p:nvPr>
-            <p:ph type="title"/>
-          </p:nvPr>
-        </p:nvSpPr>
-        <p:spPr/>
-        <p:txBody>
-          <a:bodyPr>
-            <a:normAutofit/>
-          </a:bodyPr>
-          <a:lstStyle/>
-          <a:p>
-            <a:r>
-              <a:rPr lang="en-US" sz="4000" dirty="0">
-                <a:latin typeface="Arial" panose="020B0604020202020204" pitchFamily="34" charset="0"/>
-                <a:cs typeface="Arial" panose="020B0604020202020204" pitchFamily="34" charset="0"/>
-              </a:rPr>
-              <a:t>Analysis of Tumorigenic Prostate Epithelial Cells</a:t>
-            </a:r>
-          </a:p>
-        </p:txBody>
-      </p:sp>
-      <p:sp>
-        <p:nvSpPr>
-          <p:cNvPr id="3" name="Text Placeholder 2">
-            <a:extLst>
-              <a:ext uri="{FF2B5EF4-FFF2-40B4-BE49-F238E27FC236}">
-                <a16:creationId xmlns:a16="http://schemas.microsoft.com/office/drawing/2014/main" id="{01EAB58A-2CC8-45C1-9A01-3064561BD840}"/>
-              </a:ext>
-            </a:extLst>
-          </p:cNvPr>
-          <p:cNvSpPr>
-            <a:spLocks noGrp="1"/>
-          </p:cNvSpPr>
-          <p:nvPr>
-            <p:ph type="body" idx="1"/>
-          </p:nvPr>
-        </p:nvSpPr>
-        <p:spPr/>
-        <p:txBody>
-          <a:bodyPr/>
-          <a:lstStyle/>
-          <a:p>
-            <a:r>
-              <a:rPr lang="en-US" dirty="0">
-                <a:latin typeface="Arial" panose="020B0604020202020204" pitchFamily="34" charset="0"/>
-                <a:cs typeface="Arial" panose="020B0604020202020204" pitchFamily="34" charset="0"/>
-              </a:rPr>
-              <a:t>Incorporating time-course data in differential expression analysis with NACEP </a:t>
-            </a:r>
-          </a:p>
-        </p:txBody>
-      </p:sp>
-    </p:spTree>
-    <p:extLst>
-      <p:ext uri="{BB962C8B-B14F-4D97-AF65-F5344CB8AC3E}">
-        <p14:creationId xmlns:p14="http://schemas.microsoft.com/office/powerpoint/2010/main" val="2538295737"/>
       </p:ext>
     </p:extLst>
   </p:cSld>

--- a/ppt/Presentation.pptx
+++ b/ppt/Presentation.pptx
@@ -3629,7 +3629,7 @@
           <a:p>
             <a:fld id="{4FDE70D7-0AB7-4E11-8116-CCC73F5E7693}" type="datetimeFigureOut">
               <a:rPr lang="en-US" smtClean="0"/>
-              <a:t>11/28/2017</a:t>
+              <a:t>12/8/2017</a:t>
             </a:fld>
             <a:endParaRPr lang="en-US"/>
           </a:p>
@@ -4118,7 +4118,7 @@
           <a:p>
             <a:fld id="{5070667B-8CBE-4DAB-9654-3E33F49025B8}" type="datetimeFigureOut">
               <a:rPr lang="en-US" smtClean="0"/>
-              <a:t>11/28/2017</a:t>
+              <a:t>12/8/2017</a:t>
             </a:fld>
             <a:endParaRPr lang="en-US"/>
           </a:p>
@@ -4288,7 +4288,7 @@
           <a:p>
             <a:fld id="{5070667B-8CBE-4DAB-9654-3E33F49025B8}" type="datetimeFigureOut">
               <a:rPr lang="en-US" smtClean="0"/>
-              <a:t>11/28/2017</a:t>
+              <a:t>12/8/2017</a:t>
             </a:fld>
             <a:endParaRPr lang="en-US"/>
           </a:p>
@@ -4468,7 +4468,7 @@
           <a:p>
             <a:fld id="{5070667B-8CBE-4DAB-9654-3E33F49025B8}" type="datetimeFigureOut">
               <a:rPr lang="en-US" smtClean="0"/>
-              <a:t>11/28/2017</a:t>
+              <a:t>12/8/2017</a:t>
             </a:fld>
             <a:endParaRPr lang="en-US"/>
           </a:p>
@@ -4638,7 +4638,7 @@
           <a:p>
             <a:fld id="{5070667B-8CBE-4DAB-9654-3E33F49025B8}" type="datetimeFigureOut">
               <a:rPr lang="en-US" smtClean="0"/>
-              <a:t>11/28/2017</a:t>
+              <a:t>12/8/2017</a:t>
             </a:fld>
             <a:endParaRPr lang="en-US"/>
           </a:p>
@@ -4882,7 +4882,7 @@
           <a:p>
             <a:fld id="{5070667B-8CBE-4DAB-9654-3E33F49025B8}" type="datetimeFigureOut">
               <a:rPr lang="en-US" smtClean="0"/>
-              <a:t>11/28/2017</a:t>
+              <a:t>12/8/2017</a:t>
             </a:fld>
             <a:endParaRPr lang="en-US"/>
           </a:p>
@@ -5114,7 +5114,7 @@
           <a:p>
             <a:fld id="{5070667B-8CBE-4DAB-9654-3E33F49025B8}" type="datetimeFigureOut">
               <a:rPr lang="en-US" smtClean="0"/>
-              <a:t>11/28/2017</a:t>
+              <a:t>12/8/2017</a:t>
             </a:fld>
             <a:endParaRPr lang="en-US"/>
           </a:p>
@@ -5481,7 +5481,7 @@
           <a:p>
             <a:fld id="{5070667B-8CBE-4DAB-9654-3E33F49025B8}" type="datetimeFigureOut">
               <a:rPr lang="en-US" smtClean="0"/>
-              <a:t>11/28/2017</a:t>
+              <a:t>12/8/2017</a:t>
             </a:fld>
             <a:endParaRPr lang="en-US"/>
           </a:p>
@@ -5599,7 +5599,7 @@
           <a:p>
             <a:fld id="{5070667B-8CBE-4DAB-9654-3E33F49025B8}" type="datetimeFigureOut">
               <a:rPr lang="en-US" smtClean="0"/>
-              <a:t>11/28/2017</a:t>
+              <a:t>12/8/2017</a:t>
             </a:fld>
             <a:endParaRPr lang="en-US"/>
           </a:p>
@@ -5694,7 +5694,7 @@
           <a:p>
             <a:fld id="{5070667B-8CBE-4DAB-9654-3E33F49025B8}" type="datetimeFigureOut">
               <a:rPr lang="en-US" smtClean="0"/>
-              <a:t>11/28/2017</a:t>
+              <a:t>12/8/2017</a:t>
             </a:fld>
             <a:endParaRPr lang="en-US"/>
           </a:p>
@@ -5971,7 +5971,7 @@
           <a:p>
             <a:fld id="{5070667B-8CBE-4DAB-9654-3E33F49025B8}" type="datetimeFigureOut">
               <a:rPr lang="en-US" smtClean="0"/>
-              <a:t>11/28/2017</a:t>
+              <a:t>12/8/2017</a:t>
             </a:fld>
             <a:endParaRPr lang="en-US"/>
           </a:p>
@@ -6228,7 +6228,7 @@
           <a:p>
             <a:fld id="{5070667B-8CBE-4DAB-9654-3E33F49025B8}" type="datetimeFigureOut">
               <a:rPr lang="en-US" smtClean="0"/>
-              <a:t>11/28/2017</a:t>
+              <a:t>12/8/2017</a:t>
             </a:fld>
             <a:endParaRPr lang="en-US"/>
           </a:p>
@@ -6441,7 +6441,7 @@
           <a:p>
             <a:fld id="{5070667B-8CBE-4DAB-9654-3E33F49025B8}" type="datetimeFigureOut">
               <a:rPr lang="en-US" smtClean="0"/>
-              <a:t>11/28/2017</a:t>
+              <a:t>12/8/2017</a:t>
             </a:fld>
             <a:endParaRPr lang="en-US"/>
           </a:p>
@@ -8197,12 +8197,1562 @@
           </a:p>
         </p:txBody>
       </p:sp>
+      <p:pic>
+        <p:nvPicPr>
+          <p:cNvPr id="20" name="Picture 19">
+            <a:extLst>
+              <a:ext uri="{FF2B5EF4-FFF2-40B4-BE49-F238E27FC236}">
+                <a16:creationId xmlns:a16="http://schemas.microsoft.com/office/drawing/2014/main" id="{88EBEBA2-80E2-4D09-B6A2-73EBC0ABC6D8}"/>
+              </a:ext>
+            </a:extLst>
+          </p:cNvPr>
+          <p:cNvPicPr>
+            <a:picLocks noChangeAspect="1"/>
+          </p:cNvPicPr>
+          <p:nvPr/>
+        </p:nvPicPr>
+        <p:blipFill>
+          <a:blip r:embed="rId3">
+            <a:extLst>
+              <a:ext uri="{28A0092B-C50C-407E-A947-70E740481C1C}">
+                <a14:useLocalDpi xmlns:a14="http://schemas.microsoft.com/office/drawing/2010/main" val="0"/>
+              </a:ext>
+            </a:extLst>
+          </a:blip>
+          <a:stretch>
+            <a:fillRect/>
+          </a:stretch>
+        </p:blipFill>
+        <p:spPr>
+          <a:xfrm>
+            <a:off x="346709" y="1690687"/>
+            <a:ext cx="9127524" cy="5134232"/>
+          </a:xfrm>
+          <a:prstGeom prst="rect">
+            <a:avLst/>
+          </a:prstGeom>
+        </p:spPr>
+      </p:pic>
+      <p:sp>
+        <p:nvSpPr>
+          <p:cNvPr id="21" name="Oval 20">
+            <a:extLst>
+              <a:ext uri="{FF2B5EF4-FFF2-40B4-BE49-F238E27FC236}">
+                <a16:creationId xmlns:a16="http://schemas.microsoft.com/office/drawing/2014/main" id="{4E728623-5F13-4B70-9C30-D715BE643D85}"/>
+              </a:ext>
+            </a:extLst>
+          </p:cNvPr>
+          <p:cNvSpPr/>
+          <p:nvPr/>
+        </p:nvSpPr>
+        <p:spPr>
+          <a:xfrm rot="195523">
+            <a:off x="1157864" y="2022734"/>
+            <a:ext cx="4396145" cy="623644"/>
+          </a:xfrm>
+          <a:prstGeom prst="ellipse">
+            <a:avLst/>
+          </a:prstGeom>
+          <a:solidFill>
+            <a:srgbClr val="619CFF">
+              <a:alpha val="54902"/>
+            </a:srgbClr>
+          </a:solidFill>
+          <a:ln>
+            <a:noFill/>
+          </a:ln>
+        </p:spPr>
+        <p:style>
+          <a:lnRef idx="2">
+            <a:schemeClr val="accent1">
+              <a:shade val="50000"/>
+            </a:schemeClr>
+          </a:lnRef>
+          <a:fillRef idx="1">
+            <a:schemeClr val="accent1"/>
+          </a:fillRef>
+          <a:effectRef idx="0">
+            <a:schemeClr val="accent1"/>
+          </a:effectRef>
+          <a:fontRef idx="minor">
+            <a:schemeClr val="lt1"/>
+          </a:fontRef>
+        </p:style>
+        <p:txBody>
+          <a:bodyPr rot="0" spcFirstLastPara="0" vertOverflow="overflow" horzOverflow="overflow" vert="horz" wrap="square" lIns="91440" tIns="45721" rIns="91440" bIns="45721" numCol="1" spcCol="0" rtlCol="0" fromWordArt="0" anchor="ctr" anchorCtr="0" forceAA="0" compatLnSpc="1">
+            <a:prstTxWarp prst="textNoShape">
+              <a:avLst/>
+            </a:prstTxWarp>
+            <a:noAutofit/>
+          </a:bodyPr>
+          <a:lstStyle/>
+          <a:p>
+            <a:pPr algn="ctr"/>
+            <a:endParaRPr lang="en-US" sz="1801"/>
+          </a:p>
+        </p:txBody>
+      </p:sp>
+      <p:sp>
+        <p:nvSpPr>
+          <p:cNvPr id="22" name="Oval 21">
+            <a:extLst>
+              <a:ext uri="{FF2B5EF4-FFF2-40B4-BE49-F238E27FC236}">
+                <a16:creationId xmlns:a16="http://schemas.microsoft.com/office/drawing/2014/main" id="{819F1518-4619-471A-B4F7-B85BE14D6919}"/>
+              </a:ext>
+            </a:extLst>
+          </p:cNvPr>
+          <p:cNvSpPr/>
+          <p:nvPr/>
+        </p:nvSpPr>
+        <p:spPr>
+          <a:xfrm rot="854353">
+            <a:off x="3007594" y="2320126"/>
+            <a:ext cx="2859623" cy="551428"/>
+          </a:xfrm>
+          <a:prstGeom prst="ellipse">
+            <a:avLst/>
+          </a:prstGeom>
+          <a:solidFill>
+            <a:srgbClr val="F564E3">
+              <a:alpha val="54902"/>
+            </a:srgbClr>
+          </a:solidFill>
+          <a:ln>
+            <a:noFill/>
+          </a:ln>
+        </p:spPr>
+        <p:style>
+          <a:lnRef idx="2">
+            <a:schemeClr val="accent1">
+              <a:shade val="50000"/>
+            </a:schemeClr>
+          </a:lnRef>
+          <a:fillRef idx="1">
+            <a:schemeClr val="accent1"/>
+          </a:fillRef>
+          <a:effectRef idx="0">
+            <a:schemeClr val="accent1"/>
+          </a:effectRef>
+          <a:fontRef idx="minor">
+            <a:schemeClr val="lt1"/>
+          </a:fontRef>
+        </p:style>
+        <p:txBody>
+          <a:bodyPr rot="0" spcFirstLastPara="0" vertOverflow="overflow" horzOverflow="overflow" vert="horz" wrap="square" lIns="91440" tIns="45721" rIns="91440" bIns="45721" numCol="1" spcCol="0" rtlCol="0" fromWordArt="0" anchor="ctr" anchorCtr="0" forceAA="0" compatLnSpc="1">
+            <a:prstTxWarp prst="textNoShape">
+              <a:avLst/>
+            </a:prstTxWarp>
+            <a:noAutofit/>
+          </a:bodyPr>
+          <a:lstStyle/>
+          <a:p>
+            <a:pPr algn="ctr"/>
+            <a:endParaRPr lang="en-US" sz="1801"/>
+          </a:p>
+        </p:txBody>
+      </p:sp>
+      <p:sp>
+        <p:nvSpPr>
+          <p:cNvPr id="23" name="Oval 22">
+            <a:extLst>
+              <a:ext uri="{FF2B5EF4-FFF2-40B4-BE49-F238E27FC236}">
+                <a16:creationId xmlns:a16="http://schemas.microsoft.com/office/drawing/2014/main" id="{B229DCEC-54A3-4F85-B92F-A5F1779BBD2D}"/>
+              </a:ext>
+            </a:extLst>
+          </p:cNvPr>
+          <p:cNvSpPr/>
+          <p:nvPr/>
+        </p:nvSpPr>
+        <p:spPr>
+          <a:xfrm rot="1452406">
+            <a:off x="4474155" y="2378138"/>
+            <a:ext cx="2119017" cy="651214"/>
+          </a:xfrm>
+          <a:prstGeom prst="ellipse">
+            <a:avLst/>
+          </a:prstGeom>
+          <a:solidFill>
+            <a:srgbClr val="00BFC4">
+              <a:alpha val="54902"/>
+            </a:srgbClr>
+          </a:solidFill>
+          <a:ln>
+            <a:noFill/>
+          </a:ln>
+        </p:spPr>
+        <p:style>
+          <a:lnRef idx="2">
+            <a:schemeClr val="accent1">
+              <a:shade val="50000"/>
+            </a:schemeClr>
+          </a:lnRef>
+          <a:fillRef idx="1">
+            <a:schemeClr val="accent1"/>
+          </a:fillRef>
+          <a:effectRef idx="0">
+            <a:schemeClr val="accent1"/>
+          </a:effectRef>
+          <a:fontRef idx="minor">
+            <a:schemeClr val="lt1"/>
+          </a:fontRef>
+        </p:style>
+        <p:txBody>
+          <a:bodyPr rot="0" spcFirstLastPara="0" vertOverflow="overflow" horzOverflow="overflow" vert="horz" wrap="square" lIns="91440" tIns="45721" rIns="91440" bIns="45721" numCol="1" spcCol="0" rtlCol="0" fromWordArt="0" anchor="ctr" anchorCtr="0" forceAA="0" compatLnSpc="1">
+            <a:prstTxWarp prst="textNoShape">
+              <a:avLst/>
+            </a:prstTxWarp>
+            <a:noAutofit/>
+          </a:bodyPr>
+          <a:lstStyle/>
+          <a:p>
+            <a:pPr algn="ctr"/>
+            <a:endParaRPr lang="en-US" sz="1801"/>
+          </a:p>
+        </p:txBody>
+      </p:sp>
+      <p:sp>
+        <p:nvSpPr>
+          <p:cNvPr id="24" name="Oval 23">
+            <a:extLst>
+              <a:ext uri="{FF2B5EF4-FFF2-40B4-BE49-F238E27FC236}">
+                <a16:creationId xmlns:a16="http://schemas.microsoft.com/office/drawing/2014/main" id="{1EDF5BB3-69B8-4716-8A7B-FA85E627A18C}"/>
+              </a:ext>
+            </a:extLst>
+          </p:cNvPr>
+          <p:cNvSpPr/>
+          <p:nvPr/>
+        </p:nvSpPr>
+        <p:spPr>
+          <a:xfrm rot="948200">
+            <a:off x="4998811" y="2764529"/>
+            <a:ext cx="1785462" cy="518794"/>
+          </a:xfrm>
+          <a:prstGeom prst="ellipse">
+            <a:avLst/>
+          </a:prstGeom>
+          <a:solidFill>
+            <a:srgbClr val="00BA37">
+              <a:alpha val="54902"/>
+            </a:srgbClr>
+          </a:solidFill>
+          <a:ln>
+            <a:noFill/>
+          </a:ln>
+        </p:spPr>
+        <p:style>
+          <a:lnRef idx="2">
+            <a:schemeClr val="accent1">
+              <a:shade val="50000"/>
+            </a:schemeClr>
+          </a:lnRef>
+          <a:fillRef idx="1">
+            <a:schemeClr val="accent1"/>
+          </a:fillRef>
+          <a:effectRef idx="0">
+            <a:schemeClr val="accent1"/>
+          </a:effectRef>
+          <a:fontRef idx="minor">
+            <a:schemeClr val="lt1"/>
+          </a:fontRef>
+        </p:style>
+        <p:txBody>
+          <a:bodyPr rot="0" spcFirstLastPara="0" vertOverflow="overflow" horzOverflow="overflow" vert="horz" wrap="square" lIns="91440" tIns="45721" rIns="91440" bIns="45721" numCol="1" spcCol="0" rtlCol="0" fromWordArt="0" anchor="ctr" anchorCtr="0" forceAA="0" compatLnSpc="1">
+            <a:prstTxWarp prst="textNoShape">
+              <a:avLst/>
+            </a:prstTxWarp>
+            <a:noAutofit/>
+          </a:bodyPr>
+          <a:lstStyle/>
+          <a:p>
+            <a:pPr algn="ctr"/>
+            <a:endParaRPr lang="en-US" sz="1801"/>
+          </a:p>
+        </p:txBody>
+      </p:sp>
+      <p:sp>
+        <p:nvSpPr>
+          <p:cNvPr id="25" name="Oval 7">
+            <a:extLst>
+              <a:ext uri="{FF2B5EF4-FFF2-40B4-BE49-F238E27FC236}">
+                <a16:creationId xmlns:a16="http://schemas.microsoft.com/office/drawing/2014/main" id="{D3B4A748-8A39-46B3-9885-8AFEB8CEAD46}"/>
+              </a:ext>
+            </a:extLst>
+          </p:cNvPr>
+          <p:cNvSpPr/>
+          <p:nvPr/>
+        </p:nvSpPr>
+        <p:spPr>
+          <a:xfrm rot="19782882">
+            <a:off x="4764949" y="3515803"/>
+            <a:ext cx="2328297" cy="918958"/>
+          </a:xfrm>
+          <a:custGeom>
+            <a:avLst/>
+            <a:gdLst>
+              <a:gd name="connsiteX0" fmla="*/ 0 w 2397399"/>
+              <a:gd name="connsiteY0" fmla="*/ 520220 h 1040439"/>
+              <a:gd name="connsiteX1" fmla="*/ 1198700 w 2397399"/>
+              <a:gd name="connsiteY1" fmla="*/ 0 h 1040439"/>
+              <a:gd name="connsiteX2" fmla="*/ 2397400 w 2397399"/>
+              <a:gd name="connsiteY2" fmla="*/ 520220 h 1040439"/>
+              <a:gd name="connsiteX3" fmla="*/ 1198700 w 2397399"/>
+              <a:gd name="connsiteY3" fmla="*/ 1040440 h 1040439"/>
+              <a:gd name="connsiteX4" fmla="*/ 0 w 2397399"/>
+              <a:gd name="connsiteY4" fmla="*/ 520220 h 1040439"/>
+              <a:gd name="connsiteX0" fmla="*/ 432 w 2397832"/>
+              <a:gd name="connsiteY0" fmla="*/ 520220 h 925798"/>
+              <a:gd name="connsiteX1" fmla="*/ 1199132 w 2397832"/>
+              <a:gd name="connsiteY1" fmla="*/ 0 h 925798"/>
+              <a:gd name="connsiteX2" fmla="*/ 2397832 w 2397832"/>
+              <a:gd name="connsiteY2" fmla="*/ 520220 h 925798"/>
+              <a:gd name="connsiteX3" fmla="*/ 1308021 w 2397832"/>
+              <a:gd name="connsiteY3" fmla="*/ 925798 h 925798"/>
+              <a:gd name="connsiteX4" fmla="*/ 432 w 2397832"/>
+              <a:gd name="connsiteY4" fmla="*/ 520220 h 925798"/>
+              <a:gd name="connsiteX0" fmla="*/ 5074 w 2402474"/>
+              <a:gd name="connsiteY0" fmla="*/ 477317 h 882895"/>
+              <a:gd name="connsiteX1" fmla="*/ 990000 w 2402474"/>
+              <a:gd name="connsiteY1" fmla="*/ 0 h 882895"/>
+              <a:gd name="connsiteX2" fmla="*/ 2402474 w 2402474"/>
+              <a:gd name="connsiteY2" fmla="*/ 477317 h 882895"/>
+              <a:gd name="connsiteX3" fmla="*/ 1312663 w 2402474"/>
+              <a:gd name="connsiteY3" fmla="*/ 882895 h 882895"/>
+              <a:gd name="connsiteX4" fmla="*/ 5074 w 2402474"/>
+              <a:gd name="connsiteY4" fmla="*/ 477317 h 882895"/>
+              <a:gd name="connsiteX0" fmla="*/ 5425 w 2402825"/>
+              <a:gd name="connsiteY0" fmla="*/ 510568 h 916146"/>
+              <a:gd name="connsiteX1" fmla="*/ 990351 w 2402825"/>
+              <a:gd name="connsiteY1" fmla="*/ 33251 h 916146"/>
+              <a:gd name="connsiteX2" fmla="*/ 2402825 w 2402825"/>
+              <a:gd name="connsiteY2" fmla="*/ 510568 h 916146"/>
+              <a:gd name="connsiteX3" fmla="*/ 1313014 w 2402825"/>
+              <a:gd name="connsiteY3" fmla="*/ 916146 h 916146"/>
+              <a:gd name="connsiteX4" fmla="*/ 5425 w 2402825"/>
+              <a:gd name="connsiteY4" fmla="*/ 510568 h 916146"/>
+              <a:gd name="connsiteX0" fmla="*/ 5425 w 2434809"/>
+              <a:gd name="connsiteY0" fmla="*/ 519144 h 924722"/>
+              <a:gd name="connsiteX1" fmla="*/ 990351 w 2434809"/>
+              <a:gd name="connsiteY1" fmla="*/ 41827 h 924722"/>
+              <a:gd name="connsiteX2" fmla="*/ 2402825 w 2434809"/>
+              <a:gd name="connsiteY2" fmla="*/ 519144 h 924722"/>
+              <a:gd name="connsiteX3" fmla="*/ 1313014 w 2434809"/>
+              <a:gd name="connsiteY3" fmla="*/ 924722 h 924722"/>
+              <a:gd name="connsiteX4" fmla="*/ 5425 w 2434809"/>
+              <a:gd name="connsiteY4" fmla="*/ 519144 h 924722"/>
+              <a:gd name="connsiteX0" fmla="*/ 3126 w 2344982"/>
+              <a:gd name="connsiteY0" fmla="*/ 478593 h 884425"/>
+              <a:gd name="connsiteX1" fmla="*/ 988052 w 2344982"/>
+              <a:gd name="connsiteY1" fmla="*/ 1276 h 884425"/>
+              <a:gd name="connsiteX2" fmla="*/ 2319095 w 2344982"/>
+              <a:gd name="connsiteY2" fmla="*/ 420552 h 884425"/>
+              <a:gd name="connsiteX3" fmla="*/ 1310715 w 2344982"/>
+              <a:gd name="connsiteY3" fmla="*/ 884171 h 884425"/>
+              <a:gd name="connsiteX4" fmla="*/ 3126 w 2344982"/>
+              <a:gd name="connsiteY4" fmla="*/ 478593 h 884425"/>
+              <a:gd name="connsiteX0" fmla="*/ 3126 w 2356078"/>
+              <a:gd name="connsiteY0" fmla="*/ 491777 h 897609"/>
+              <a:gd name="connsiteX1" fmla="*/ 988052 w 2356078"/>
+              <a:gd name="connsiteY1" fmla="*/ 14460 h 897609"/>
+              <a:gd name="connsiteX2" fmla="*/ 2319095 w 2356078"/>
+              <a:gd name="connsiteY2" fmla="*/ 433736 h 897609"/>
+              <a:gd name="connsiteX3" fmla="*/ 1310715 w 2356078"/>
+              <a:gd name="connsiteY3" fmla="*/ 897355 h 897609"/>
+              <a:gd name="connsiteX4" fmla="*/ 3126 w 2356078"/>
+              <a:gd name="connsiteY4" fmla="*/ 491777 h 897609"/>
+              <a:gd name="connsiteX0" fmla="*/ 3106 w 2328296"/>
+              <a:gd name="connsiteY0" fmla="*/ 512411 h 918958"/>
+              <a:gd name="connsiteX1" fmla="*/ 988032 w 2328296"/>
+              <a:gd name="connsiteY1" fmla="*/ 35094 h 918958"/>
+              <a:gd name="connsiteX2" fmla="*/ 2290430 w 2328296"/>
+              <a:gd name="connsiteY2" fmla="*/ 395704 h 918958"/>
+              <a:gd name="connsiteX3" fmla="*/ 1310695 w 2328296"/>
+              <a:gd name="connsiteY3" fmla="*/ 917989 h 918958"/>
+              <a:gd name="connsiteX4" fmla="*/ 3106 w 2328296"/>
+              <a:gd name="connsiteY4" fmla="*/ 512411 h 918958"/>
+            </a:gdLst>
+            <a:ahLst/>
+            <a:cxnLst>
+              <a:cxn ang="0">
+                <a:pos x="connsiteX0" y="connsiteY0"/>
+              </a:cxn>
+              <a:cxn ang="0">
+                <a:pos x="connsiteX1" y="connsiteY1"/>
+              </a:cxn>
+              <a:cxn ang="0">
+                <a:pos x="connsiteX2" y="connsiteY2"/>
+              </a:cxn>
+              <a:cxn ang="0">
+                <a:pos x="connsiteX3" y="connsiteY3"/>
+              </a:cxn>
+              <a:cxn ang="0">
+                <a:pos x="connsiteX4" y="connsiteY4"/>
+              </a:cxn>
+            </a:cxnLst>
+            <a:rect l="l" t="t" r="r" b="b"/>
+            <a:pathLst>
+              <a:path w="2328296" h="918958">
+                <a:moveTo>
+                  <a:pt x="3106" y="512411"/>
+                </a:moveTo>
+                <a:cubicBezTo>
+                  <a:pt x="-50671" y="365262"/>
+                  <a:pt x="606811" y="54545"/>
+                  <a:pt x="988032" y="35094"/>
+                </a:cubicBezTo>
+                <a:cubicBezTo>
+                  <a:pt x="1369253" y="15643"/>
+                  <a:pt x="2067027" y="-137403"/>
+                  <a:pt x="2290430" y="395704"/>
+                </a:cubicBezTo>
+                <a:cubicBezTo>
+                  <a:pt x="2513833" y="928811"/>
+                  <a:pt x="1691916" y="898538"/>
+                  <a:pt x="1310695" y="917989"/>
+                </a:cubicBezTo>
+                <a:cubicBezTo>
+                  <a:pt x="929474" y="937440"/>
+                  <a:pt x="56883" y="659560"/>
+                  <a:pt x="3106" y="512411"/>
+                </a:cubicBezTo>
+                <a:close/>
+              </a:path>
+            </a:pathLst>
+          </a:custGeom>
+          <a:solidFill>
+            <a:srgbClr val="B79F00">
+              <a:alpha val="54902"/>
+            </a:srgbClr>
+          </a:solidFill>
+          <a:ln>
+            <a:noFill/>
+          </a:ln>
+        </p:spPr>
+        <p:style>
+          <a:lnRef idx="2">
+            <a:schemeClr val="accent1">
+              <a:shade val="50000"/>
+            </a:schemeClr>
+          </a:lnRef>
+          <a:fillRef idx="1">
+            <a:schemeClr val="accent1"/>
+          </a:fillRef>
+          <a:effectRef idx="0">
+            <a:schemeClr val="accent1"/>
+          </a:effectRef>
+          <a:fontRef idx="minor">
+            <a:schemeClr val="lt1"/>
+          </a:fontRef>
+        </p:style>
+        <p:txBody>
+          <a:bodyPr rot="0" spcFirstLastPara="0" vertOverflow="overflow" horzOverflow="overflow" vert="horz" wrap="square" lIns="91440" tIns="45721" rIns="91440" bIns="45721" numCol="1" spcCol="0" rtlCol="0" fromWordArt="0" anchor="ctr" anchorCtr="0" forceAA="0" compatLnSpc="1">
+            <a:prstTxWarp prst="textNoShape">
+              <a:avLst/>
+            </a:prstTxWarp>
+            <a:noAutofit/>
+          </a:bodyPr>
+          <a:lstStyle/>
+          <a:p>
+            <a:pPr algn="ctr"/>
+            <a:endParaRPr lang="en-US" sz="1801"/>
+          </a:p>
+        </p:txBody>
+      </p:sp>
+      <p:sp>
+        <p:nvSpPr>
+          <p:cNvPr id="26" name="Oval 25">
+            <a:extLst>
+              <a:ext uri="{FF2B5EF4-FFF2-40B4-BE49-F238E27FC236}">
+                <a16:creationId xmlns:a16="http://schemas.microsoft.com/office/drawing/2014/main" id="{8C7068B6-BD4B-48FF-9065-E057E98B5C23}"/>
+              </a:ext>
+            </a:extLst>
+          </p:cNvPr>
+          <p:cNvSpPr/>
+          <p:nvPr/>
+        </p:nvSpPr>
+        <p:spPr>
+          <a:xfrm rot="19982892">
+            <a:off x="5772028" y="3669208"/>
+            <a:ext cx="898719" cy="239722"/>
+          </a:xfrm>
+          <a:prstGeom prst="ellipse">
+            <a:avLst/>
+          </a:prstGeom>
+          <a:solidFill>
+            <a:srgbClr val="F6968F">
+              <a:alpha val="54902"/>
+            </a:srgbClr>
+          </a:solidFill>
+          <a:ln>
+            <a:noFill/>
+          </a:ln>
+        </p:spPr>
+        <p:style>
+          <a:lnRef idx="2">
+            <a:schemeClr val="accent1">
+              <a:shade val="50000"/>
+            </a:schemeClr>
+          </a:lnRef>
+          <a:fillRef idx="1">
+            <a:schemeClr val="accent1"/>
+          </a:fillRef>
+          <a:effectRef idx="0">
+            <a:schemeClr val="accent1"/>
+          </a:effectRef>
+          <a:fontRef idx="minor">
+            <a:schemeClr val="lt1"/>
+          </a:fontRef>
+        </p:style>
+        <p:txBody>
+          <a:bodyPr rot="0" spcFirstLastPara="0" vertOverflow="overflow" horzOverflow="overflow" vert="horz" wrap="square" lIns="91440" tIns="45721" rIns="91440" bIns="45721" numCol="1" spcCol="0" rtlCol="0" fromWordArt="0" anchor="ctr" anchorCtr="0" forceAA="0" compatLnSpc="1">
+            <a:prstTxWarp prst="textNoShape">
+              <a:avLst/>
+            </a:prstTxWarp>
+            <a:noAutofit/>
+          </a:bodyPr>
+          <a:lstStyle/>
+          <a:p>
+            <a:pPr algn="ctr"/>
+            <a:endParaRPr lang="en-US" sz="1801"/>
+          </a:p>
+        </p:txBody>
+      </p:sp>
+      <p:sp>
+        <p:nvSpPr>
+          <p:cNvPr id="27" name="Oval 26">
+            <a:extLst>
+              <a:ext uri="{FF2B5EF4-FFF2-40B4-BE49-F238E27FC236}">
+                <a16:creationId xmlns:a16="http://schemas.microsoft.com/office/drawing/2014/main" id="{D80CA511-5DCD-473D-83BD-E0D2936A0C54}"/>
+              </a:ext>
+            </a:extLst>
+          </p:cNvPr>
+          <p:cNvSpPr/>
+          <p:nvPr/>
+        </p:nvSpPr>
+        <p:spPr>
+          <a:xfrm rot="1335587">
+            <a:off x="6360329" y="5051962"/>
+            <a:ext cx="1155153" cy="371538"/>
+          </a:xfrm>
+          <a:prstGeom prst="ellipse">
+            <a:avLst/>
+          </a:prstGeom>
+          <a:solidFill>
+            <a:srgbClr val="619CFF">
+              <a:alpha val="54902"/>
+            </a:srgbClr>
+          </a:solidFill>
+          <a:ln>
+            <a:noFill/>
+          </a:ln>
+        </p:spPr>
+        <p:style>
+          <a:lnRef idx="2">
+            <a:schemeClr val="accent1">
+              <a:shade val="50000"/>
+            </a:schemeClr>
+          </a:lnRef>
+          <a:fillRef idx="1">
+            <a:schemeClr val="accent1"/>
+          </a:fillRef>
+          <a:effectRef idx="0">
+            <a:schemeClr val="accent1"/>
+          </a:effectRef>
+          <a:fontRef idx="minor">
+            <a:schemeClr val="lt1"/>
+          </a:fontRef>
+        </p:style>
+        <p:txBody>
+          <a:bodyPr rot="0" spcFirstLastPara="0" vertOverflow="overflow" horzOverflow="overflow" vert="horz" wrap="square" lIns="91440" tIns="45721" rIns="91440" bIns="45721" numCol="1" spcCol="0" rtlCol="0" fromWordArt="0" anchor="ctr" anchorCtr="0" forceAA="0" compatLnSpc="1">
+            <a:prstTxWarp prst="textNoShape">
+              <a:avLst/>
+            </a:prstTxWarp>
+            <a:noAutofit/>
+          </a:bodyPr>
+          <a:lstStyle/>
+          <a:p>
+            <a:pPr algn="ctr"/>
+            <a:endParaRPr lang="en-US" sz="1801"/>
+          </a:p>
+        </p:txBody>
+      </p:sp>
+      <p:sp>
+        <p:nvSpPr>
+          <p:cNvPr id="28" name="Oval 11">
+            <a:extLst>
+              <a:ext uri="{FF2B5EF4-FFF2-40B4-BE49-F238E27FC236}">
+                <a16:creationId xmlns:a16="http://schemas.microsoft.com/office/drawing/2014/main" id="{C888AFF2-C064-436A-8935-25DCDE423929}"/>
+              </a:ext>
+            </a:extLst>
+          </p:cNvPr>
+          <p:cNvSpPr/>
+          <p:nvPr/>
+        </p:nvSpPr>
+        <p:spPr>
+          <a:xfrm rot="1713555">
+            <a:off x="5583569" y="4783016"/>
+            <a:ext cx="1754010" cy="973972"/>
+          </a:xfrm>
+          <a:custGeom>
+            <a:avLst/>
+            <a:gdLst>
+              <a:gd name="connsiteX0" fmla="*/ 0 w 2119017"/>
+              <a:gd name="connsiteY0" fmla="*/ 325607 h 651213"/>
+              <a:gd name="connsiteX1" fmla="*/ 1059509 w 2119017"/>
+              <a:gd name="connsiteY1" fmla="*/ 0 h 651213"/>
+              <a:gd name="connsiteX2" fmla="*/ 2119018 w 2119017"/>
+              <a:gd name="connsiteY2" fmla="*/ 325607 h 651213"/>
+              <a:gd name="connsiteX3" fmla="*/ 1059509 w 2119017"/>
+              <a:gd name="connsiteY3" fmla="*/ 651214 h 651213"/>
+              <a:gd name="connsiteX4" fmla="*/ 0 w 2119017"/>
+              <a:gd name="connsiteY4" fmla="*/ 325607 h 651213"/>
+              <a:gd name="connsiteX0" fmla="*/ 0 w 2071118"/>
+              <a:gd name="connsiteY0" fmla="*/ 432138 h 655491"/>
+              <a:gd name="connsiteX1" fmla="*/ 1011609 w 2071118"/>
+              <a:gd name="connsiteY1" fmla="*/ 1295 h 655491"/>
+              <a:gd name="connsiteX2" fmla="*/ 2071118 w 2071118"/>
+              <a:gd name="connsiteY2" fmla="*/ 326902 h 655491"/>
+              <a:gd name="connsiteX3" fmla="*/ 1011609 w 2071118"/>
+              <a:gd name="connsiteY3" fmla="*/ 652509 h 655491"/>
+              <a:gd name="connsiteX4" fmla="*/ 0 w 2071118"/>
+              <a:gd name="connsiteY4" fmla="*/ 432138 h 655491"/>
+              <a:gd name="connsiteX0" fmla="*/ 169 w 2071287"/>
+              <a:gd name="connsiteY0" fmla="*/ 432138 h 893874"/>
+              <a:gd name="connsiteX1" fmla="*/ 1011778 w 2071287"/>
+              <a:gd name="connsiteY1" fmla="*/ 1295 h 893874"/>
+              <a:gd name="connsiteX2" fmla="*/ 2071287 w 2071287"/>
+              <a:gd name="connsiteY2" fmla="*/ 326902 h 893874"/>
+              <a:gd name="connsiteX3" fmla="*/ 1086513 w 2071287"/>
+              <a:gd name="connsiteY3" fmla="*/ 893202 h 893874"/>
+              <a:gd name="connsiteX4" fmla="*/ 169 w 2071287"/>
+              <a:gd name="connsiteY4" fmla="*/ 432138 h 893874"/>
+              <a:gd name="connsiteX0" fmla="*/ 5848 w 2076966"/>
+              <a:gd name="connsiteY0" fmla="*/ 481312 h 943065"/>
+              <a:gd name="connsiteX1" fmla="*/ 1590800 w 2076966"/>
+              <a:gd name="connsiteY1" fmla="*/ 1016 h 943065"/>
+              <a:gd name="connsiteX2" fmla="*/ 2076966 w 2076966"/>
+              <a:gd name="connsiteY2" fmla="*/ 376076 h 943065"/>
+              <a:gd name="connsiteX3" fmla="*/ 1092192 w 2076966"/>
+              <a:gd name="connsiteY3" fmla="*/ 942376 h 943065"/>
+              <a:gd name="connsiteX4" fmla="*/ 5848 w 2076966"/>
+              <a:gd name="connsiteY4" fmla="*/ 481312 h 943065"/>
+              <a:gd name="connsiteX0" fmla="*/ 5848 w 2076966"/>
+              <a:gd name="connsiteY0" fmla="*/ 482950 h 944703"/>
+              <a:gd name="connsiteX1" fmla="*/ 1590800 w 2076966"/>
+              <a:gd name="connsiteY1" fmla="*/ 2654 h 944703"/>
+              <a:gd name="connsiteX2" fmla="*/ 2076966 w 2076966"/>
+              <a:gd name="connsiteY2" fmla="*/ 377714 h 944703"/>
+              <a:gd name="connsiteX3" fmla="*/ 1092192 w 2076966"/>
+              <a:gd name="connsiteY3" fmla="*/ 944014 h 944703"/>
+              <a:gd name="connsiteX4" fmla="*/ 5848 w 2076966"/>
+              <a:gd name="connsiteY4" fmla="*/ 482950 h 944703"/>
+              <a:gd name="connsiteX0" fmla="*/ 4621 w 2075739"/>
+              <a:gd name="connsiteY0" fmla="*/ 506543 h 968304"/>
+              <a:gd name="connsiteX1" fmla="*/ 1529767 w 2075739"/>
+              <a:gd name="connsiteY1" fmla="*/ 2525 h 968304"/>
+              <a:gd name="connsiteX2" fmla="*/ 2075739 w 2075739"/>
+              <a:gd name="connsiteY2" fmla="*/ 401307 h 968304"/>
+              <a:gd name="connsiteX3" fmla="*/ 1090965 w 2075739"/>
+              <a:gd name="connsiteY3" fmla="*/ 967607 h 968304"/>
+              <a:gd name="connsiteX4" fmla="*/ 4621 w 2075739"/>
+              <a:gd name="connsiteY4" fmla="*/ 506543 h 968304"/>
+              <a:gd name="connsiteX0" fmla="*/ 4287 w 1699603"/>
+              <a:gd name="connsiteY0" fmla="*/ 504019 h 965083"/>
+              <a:gd name="connsiteX1" fmla="*/ 1529433 w 1699603"/>
+              <a:gd name="connsiteY1" fmla="*/ 1 h 965083"/>
+              <a:gd name="connsiteX2" fmla="*/ 1662433 w 1699603"/>
+              <a:gd name="connsiteY2" fmla="*/ 501633 h 965083"/>
+              <a:gd name="connsiteX3" fmla="*/ 1090631 w 1699603"/>
+              <a:gd name="connsiteY3" fmla="*/ 965083 h 965083"/>
+              <a:gd name="connsiteX4" fmla="*/ 4287 w 1699603"/>
+              <a:gd name="connsiteY4" fmla="*/ 504019 h 965083"/>
+              <a:gd name="connsiteX0" fmla="*/ 4237 w 1666849"/>
+              <a:gd name="connsiteY0" fmla="*/ 504244 h 965652"/>
+              <a:gd name="connsiteX1" fmla="*/ 1529383 w 1666849"/>
+              <a:gd name="connsiteY1" fmla="*/ 226 h 965652"/>
+              <a:gd name="connsiteX2" fmla="*/ 1594608 w 1666849"/>
+              <a:gd name="connsiteY2" fmla="*/ 566885 h 965652"/>
+              <a:gd name="connsiteX3" fmla="*/ 1090581 w 1666849"/>
+              <a:gd name="connsiteY3" fmla="*/ 965308 h 965652"/>
+              <a:gd name="connsiteX4" fmla="*/ 4237 w 1666849"/>
+              <a:gd name="connsiteY4" fmla="*/ 504244 h 965652"/>
+              <a:gd name="connsiteX0" fmla="*/ 4237 w 1693844"/>
+              <a:gd name="connsiteY0" fmla="*/ 504244 h 965652"/>
+              <a:gd name="connsiteX1" fmla="*/ 1529383 w 1693844"/>
+              <a:gd name="connsiteY1" fmla="*/ 226 h 965652"/>
+              <a:gd name="connsiteX2" fmla="*/ 1594608 w 1693844"/>
+              <a:gd name="connsiteY2" fmla="*/ 566885 h 965652"/>
+              <a:gd name="connsiteX3" fmla="*/ 1090581 w 1693844"/>
+              <a:gd name="connsiteY3" fmla="*/ 965308 h 965652"/>
+              <a:gd name="connsiteX4" fmla="*/ 4237 w 1693844"/>
+              <a:gd name="connsiteY4" fmla="*/ 504244 h 965652"/>
+              <a:gd name="connsiteX0" fmla="*/ 4237 w 1693844"/>
+              <a:gd name="connsiteY0" fmla="*/ 504244 h 965685"/>
+              <a:gd name="connsiteX1" fmla="*/ 1529383 w 1693844"/>
+              <a:gd name="connsiteY1" fmla="*/ 226 h 965685"/>
+              <a:gd name="connsiteX2" fmla="*/ 1594608 w 1693844"/>
+              <a:gd name="connsiteY2" fmla="*/ 566885 h 965685"/>
+              <a:gd name="connsiteX3" fmla="*/ 1090581 w 1693844"/>
+              <a:gd name="connsiteY3" fmla="*/ 965308 h 965685"/>
+              <a:gd name="connsiteX4" fmla="*/ 4237 w 1693844"/>
+              <a:gd name="connsiteY4" fmla="*/ 504244 h 965685"/>
+              <a:gd name="connsiteX0" fmla="*/ 4234 w 1691826"/>
+              <a:gd name="connsiteY0" fmla="*/ 504197 h 965549"/>
+              <a:gd name="connsiteX1" fmla="*/ 1529380 w 1691826"/>
+              <a:gd name="connsiteY1" fmla="*/ 179 h 965549"/>
+              <a:gd name="connsiteX2" fmla="*/ 1590668 w 1691826"/>
+              <a:gd name="connsiteY2" fmla="*/ 559603 h 965549"/>
+              <a:gd name="connsiteX3" fmla="*/ 1090578 w 1691826"/>
+              <a:gd name="connsiteY3" fmla="*/ 965261 h 965549"/>
+              <a:gd name="connsiteX4" fmla="*/ 4234 w 1691826"/>
+              <a:gd name="connsiteY4" fmla="*/ 504197 h 965549"/>
+              <a:gd name="connsiteX0" fmla="*/ 4706 w 1707234"/>
+              <a:gd name="connsiteY0" fmla="*/ 508773 h 970125"/>
+              <a:gd name="connsiteX1" fmla="*/ 1555497 w 1707234"/>
+              <a:gd name="connsiteY1" fmla="*/ 176 h 970125"/>
+              <a:gd name="connsiteX2" fmla="*/ 1591140 w 1707234"/>
+              <a:gd name="connsiteY2" fmla="*/ 564179 h 970125"/>
+              <a:gd name="connsiteX3" fmla="*/ 1091050 w 1707234"/>
+              <a:gd name="connsiteY3" fmla="*/ 969837 h 970125"/>
+              <a:gd name="connsiteX4" fmla="*/ 4706 w 1707234"/>
+              <a:gd name="connsiteY4" fmla="*/ 508773 h 970125"/>
+              <a:gd name="connsiteX0" fmla="*/ 4706 w 1700345"/>
+              <a:gd name="connsiteY0" fmla="*/ 515509 h 976861"/>
+              <a:gd name="connsiteX1" fmla="*/ 1555497 w 1700345"/>
+              <a:gd name="connsiteY1" fmla="*/ 6912 h 976861"/>
+              <a:gd name="connsiteX2" fmla="*/ 1591140 w 1700345"/>
+              <a:gd name="connsiteY2" fmla="*/ 570915 h 976861"/>
+              <a:gd name="connsiteX3" fmla="*/ 1091050 w 1700345"/>
+              <a:gd name="connsiteY3" fmla="*/ 976573 h 976861"/>
+              <a:gd name="connsiteX4" fmla="*/ 4706 w 1700345"/>
+              <a:gd name="connsiteY4" fmla="*/ 515509 h 976861"/>
+              <a:gd name="connsiteX0" fmla="*/ 5796 w 1736931"/>
+              <a:gd name="connsiteY0" fmla="*/ 517407 h 978759"/>
+              <a:gd name="connsiteX1" fmla="*/ 1611816 w 1736931"/>
+              <a:gd name="connsiteY1" fmla="*/ 6888 h 978759"/>
+              <a:gd name="connsiteX2" fmla="*/ 1592230 w 1736931"/>
+              <a:gd name="connsiteY2" fmla="*/ 572813 h 978759"/>
+              <a:gd name="connsiteX3" fmla="*/ 1092140 w 1736931"/>
+              <a:gd name="connsiteY3" fmla="*/ 978471 h 978759"/>
+              <a:gd name="connsiteX4" fmla="*/ 5796 w 1736931"/>
+              <a:gd name="connsiteY4" fmla="*/ 517407 h 978759"/>
+              <a:gd name="connsiteX0" fmla="*/ 5813 w 1750915"/>
+              <a:gd name="connsiteY0" fmla="*/ 510835 h 972460"/>
+              <a:gd name="connsiteX1" fmla="*/ 1611833 w 1750915"/>
+              <a:gd name="connsiteY1" fmla="*/ 316 h 972460"/>
+              <a:gd name="connsiteX2" fmla="*/ 1609242 w 1750915"/>
+              <a:gd name="connsiteY2" fmla="*/ 585732 h 972460"/>
+              <a:gd name="connsiteX3" fmla="*/ 1092157 w 1750915"/>
+              <a:gd name="connsiteY3" fmla="*/ 971899 h 972460"/>
+              <a:gd name="connsiteX4" fmla="*/ 5813 w 1750915"/>
+              <a:gd name="connsiteY4" fmla="*/ 510835 h 972460"/>
+              <a:gd name="connsiteX0" fmla="*/ 5813 w 1752968"/>
+              <a:gd name="connsiteY0" fmla="*/ 510835 h 972417"/>
+              <a:gd name="connsiteX1" fmla="*/ 1611833 w 1752968"/>
+              <a:gd name="connsiteY1" fmla="*/ 316 h 972417"/>
+              <a:gd name="connsiteX2" fmla="*/ 1609242 w 1752968"/>
+              <a:gd name="connsiteY2" fmla="*/ 585732 h 972417"/>
+              <a:gd name="connsiteX3" fmla="*/ 1092157 w 1752968"/>
+              <a:gd name="connsiteY3" fmla="*/ 971899 h 972417"/>
+              <a:gd name="connsiteX4" fmla="*/ 5813 w 1752968"/>
+              <a:gd name="connsiteY4" fmla="*/ 510835 h 972417"/>
+              <a:gd name="connsiteX0" fmla="*/ 5788 w 1742325"/>
+              <a:gd name="connsiteY0" fmla="*/ 510730 h 972120"/>
+              <a:gd name="connsiteX1" fmla="*/ 1611808 w 1742325"/>
+              <a:gd name="connsiteY1" fmla="*/ 211 h 972120"/>
+              <a:gd name="connsiteX2" fmla="*/ 1582367 w 1742325"/>
+              <a:gd name="connsiteY2" fmla="*/ 571499 h 972120"/>
+              <a:gd name="connsiteX3" fmla="*/ 1092132 w 1742325"/>
+              <a:gd name="connsiteY3" fmla="*/ 971794 h 972120"/>
+              <a:gd name="connsiteX4" fmla="*/ 5788 w 1742325"/>
+              <a:gd name="connsiteY4" fmla="*/ 510730 h 972120"/>
+              <a:gd name="connsiteX0" fmla="*/ 5687 w 1740645"/>
+              <a:gd name="connsiteY0" fmla="*/ 510730 h 973216"/>
+              <a:gd name="connsiteX1" fmla="*/ 1611707 w 1740645"/>
+              <a:gd name="connsiteY1" fmla="*/ 211 h 973216"/>
+              <a:gd name="connsiteX2" fmla="*/ 1582266 w 1740645"/>
+              <a:gd name="connsiteY2" fmla="*/ 571499 h 973216"/>
+              <a:gd name="connsiteX3" fmla="*/ 1095836 w 1740645"/>
+              <a:gd name="connsiteY3" fmla="*/ 972917 h 973216"/>
+              <a:gd name="connsiteX4" fmla="*/ 5687 w 1740645"/>
+              <a:gd name="connsiteY4" fmla="*/ 510730 h 973216"/>
+              <a:gd name="connsiteX0" fmla="*/ 5644 w 1740602"/>
+              <a:gd name="connsiteY0" fmla="*/ 510730 h 977323"/>
+              <a:gd name="connsiteX1" fmla="*/ 1611664 w 1740602"/>
+              <a:gd name="connsiteY1" fmla="*/ 211 h 977323"/>
+              <a:gd name="connsiteX2" fmla="*/ 1582223 w 1740602"/>
+              <a:gd name="connsiteY2" fmla="*/ 571499 h 977323"/>
+              <a:gd name="connsiteX3" fmla="*/ 1095793 w 1740602"/>
+              <a:gd name="connsiteY3" fmla="*/ 972917 h 977323"/>
+              <a:gd name="connsiteX4" fmla="*/ 5644 w 1740602"/>
+              <a:gd name="connsiteY4" fmla="*/ 510730 h 977323"/>
+              <a:gd name="connsiteX0" fmla="*/ 5729 w 1731513"/>
+              <a:gd name="connsiteY0" fmla="*/ 468212 h 974203"/>
+              <a:gd name="connsiteX1" fmla="*/ 1603204 w 1731513"/>
+              <a:gd name="connsiteY1" fmla="*/ 667 h 974203"/>
+              <a:gd name="connsiteX2" fmla="*/ 1573763 w 1731513"/>
+              <a:gd name="connsiteY2" fmla="*/ 571955 h 974203"/>
+              <a:gd name="connsiteX3" fmla="*/ 1087333 w 1731513"/>
+              <a:gd name="connsiteY3" fmla="*/ 973373 h 974203"/>
+              <a:gd name="connsiteX4" fmla="*/ 5729 w 1731513"/>
+              <a:gd name="connsiteY4" fmla="*/ 468212 h 974203"/>
+              <a:gd name="connsiteX0" fmla="*/ 5626 w 1754010"/>
+              <a:gd name="connsiteY0" fmla="*/ 476367 h 973972"/>
+              <a:gd name="connsiteX1" fmla="*/ 1624151 w 1754010"/>
+              <a:gd name="connsiteY1" fmla="*/ 557 h 973972"/>
+              <a:gd name="connsiteX2" fmla="*/ 1594710 w 1754010"/>
+              <a:gd name="connsiteY2" fmla="*/ 571845 h 973972"/>
+              <a:gd name="connsiteX3" fmla="*/ 1108280 w 1754010"/>
+              <a:gd name="connsiteY3" fmla="*/ 973263 h 973972"/>
+              <a:gd name="connsiteX4" fmla="*/ 5626 w 1754010"/>
+              <a:gd name="connsiteY4" fmla="*/ 476367 h 973972"/>
+            </a:gdLst>
+            <a:ahLst/>
+            <a:cxnLst>
+              <a:cxn ang="0">
+                <a:pos x="connsiteX0" y="connsiteY0"/>
+              </a:cxn>
+              <a:cxn ang="0">
+                <a:pos x="connsiteX1" y="connsiteY1"/>
+              </a:cxn>
+              <a:cxn ang="0">
+                <a:pos x="connsiteX2" y="connsiteY2"/>
+              </a:cxn>
+              <a:cxn ang="0">
+                <a:pos x="connsiteX3" y="connsiteY3"/>
+              </a:cxn>
+              <a:cxn ang="0">
+                <a:pos x="connsiteX4" y="connsiteY4"/>
+              </a:cxn>
+            </a:cxnLst>
+            <a:rect l="l" t="t" r="r" b="b"/>
+            <a:pathLst>
+              <a:path w="1754010" h="973972">
+                <a:moveTo>
+                  <a:pt x="5626" y="476367"/>
+                </a:moveTo>
+                <a:cubicBezTo>
+                  <a:pt x="91604" y="314249"/>
+                  <a:pt x="1359304" y="-15356"/>
+                  <a:pt x="1624151" y="557"/>
+                </a:cubicBezTo>
+                <a:cubicBezTo>
+                  <a:pt x="1888998" y="16470"/>
+                  <a:pt x="1680688" y="409727"/>
+                  <a:pt x="1594710" y="571845"/>
+                </a:cubicBezTo>
+                <a:cubicBezTo>
+                  <a:pt x="1508732" y="733963"/>
+                  <a:pt x="1373127" y="989176"/>
+                  <a:pt x="1108280" y="973263"/>
+                </a:cubicBezTo>
+                <a:cubicBezTo>
+                  <a:pt x="843433" y="957350"/>
+                  <a:pt x="-80352" y="638485"/>
+                  <a:pt x="5626" y="476367"/>
+                </a:cubicBezTo>
+                <a:close/>
+              </a:path>
+            </a:pathLst>
+          </a:custGeom>
+          <a:solidFill>
+            <a:srgbClr val="00BFC4">
+              <a:alpha val="54902"/>
+            </a:srgbClr>
+          </a:solidFill>
+          <a:ln>
+            <a:noFill/>
+          </a:ln>
+        </p:spPr>
+        <p:style>
+          <a:lnRef idx="2">
+            <a:schemeClr val="accent1">
+              <a:shade val="50000"/>
+            </a:schemeClr>
+          </a:lnRef>
+          <a:fillRef idx="1">
+            <a:schemeClr val="accent1"/>
+          </a:fillRef>
+          <a:effectRef idx="0">
+            <a:schemeClr val="accent1"/>
+          </a:effectRef>
+          <a:fontRef idx="minor">
+            <a:schemeClr val="lt1"/>
+          </a:fontRef>
+        </p:style>
+        <p:txBody>
+          <a:bodyPr rot="0" spcFirstLastPara="0" vertOverflow="overflow" horzOverflow="overflow" vert="horz" wrap="square" lIns="91440" tIns="45721" rIns="91440" bIns="45721" numCol="1" spcCol="0" rtlCol="0" fromWordArt="0" anchor="ctr" anchorCtr="0" forceAA="0" compatLnSpc="1">
+            <a:prstTxWarp prst="textNoShape">
+              <a:avLst/>
+            </a:prstTxWarp>
+            <a:noAutofit/>
+          </a:bodyPr>
+          <a:lstStyle/>
+          <a:p>
+            <a:pPr algn="ctr"/>
+            <a:endParaRPr lang="en-US" sz="1801"/>
+          </a:p>
+        </p:txBody>
+      </p:sp>
+      <p:sp>
+        <p:nvSpPr>
+          <p:cNvPr id="29" name="Oval 12">
+            <a:extLst>
+              <a:ext uri="{FF2B5EF4-FFF2-40B4-BE49-F238E27FC236}">
+                <a16:creationId xmlns:a16="http://schemas.microsoft.com/office/drawing/2014/main" id="{0E1657A6-D197-4B0F-99F7-6906E32244BD}"/>
+              </a:ext>
+            </a:extLst>
+          </p:cNvPr>
+          <p:cNvSpPr/>
+          <p:nvPr/>
+        </p:nvSpPr>
+        <p:spPr>
+          <a:xfrm rot="19782882">
+            <a:off x="3459590" y="5127446"/>
+            <a:ext cx="3613385" cy="1528388"/>
+          </a:xfrm>
+          <a:custGeom>
+            <a:avLst/>
+            <a:gdLst>
+              <a:gd name="connsiteX0" fmla="*/ 0 w 2397399"/>
+              <a:gd name="connsiteY0" fmla="*/ 520220 h 1040439"/>
+              <a:gd name="connsiteX1" fmla="*/ 1198700 w 2397399"/>
+              <a:gd name="connsiteY1" fmla="*/ 0 h 1040439"/>
+              <a:gd name="connsiteX2" fmla="*/ 2397400 w 2397399"/>
+              <a:gd name="connsiteY2" fmla="*/ 520220 h 1040439"/>
+              <a:gd name="connsiteX3" fmla="*/ 1198700 w 2397399"/>
+              <a:gd name="connsiteY3" fmla="*/ 1040440 h 1040439"/>
+              <a:gd name="connsiteX4" fmla="*/ 0 w 2397399"/>
+              <a:gd name="connsiteY4" fmla="*/ 520220 h 1040439"/>
+              <a:gd name="connsiteX0" fmla="*/ 0 w 3605738"/>
+              <a:gd name="connsiteY0" fmla="*/ 580626 h 1990809"/>
+              <a:gd name="connsiteX1" fmla="*/ 1198700 w 3605738"/>
+              <a:gd name="connsiteY1" fmla="*/ 60406 h 1990809"/>
+              <a:gd name="connsiteX2" fmla="*/ 3605738 w 3605738"/>
+              <a:gd name="connsiteY2" fmla="*/ 1934552 h 1990809"/>
+              <a:gd name="connsiteX3" fmla="*/ 1198700 w 3605738"/>
+              <a:gd name="connsiteY3" fmla="*/ 1100846 h 1990809"/>
+              <a:gd name="connsiteX4" fmla="*/ 0 w 3605738"/>
+              <a:gd name="connsiteY4" fmla="*/ 580626 h 1990809"/>
+              <a:gd name="connsiteX0" fmla="*/ 0 w 3613089"/>
+              <a:gd name="connsiteY0" fmla="*/ 580626 h 1978404"/>
+              <a:gd name="connsiteX1" fmla="*/ 1198700 w 3613089"/>
+              <a:gd name="connsiteY1" fmla="*/ 60406 h 1978404"/>
+              <a:gd name="connsiteX2" fmla="*/ 3605738 w 3613089"/>
+              <a:gd name="connsiteY2" fmla="*/ 1934552 h 1978404"/>
+              <a:gd name="connsiteX3" fmla="*/ 1198700 w 3613089"/>
+              <a:gd name="connsiteY3" fmla="*/ 1100846 h 1978404"/>
+              <a:gd name="connsiteX4" fmla="*/ 0 w 3613089"/>
+              <a:gd name="connsiteY4" fmla="*/ 580626 h 1978404"/>
+              <a:gd name="connsiteX0" fmla="*/ 0 w 3622536"/>
+              <a:gd name="connsiteY0" fmla="*/ 582861 h 2015478"/>
+              <a:gd name="connsiteX1" fmla="*/ 1198700 w 3622536"/>
+              <a:gd name="connsiteY1" fmla="*/ 62641 h 2015478"/>
+              <a:gd name="connsiteX2" fmla="*/ 3615213 w 3622536"/>
+              <a:gd name="connsiteY2" fmla="*/ 1972866 h 2015478"/>
+              <a:gd name="connsiteX3" fmla="*/ 1198700 w 3622536"/>
+              <a:gd name="connsiteY3" fmla="*/ 1103081 h 2015478"/>
+              <a:gd name="connsiteX4" fmla="*/ 0 w 3622536"/>
+              <a:gd name="connsiteY4" fmla="*/ 582861 h 2015478"/>
+              <a:gd name="connsiteX0" fmla="*/ 41572 w 3708576"/>
+              <a:gd name="connsiteY0" fmla="*/ 32 h 1390050"/>
+              <a:gd name="connsiteX1" fmla="*/ 2667334 w 3708576"/>
+              <a:gd name="connsiteY1" fmla="*/ 499896 h 1390050"/>
+              <a:gd name="connsiteX2" fmla="*/ 3656785 w 3708576"/>
+              <a:gd name="connsiteY2" fmla="*/ 1390037 h 1390050"/>
+              <a:gd name="connsiteX3" fmla="*/ 1240272 w 3708576"/>
+              <a:gd name="connsiteY3" fmla="*/ 520252 h 1390050"/>
+              <a:gd name="connsiteX4" fmla="*/ 41572 w 3708576"/>
+              <a:gd name="connsiteY4" fmla="*/ 32 h 1390050"/>
+              <a:gd name="connsiteX0" fmla="*/ 41572 w 3706739"/>
+              <a:gd name="connsiteY0" fmla="*/ 35 h 1390053"/>
+              <a:gd name="connsiteX1" fmla="*/ 2667334 w 3706739"/>
+              <a:gd name="connsiteY1" fmla="*/ 499899 h 1390053"/>
+              <a:gd name="connsiteX2" fmla="*/ 3656785 w 3706739"/>
+              <a:gd name="connsiteY2" fmla="*/ 1390040 h 1390053"/>
+              <a:gd name="connsiteX3" fmla="*/ 1240272 w 3706739"/>
+              <a:gd name="connsiteY3" fmla="*/ 520255 h 1390053"/>
+              <a:gd name="connsiteX4" fmla="*/ 41572 w 3706739"/>
+              <a:gd name="connsiteY4" fmla="*/ 35 h 1390053"/>
+              <a:gd name="connsiteX0" fmla="*/ 43056 w 3711810"/>
+              <a:gd name="connsiteY0" fmla="*/ 3 h 1390008"/>
+              <a:gd name="connsiteX1" fmla="*/ 2700666 w 3711810"/>
+              <a:gd name="connsiteY1" fmla="*/ 515073 h 1390008"/>
+              <a:gd name="connsiteX2" fmla="*/ 3658269 w 3711810"/>
+              <a:gd name="connsiteY2" fmla="*/ 1390008 h 1390008"/>
+              <a:gd name="connsiteX3" fmla="*/ 1241756 w 3711810"/>
+              <a:gd name="connsiteY3" fmla="*/ 520223 h 1390008"/>
+              <a:gd name="connsiteX4" fmla="*/ 43056 w 3711810"/>
+              <a:gd name="connsiteY4" fmla="*/ 3 h 1390008"/>
+              <a:gd name="connsiteX0" fmla="*/ 2034 w 3624164"/>
+              <a:gd name="connsiteY0" fmla="*/ 9838 h 1410738"/>
+              <a:gd name="connsiteX1" fmla="*/ 2659644 w 3624164"/>
+              <a:gd name="connsiteY1" fmla="*/ 524908 h 1410738"/>
+              <a:gd name="connsiteX2" fmla="*/ 3617247 w 3624164"/>
+              <a:gd name="connsiteY2" fmla="*/ 1399843 h 1410738"/>
+              <a:gd name="connsiteX3" fmla="*/ 2245204 w 3624164"/>
+              <a:gd name="connsiteY3" fmla="*/ 949976 h 1410738"/>
+              <a:gd name="connsiteX4" fmla="*/ 2034 w 3624164"/>
+              <a:gd name="connsiteY4" fmla="*/ 9838 h 1410738"/>
+              <a:gd name="connsiteX0" fmla="*/ 2044 w 3624174"/>
+              <a:gd name="connsiteY0" fmla="*/ 9838 h 1410915"/>
+              <a:gd name="connsiteX1" fmla="*/ 2659654 w 3624174"/>
+              <a:gd name="connsiteY1" fmla="*/ 524908 h 1410915"/>
+              <a:gd name="connsiteX2" fmla="*/ 3617257 w 3624174"/>
+              <a:gd name="connsiteY2" fmla="*/ 1399843 h 1410915"/>
+              <a:gd name="connsiteX3" fmla="*/ 2245214 w 3624174"/>
+              <a:gd name="connsiteY3" fmla="*/ 949976 h 1410915"/>
+              <a:gd name="connsiteX4" fmla="*/ 2044 w 3624174"/>
+              <a:gd name="connsiteY4" fmla="*/ 9838 h 1410915"/>
+              <a:gd name="connsiteX0" fmla="*/ 2054 w 3603466"/>
+              <a:gd name="connsiteY0" fmla="*/ 8484 h 1451565"/>
+              <a:gd name="connsiteX1" fmla="*/ 2638547 w 3603466"/>
+              <a:gd name="connsiteY1" fmla="*/ 565525 h 1451565"/>
+              <a:gd name="connsiteX2" fmla="*/ 3596150 w 3603466"/>
+              <a:gd name="connsiteY2" fmla="*/ 1440460 h 1451565"/>
+              <a:gd name="connsiteX3" fmla="*/ 2224107 w 3603466"/>
+              <a:gd name="connsiteY3" fmla="*/ 990593 h 1451565"/>
+              <a:gd name="connsiteX4" fmla="*/ 2054 w 3603466"/>
+              <a:gd name="connsiteY4" fmla="*/ 8484 h 1451565"/>
+              <a:gd name="connsiteX0" fmla="*/ 6278 w 3607690"/>
+              <a:gd name="connsiteY0" fmla="*/ 54765 h 1497846"/>
+              <a:gd name="connsiteX1" fmla="*/ 2642771 w 3607690"/>
+              <a:gd name="connsiteY1" fmla="*/ 611806 h 1497846"/>
+              <a:gd name="connsiteX2" fmla="*/ 3600374 w 3607690"/>
+              <a:gd name="connsiteY2" fmla="*/ 1486741 h 1497846"/>
+              <a:gd name="connsiteX3" fmla="*/ 2228331 w 3607690"/>
+              <a:gd name="connsiteY3" fmla="*/ 1036874 h 1497846"/>
+              <a:gd name="connsiteX4" fmla="*/ 6278 w 3607690"/>
+              <a:gd name="connsiteY4" fmla="*/ 54765 h 1497846"/>
+              <a:gd name="connsiteX0" fmla="*/ 6278 w 3620531"/>
+              <a:gd name="connsiteY0" fmla="*/ 54765 h 1526602"/>
+              <a:gd name="connsiteX1" fmla="*/ 2642771 w 3620531"/>
+              <a:gd name="connsiteY1" fmla="*/ 611806 h 1526602"/>
+              <a:gd name="connsiteX2" fmla="*/ 3600374 w 3620531"/>
+              <a:gd name="connsiteY2" fmla="*/ 1486741 h 1526602"/>
+              <a:gd name="connsiteX3" fmla="*/ 2228331 w 3620531"/>
+              <a:gd name="connsiteY3" fmla="*/ 1036874 h 1526602"/>
+              <a:gd name="connsiteX4" fmla="*/ 6278 w 3620531"/>
+              <a:gd name="connsiteY4" fmla="*/ 54765 h 1526602"/>
+              <a:gd name="connsiteX0" fmla="*/ 2212 w 3604071"/>
+              <a:gd name="connsiteY0" fmla="*/ 10611 h 1458932"/>
+              <a:gd name="connsiteX1" fmla="*/ 2638705 w 3604071"/>
+              <a:gd name="connsiteY1" fmla="*/ 567652 h 1458932"/>
+              <a:gd name="connsiteX2" fmla="*/ 3596308 w 3604071"/>
+              <a:gd name="connsiteY2" fmla="*/ 1442587 h 1458932"/>
+              <a:gd name="connsiteX3" fmla="*/ 2209889 w 3604071"/>
+              <a:gd name="connsiteY3" fmla="*/ 1052203 h 1458932"/>
+              <a:gd name="connsiteX4" fmla="*/ 2212 w 3604071"/>
+              <a:gd name="connsiteY4" fmla="*/ 10611 h 1458932"/>
+              <a:gd name="connsiteX0" fmla="*/ 2212 w 3611973"/>
+              <a:gd name="connsiteY0" fmla="*/ 10611 h 1486855"/>
+              <a:gd name="connsiteX1" fmla="*/ 2638705 w 3611973"/>
+              <a:gd name="connsiteY1" fmla="*/ 567652 h 1486855"/>
+              <a:gd name="connsiteX2" fmla="*/ 3596308 w 3611973"/>
+              <a:gd name="connsiteY2" fmla="*/ 1442587 h 1486855"/>
+              <a:gd name="connsiteX3" fmla="*/ 2209889 w 3611973"/>
+              <a:gd name="connsiteY3" fmla="*/ 1052203 h 1486855"/>
+              <a:gd name="connsiteX4" fmla="*/ 2212 w 3611973"/>
+              <a:gd name="connsiteY4" fmla="*/ 10611 h 1486855"/>
+              <a:gd name="connsiteX0" fmla="*/ 3623 w 3613384"/>
+              <a:gd name="connsiteY0" fmla="*/ 52144 h 1528388"/>
+              <a:gd name="connsiteX1" fmla="*/ 2640116 w 3613384"/>
+              <a:gd name="connsiteY1" fmla="*/ 609185 h 1528388"/>
+              <a:gd name="connsiteX2" fmla="*/ 3597719 w 3613384"/>
+              <a:gd name="connsiteY2" fmla="*/ 1484120 h 1528388"/>
+              <a:gd name="connsiteX3" fmla="*/ 2211300 w 3613384"/>
+              <a:gd name="connsiteY3" fmla="*/ 1093736 h 1528388"/>
+              <a:gd name="connsiteX4" fmla="*/ 3623 w 3613384"/>
+              <a:gd name="connsiteY4" fmla="*/ 52144 h 1528388"/>
+            </a:gdLst>
+            <a:ahLst/>
+            <a:cxnLst>
+              <a:cxn ang="0">
+                <a:pos x="connsiteX0" y="connsiteY0"/>
+              </a:cxn>
+              <a:cxn ang="0">
+                <a:pos x="connsiteX1" y="connsiteY1"/>
+              </a:cxn>
+              <a:cxn ang="0">
+                <a:pos x="connsiteX2" y="connsiteY2"/>
+              </a:cxn>
+              <a:cxn ang="0">
+                <a:pos x="connsiteX3" y="connsiteY3"/>
+              </a:cxn>
+              <a:cxn ang="0">
+                <a:pos x="connsiteX4" y="connsiteY4"/>
+              </a:cxn>
+            </a:cxnLst>
+            <a:rect l="l" t="t" r="r" b="b"/>
+            <a:pathLst>
+              <a:path w="3613384" h="1528388">
+                <a:moveTo>
+                  <a:pt x="3623" y="52144"/>
+                </a:moveTo>
+                <a:cubicBezTo>
+                  <a:pt x="96048" y="-169105"/>
+                  <a:pt x="2041100" y="370522"/>
+                  <a:pt x="2640116" y="609185"/>
+                </a:cubicBezTo>
+                <a:cubicBezTo>
+                  <a:pt x="3239132" y="847848"/>
+                  <a:pt x="3705936" y="1323003"/>
+                  <a:pt x="3597719" y="1484120"/>
+                </a:cubicBezTo>
+                <a:cubicBezTo>
+                  <a:pt x="3489502" y="1645237"/>
+                  <a:pt x="2810316" y="1332399"/>
+                  <a:pt x="2211300" y="1093736"/>
+                </a:cubicBezTo>
+                <a:cubicBezTo>
+                  <a:pt x="1612284" y="855073"/>
+                  <a:pt x="-88802" y="273393"/>
+                  <a:pt x="3623" y="52144"/>
+                </a:cubicBezTo>
+                <a:close/>
+              </a:path>
+            </a:pathLst>
+          </a:custGeom>
+          <a:solidFill>
+            <a:srgbClr val="B79F00">
+              <a:alpha val="54902"/>
+            </a:srgbClr>
+          </a:solidFill>
+          <a:ln>
+            <a:noFill/>
+          </a:ln>
+        </p:spPr>
+        <p:style>
+          <a:lnRef idx="2">
+            <a:schemeClr val="accent1">
+              <a:shade val="50000"/>
+            </a:schemeClr>
+          </a:lnRef>
+          <a:fillRef idx="1">
+            <a:schemeClr val="accent1"/>
+          </a:fillRef>
+          <a:effectRef idx="0">
+            <a:schemeClr val="accent1"/>
+          </a:effectRef>
+          <a:fontRef idx="minor">
+            <a:schemeClr val="lt1"/>
+          </a:fontRef>
+        </p:style>
+        <p:txBody>
+          <a:bodyPr rot="0" spcFirstLastPara="0" vertOverflow="overflow" horzOverflow="overflow" vert="horz" wrap="square" lIns="91440" tIns="45721" rIns="91440" bIns="45721" numCol="1" spcCol="0" rtlCol="0" fromWordArt="0" anchor="ctr" anchorCtr="0" forceAA="0" compatLnSpc="1">
+            <a:prstTxWarp prst="textNoShape">
+              <a:avLst/>
+            </a:prstTxWarp>
+            <a:noAutofit/>
+          </a:bodyPr>
+          <a:lstStyle/>
+          <a:p>
+            <a:pPr algn="ctr"/>
+            <a:endParaRPr lang="en-US" sz="1801"/>
+          </a:p>
+        </p:txBody>
+      </p:sp>
+      <p:sp>
+        <p:nvSpPr>
+          <p:cNvPr id="30" name="Oval 13">
+            <a:extLst>
+              <a:ext uri="{FF2B5EF4-FFF2-40B4-BE49-F238E27FC236}">
+                <a16:creationId xmlns:a16="http://schemas.microsoft.com/office/drawing/2014/main" id="{CD7DC3F7-298D-4178-9479-46D3945BA338}"/>
+              </a:ext>
+            </a:extLst>
+          </p:cNvPr>
+          <p:cNvSpPr/>
+          <p:nvPr/>
+        </p:nvSpPr>
+        <p:spPr>
+          <a:xfrm rot="948200">
+            <a:off x="5380518" y="5507445"/>
+            <a:ext cx="1241771" cy="513225"/>
+          </a:xfrm>
+          <a:custGeom>
+            <a:avLst/>
+            <a:gdLst>
+              <a:gd name="connsiteX0" fmla="*/ 0 w 1785462"/>
+              <a:gd name="connsiteY0" fmla="*/ 259397 h 518794"/>
+              <a:gd name="connsiteX1" fmla="*/ 892731 w 1785462"/>
+              <a:gd name="connsiteY1" fmla="*/ 0 h 518794"/>
+              <a:gd name="connsiteX2" fmla="*/ 1785462 w 1785462"/>
+              <a:gd name="connsiteY2" fmla="*/ 259397 h 518794"/>
+              <a:gd name="connsiteX3" fmla="*/ 892731 w 1785462"/>
+              <a:gd name="connsiteY3" fmla="*/ 518794 h 518794"/>
+              <a:gd name="connsiteX4" fmla="*/ 0 w 1785462"/>
+              <a:gd name="connsiteY4" fmla="*/ 259397 h 518794"/>
+              <a:gd name="connsiteX0" fmla="*/ 0 w 1294342"/>
+              <a:gd name="connsiteY0" fmla="*/ 259766 h 519419"/>
+              <a:gd name="connsiteX1" fmla="*/ 892731 w 1294342"/>
+              <a:gd name="connsiteY1" fmla="*/ 369 h 519419"/>
+              <a:gd name="connsiteX2" fmla="*/ 1294342 w 1294342"/>
+              <a:gd name="connsiteY2" fmla="*/ 219998 h 519419"/>
+              <a:gd name="connsiteX3" fmla="*/ 892731 w 1294342"/>
+              <a:gd name="connsiteY3" fmla="*/ 519163 h 519419"/>
+              <a:gd name="connsiteX4" fmla="*/ 0 w 1294342"/>
+              <a:gd name="connsiteY4" fmla="*/ 259766 h 519419"/>
+              <a:gd name="connsiteX0" fmla="*/ 5498 w 1299840"/>
+              <a:gd name="connsiteY0" fmla="*/ 259766 h 549568"/>
+              <a:gd name="connsiteX1" fmla="*/ 898229 w 1299840"/>
+              <a:gd name="connsiteY1" fmla="*/ 369 h 549568"/>
+              <a:gd name="connsiteX2" fmla="*/ 1299840 w 1299840"/>
+              <a:gd name="connsiteY2" fmla="*/ 219998 h 549568"/>
+              <a:gd name="connsiteX3" fmla="*/ 558654 w 1299840"/>
+              <a:gd name="connsiteY3" fmla="*/ 549411 h 549568"/>
+              <a:gd name="connsiteX4" fmla="*/ 5498 w 1299840"/>
+              <a:gd name="connsiteY4" fmla="*/ 259766 h 549568"/>
+              <a:gd name="connsiteX0" fmla="*/ 7401 w 1301743"/>
+              <a:gd name="connsiteY0" fmla="*/ 259766 h 555050"/>
+              <a:gd name="connsiteX1" fmla="*/ 900132 w 1301743"/>
+              <a:gd name="connsiteY1" fmla="*/ 369 h 555050"/>
+              <a:gd name="connsiteX2" fmla="*/ 1301743 w 1301743"/>
+              <a:gd name="connsiteY2" fmla="*/ 219998 h 555050"/>
+              <a:gd name="connsiteX3" fmla="*/ 560557 w 1301743"/>
+              <a:gd name="connsiteY3" fmla="*/ 549411 h 555050"/>
+              <a:gd name="connsiteX4" fmla="*/ 7401 w 1301743"/>
+              <a:gd name="connsiteY4" fmla="*/ 259766 h 555050"/>
+              <a:gd name="connsiteX0" fmla="*/ 9101 w 1303443"/>
+              <a:gd name="connsiteY0" fmla="*/ 259766 h 555085"/>
+              <a:gd name="connsiteX1" fmla="*/ 901832 w 1303443"/>
+              <a:gd name="connsiteY1" fmla="*/ 369 h 555085"/>
+              <a:gd name="connsiteX2" fmla="*/ 1303443 w 1303443"/>
+              <a:gd name="connsiteY2" fmla="*/ 219998 h 555085"/>
+              <a:gd name="connsiteX3" fmla="*/ 562257 w 1303443"/>
+              <a:gd name="connsiteY3" fmla="*/ 549411 h 555085"/>
+              <a:gd name="connsiteX4" fmla="*/ 9101 w 1303443"/>
+              <a:gd name="connsiteY4" fmla="*/ 259766 h 555085"/>
+              <a:gd name="connsiteX0" fmla="*/ 9673 w 1304015"/>
+              <a:gd name="connsiteY0" fmla="*/ 259766 h 554056"/>
+              <a:gd name="connsiteX1" fmla="*/ 902404 w 1304015"/>
+              <a:gd name="connsiteY1" fmla="*/ 369 h 554056"/>
+              <a:gd name="connsiteX2" fmla="*/ 1304015 w 1304015"/>
+              <a:gd name="connsiteY2" fmla="*/ 219998 h 554056"/>
+              <a:gd name="connsiteX3" fmla="*/ 562829 w 1304015"/>
+              <a:gd name="connsiteY3" fmla="*/ 549411 h 554056"/>
+              <a:gd name="connsiteX4" fmla="*/ 9673 w 1304015"/>
+              <a:gd name="connsiteY4" fmla="*/ 259766 h 554056"/>
+              <a:gd name="connsiteX0" fmla="*/ 10864 w 1305206"/>
+              <a:gd name="connsiteY0" fmla="*/ 259766 h 556220"/>
+              <a:gd name="connsiteX1" fmla="*/ 903595 w 1305206"/>
+              <a:gd name="connsiteY1" fmla="*/ 369 h 556220"/>
+              <a:gd name="connsiteX2" fmla="*/ 1305206 w 1305206"/>
+              <a:gd name="connsiteY2" fmla="*/ 219998 h 556220"/>
+              <a:gd name="connsiteX3" fmla="*/ 564020 w 1305206"/>
+              <a:gd name="connsiteY3" fmla="*/ 549411 h 556220"/>
+              <a:gd name="connsiteX4" fmla="*/ 10864 w 1305206"/>
+              <a:gd name="connsiteY4" fmla="*/ 259766 h 556220"/>
+              <a:gd name="connsiteX0" fmla="*/ 9026 w 1303368"/>
+              <a:gd name="connsiteY0" fmla="*/ 259766 h 553318"/>
+              <a:gd name="connsiteX1" fmla="*/ 901757 w 1303368"/>
+              <a:gd name="connsiteY1" fmla="*/ 369 h 553318"/>
+              <a:gd name="connsiteX2" fmla="*/ 1303368 w 1303368"/>
+              <a:gd name="connsiteY2" fmla="*/ 219998 h 553318"/>
+              <a:gd name="connsiteX3" fmla="*/ 562182 w 1303368"/>
+              <a:gd name="connsiteY3" fmla="*/ 549411 h 553318"/>
+              <a:gd name="connsiteX4" fmla="*/ 9026 w 1303368"/>
+              <a:gd name="connsiteY4" fmla="*/ 259766 h 553318"/>
+              <a:gd name="connsiteX0" fmla="*/ 6150 w 1244445"/>
+              <a:gd name="connsiteY0" fmla="*/ 224723 h 549051"/>
+              <a:gd name="connsiteX1" fmla="*/ 842834 w 1244445"/>
+              <a:gd name="connsiteY1" fmla="*/ 7 h 549051"/>
+              <a:gd name="connsiteX2" fmla="*/ 1244445 w 1244445"/>
+              <a:gd name="connsiteY2" fmla="*/ 219636 h 549051"/>
+              <a:gd name="connsiteX3" fmla="*/ 503259 w 1244445"/>
+              <a:gd name="connsiteY3" fmla="*/ 549049 h 549051"/>
+              <a:gd name="connsiteX4" fmla="*/ 6150 w 1244445"/>
+              <a:gd name="connsiteY4" fmla="*/ 224723 h 549051"/>
+              <a:gd name="connsiteX0" fmla="*/ 3476 w 1241771"/>
+              <a:gd name="connsiteY0" fmla="*/ 188897 h 513225"/>
+              <a:gd name="connsiteX1" fmla="*/ 746801 w 1241771"/>
+              <a:gd name="connsiteY1" fmla="*/ 13 h 513225"/>
+              <a:gd name="connsiteX2" fmla="*/ 1241771 w 1241771"/>
+              <a:gd name="connsiteY2" fmla="*/ 183810 h 513225"/>
+              <a:gd name="connsiteX3" fmla="*/ 500585 w 1241771"/>
+              <a:gd name="connsiteY3" fmla="*/ 513223 h 513225"/>
+              <a:gd name="connsiteX4" fmla="*/ 3476 w 1241771"/>
+              <a:gd name="connsiteY4" fmla="*/ 188897 h 513225"/>
+            </a:gdLst>
+            <a:ahLst/>
+            <a:cxnLst>
+              <a:cxn ang="0">
+                <a:pos x="connsiteX0" y="connsiteY0"/>
+              </a:cxn>
+              <a:cxn ang="0">
+                <a:pos x="connsiteX1" y="connsiteY1"/>
+              </a:cxn>
+              <a:cxn ang="0">
+                <a:pos x="connsiteX2" y="connsiteY2"/>
+              </a:cxn>
+              <a:cxn ang="0">
+                <a:pos x="connsiteX3" y="connsiteY3"/>
+              </a:cxn>
+              <a:cxn ang="0">
+                <a:pos x="connsiteX4" y="connsiteY4"/>
+              </a:cxn>
+            </a:cxnLst>
+            <a:rect l="l" t="t" r="r" b="b"/>
+            <a:pathLst>
+              <a:path w="1241771" h="513225">
+                <a:moveTo>
+                  <a:pt x="3476" y="188897"/>
+                </a:moveTo>
+                <a:cubicBezTo>
+                  <a:pt x="44512" y="103362"/>
+                  <a:pt x="540419" y="861"/>
+                  <a:pt x="746801" y="13"/>
+                </a:cubicBezTo>
+                <a:cubicBezTo>
+                  <a:pt x="953183" y="-835"/>
+                  <a:pt x="1241771" y="40549"/>
+                  <a:pt x="1241771" y="183810"/>
+                </a:cubicBezTo>
+                <a:cubicBezTo>
+                  <a:pt x="1241771" y="327071"/>
+                  <a:pt x="706967" y="512375"/>
+                  <a:pt x="500585" y="513223"/>
+                </a:cubicBezTo>
+                <a:cubicBezTo>
+                  <a:pt x="294203" y="514071"/>
+                  <a:pt x="-37560" y="274432"/>
+                  <a:pt x="3476" y="188897"/>
+                </a:cubicBezTo>
+                <a:close/>
+              </a:path>
+            </a:pathLst>
+          </a:custGeom>
+          <a:solidFill>
+            <a:srgbClr val="00BA37">
+              <a:alpha val="54902"/>
+            </a:srgbClr>
+          </a:solidFill>
+          <a:ln>
+            <a:noFill/>
+          </a:ln>
+        </p:spPr>
+        <p:style>
+          <a:lnRef idx="2">
+            <a:schemeClr val="accent1">
+              <a:shade val="50000"/>
+            </a:schemeClr>
+          </a:lnRef>
+          <a:fillRef idx="1">
+            <a:schemeClr val="accent1"/>
+          </a:fillRef>
+          <a:effectRef idx="0">
+            <a:schemeClr val="accent1"/>
+          </a:effectRef>
+          <a:fontRef idx="minor">
+            <a:schemeClr val="lt1"/>
+          </a:fontRef>
+        </p:style>
+        <p:txBody>
+          <a:bodyPr rot="0" spcFirstLastPara="0" vertOverflow="overflow" horzOverflow="overflow" vert="horz" wrap="square" lIns="91440" tIns="45721" rIns="91440" bIns="45721" numCol="1" spcCol="0" rtlCol="0" fromWordArt="0" anchor="ctr" anchorCtr="0" forceAA="0" compatLnSpc="1">
+            <a:prstTxWarp prst="textNoShape">
+              <a:avLst/>
+            </a:prstTxWarp>
+            <a:noAutofit/>
+          </a:bodyPr>
+          <a:lstStyle/>
+          <a:p>
+            <a:pPr algn="ctr"/>
+            <a:endParaRPr lang="en-US" sz="1801"/>
+          </a:p>
+        </p:txBody>
+      </p:sp>
+      <p:sp>
+        <p:nvSpPr>
+          <p:cNvPr id="31" name="Oval 14">
+            <a:extLst>
+              <a:ext uri="{FF2B5EF4-FFF2-40B4-BE49-F238E27FC236}">
+                <a16:creationId xmlns:a16="http://schemas.microsoft.com/office/drawing/2014/main" id="{73122179-70FD-4C9A-9B9B-6014EF7A7B82}"/>
+              </a:ext>
+            </a:extLst>
+          </p:cNvPr>
+          <p:cNvSpPr/>
+          <p:nvPr/>
+        </p:nvSpPr>
+        <p:spPr>
+          <a:xfrm>
+            <a:off x="5926682" y="5538308"/>
+            <a:ext cx="749586" cy="305621"/>
+          </a:xfrm>
+          <a:custGeom>
+            <a:avLst/>
+            <a:gdLst>
+              <a:gd name="connsiteX0" fmla="*/ 0 w 898719"/>
+              <a:gd name="connsiteY0" fmla="*/ 119861 h 239722"/>
+              <a:gd name="connsiteX1" fmla="*/ 449360 w 898719"/>
+              <a:gd name="connsiteY1" fmla="*/ 0 h 239722"/>
+              <a:gd name="connsiteX2" fmla="*/ 898720 w 898719"/>
+              <a:gd name="connsiteY2" fmla="*/ 119861 h 239722"/>
+              <a:gd name="connsiteX3" fmla="*/ 449360 w 898719"/>
+              <a:gd name="connsiteY3" fmla="*/ 239722 h 239722"/>
+              <a:gd name="connsiteX4" fmla="*/ 0 w 898719"/>
+              <a:gd name="connsiteY4" fmla="*/ 119861 h 239722"/>
+              <a:gd name="connsiteX0" fmla="*/ 0 w 741557"/>
+              <a:gd name="connsiteY0" fmla="*/ 119861 h 239722"/>
+              <a:gd name="connsiteX1" fmla="*/ 292197 w 741557"/>
+              <a:gd name="connsiteY1" fmla="*/ 0 h 239722"/>
+              <a:gd name="connsiteX2" fmla="*/ 741557 w 741557"/>
+              <a:gd name="connsiteY2" fmla="*/ 119861 h 239722"/>
+              <a:gd name="connsiteX3" fmla="*/ 292197 w 741557"/>
+              <a:gd name="connsiteY3" fmla="*/ 239722 h 239722"/>
+              <a:gd name="connsiteX4" fmla="*/ 0 w 741557"/>
+              <a:gd name="connsiteY4" fmla="*/ 119861 h 239722"/>
+              <a:gd name="connsiteX0" fmla="*/ 9727 w 751284"/>
+              <a:gd name="connsiteY0" fmla="*/ 146404 h 292808"/>
+              <a:gd name="connsiteX1" fmla="*/ 301924 w 751284"/>
+              <a:gd name="connsiteY1" fmla="*/ 26543 h 292808"/>
+              <a:gd name="connsiteX2" fmla="*/ 751284 w 751284"/>
+              <a:gd name="connsiteY2" fmla="*/ 146404 h 292808"/>
+              <a:gd name="connsiteX3" fmla="*/ 301924 w 751284"/>
+              <a:gd name="connsiteY3" fmla="*/ 266265 h 292808"/>
+              <a:gd name="connsiteX4" fmla="*/ 9727 w 751284"/>
+              <a:gd name="connsiteY4" fmla="*/ 146404 h 292808"/>
+              <a:gd name="connsiteX0" fmla="*/ 44 w 741601"/>
+              <a:gd name="connsiteY0" fmla="*/ 160342 h 280203"/>
+              <a:gd name="connsiteX1" fmla="*/ 311291 w 741601"/>
+              <a:gd name="connsiteY1" fmla="*/ 0 h 280203"/>
+              <a:gd name="connsiteX2" fmla="*/ 741601 w 741601"/>
+              <a:gd name="connsiteY2" fmla="*/ 160342 h 280203"/>
+              <a:gd name="connsiteX3" fmla="*/ 292241 w 741601"/>
+              <a:gd name="connsiteY3" fmla="*/ 280203 h 280203"/>
+              <a:gd name="connsiteX4" fmla="*/ 44 w 741601"/>
+              <a:gd name="connsiteY4" fmla="*/ 160342 h 280203"/>
+              <a:gd name="connsiteX0" fmla="*/ 44 w 741601"/>
+              <a:gd name="connsiteY0" fmla="*/ 164101 h 283962"/>
+              <a:gd name="connsiteX1" fmla="*/ 311291 w 741601"/>
+              <a:gd name="connsiteY1" fmla="*/ 3759 h 283962"/>
+              <a:gd name="connsiteX2" fmla="*/ 741601 w 741601"/>
+              <a:gd name="connsiteY2" fmla="*/ 164101 h 283962"/>
+              <a:gd name="connsiteX3" fmla="*/ 292241 w 741601"/>
+              <a:gd name="connsiteY3" fmla="*/ 283962 h 283962"/>
+              <a:gd name="connsiteX4" fmla="*/ 44 w 741601"/>
+              <a:gd name="connsiteY4" fmla="*/ 164101 h 283962"/>
+              <a:gd name="connsiteX0" fmla="*/ 11 w 741568"/>
+              <a:gd name="connsiteY0" fmla="*/ 164145 h 295913"/>
+              <a:gd name="connsiteX1" fmla="*/ 311258 w 741568"/>
+              <a:gd name="connsiteY1" fmla="*/ 3803 h 295913"/>
+              <a:gd name="connsiteX2" fmla="*/ 741568 w 741568"/>
+              <a:gd name="connsiteY2" fmla="*/ 164145 h 295913"/>
+              <a:gd name="connsiteX3" fmla="*/ 301733 w 741568"/>
+              <a:gd name="connsiteY3" fmla="*/ 295913 h 295913"/>
+              <a:gd name="connsiteX4" fmla="*/ 11 w 741568"/>
+              <a:gd name="connsiteY4" fmla="*/ 164145 h 295913"/>
+              <a:gd name="connsiteX0" fmla="*/ 50 w 741607"/>
+              <a:gd name="connsiteY0" fmla="*/ 164145 h 298251"/>
+              <a:gd name="connsiteX1" fmla="*/ 311297 w 741607"/>
+              <a:gd name="connsiteY1" fmla="*/ 3803 h 298251"/>
+              <a:gd name="connsiteX2" fmla="*/ 741607 w 741607"/>
+              <a:gd name="connsiteY2" fmla="*/ 164145 h 298251"/>
+              <a:gd name="connsiteX3" fmla="*/ 301772 w 741607"/>
+              <a:gd name="connsiteY3" fmla="*/ 295913 h 298251"/>
+              <a:gd name="connsiteX4" fmla="*/ 50 w 741607"/>
+              <a:gd name="connsiteY4" fmla="*/ 164145 h 298251"/>
+              <a:gd name="connsiteX0" fmla="*/ 8030 w 749587"/>
+              <a:gd name="connsiteY0" fmla="*/ 167556 h 305621"/>
+              <a:gd name="connsiteX1" fmla="*/ 319277 w 749587"/>
+              <a:gd name="connsiteY1" fmla="*/ 7214 h 305621"/>
+              <a:gd name="connsiteX2" fmla="*/ 749587 w 749587"/>
+              <a:gd name="connsiteY2" fmla="*/ 167556 h 305621"/>
+              <a:gd name="connsiteX3" fmla="*/ 309752 w 749587"/>
+              <a:gd name="connsiteY3" fmla="*/ 299324 h 305621"/>
+              <a:gd name="connsiteX4" fmla="*/ 8030 w 749587"/>
+              <a:gd name="connsiteY4" fmla="*/ 167556 h 305621"/>
+            </a:gdLst>
+            <a:ahLst/>
+            <a:cxnLst>
+              <a:cxn ang="0">
+                <a:pos x="connsiteX0" y="connsiteY0"/>
+              </a:cxn>
+              <a:cxn ang="0">
+                <a:pos x="connsiteX1" y="connsiteY1"/>
+              </a:cxn>
+              <a:cxn ang="0">
+                <a:pos x="connsiteX2" y="connsiteY2"/>
+              </a:cxn>
+              <a:cxn ang="0">
+                <a:pos x="connsiteX3" y="connsiteY3"/>
+              </a:cxn>
+              <a:cxn ang="0">
+                <a:pos x="connsiteX4" y="connsiteY4"/>
+              </a:cxn>
+            </a:cxnLst>
+            <a:rect l="l" t="t" r="r" b="b"/>
+            <a:pathLst>
+              <a:path w="749587" h="305621">
+                <a:moveTo>
+                  <a:pt x="8030" y="167556"/>
+                </a:moveTo>
+                <a:cubicBezTo>
+                  <a:pt x="-40390" y="35527"/>
+                  <a:pt x="138534" y="-21361"/>
+                  <a:pt x="319277" y="7214"/>
+                </a:cubicBezTo>
+                <a:cubicBezTo>
+                  <a:pt x="500020" y="35789"/>
+                  <a:pt x="749587" y="101359"/>
+                  <a:pt x="749587" y="167556"/>
+                </a:cubicBezTo>
+                <a:cubicBezTo>
+                  <a:pt x="749587" y="233753"/>
+                  <a:pt x="578601" y="280274"/>
+                  <a:pt x="309752" y="299324"/>
+                </a:cubicBezTo>
+                <a:cubicBezTo>
+                  <a:pt x="40903" y="318374"/>
+                  <a:pt x="56450" y="299585"/>
+                  <a:pt x="8030" y="167556"/>
+                </a:cubicBezTo>
+                <a:close/>
+              </a:path>
+            </a:pathLst>
+          </a:custGeom>
+          <a:solidFill>
+            <a:srgbClr val="F6968F">
+              <a:alpha val="54902"/>
+            </a:srgbClr>
+          </a:solidFill>
+          <a:ln>
+            <a:noFill/>
+          </a:ln>
+        </p:spPr>
+        <p:style>
+          <a:lnRef idx="2">
+            <a:schemeClr val="accent1">
+              <a:shade val="50000"/>
+            </a:schemeClr>
+          </a:lnRef>
+          <a:fillRef idx="1">
+            <a:schemeClr val="accent1"/>
+          </a:fillRef>
+          <a:effectRef idx="0">
+            <a:schemeClr val="accent1"/>
+          </a:effectRef>
+          <a:fontRef idx="minor">
+            <a:schemeClr val="lt1"/>
+          </a:fontRef>
+        </p:style>
+        <p:txBody>
+          <a:bodyPr rot="0" spcFirstLastPara="0" vertOverflow="overflow" horzOverflow="overflow" vert="horz" wrap="square" lIns="91440" tIns="45721" rIns="91440" bIns="45721" numCol="1" spcCol="0" rtlCol="0" fromWordArt="0" anchor="ctr" anchorCtr="0" forceAA="0" compatLnSpc="1">
+            <a:prstTxWarp prst="textNoShape">
+              <a:avLst/>
+            </a:prstTxWarp>
+            <a:noAutofit/>
+          </a:bodyPr>
+          <a:lstStyle/>
+          <a:p>
+            <a:pPr algn="ctr"/>
+            <a:endParaRPr lang="en-US" sz="1801"/>
+          </a:p>
+        </p:txBody>
+      </p:sp>
       <p:grpSp>
         <p:nvGrpSpPr>
-          <p:cNvPr id="19" name="Group 18">
+          <p:cNvPr id="3" name="Group 2">
             <a:extLst>
               <a:ext uri="{FF2B5EF4-FFF2-40B4-BE49-F238E27FC236}">
-                <a16:creationId xmlns:a16="http://schemas.microsoft.com/office/drawing/2014/main" id="{720EA564-B13F-42C4-860D-AEBA64E1691A}"/>
+                <a16:creationId xmlns:a16="http://schemas.microsoft.com/office/drawing/2014/main" id="{7BA7C796-357C-4D8F-A7CA-20BDA76C8189}"/>
               </a:ext>
             </a:extLst>
           </p:cNvPr>
@@ -8211,18 +9761,18 @@
         </p:nvGrpSpPr>
         <p:grpSpPr>
           <a:xfrm>
-            <a:off x="389239" y="1690687"/>
-            <a:ext cx="9127524" cy="5134233"/>
-            <a:chOff x="389239" y="1690688"/>
-            <a:chExt cx="9127524" cy="5134233"/>
+            <a:off x="346708" y="1690686"/>
+            <a:ext cx="9127524" cy="5134232"/>
+            <a:chOff x="346708" y="1733218"/>
+            <a:chExt cx="9127524" cy="5134232"/>
           </a:xfrm>
         </p:grpSpPr>
         <p:pic>
           <p:nvPicPr>
-            <p:cNvPr id="20" name="Picture 19">
+            <p:cNvPr id="37" name="Picture 36">
               <a:extLst>
                 <a:ext uri="{FF2B5EF4-FFF2-40B4-BE49-F238E27FC236}">
-                  <a16:creationId xmlns:a16="http://schemas.microsoft.com/office/drawing/2014/main" id="{88EBEBA2-80E2-4D09-B6A2-73EBC0ABC6D8}"/>
+                  <a16:creationId xmlns:a16="http://schemas.microsoft.com/office/drawing/2014/main" id="{83E96CE7-12EA-46D5-AFF8-E2F71993E58B}"/>
                 </a:ext>
               </a:extLst>
             </p:cNvPr>
@@ -8232,7 +9782,7 @@
             <p:nvPr/>
           </p:nvPicPr>
           <p:blipFill>
-            <a:blip r:embed="rId2">
+            <a:blip r:embed="rId3">
               <a:extLst>
                 <a:ext uri="{28A0092B-C50C-407E-A947-70E740481C1C}">
                   <a14:useLocalDpi xmlns:a14="http://schemas.microsoft.com/office/drawing/2010/main" val="0"/>
@@ -8245,8 +9795,8 @@
           </p:blipFill>
           <p:spPr>
             <a:xfrm>
-              <a:off x="389239" y="1690688"/>
-              <a:ext cx="9127524" cy="5134233"/>
+              <a:off x="346708" y="1733218"/>
+              <a:ext cx="9127524" cy="5134232"/>
             </a:xfrm>
             <a:prstGeom prst="rect">
               <a:avLst/>
@@ -8255,10 +9805,10 @@
         </p:pic>
         <p:sp>
           <p:nvSpPr>
-            <p:cNvPr id="21" name="Oval 20">
+            <p:cNvPr id="38" name="Oval 37">
               <a:extLst>
                 <a:ext uri="{FF2B5EF4-FFF2-40B4-BE49-F238E27FC236}">
-                  <a16:creationId xmlns:a16="http://schemas.microsoft.com/office/drawing/2014/main" id="{4E728623-5F13-4B70-9C30-D715BE643D85}"/>
+                  <a16:creationId xmlns:a16="http://schemas.microsoft.com/office/drawing/2014/main" id="{D313076F-8B68-4C08-B67F-FBDF8DBF9B6B}"/>
                 </a:ext>
               </a:extLst>
             </p:cNvPr>
@@ -8267,7 +9817,7 @@
           </p:nvSpPr>
           <p:spPr>
             <a:xfrm rot="195523">
-              <a:off x="1157864" y="2022735"/>
+              <a:off x="1157863" y="2065265"/>
               <a:ext cx="4396145" cy="623644"/>
             </a:xfrm>
             <a:prstGeom prst="ellipse">
@@ -8314,10 +9864,10 @@
         </p:sp>
         <p:sp>
           <p:nvSpPr>
-            <p:cNvPr id="22" name="Oval 21">
+            <p:cNvPr id="39" name="Oval 38">
               <a:extLst>
                 <a:ext uri="{FF2B5EF4-FFF2-40B4-BE49-F238E27FC236}">
-                  <a16:creationId xmlns:a16="http://schemas.microsoft.com/office/drawing/2014/main" id="{819F1518-4619-471A-B4F7-B85BE14D6919}"/>
+                  <a16:creationId xmlns:a16="http://schemas.microsoft.com/office/drawing/2014/main" id="{AE94D7AA-7D3A-466B-8EF6-D44A27E62AAC}"/>
                 </a:ext>
               </a:extLst>
             </p:cNvPr>
@@ -8326,7 +9876,7 @@
           </p:nvSpPr>
           <p:spPr>
             <a:xfrm rot="854353">
-              <a:off x="3007594" y="2320127"/>
+              <a:off x="3007593" y="2362657"/>
               <a:ext cx="2859623" cy="551428"/>
             </a:xfrm>
             <a:prstGeom prst="ellipse">
@@ -8373,10 +9923,10 @@
         </p:sp>
         <p:sp>
           <p:nvSpPr>
-            <p:cNvPr id="23" name="Oval 22">
+            <p:cNvPr id="40" name="Oval 39">
               <a:extLst>
                 <a:ext uri="{FF2B5EF4-FFF2-40B4-BE49-F238E27FC236}">
-                  <a16:creationId xmlns:a16="http://schemas.microsoft.com/office/drawing/2014/main" id="{B229DCEC-54A3-4F85-B92F-A5F1779BBD2D}"/>
+                  <a16:creationId xmlns:a16="http://schemas.microsoft.com/office/drawing/2014/main" id="{51032DDE-7990-4A5C-83D9-C6704E8076BF}"/>
                 </a:ext>
               </a:extLst>
             </p:cNvPr>
@@ -8385,7 +9935,7 @@
           </p:nvSpPr>
           <p:spPr>
             <a:xfrm rot="1452406">
-              <a:off x="4474155" y="2378139"/>
+              <a:off x="4474154" y="2420669"/>
               <a:ext cx="2119017" cy="651214"/>
             </a:xfrm>
             <a:prstGeom prst="ellipse">
@@ -8432,10 +9982,10 @@
         </p:sp>
         <p:sp>
           <p:nvSpPr>
-            <p:cNvPr id="24" name="Oval 23">
+            <p:cNvPr id="41" name="Oval 40">
               <a:extLst>
                 <a:ext uri="{FF2B5EF4-FFF2-40B4-BE49-F238E27FC236}">
-                  <a16:creationId xmlns:a16="http://schemas.microsoft.com/office/drawing/2014/main" id="{1EDF5BB3-69B8-4716-8A7B-FA85E627A18C}"/>
+                  <a16:creationId xmlns:a16="http://schemas.microsoft.com/office/drawing/2014/main" id="{DF62A5A3-B2BC-4ED0-AC8A-1BCF3842F307}"/>
                 </a:ext>
               </a:extLst>
             </p:cNvPr>
@@ -8444,7 +9994,7 @@
           </p:nvSpPr>
           <p:spPr>
             <a:xfrm rot="948200">
-              <a:off x="4998811" y="2764530"/>
+              <a:off x="4998810" y="2807060"/>
               <a:ext cx="1785462" cy="518794"/>
             </a:xfrm>
             <a:prstGeom prst="ellipse">
@@ -8491,10 +10041,10 @@
         </p:sp>
         <p:sp>
           <p:nvSpPr>
-            <p:cNvPr id="25" name="Oval 7">
+            <p:cNvPr id="42" name="Oval 7">
               <a:extLst>
                 <a:ext uri="{FF2B5EF4-FFF2-40B4-BE49-F238E27FC236}">
-                  <a16:creationId xmlns:a16="http://schemas.microsoft.com/office/drawing/2014/main" id="{D3B4A748-8A39-46B3-9885-8AFEB8CEAD46}"/>
+                  <a16:creationId xmlns:a16="http://schemas.microsoft.com/office/drawing/2014/main" id="{7EBCB440-1C4A-4362-B751-9441FB5FAA59}"/>
                 </a:ext>
               </a:extLst>
             </p:cNvPr>
@@ -8503,7 +10053,7 @@
           </p:nvSpPr>
           <p:spPr>
             <a:xfrm rot="19782882">
-              <a:off x="4764949" y="3515804"/>
+              <a:off x="4764948" y="3558334"/>
               <a:ext cx="2328297" cy="918958"/>
             </a:xfrm>
             <a:custGeom>
@@ -8679,10 +10229,10 @@
         </p:sp>
         <p:sp>
           <p:nvSpPr>
-            <p:cNvPr id="26" name="Oval 25">
+            <p:cNvPr id="43" name="Oval 42">
               <a:extLst>
                 <a:ext uri="{FF2B5EF4-FFF2-40B4-BE49-F238E27FC236}">
-                  <a16:creationId xmlns:a16="http://schemas.microsoft.com/office/drawing/2014/main" id="{8C7068B6-BD4B-48FF-9065-E057E98B5C23}"/>
+                  <a16:creationId xmlns:a16="http://schemas.microsoft.com/office/drawing/2014/main" id="{F35B6E47-D571-44E6-AA18-BCBAD8846C35}"/>
                 </a:ext>
               </a:extLst>
             </p:cNvPr>
@@ -8691,7 +10241,7 @@
           </p:nvSpPr>
           <p:spPr>
             <a:xfrm rot="19982892">
-              <a:off x="5772028" y="3669209"/>
+              <a:off x="5772027" y="3711739"/>
               <a:ext cx="898719" cy="239722"/>
             </a:xfrm>
             <a:prstGeom prst="ellipse">
@@ -8738,10 +10288,10 @@
         </p:sp>
         <p:sp>
           <p:nvSpPr>
-            <p:cNvPr id="27" name="Oval 26">
+            <p:cNvPr id="44" name="Oval 43">
               <a:extLst>
                 <a:ext uri="{FF2B5EF4-FFF2-40B4-BE49-F238E27FC236}">
-                  <a16:creationId xmlns:a16="http://schemas.microsoft.com/office/drawing/2014/main" id="{D80CA511-5DCD-473D-83BD-E0D2936A0C54}"/>
+                  <a16:creationId xmlns:a16="http://schemas.microsoft.com/office/drawing/2014/main" id="{ECF0DE5D-E7E5-4264-9E30-44870E3FD0F7}"/>
                 </a:ext>
               </a:extLst>
             </p:cNvPr>
@@ -8750,7 +10300,7 @@
           </p:nvSpPr>
           <p:spPr>
             <a:xfrm rot="1335587">
-              <a:off x="6360329" y="5051963"/>
+              <a:off x="6360328" y="5094493"/>
               <a:ext cx="1155153" cy="371538"/>
             </a:xfrm>
             <a:prstGeom prst="ellipse">
@@ -8797,10 +10347,10 @@
         </p:sp>
         <p:sp>
           <p:nvSpPr>
-            <p:cNvPr id="28" name="Oval 11">
+            <p:cNvPr id="45" name="Oval 11">
               <a:extLst>
                 <a:ext uri="{FF2B5EF4-FFF2-40B4-BE49-F238E27FC236}">
-                  <a16:creationId xmlns:a16="http://schemas.microsoft.com/office/drawing/2014/main" id="{C888AFF2-C064-436A-8935-25DCDE423929}"/>
+                  <a16:creationId xmlns:a16="http://schemas.microsoft.com/office/drawing/2014/main" id="{C051999B-52F1-4CFC-A573-3C76DD49E0E7}"/>
                 </a:ext>
               </a:extLst>
             </p:cNvPr>
@@ -8809,7 +10359,7 @@
           </p:nvSpPr>
           <p:spPr>
             <a:xfrm rot="1713555">
-              <a:off x="5583569" y="4783017"/>
+              <a:off x="5583568" y="4825547"/>
               <a:ext cx="1754010" cy="973972"/>
             </a:xfrm>
             <a:custGeom>
@@ -9115,10 +10665,10 @@
         </p:sp>
         <p:sp>
           <p:nvSpPr>
-            <p:cNvPr id="29" name="Oval 12">
+            <p:cNvPr id="46" name="Oval 12">
               <a:extLst>
                 <a:ext uri="{FF2B5EF4-FFF2-40B4-BE49-F238E27FC236}">
-                  <a16:creationId xmlns:a16="http://schemas.microsoft.com/office/drawing/2014/main" id="{0E1657A6-D197-4B0F-99F7-6906E32244BD}"/>
+                  <a16:creationId xmlns:a16="http://schemas.microsoft.com/office/drawing/2014/main" id="{2598162B-3E5C-4799-B092-09363886731B}"/>
                 </a:ext>
               </a:extLst>
             </p:cNvPr>
@@ -9127,7 +10677,7 @@
           </p:nvSpPr>
           <p:spPr>
             <a:xfrm rot="19782882">
-              <a:off x="3459590" y="5127447"/>
+              <a:off x="3459589" y="5169977"/>
               <a:ext cx="3613385" cy="1528388"/>
             </a:xfrm>
             <a:custGeom>
@@ -9373,10 +10923,10 @@
         </p:sp>
         <p:sp>
           <p:nvSpPr>
-            <p:cNvPr id="30" name="Oval 13">
+            <p:cNvPr id="47" name="Oval 13">
               <a:extLst>
                 <a:ext uri="{FF2B5EF4-FFF2-40B4-BE49-F238E27FC236}">
-                  <a16:creationId xmlns:a16="http://schemas.microsoft.com/office/drawing/2014/main" id="{CD7DC3F7-298D-4178-9479-46D3945BA338}"/>
+                  <a16:creationId xmlns:a16="http://schemas.microsoft.com/office/drawing/2014/main" id="{4D214CA9-8628-4435-93CB-122D0D850403}"/>
                 </a:ext>
               </a:extLst>
             </p:cNvPr>
@@ -9385,7 +10935,7 @@
           </p:nvSpPr>
           <p:spPr>
             <a:xfrm rot="948200">
-              <a:off x="5380518" y="5507446"/>
+              <a:off x="5380517" y="5549976"/>
               <a:ext cx="1241771" cy="513225"/>
             </a:xfrm>
             <a:custGeom>
@@ -9581,10 +11131,10 @@
         </p:sp>
         <p:sp>
           <p:nvSpPr>
-            <p:cNvPr id="31" name="Oval 14">
+            <p:cNvPr id="48" name="Oval 14">
               <a:extLst>
                 <a:ext uri="{FF2B5EF4-FFF2-40B4-BE49-F238E27FC236}">
-                  <a16:creationId xmlns:a16="http://schemas.microsoft.com/office/drawing/2014/main" id="{73122179-70FD-4C9A-9B9B-6014EF7A7B82}"/>
+                  <a16:creationId xmlns:a16="http://schemas.microsoft.com/office/drawing/2014/main" id="{9012EB8E-EAE3-4378-8650-1BC4BCA443E8}"/>
                 </a:ext>
               </a:extLst>
             </p:cNvPr>
@@ -9593,7 +11143,7 @@
           </p:nvSpPr>
           <p:spPr>
             <a:xfrm>
-              <a:off x="5926682" y="5538309"/>
+              <a:off x="5926681" y="5580839"/>
               <a:ext cx="749586" cy="305621"/>
             </a:xfrm>
             <a:custGeom>
@@ -9778,89 +11328,6 @@
   <p:clrMapOvr>
     <a:masterClrMapping/>
   </p:clrMapOvr>
-  <p:timing>
-    <p:tnLst>
-      <p:par>
-        <p:cTn id="1" dur="indefinite" restart="never" nodeType="tmRoot">
-          <p:childTnLst>
-            <p:seq concurrent="1" nextAc="seek">
-              <p:cTn id="2" dur="indefinite" nodeType="mainSeq">
-                <p:childTnLst>
-                  <p:par>
-                    <p:cTn id="3" fill="hold">
-                      <p:stCondLst>
-                        <p:cond delay="indefinite"/>
-                      </p:stCondLst>
-                      <p:childTnLst>
-                        <p:par>
-                          <p:cTn id="4" fill="hold">
-                            <p:stCondLst>
-                              <p:cond delay="0"/>
-                            </p:stCondLst>
-                            <p:childTnLst>
-                              <p:par>
-                                <p:cTn id="5" presetID="10" presetClass="entr" presetSubtype="0" fill="hold" nodeType="clickEffect">
-                                  <p:stCondLst>
-                                    <p:cond delay="0"/>
-                                  </p:stCondLst>
-                                  <p:childTnLst>
-                                    <p:set>
-                                      <p:cBhvr>
-                                        <p:cTn id="6" dur="1" fill="hold">
-                                          <p:stCondLst>
-                                            <p:cond delay="0"/>
-                                          </p:stCondLst>
-                                        </p:cTn>
-                                        <p:tgtEl>
-                                          <p:spTgt spid="19"/>
-                                        </p:tgtEl>
-                                        <p:attrNameLst>
-                                          <p:attrName>style.visibility</p:attrName>
-                                        </p:attrNameLst>
-                                      </p:cBhvr>
-                                      <p:to>
-                                        <p:strVal val="visible"/>
-                                      </p:to>
-                                    </p:set>
-                                    <p:animEffect transition="in" filter="fade">
-                                      <p:cBhvr>
-                                        <p:cTn id="7" dur="1000"/>
-                                        <p:tgtEl>
-                                          <p:spTgt spid="19"/>
-                                        </p:tgtEl>
-                                      </p:cBhvr>
-                                    </p:animEffect>
-                                  </p:childTnLst>
-                                </p:cTn>
-                              </p:par>
-                            </p:childTnLst>
-                          </p:cTn>
-                        </p:par>
-                      </p:childTnLst>
-                    </p:cTn>
-                  </p:par>
-                </p:childTnLst>
-              </p:cTn>
-              <p:prevCondLst>
-                <p:cond evt="onPrev" delay="0">
-                  <p:tgtEl>
-                    <p:sldTgt/>
-                  </p:tgtEl>
-                </p:cond>
-              </p:prevCondLst>
-              <p:nextCondLst>
-                <p:cond evt="onNext" delay="0">
-                  <p:tgtEl>
-                    <p:sldTgt/>
-                  </p:tgtEl>
-                </p:cond>
-              </p:nextCondLst>
-            </p:seq>
-          </p:childTnLst>
-        </p:cTn>
-      </p:par>
-    </p:tnLst>
-  </p:timing>
 </p:sld>
 </file>
 
